--- a/primestudy/【TK_Edit】Prime_Study_02.pptx
+++ b/primestudy/【TK_Edit】Prime_Study_02.pptx
@@ -6,29 +6,30 @@
     <p:sldMasterId id="2147483660" r:id="rId2"/>
   </p:sldMasterIdLst>
   <p:notesMasterIdLst>
-    <p:notesMasterId r:id="rId20"/>
+    <p:notesMasterId r:id="rId21"/>
   </p:notesMasterIdLst>
   <p:handoutMasterIdLst>
-    <p:handoutMasterId r:id="rId21"/>
+    <p:handoutMasterId r:id="rId22"/>
   </p:handoutMasterIdLst>
   <p:sldIdLst>
     <p:sldId id="300" r:id="rId3"/>
     <p:sldId id="301" r:id="rId4"/>
-    <p:sldId id="302" r:id="rId5"/>
-    <p:sldId id="303" r:id="rId6"/>
-    <p:sldId id="304" r:id="rId7"/>
-    <p:sldId id="306" r:id="rId8"/>
-    <p:sldId id="318" r:id="rId9"/>
-    <p:sldId id="307" r:id="rId10"/>
-    <p:sldId id="309" r:id="rId11"/>
-    <p:sldId id="310" r:id="rId12"/>
-    <p:sldId id="311" r:id="rId13"/>
-    <p:sldId id="312" r:id="rId14"/>
-    <p:sldId id="313" r:id="rId15"/>
-    <p:sldId id="314" r:id="rId16"/>
-    <p:sldId id="315" r:id="rId17"/>
-    <p:sldId id="316" r:id="rId18"/>
-    <p:sldId id="317" r:id="rId19"/>
+    <p:sldId id="319" r:id="rId5"/>
+    <p:sldId id="302" r:id="rId6"/>
+    <p:sldId id="303" r:id="rId7"/>
+    <p:sldId id="304" r:id="rId8"/>
+    <p:sldId id="306" r:id="rId9"/>
+    <p:sldId id="318" r:id="rId10"/>
+    <p:sldId id="307" r:id="rId11"/>
+    <p:sldId id="309" r:id="rId12"/>
+    <p:sldId id="310" r:id="rId13"/>
+    <p:sldId id="311" r:id="rId14"/>
+    <p:sldId id="312" r:id="rId15"/>
+    <p:sldId id="313" r:id="rId16"/>
+    <p:sldId id="314" r:id="rId17"/>
+    <p:sldId id="315" r:id="rId18"/>
+    <p:sldId id="316" r:id="rId19"/>
+    <p:sldId id="317" r:id="rId20"/>
   </p:sldIdLst>
   <p:sldSz cx="18288000" cy="10287000"/>
   <p:notesSz cx="6858000" cy="9144000"/>
@@ -149,6 +150,83 @@
 </p:presentation>
 </file>
 
+<file path=ppt/revisionInfo.xml><?xml version="1.0" encoding="utf-8"?>
+<p1510:revInfo xmlns:a="http://schemas.openxmlformats.org/drawingml/2006/main" xmlns:r="http://schemas.openxmlformats.org/officeDocument/2006/relationships" xmlns:p1510="http://schemas.microsoft.com/office/powerpoint/2015/10/main">
+  <p1510:revLst>
+    <p1510:client id="{135F5FE8-AF79-462E-B37C-C77BC68B231B}" v="18" dt="2026-02-13T22:13:20.849"/>
+  </p1510:revLst>
+</p1510:revInfo>
+</file>
+
+<file path=ppt/changesInfos/changesInfo1.xml><?xml version="1.0" encoding="utf-8"?>
+<pc:chgInfo xmlns:a="http://schemas.openxmlformats.org/drawingml/2006/main" xmlns:r="http://schemas.openxmlformats.org/officeDocument/2006/relationships" xmlns:ac="http://schemas.microsoft.com/office/drawing/2013/main/command" xmlns:pc="http://schemas.microsoft.com/office/powerpoint/2013/main/command">
+  <pc:docChgLst>
+    <pc:chgData name="Hiro Toku" userId="a9584955e88dab94" providerId="LiveId" clId="{E98FED1A-6CB8-496C-B697-6411346F43DD}"/>
+    <pc:docChg chg="undo custSel addSld modSld">
+      <pc:chgData name="Hiro Toku" userId="a9584955e88dab94" providerId="LiveId" clId="{E98FED1A-6CB8-496C-B697-6411346F43DD}" dt="2026-02-13T22:13:33.079" v="151" actId="20577"/>
+      <pc:docMkLst>
+        <pc:docMk/>
+      </pc:docMkLst>
+      <pc:sldChg chg="addSp delSp modSp add mod">
+        <pc:chgData name="Hiro Toku" userId="a9584955e88dab94" providerId="LiveId" clId="{E98FED1A-6CB8-496C-B697-6411346F43DD}" dt="2026-02-13T22:13:33.079" v="151" actId="20577"/>
+        <pc:sldMkLst>
+          <pc:docMk/>
+          <pc:sldMk cId="4169604282" sldId="319"/>
+        </pc:sldMkLst>
+        <pc:spChg chg="del">
+          <ac:chgData name="Hiro Toku" userId="a9584955e88dab94" providerId="LiveId" clId="{E98FED1A-6CB8-496C-B697-6411346F43DD}" dt="2026-02-13T22:12:43.206" v="30" actId="478"/>
+          <ac:spMkLst>
+            <pc:docMk/>
+            <pc:sldMk cId="4169604282" sldId="319"/>
+            <ac:spMk id="5" creationId="{8B7A844D-DCCC-8A54-B932-9D1FDD112757}"/>
+          </ac:spMkLst>
+        </pc:spChg>
+        <pc:spChg chg="add mod">
+          <ac:chgData name="Hiro Toku" userId="a9584955e88dab94" providerId="LiveId" clId="{E98FED1A-6CB8-496C-B697-6411346F43DD}" dt="2026-02-13T22:12:37.089" v="29" actId="1076"/>
+          <ac:spMkLst>
+            <pc:docMk/>
+            <pc:sldMk cId="4169604282" sldId="319"/>
+            <ac:spMk id="7" creationId="{9FBE1F8B-03C2-8A24-A5BE-E476891A163E}"/>
+          </ac:spMkLst>
+        </pc:spChg>
+        <pc:spChg chg="del mod">
+          <ac:chgData name="Hiro Toku" userId="a9584955e88dab94" providerId="LiveId" clId="{E98FED1A-6CB8-496C-B697-6411346F43DD}" dt="2026-02-13T22:10:31.294" v="2" actId="478"/>
+          <ac:spMkLst>
+            <pc:docMk/>
+            <pc:sldMk cId="4169604282" sldId="319"/>
+            <ac:spMk id="17" creationId="{3250241C-4799-0008-381B-BD40C72A51D9}"/>
+          </ac:spMkLst>
+        </pc:spChg>
+        <pc:spChg chg="del">
+          <ac:chgData name="Hiro Toku" userId="a9584955e88dab94" providerId="LiveId" clId="{E98FED1A-6CB8-496C-B697-6411346F43DD}" dt="2026-02-13T22:10:33.145" v="3" actId="478"/>
+          <ac:spMkLst>
+            <pc:docMk/>
+            <pc:sldMk cId="4169604282" sldId="319"/>
+            <ac:spMk id="18" creationId="{F86C4ABC-C0D9-2374-8430-097882A2E7EC}"/>
+          </ac:spMkLst>
+        </pc:spChg>
+        <pc:graphicFrameChg chg="add mod">
+          <ac:chgData name="Hiro Toku" userId="a9584955e88dab94" providerId="LiveId" clId="{E98FED1A-6CB8-496C-B697-6411346F43DD}" dt="2026-02-13T22:10:43.822" v="4"/>
+          <ac:graphicFrameMkLst>
+            <pc:docMk/>
+            <pc:sldMk cId="4169604282" sldId="319"/>
+            <ac:graphicFrameMk id="2" creationId="{892D93ED-D4AA-94D2-EB7A-A2BB75FA4912}"/>
+          </ac:graphicFrameMkLst>
+        </pc:graphicFrameChg>
+        <pc:graphicFrameChg chg="add mod modGraphic">
+          <ac:chgData name="Hiro Toku" userId="a9584955e88dab94" providerId="LiveId" clId="{E98FED1A-6CB8-496C-B697-6411346F43DD}" dt="2026-02-13T22:13:33.079" v="151" actId="20577"/>
+          <ac:graphicFrameMkLst>
+            <pc:docMk/>
+            <pc:sldMk cId="4169604282" sldId="319"/>
+            <ac:graphicFrameMk id="6" creationId="{3682EE7C-2D59-09FF-2201-9000B0F89121}"/>
+          </ac:graphicFrameMkLst>
+        </pc:graphicFrameChg>
+      </pc:sldChg>
+    </pc:docChg>
+  </pc:docChgLst>
+</pc:chgInfo>
+</file>
+
 <file path=ppt/handoutMasters/handoutMaster1.xml><?xml version="1.0" encoding="utf-8"?>
 <p:handoutMaster xmlns:a="http://schemas.openxmlformats.org/drawingml/2006/main" xmlns:r="http://schemas.openxmlformats.org/officeDocument/2006/relationships" xmlns:p="http://schemas.openxmlformats.org/presentationml/2006/main">
   <p:cSld>
@@ -231,7 +309,7 @@
           <a:p>
             <a:fld id="{30DB6074-3ABC-45E1-B916-FEC97060DD13}" type="datetimeFigureOut">
               <a:rPr lang="en-US" smtClean="0"/>
-              <a:t>9/11/2025</a:t>
+              <a:t>2/14/2026</a:t>
             </a:fld>
             <a:endParaRPr lang="en-US"/>
           </a:p>
@@ -396,7 +474,7 @@
           <a:p>
             <a:fld id="{CFD09915-3BD3-4C61-BDA5-20689B9856F8}" type="datetimeFigureOut">
               <a:rPr lang="en-US" smtClean="0"/>
-              <a:t>9/11/2025</a:t>
+              <a:t>2/14/2026</a:t>
             </a:fld>
             <a:endParaRPr lang="en-US"/>
           </a:p>
@@ -11200,6 +11278,1682 @@
 </file>
 
 <file path=ppt/slides/slide10.xml><?xml version="1.0" encoding="utf-8"?>
+<p:sld xmlns:a="http://schemas.openxmlformats.org/drawingml/2006/main" xmlns:r="http://schemas.openxmlformats.org/officeDocument/2006/relationships" xmlns:p="http://schemas.openxmlformats.org/presentationml/2006/main">
+  <p:cSld>
+    <p:spTree>
+      <p:nvGrpSpPr>
+        <p:cNvPr id="1" name="">
+          <a:extLst>
+            <a:ext uri="{FF2B5EF4-FFF2-40B4-BE49-F238E27FC236}">
+              <a16:creationId xmlns:a16="http://schemas.microsoft.com/office/drawing/2014/main" id="{269BBBCF-6B05-9D74-EC7C-5A575E57D714}"/>
+            </a:ext>
+          </a:extLst>
+        </p:cNvPr>
+        <p:cNvGrpSpPr/>
+        <p:nvPr/>
+      </p:nvGrpSpPr>
+      <p:grpSpPr>
+        <a:xfrm>
+          <a:off x="0" y="0"/>
+          <a:ext cx="0" cy="0"/>
+          <a:chOff x="0" y="0"/>
+          <a:chExt cx="0" cy="0"/>
+        </a:xfrm>
+      </p:grpSpPr>
+      <p:sp>
+        <p:nvSpPr>
+          <p:cNvPr id="8" name="タイトル 7">
+            <a:extLst>
+              <a:ext uri="{FF2B5EF4-FFF2-40B4-BE49-F238E27FC236}">
+                <a16:creationId xmlns:a16="http://schemas.microsoft.com/office/drawing/2014/main" id="{4EFC323A-7E68-8CC9-791B-3EBC2B1FF8C3}"/>
+              </a:ext>
+            </a:extLst>
+          </p:cNvPr>
+          <p:cNvSpPr>
+            <a:spLocks noGrp="1"/>
+          </p:cNvSpPr>
+          <p:nvPr>
+            <p:ph type="title"/>
+          </p:nvPr>
+        </p:nvSpPr>
+        <p:spPr>
+          <a:xfrm>
+            <a:off x="522775" y="348253"/>
+            <a:ext cx="17646914" cy="770016"/>
+          </a:xfrm>
+        </p:spPr>
+        <p:txBody>
+          <a:bodyPr/>
+          <a:lstStyle/>
+          <a:p>
+            <a:r>
+              <a:rPr lang="en-US" altLang="ja-JP" dirty="0">
+                <a:solidFill>
+                  <a:schemeClr val="bg1"/>
+                </a:solidFill>
+                <a:latin typeface="Noto Sans JP" panose="020B0200000000000000" pitchFamily="50" charset="-128"/>
+                <a:ea typeface="Noto Sans JP" panose="020B0200000000000000" pitchFamily="50" charset="-128"/>
+              </a:rPr>
+              <a:t>31.</a:t>
+            </a:r>
+            <a:r>
+              <a:rPr lang="ja-JP" altLang="en-US" dirty="0">
+                <a:solidFill>
+                  <a:schemeClr val="bg1"/>
+                </a:solidFill>
+                <a:latin typeface="Noto Sans JP" panose="020B0200000000000000" pitchFamily="50" charset="-128"/>
+                <a:ea typeface="Noto Sans JP" panose="020B0200000000000000" pitchFamily="50" charset="-128"/>
+              </a:rPr>
+              <a:t>例外送出</a:t>
+            </a:r>
+          </a:p>
+        </p:txBody>
+      </p:sp>
+      <p:sp>
+        <p:nvSpPr>
+          <p:cNvPr id="3" name="フッター プレースホルダー 2">
+            <a:extLst>
+              <a:ext uri="{FF2B5EF4-FFF2-40B4-BE49-F238E27FC236}">
+                <a16:creationId xmlns:a16="http://schemas.microsoft.com/office/drawing/2014/main" id="{577CACBC-0A10-F3A1-A881-430901C030CF}"/>
+              </a:ext>
+            </a:extLst>
+          </p:cNvPr>
+          <p:cNvSpPr>
+            <a:spLocks noGrp="1"/>
+          </p:cNvSpPr>
+          <p:nvPr>
+            <p:ph type="ftr" sz="quarter" idx="10"/>
+          </p:nvPr>
+        </p:nvSpPr>
+        <p:spPr/>
+        <p:txBody>
+          <a:bodyPr/>
+          <a:lstStyle/>
+          <a:p>
+            <a:r>
+              <a:rPr lang="en-US" altLang="ja-JP" sz="2400" dirty="0">
+                <a:latin typeface="Noto Sans JP" panose="020B0200000000000000" pitchFamily="50" charset="-128"/>
+                <a:ea typeface="Noto Sans JP" panose="020B0200000000000000" pitchFamily="50" charset="-128"/>
+              </a:rPr>
+              <a:t>Prime Study </a:t>
+            </a:r>
+            <a:r>
+              <a:rPr lang="ja-JP" altLang="en-US" sz="2400" dirty="0">
+                <a:latin typeface="Noto Sans JP" panose="020B0200000000000000" pitchFamily="50" charset="-128"/>
+                <a:ea typeface="Noto Sans JP" panose="020B0200000000000000" pitchFamily="50" charset="-128"/>
+              </a:rPr>
+              <a:t>第</a:t>
+            </a:r>
+            <a:r>
+              <a:rPr lang="en-US" altLang="ja-JP" sz="2400" dirty="0">
+                <a:latin typeface="Noto Sans JP" panose="020B0200000000000000" pitchFamily="50" charset="-128"/>
+                <a:ea typeface="Noto Sans JP" panose="020B0200000000000000" pitchFamily="50" charset="-128"/>
+              </a:rPr>
+              <a:t>2</a:t>
+            </a:r>
+            <a:r>
+              <a:rPr lang="ja-JP" altLang="en-US" sz="2400" dirty="0">
+                <a:latin typeface="Noto Sans JP" panose="020B0200000000000000" pitchFamily="50" charset="-128"/>
+                <a:ea typeface="Noto Sans JP" panose="020B0200000000000000" pitchFamily="50" charset="-128"/>
+              </a:rPr>
+              <a:t>回</a:t>
+            </a:r>
+            <a:endParaRPr lang="en-US" altLang="ja-JP" sz="2400" dirty="0">
+              <a:latin typeface="Noto Sans JP" panose="020B0200000000000000" pitchFamily="50" charset="-128"/>
+              <a:ea typeface="Noto Sans JP" panose="020B0200000000000000" pitchFamily="50" charset="-128"/>
+            </a:endParaRPr>
+          </a:p>
+        </p:txBody>
+      </p:sp>
+      <p:sp>
+        <p:nvSpPr>
+          <p:cNvPr id="5" name="楕円 4">
+            <a:extLst>
+              <a:ext uri="{FF2B5EF4-FFF2-40B4-BE49-F238E27FC236}">
+                <a16:creationId xmlns:a16="http://schemas.microsoft.com/office/drawing/2014/main" id="{B3D131AB-BC46-0BDC-3DB4-EF8156B8559F}"/>
+              </a:ext>
+            </a:extLst>
+          </p:cNvPr>
+          <p:cNvSpPr/>
+          <p:nvPr/>
+        </p:nvSpPr>
+        <p:spPr>
+          <a:xfrm>
+            <a:off x="764094" y="5210342"/>
+            <a:ext cx="419100" cy="419100"/>
+          </a:xfrm>
+          <a:prstGeom prst="ellipse">
+            <a:avLst/>
+          </a:prstGeom>
+          <a:noFill/>
+          <a:ln w="38100">
+            <a:solidFill>
+              <a:srgbClr val="FF0000"/>
+            </a:solidFill>
+          </a:ln>
+        </p:spPr>
+        <p:style>
+          <a:lnRef idx="2">
+            <a:schemeClr val="accent1">
+              <a:shade val="50000"/>
+            </a:schemeClr>
+          </a:lnRef>
+          <a:fillRef idx="1">
+            <a:schemeClr val="accent1"/>
+          </a:fillRef>
+          <a:effectRef idx="0">
+            <a:schemeClr val="accent1"/>
+          </a:effectRef>
+          <a:fontRef idx="minor">
+            <a:schemeClr val="lt1"/>
+          </a:fontRef>
+        </p:style>
+        <p:txBody>
+          <a:bodyPr rtlCol="0" anchor="ctr"/>
+          <a:lstStyle/>
+          <a:p>
+            <a:pPr algn="ctr"/>
+            <a:endParaRPr kumimoji="1" lang="ja-JP" altLang="en-US" sz="4050"/>
+          </a:p>
+        </p:txBody>
+      </p:sp>
+      <p:pic>
+        <p:nvPicPr>
+          <p:cNvPr id="17" name="図 16">
+            <a:extLst>
+              <a:ext uri="{FF2B5EF4-FFF2-40B4-BE49-F238E27FC236}">
+                <a16:creationId xmlns:a16="http://schemas.microsoft.com/office/drawing/2014/main" id="{047B9161-3EC1-C43E-77EF-D11431B796DA}"/>
+              </a:ext>
+            </a:extLst>
+          </p:cNvPr>
+          <p:cNvPicPr>
+            <a:picLocks noChangeAspect="1"/>
+          </p:cNvPicPr>
+          <p:nvPr/>
+        </p:nvPicPr>
+        <p:blipFill>
+          <a:blip r:embed="rId2"/>
+          <a:stretch>
+            <a:fillRect/>
+          </a:stretch>
+        </p:blipFill>
+        <p:spPr>
+          <a:xfrm>
+            <a:off x="522775" y="1562036"/>
+            <a:ext cx="15146864" cy="914528"/>
+          </a:xfrm>
+          <a:prstGeom prst="rect">
+            <a:avLst/>
+          </a:prstGeom>
+        </p:spPr>
+      </p:pic>
+      <p:pic>
+        <p:nvPicPr>
+          <p:cNvPr id="4" name="図 3">
+            <a:extLst>
+              <a:ext uri="{FF2B5EF4-FFF2-40B4-BE49-F238E27FC236}">
+                <a16:creationId xmlns:a16="http://schemas.microsoft.com/office/drawing/2014/main" id="{C3830470-C6EF-DC01-66B1-26020BDDB9E9}"/>
+              </a:ext>
+            </a:extLst>
+          </p:cNvPr>
+          <p:cNvPicPr>
+            <a:picLocks noChangeAspect="1"/>
+          </p:cNvPicPr>
+          <p:nvPr/>
+        </p:nvPicPr>
+        <p:blipFill>
+          <a:blip r:embed="rId3"/>
+          <a:stretch>
+            <a:fillRect/>
+          </a:stretch>
+        </p:blipFill>
+        <p:spPr>
+          <a:xfrm>
+            <a:off x="522775" y="2476564"/>
+            <a:ext cx="15146864" cy="7375351"/>
+          </a:xfrm>
+          <a:prstGeom prst="rect">
+            <a:avLst/>
+          </a:prstGeom>
+        </p:spPr>
+      </p:pic>
+      <p:pic>
+        <p:nvPicPr>
+          <p:cNvPr id="9" name="図 8">
+            <a:extLst>
+              <a:ext uri="{FF2B5EF4-FFF2-40B4-BE49-F238E27FC236}">
+                <a16:creationId xmlns:a16="http://schemas.microsoft.com/office/drawing/2014/main" id="{0F2CFC3D-7FC7-25B1-2DD1-DCC2CB7477AE}"/>
+              </a:ext>
+            </a:extLst>
+          </p:cNvPr>
+          <p:cNvPicPr>
+            <a:picLocks noChangeAspect="1"/>
+          </p:cNvPicPr>
+          <p:nvPr/>
+        </p:nvPicPr>
+        <p:blipFill>
+          <a:blip r:embed="rId4"/>
+          <a:stretch>
+            <a:fillRect/>
+          </a:stretch>
+        </p:blipFill>
+        <p:spPr>
+          <a:xfrm>
+            <a:off x="13030639" y="5596615"/>
+            <a:ext cx="4734586" cy="4124901"/>
+          </a:xfrm>
+          <a:prstGeom prst="rect">
+            <a:avLst/>
+          </a:prstGeom>
+          <a:ln w="38100">
+            <a:solidFill>
+              <a:srgbClr val="0066FF"/>
+            </a:solidFill>
+          </a:ln>
+        </p:spPr>
+      </p:pic>
+      <p:pic>
+        <p:nvPicPr>
+          <p:cNvPr id="11" name="図 10">
+            <a:extLst>
+              <a:ext uri="{FF2B5EF4-FFF2-40B4-BE49-F238E27FC236}">
+                <a16:creationId xmlns:a16="http://schemas.microsoft.com/office/drawing/2014/main" id="{40B8C608-A5C5-4C2E-7BC3-76876452D1AD}"/>
+              </a:ext>
+            </a:extLst>
+          </p:cNvPr>
+          <p:cNvPicPr>
+            <a:picLocks noChangeAspect="1"/>
+          </p:cNvPicPr>
+          <p:nvPr/>
+        </p:nvPicPr>
+        <p:blipFill>
+          <a:blip r:embed="rId5"/>
+          <a:stretch>
+            <a:fillRect/>
+          </a:stretch>
+        </p:blipFill>
+        <p:spPr>
+          <a:xfrm>
+            <a:off x="16564907" y="2476564"/>
+            <a:ext cx="1200318" cy="1267002"/>
+          </a:xfrm>
+          <a:prstGeom prst="rect">
+            <a:avLst/>
+          </a:prstGeom>
+          <a:ln w="28575">
+            <a:solidFill>
+              <a:schemeClr val="tx1"/>
+            </a:solidFill>
+          </a:ln>
+        </p:spPr>
+      </p:pic>
+      <p:sp>
+        <p:nvSpPr>
+          <p:cNvPr id="13" name="正方形/長方形 12">
+            <a:extLst>
+              <a:ext uri="{FF2B5EF4-FFF2-40B4-BE49-F238E27FC236}">
+                <a16:creationId xmlns:a16="http://schemas.microsoft.com/office/drawing/2014/main" id="{145A44A6-796F-79A1-E488-ADF7A0EFD8E1}"/>
+              </a:ext>
+            </a:extLst>
+          </p:cNvPr>
+          <p:cNvSpPr/>
+          <p:nvPr/>
+        </p:nvSpPr>
+        <p:spPr>
+          <a:xfrm>
+            <a:off x="948244" y="3200400"/>
+            <a:ext cx="512256" cy="330200"/>
+          </a:xfrm>
+          <a:prstGeom prst="rect">
+            <a:avLst/>
+          </a:prstGeom>
+          <a:noFill/>
+          <a:ln w="28575">
+            <a:solidFill>
+              <a:srgbClr val="FF0000"/>
+            </a:solidFill>
+          </a:ln>
+        </p:spPr>
+        <p:style>
+          <a:lnRef idx="2">
+            <a:schemeClr val="accent1">
+              <a:shade val="50000"/>
+            </a:schemeClr>
+          </a:lnRef>
+          <a:fillRef idx="1">
+            <a:schemeClr val="accent1"/>
+          </a:fillRef>
+          <a:effectRef idx="0">
+            <a:schemeClr val="accent1"/>
+          </a:effectRef>
+          <a:fontRef idx="minor">
+            <a:schemeClr val="lt1"/>
+          </a:fontRef>
+        </p:style>
+        <p:txBody>
+          <a:bodyPr rtlCol="0" anchor="ctr"/>
+          <a:lstStyle/>
+          <a:p>
+            <a:pPr algn="ctr"/>
+            <a:endParaRPr kumimoji="1" lang="ja-JP" altLang="en-US" sz="4050"/>
+          </a:p>
+        </p:txBody>
+      </p:sp>
+      <p:sp>
+        <p:nvSpPr>
+          <p:cNvPr id="16" name="正方形/長方形 15">
+            <a:extLst>
+              <a:ext uri="{FF2B5EF4-FFF2-40B4-BE49-F238E27FC236}">
+                <a16:creationId xmlns:a16="http://schemas.microsoft.com/office/drawing/2014/main" id="{0A220CB3-4358-F534-F820-53E03C6EB65C}"/>
+              </a:ext>
+            </a:extLst>
+          </p:cNvPr>
+          <p:cNvSpPr/>
+          <p:nvPr/>
+        </p:nvSpPr>
+        <p:spPr>
+          <a:xfrm>
+            <a:off x="1581552" y="4575645"/>
+            <a:ext cx="998241" cy="330200"/>
+          </a:xfrm>
+          <a:prstGeom prst="rect">
+            <a:avLst/>
+          </a:prstGeom>
+          <a:noFill/>
+          <a:ln w="28575">
+            <a:solidFill>
+              <a:srgbClr val="FF0000"/>
+            </a:solidFill>
+          </a:ln>
+        </p:spPr>
+        <p:style>
+          <a:lnRef idx="2">
+            <a:schemeClr val="accent1">
+              <a:shade val="50000"/>
+            </a:schemeClr>
+          </a:lnRef>
+          <a:fillRef idx="1">
+            <a:schemeClr val="accent1"/>
+          </a:fillRef>
+          <a:effectRef idx="0">
+            <a:schemeClr val="accent1"/>
+          </a:effectRef>
+          <a:fontRef idx="minor">
+            <a:schemeClr val="lt1"/>
+          </a:fontRef>
+        </p:style>
+        <p:txBody>
+          <a:bodyPr rtlCol="0" anchor="ctr"/>
+          <a:lstStyle/>
+          <a:p>
+            <a:pPr algn="ctr"/>
+            <a:endParaRPr kumimoji="1" lang="ja-JP" altLang="en-US" sz="4050"/>
+          </a:p>
+        </p:txBody>
+      </p:sp>
+      <p:sp>
+        <p:nvSpPr>
+          <p:cNvPr id="18" name="正方形/長方形 17">
+            <a:extLst>
+              <a:ext uri="{FF2B5EF4-FFF2-40B4-BE49-F238E27FC236}">
+                <a16:creationId xmlns:a16="http://schemas.microsoft.com/office/drawing/2014/main" id="{0DE282AB-F8FE-7BDE-A31F-237D03D3BEB9}"/>
+              </a:ext>
+            </a:extLst>
+          </p:cNvPr>
+          <p:cNvSpPr/>
+          <p:nvPr/>
+        </p:nvSpPr>
+        <p:spPr>
+          <a:xfrm>
+            <a:off x="1918056" y="2869531"/>
+            <a:ext cx="998241" cy="330200"/>
+          </a:xfrm>
+          <a:prstGeom prst="rect">
+            <a:avLst/>
+          </a:prstGeom>
+          <a:noFill/>
+          <a:ln w="28575">
+            <a:solidFill>
+              <a:srgbClr val="FF0000"/>
+            </a:solidFill>
+          </a:ln>
+        </p:spPr>
+        <p:style>
+          <a:lnRef idx="2">
+            <a:schemeClr val="accent1">
+              <a:shade val="50000"/>
+            </a:schemeClr>
+          </a:lnRef>
+          <a:fillRef idx="1">
+            <a:schemeClr val="accent1"/>
+          </a:fillRef>
+          <a:effectRef idx="0">
+            <a:schemeClr val="accent1"/>
+          </a:effectRef>
+          <a:fontRef idx="minor">
+            <a:schemeClr val="lt1"/>
+          </a:fontRef>
+        </p:style>
+        <p:txBody>
+          <a:bodyPr rtlCol="0" anchor="ctr"/>
+          <a:lstStyle/>
+          <a:p>
+            <a:pPr algn="ctr"/>
+            <a:endParaRPr kumimoji="1" lang="ja-JP" altLang="en-US" sz="4050"/>
+          </a:p>
+        </p:txBody>
+      </p:sp>
+      <p:sp>
+        <p:nvSpPr>
+          <p:cNvPr id="19" name="矢印: 右 18">
+            <a:extLst>
+              <a:ext uri="{FF2B5EF4-FFF2-40B4-BE49-F238E27FC236}">
+                <a16:creationId xmlns:a16="http://schemas.microsoft.com/office/drawing/2014/main" id="{38945112-408A-37AD-3768-7C8583FBF45F}"/>
+              </a:ext>
+            </a:extLst>
+          </p:cNvPr>
+          <p:cNvSpPr/>
+          <p:nvPr/>
+        </p:nvSpPr>
+        <p:spPr>
+          <a:xfrm>
+            <a:off x="3141224" y="2831431"/>
+            <a:ext cx="1645733" cy="217975"/>
+          </a:xfrm>
+          <a:prstGeom prst="rightArrow">
+            <a:avLst/>
+          </a:prstGeom>
+          <a:solidFill>
+            <a:srgbClr val="FF0000"/>
+          </a:solidFill>
+          <a:ln>
+            <a:noFill/>
+          </a:ln>
+        </p:spPr>
+        <p:style>
+          <a:lnRef idx="2">
+            <a:schemeClr val="accent1">
+              <a:shade val="50000"/>
+            </a:schemeClr>
+          </a:lnRef>
+          <a:fillRef idx="1">
+            <a:schemeClr val="accent1"/>
+          </a:fillRef>
+          <a:effectRef idx="0">
+            <a:schemeClr val="accent1"/>
+          </a:effectRef>
+          <a:fontRef idx="minor">
+            <a:schemeClr val="lt1"/>
+          </a:fontRef>
+        </p:style>
+        <p:txBody>
+          <a:bodyPr rtlCol="0" anchor="ctr"/>
+          <a:lstStyle/>
+          <a:p>
+            <a:pPr algn="ctr"/>
+            <a:endParaRPr kumimoji="1" lang="ja-JP" altLang="en-US" sz="4050"/>
+          </a:p>
+        </p:txBody>
+      </p:sp>
+      <p:sp>
+        <p:nvSpPr>
+          <p:cNvPr id="20" name="テキスト ボックス 19">
+            <a:extLst>
+              <a:ext uri="{FF2B5EF4-FFF2-40B4-BE49-F238E27FC236}">
+                <a16:creationId xmlns:a16="http://schemas.microsoft.com/office/drawing/2014/main" id="{177C6118-DE0B-4DEE-EC58-74343E1140FF}"/>
+              </a:ext>
+            </a:extLst>
+          </p:cNvPr>
+          <p:cNvSpPr txBox="1"/>
+          <p:nvPr/>
+        </p:nvSpPr>
+        <p:spPr>
+          <a:xfrm>
+            <a:off x="4870934" y="2627943"/>
+            <a:ext cx="9257663" cy="707886"/>
+          </a:xfrm>
+          <a:prstGeom prst="rect">
+            <a:avLst/>
+          </a:prstGeom>
+          <a:noFill/>
+          <a:ln>
+            <a:solidFill>
+              <a:srgbClr val="FF0000"/>
+            </a:solidFill>
+          </a:ln>
+        </p:spPr>
+        <p:txBody>
+          <a:bodyPr wrap="none" rtlCol="0">
+            <a:spAutoFit/>
+          </a:bodyPr>
+          <a:lstStyle/>
+          <a:p>
+            <a:r>
+              <a:rPr kumimoji="1" lang="ja-JP" altLang="en-US" sz="2000" dirty="0">
+                <a:solidFill>
+                  <a:schemeClr val="tx1">
+                    <a:lumMod val="85000"/>
+                    <a:lumOff val="15000"/>
+                  </a:schemeClr>
+                </a:solidFill>
+                <a:latin typeface="Noto Sans JP" panose="020B0200000000000000" pitchFamily="50" charset="-128"/>
+                <a:ea typeface="Noto Sans JP" panose="020B0200000000000000" pitchFamily="50" charset="-128"/>
+              </a:rPr>
+              <a:t>独自の例外クラス </a:t>
+            </a:r>
+            <a:r>
+              <a:rPr kumimoji="1" lang="en-US" altLang="ja-JP" sz="2000" dirty="0" err="1">
+                <a:solidFill>
+                  <a:schemeClr val="tx1">
+                    <a:lumMod val="85000"/>
+                    <a:lumOff val="15000"/>
+                  </a:schemeClr>
+                </a:solidFill>
+                <a:latin typeface="Noto Sans JP" panose="020B0200000000000000" pitchFamily="50" charset="-128"/>
+                <a:ea typeface="Noto Sans JP" panose="020B0200000000000000" pitchFamily="50" charset="-128"/>
+              </a:rPr>
+              <a:t>wexal</a:t>
+            </a:r>
+            <a:r>
+              <a:rPr kumimoji="1" lang="en-US" altLang="ja-JP" sz="2000" dirty="0">
+                <a:solidFill>
+                  <a:schemeClr val="tx1">
+                    <a:lumMod val="85000"/>
+                    <a:lumOff val="15000"/>
+                  </a:schemeClr>
+                </a:solidFill>
+                <a:latin typeface="Noto Sans JP" panose="020B0200000000000000" pitchFamily="50" charset="-128"/>
+                <a:ea typeface="Noto Sans JP" panose="020B0200000000000000" pitchFamily="50" charset="-128"/>
+              </a:rPr>
+              <a:t> </a:t>
+            </a:r>
+            <a:r>
+              <a:rPr kumimoji="1" lang="ja-JP" altLang="en-US" sz="2000" dirty="0">
+                <a:solidFill>
+                  <a:schemeClr val="tx1">
+                    <a:lumMod val="85000"/>
+                    <a:lumOff val="15000"/>
+                  </a:schemeClr>
+                </a:solidFill>
+                <a:latin typeface="Noto Sans JP" panose="020B0200000000000000" pitchFamily="50" charset="-128"/>
+                <a:ea typeface="Noto Sans JP" panose="020B0200000000000000" pitchFamily="50" charset="-128"/>
+              </a:rPr>
+              <a:t>を作るときに、</a:t>
+            </a:r>
+            <a:r>
+              <a:rPr kumimoji="1" lang="en-US" altLang="ja-JP" sz="2000" dirty="0">
+                <a:solidFill>
+                  <a:schemeClr val="tx1">
+                    <a:lumMod val="85000"/>
+                    <a:lumOff val="15000"/>
+                  </a:schemeClr>
+                </a:solidFill>
+                <a:latin typeface="Noto Sans JP" panose="020B0200000000000000" pitchFamily="50" charset="-128"/>
+                <a:ea typeface="Noto Sans JP" panose="020B0200000000000000" pitchFamily="50" charset="-128"/>
+              </a:rPr>
+              <a:t>Python</a:t>
+            </a:r>
+            <a:r>
+              <a:rPr kumimoji="1" lang="ja-JP" altLang="en-US" sz="2000" dirty="0">
+                <a:solidFill>
+                  <a:schemeClr val="tx1">
+                    <a:lumMod val="85000"/>
+                    <a:lumOff val="15000"/>
+                  </a:schemeClr>
+                </a:solidFill>
+                <a:latin typeface="Noto Sans JP" panose="020B0200000000000000" pitchFamily="50" charset="-128"/>
+                <a:ea typeface="Noto Sans JP" panose="020B0200000000000000" pitchFamily="50" charset="-128"/>
+              </a:rPr>
+              <a:t>の標準例外クラス </a:t>
+            </a:r>
+            <a:r>
+              <a:rPr kumimoji="1" lang="en-US" altLang="ja-JP" sz="2000" dirty="0">
+                <a:solidFill>
+                  <a:schemeClr val="tx1">
+                    <a:lumMod val="85000"/>
+                    <a:lumOff val="15000"/>
+                  </a:schemeClr>
+                </a:solidFill>
+                <a:latin typeface="Noto Sans JP" panose="020B0200000000000000" pitchFamily="50" charset="-128"/>
+                <a:ea typeface="Noto Sans JP" panose="020B0200000000000000" pitchFamily="50" charset="-128"/>
+              </a:rPr>
+              <a:t>Exception </a:t>
+            </a:r>
+            <a:r>
+              <a:rPr kumimoji="1" lang="ja-JP" altLang="en-US" sz="2000" dirty="0">
+                <a:solidFill>
+                  <a:schemeClr val="tx1">
+                    <a:lumMod val="85000"/>
+                    <a:lumOff val="15000"/>
+                  </a:schemeClr>
+                </a:solidFill>
+                <a:latin typeface="Noto Sans JP" panose="020B0200000000000000" pitchFamily="50" charset="-128"/>
+                <a:ea typeface="Noto Sans JP" panose="020B0200000000000000" pitchFamily="50" charset="-128"/>
+              </a:rPr>
+              <a:t>を</a:t>
+            </a:r>
+            <a:endParaRPr kumimoji="1" lang="en-US" altLang="ja-JP" sz="2000" dirty="0">
+              <a:solidFill>
+                <a:schemeClr val="tx1">
+                  <a:lumMod val="85000"/>
+                  <a:lumOff val="15000"/>
+                </a:schemeClr>
+              </a:solidFill>
+              <a:latin typeface="Noto Sans JP" panose="020B0200000000000000" pitchFamily="50" charset="-128"/>
+              <a:ea typeface="Noto Sans JP" panose="020B0200000000000000" pitchFamily="50" charset="-128"/>
+            </a:endParaRPr>
+          </a:p>
+          <a:p>
+            <a:r>
+              <a:rPr kumimoji="1" lang="ja-JP" altLang="en-US" sz="2000" dirty="0">
+                <a:solidFill>
+                  <a:schemeClr val="tx1">
+                    <a:lumMod val="85000"/>
+                    <a:lumOff val="15000"/>
+                  </a:schemeClr>
+                </a:solidFill>
+                <a:latin typeface="Noto Sans JP" panose="020B0200000000000000" pitchFamily="50" charset="-128"/>
+                <a:ea typeface="Noto Sans JP" panose="020B0200000000000000" pitchFamily="50" charset="-128"/>
+              </a:rPr>
+              <a:t>基にしているので </a:t>
+            </a:r>
+            <a:r>
+              <a:rPr kumimoji="1" lang="en-US" altLang="ja-JP" sz="2000" dirty="0" err="1">
+                <a:solidFill>
+                  <a:schemeClr val="tx1">
+                    <a:lumMod val="85000"/>
+                    <a:lumOff val="15000"/>
+                  </a:schemeClr>
+                </a:solidFill>
+                <a:latin typeface="Noto Sans JP" panose="020B0200000000000000" pitchFamily="50" charset="-128"/>
+                <a:ea typeface="Noto Sans JP" panose="020B0200000000000000" pitchFamily="50" charset="-128"/>
+              </a:rPr>
+              <a:t>wexal</a:t>
+            </a:r>
+            <a:r>
+              <a:rPr kumimoji="1" lang="en-US" altLang="ja-JP" sz="2000" dirty="0">
+                <a:solidFill>
+                  <a:schemeClr val="tx1">
+                    <a:lumMod val="85000"/>
+                    <a:lumOff val="15000"/>
+                  </a:schemeClr>
+                </a:solidFill>
+                <a:latin typeface="Noto Sans JP" panose="020B0200000000000000" pitchFamily="50" charset="-128"/>
+                <a:ea typeface="Noto Sans JP" panose="020B0200000000000000" pitchFamily="50" charset="-128"/>
+              </a:rPr>
+              <a:t> </a:t>
+            </a:r>
+            <a:r>
+              <a:rPr kumimoji="1" lang="ja-JP" altLang="en-US" sz="2000" dirty="0">
+                <a:solidFill>
+                  <a:schemeClr val="tx1">
+                    <a:lumMod val="85000"/>
+                    <a:lumOff val="15000"/>
+                  </a:schemeClr>
+                </a:solidFill>
+                <a:latin typeface="Noto Sans JP" panose="020B0200000000000000" pitchFamily="50" charset="-128"/>
+                <a:ea typeface="Noto Sans JP" panose="020B0200000000000000" pitchFamily="50" charset="-128"/>
+              </a:rPr>
+              <a:t>は </a:t>
+            </a:r>
+            <a:r>
+              <a:rPr kumimoji="1" lang="en-US" altLang="ja-JP" sz="2000" dirty="0">
+                <a:solidFill>
+                  <a:schemeClr val="tx1">
+                    <a:lumMod val="85000"/>
+                    <a:lumOff val="15000"/>
+                  </a:schemeClr>
+                </a:solidFill>
+                <a:latin typeface="Noto Sans JP" panose="020B0200000000000000" pitchFamily="50" charset="-128"/>
+                <a:ea typeface="Noto Sans JP" panose="020B0200000000000000" pitchFamily="50" charset="-128"/>
+              </a:rPr>
+              <a:t>Exception </a:t>
+            </a:r>
+            <a:r>
+              <a:rPr kumimoji="1" lang="ja-JP" altLang="en-US" sz="2000" dirty="0">
+                <a:solidFill>
+                  <a:schemeClr val="tx1">
+                    <a:lumMod val="85000"/>
+                    <a:lumOff val="15000"/>
+                  </a:schemeClr>
+                </a:solidFill>
+                <a:latin typeface="Noto Sans JP" panose="020B0200000000000000" pitchFamily="50" charset="-128"/>
+                <a:ea typeface="Noto Sans JP" panose="020B0200000000000000" pitchFamily="50" charset="-128"/>
+              </a:rPr>
+              <a:t>と同じように例外処理で使える</a:t>
+            </a:r>
+          </a:p>
+        </p:txBody>
+      </p:sp>
+      <p:sp>
+        <p:nvSpPr>
+          <p:cNvPr id="22" name="矢印: 右 21">
+            <a:extLst>
+              <a:ext uri="{FF2B5EF4-FFF2-40B4-BE49-F238E27FC236}">
+                <a16:creationId xmlns:a16="http://schemas.microsoft.com/office/drawing/2014/main" id="{477C3825-730C-B84C-72D5-B0E10650B95E}"/>
+              </a:ext>
+            </a:extLst>
+          </p:cNvPr>
+          <p:cNvSpPr/>
+          <p:nvPr/>
+        </p:nvSpPr>
+        <p:spPr>
+          <a:xfrm rot="444994">
+            <a:off x="1623006" y="3442938"/>
+            <a:ext cx="3205405" cy="216000"/>
+          </a:xfrm>
+          <a:prstGeom prst="rightArrow">
+            <a:avLst/>
+          </a:prstGeom>
+          <a:solidFill>
+            <a:srgbClr val="FF0000"/>
+          </a:solidFill>
+          <a:ln>
+            <a:noFill/>
+          </a:ln>
+        </p:spPr>
+        <p:style>
+          <a:lnRef idx="2">
+            <a:schemeClr val="accent1">
+              <a:shade val="50000"/>
+            </a:schemeClr>
+          </a:lnRef>
+          <a:fillRef idx="1">
+            <a:schemeClr val="accent1"/>
+          </a:fillRef>
+          <a:effectRef idx="0">
+            <a:schemeClr val="accent1"/>
+          </a:effectRef>
+          <a:fontRef idx="minor">
+            <a:schemeClr val="lt1"/>
+          </a:fontRef>
+        </p:style>
+        <p:txBody>
+          <a:bodyPr rtlCol="0" anchor="ctr"/>
+          <a:lstStyle/>
+          <a:p>
+            <a:pPr algn="ctr"/>
+            <a:endParaRPr kumimoji="1" lang="ja-JP" altLang="en-US" sz="4050"/>
+          </a:p>
+        </p:txBody>
+      </p:sp>
+      <p:sp>
+        <p:nvSpPr>
+          <p:cNvPr id="23" name="テキスト ボックス 22">
+            <a:extLst>
+              <a:ext uri="{FF2B5EF4-FFF2-40B4-BE49-F238E27FC236}">
+                <a16:creationId xmlns:a16="http://schemas.microsoft.com/office/drawing/2014/main" id="{181EE7CB-DE78-0F5A-4E64-175976A9E31C}"/>
+              </a:ext>
+            </a:extLst>
+          </p:cNvPr>
+          <p:cNvSpPr txBox="1"/>
+          <p:nvPr/>
+        </p:nvSpPr>
+        <p:spPr>
+          <a:xfrm>
+            <a:off x="4870935" y="3579288"/>
+            <a:ext cx="7943366" cy="2246769"/>
+          </a:xfrm>
+          <a:prstGeom prst="rect">
+            <a:avLst/>
+          </a:prstGeom>
+          <a:noFill/>
+          <a:ln>
+            <a:solidFill>
+              <a:srgbClr val="FF0000"/>
+            </a:solidFill>
+          </a:ln>
+        </p:spPr>
+        <p:txBody>
+          <a:bodyPr wrap="square" rtlCol="0">
+            <a:spAutoFit/>
+          </a:bodyPr>
+          <a:lstStyle/>
+          <a:p>
+            <a:r>
+              <a:rPr kumimoji="1" lang="en-US" altLang="ja-JP" sz="2000" dirty="0">
+                <a:solidFill>
+                  <a:schemeClr val="tx1">
+                    <a:lumMod val="85000"/>
+                    <a:lumOff val="15000"/>
+                  </a:schemeClr>
+                </a:solidFill>
+                <a:latin typeface="Noto Sans JP" panose="020B0200000000000000" pitchFamily="50" charset="-128"/>
+                <a:ea typeface="Noto Sans JP" panose="020B0200000000000000" pitchFamily="50" charset="-128"/>
+              </a:rPr>
+              <a:t>Python</a:t>
+            </a:r>
+            <a:r>
+              <a:rPr kumimoji="1" lang="ja-JP" altLang="en-US" sz="2000" dirty="0">
+                <a:solidFill>
+                  <a:schemeClr val="tx1">
+                    <a:lumMod val="85000"/>
+                    <a:lumOff val="15000"/>
+                  </a:schemeClr>
+                </a:solidFill>
+                <a:latin typeface="Noto Sans JP" panose="020B0200000000000000" pitchFamily="50" charset="-128"/>
+                <a:ea typeface="Noto Sans JP" panose="020B0200000000000000" pitchFamily="50" charset="-128"/>
+              </a:rPr>
+              <a:t>では、クラスや関数を定義したら必ずそのブロックの中に</a:t>
+            </a:r>
+            <a:endParaRPr kumimoji="1" lang="en-US" altLang="ja-JP" sz="2000" dirty="0">
+              <a:solidFill>
+                <a:schemeClr val="tx1">
+                  <a:lumMod val="85000"/>
+                  <a:lumOff val="15000"/>
+                </a:schemeClr>
+              </a:solidFill>
+              <a:latin typeface="Noto Sans JP" panose="020B0200000000000000" pitchFamily="50" charset="-128"/>
+              <a:ea typeface="Noto Sans JP" panose="020B0200000000000000" pitchFamily="50" charset="-128"/>
+            </a:endParaRPr>
+          </a:p>
+          <a:p>
+            <a:r>
+              <a:rPr kumimoji="1" lang="ja-JP" altLang="en-US" sz="2000" dirty="0">
+                <a:solidFill>
+                  <a:schemeClr val="tx1">
+                    <a:lumMod val="85000"/>
+                    <a:lumOff val="15000"/>
+                  </a:schemeClr>
+                </a:solidFill>
+                <a:latin typeface="Noto Sans JP" panose="020B0200000000000000" pitchFamily="50" charset="-128"/>
+                <a:ea typeface="Noto Sans JP" panose="020B0200000000000000" pitchFamily="50" charset="-128"/>
+              </a:rPr>
+              <a:t>何か</a:t>
+            </a:r>
+            <a:r>
+              <a:rPr kumimoji="1" lang="en-US" altLang="ja-JP" sz="2000" dirty="0">
+                <a:solidFill>
+                  <a:schemeClr val="tx1">
+                    <a:lumMod val="85000"/>
+                    <a:lumOff val="15000"/>
+                  </a:schemeClr>
+                </a:solidFill>
+                <a:latin typeface="Noto Sans JP" panose="020B0200000000000000" pitchFamily="50" charset="-128"/>
+                <a:ea typeface="Noto Sans JP" panose="020B0200000000000000" pitchFamily="50" charset="-128"/>
+              </a:rPr>
+              <a:t>1</a:t>
+            </a:r>
+            <a:r>
+              <a:rPr kumimoji="1" lang="ja-JP" altLang="en-US" sz="2000" dirty="0">
+                <a:solidFill>
+                  <a:schemeClr val="tx1">
+                    <a:lumMod val="85000"/>
+                    <a:lumOff val="15000"/>
+                  </a:schemeClr>
+                </a:solidFill>
+                <a:latin typeface="Noto Sans JP" panose="020B0200000000000000" pitchFamily="50" charset="-128"/>
+                <a:ea typeface="Noto Sans JP" panose="020B0200000000000000" pitchFamily="50" charset="-128"/>
+              </a:rPr>
+              <a:t>行以上書く必要があります。</a:t>
+            </a:r>
+          </a:p>
+          <a:p>
+            <a:endParaRPr kumimoji="1" lang="ja-JP" altLang="en-US" sz="2000" dirty="0">
+              <a:solidFill>
+                <a:schemeClr val="tx1">
+                  <a:lumMod val="85000"/>
+                  <a:lumOff val="15000"/>
+                </a:schemeClr>
+              </a:solidFill>
+              <a:latin typeface="Noto Sans JP" panose="020B0200000000000000" pitchFamily="50" charset="-128"/>
+              <a:ea typeface="Noto Sans JP" panose="020B0200000000000000" pitchFamily="50" charset="-128"/>
+            </a:endParaRPr>
+          </a:p>
+          <a:p>
+            <a:r>
+              <a:rPr kumimoji="1" lang="ja-JP" altLang="en-US" sz="2000" dirty="0">
+                <a:solidFill>
+                  <a:schemeClr val="tx1">
+                    <a:lumMod val="85000"/>
+                    <a:lumOff val="15000"/>
+                  </a:schemeClr>
+                </a:solidFill>
+                <a:latin typeface="Noto Sans JP" panose="020B0200000000000000" pitchFamily="50" charset="-128"/>
+                <a:ea typeface="Noto Sans JP" panose="020B0200000000000000" pitchFamily="50" charset="-128"/>
+              </a:rPr>
+              <a:t>でも、この場合は </a:t>
+            </a:r>
+            <a:r>
+              <a:rPr kumimoji="1" lang="en-US" altLang="ja-JP" sz="2000" dirty="0" err="1">
+                <a:solidFill>
+                  <a:schemeClr val="tx1">
+                    <a:lumMod val="85000"/>
+                    <a:lumOff val="15000"/>
+                  </a:schemeClr>
+                </a:solidFill>
+                <a:latin typeface="Noto Sans JP" panose="020B0200000000000000" pitchFamily="50" charset="-128"/>
+                <a:ea typeface="Noto Sans JP" panose="020B0200000000000000" pitchFamily="50" charset="-128"/>
+              </a:rPr>
+              <a:t>wexal</a:t>
+            </a:r>
+            <a:r>
+              <a:rPr kumimoji="1" lang="en-US" altLang="ja-JP" sz="2000" dirty="0">
+                <a:solidFill>
+                  <a:schemeClr val="tx1">
+                    <a:lumMod val="85000"/>
+                    <a:lumOff val="15000"/>
+                  </a:schemeClr>
+                </a:solidFill>
+                <a:latin typeface="Noto Sans JP" panose="020B0200000000000000" pitchFamily="50" charset="-128"/>
+                <a:ea typeface="Noto Sans JP" panose="020B0200000000000000" pitchFamily="50" charset="-128"/>
+              </a:rPr>
+              <a:t> </a:t>
+            </a:r>
+            <a:r>
+              <a:rPr kumimoji="1" lang="ja-JP" altLang="en-US" sz="2000" dirty="0">
+                <a:solidFill>
+                  <a:schemeClr val="tx1">
+                    <a:lumMod val="85000"/>
+                    <a:lumOff val="15000"/>
+                  </a:schemeClr>
+                </a:solidFill>
+                <a:latin typeface="Noto Sans JP" panose="020B0200000000000000" pitchFamily="50" charset="-128"/>
+                <a:ea typeface="Noto Sans JP" panose="020B0200000000000000" pitchFamily="50" charset="-128"/>
+              </a:rPr>
+              <a:t>クラスは </a:t>
+            </a:r>
+            <a:r>
+              <a:rPr kumimoji="1" lang="en-US" altLang="ja-JP" sz="2000" dirty="0">
+                <a:solidFill>
+                  <a:schemeClr val="tx1">
+                    <a:lumMod val="85000"/>
+                    <a:lumOff val="15000"/>
+                  </a:schemeClr>
+                </a:solidFill>
+                <a:latin typeface="Noto Sans JP" panose="020B0200000000000000" pitchFamily="50" charset="-128"/>
+                <a:ea typeface="Noto Sans JP" panose="020B0200000000000000" pitchFamily="50" charset="-128"/>
+              </a:rPr>
+              <a:t>Exception </a:t>
+            </a:r>
+            <a:r>
+              <a:rPr kumimoji="1" lang="ja-JP" altLang="en-US" sz="2000" dirty="0">
+                <a:solidFill>
+                  <a:schemeClr val="tx1">
+                    <a:lumMod val="85000"/>
+                    <a:lumOff val="15000"/>
+                  </a:schemeClr>
+                </a:solidFill>
+                <a:latin typeface="Noto Sans JP" panose="020B0200000000000000" pitchFamily="50" charset="-128"/>
+                <a:ea typeface="Noto Sans JP" panose="020B0200000000000000" pitchFamily="50" charset="-128"/>
+              </a:rPr>
+              <a:t>を継承するだけで、</a:t>
+            </a:r>
+            <a:endParaRPr kumimoji="1" lang="en-US" altLang="ja-JP" sz="2000" dirty="0">
+              <a:solidFill>
+                <a:schemeClr val="tx1">
+                  <a:lumMod val="85000"/>
+                  <a:lumOff val="15000"/>
+                </a:schemeClr>
+              </a:solidFill>
+              <a:latin typeface="Noto Sans JP" panose="020B0200000000000000" pitchFamily="50" charset="-128"/>
+              <a:ea typeface="Noto Sans JP" panose="020B0200000000000000" pitchFamily="50" charset="-128"/>
+            </a:endParaRPr>
+          </a:p>
+          <a:p>
+            <a:r>
+              <a:rPr kumimoji="1" lang="ja-JP" altLang="en-US" sz="2000" dirty="0">
+                <a:solidFill>
+                  <a:schemeClr val="tx1">
+                    <a:lumMod val="85000"/>
+                    <a:lumOff val="15000"/>
+                  </a:schemeClr>
+                </a:solidFill>
+                <a:latin typeface="Noto Sans JP" panose="020B0200000000000000" pitchFamily="50" charset="-128"/>
+                <a:ea typeface="Noto Sans JP" panose="020B0200000000000000" pitchFamily="50" charset="-128"/>
+              </a:rPr>
+              <a:t>新しいメソッドや変数を追加していません。</a:t>
+            </a:r>
+          </a:p>
+          <a:p>
+            <a:endParaRPr kumimoji="1" lang="ja-JP" altLang="en-US" sz="2000" dirty="0">
+              <a:solidFill>
+                <a:schemeClr val="tx1">
+                  <a:lumMod val="85000"/>
+                  <a:lumOff val="15000"/>
+                </a:schemeClr>
+              </a:solidFill>
+              <a:latin typeface="Noto Sans JP" panose="020B0200000000000000" pitchFamily="50" charset="-128"/>
+              <a:ea typeface="Noto Sans JP" panose="020B0200000000000000" pitchFamily="50" charset="-128"/>
+            </a:endParaRPr>
+          </a:p>
+          <a:p>
+            <a:r>
+              <a:rPr kumimoji="1" lang="ja-JP" altLang="en-US" sz="2000" dirty="0">
+                <a:solidFill>
+                  <a:schemeClr val="tx1">
+                    <a:lumMod val="85000"/>
+                    <a:lumOff val="15000"/>
+                  </a:schemeClr>
+                </a:solidFill>
+                <a:latin typeface="Noto Sans JP" panose="020B0200000000000000" pitchFamily="50" charset="-128"/>
+                <a:ea typeface="Noto Sans JP" panose="020B0200000000000000" pitchFamily="50" charset="-128"/>
+              </a:rPr>
+              <a:t>そこで何も処理しないことを明示するために </a:t>
+            </a:r>
+            <a:r>
+              <a:rPr kumimoji="1" lang="en-US" altLang="ja-JP" sz="2000" dirty="0">
+                <a:solidFill>
+                  <a:schemeClr val="tx1">
+                    <a:lumMod val="85000"/>
+                    <a:lumOff val="15000"/>
+                  </a:schemeClr>
+                </a:solidFill>
+                <a:latin typeface="Noto Sans JP" panose="020B0200000000000000" pitchFamily="50" charset="-128"/>
+                <a:ea typeface="Noto Sans JP" panose="020B0200000000000000" pitchFamily="50" charset="-128"/>
+              </a:rPr>
+              <a:t>pass </a:t>
+            </a:r>
+            <a:r>
+              <a:rPr kumimoji="1" lang="ja-JP" altLang="en-US" sz="2000" dirty="0">
+                <a:solidFill>
+                  <a:schemeClr val="tx1">
+                    <a:lumMod val="85000"/>
+                    <a:lumOff val="15000"/>
+                  </a:schemeClr>
+                </a:solidFill>
+                <a:latin typeface="Noto Sans JP" panose="020B0200000000000000" pitchFamily="50" charset="-128"/>
+                <a:ea typeface="Noto Sans JP" panose="020B0200000000000000" pitchFamily="50" charset="-128"/>
+              </a:rPr>
+              <a:t>を書いています。</a:t>
+            </a:r>
+          </a:p>
+        </p:txBody>
+      </p:sp>
+      <p:sp>
+        <p:nvSpPr>
+          <p:cNvPr id="12" name="正方形/長方形 11">
+            <a:extLst>
+              <a:ext uri="{FF2B5EF4-FFF2-40B4-BE49-F238E27FC236}">
+                <a16:creationId xmlns:a16="http://schemas.microsoft.com/office/drawing/2014/main" id="{D541DEF6-4CA8-A18D-227A-8430C197C5DF}"/>
+              </a:ext>
+            </a:extLst>
+          </p:cNvPr>
+          <p:cNvSpPr/>
+          <p:nvPr/>
+        </p:nvSpPr>
+        <p:spPr>
+          <a:xfrm>
+            <a:off x="12987835" y="5098381"/>
+            <a:ext cx="1406446" cy="498234"/>
+          </a:xfrm>
+          <a:prstGeom prst="rect">
+            <a:avLst/>
+          </a:prstGeom>
+          <a:solidFill>
+            <a:srgbClr val="0066FF"/>
+          </a:solidFill>
+          <a:ln>
+            <a:noFill/>
+          </a:ln>
+        </p:spPr>
+        <p:style>
+          <a:lnRef idx="2">
+            <a:schemeClr val="accent1">
+              <a:shade val="50000"/>
+            </a:schemeClr>
+          </a:lnRef>
+          <a:fillRef idx="1">
+            <a:schemeClr val="accent1"/>
+          </a:fillRef>
+          <a:effectRef idx="0">
+            <a:schemeClr val="accent1"/>
+          </a:effectRef>
+          <a:fontRef idx="minor">
+            <a:schemeClr val="lt1"/>
+          </a:fontRef>
+        </p:style>
+        <p:txBody>
+          <a:bodyPr rtlCol="0" anchor="ctr"/>
+          <a:lstStyle/>
+          <a:p>
+            <a:pPr algn="ctr"/>
+            <a:r>
+              <a:rPr kumimoji="1" lang="ja-JP" altLang="en-US" sz="2400" dirty="0">
+                <a:latin typeface="Noto Sans JP" panose="020B0200000000000000" pitchFamily="50" charset="-128"/>
+                <a:ea typeface="Noto Sans JP" panose="020B0200000000000000" pitchFamily="50" charset="-128"/>
+              </a:rPr>
+              <a:t>選択肢</a:t>
+            </a:r>
+          </a:p>
+        </p:txBody>
+      </p:sp>
+      <p:sp>
+        <p:nvSpPr>
+          <p:cNvPr id="24" name="矢印: 右 23">
+            <a:extLst>
+              <a:ext uri="{FF2B5EF4-FFF2-40B4-BE49-F238E27FC236}">
+                <a16:creationId xmlns:a16="http://schemas.microsoft.com/office/drawing/2014/main" id="{00AECF32-C14C-615C-DED7-C6A70C0F3667}"/>
+              </a:ext>
+            </a:extLst>
+          </p:cNvPr>
+          <p:cNvSpPr/>
+          <p:nvPr/>
+        </p:nvSpPr>
+        <p:spPr>
+          <a:xfrm rot="2566139">
+            <a:off x="2252603" y="5895948"/>
+            <a:ext cx="2832844" cy="216000"/>
+          </a:xfrm>
+          <a:prstGeom prst="rightArrow">
+            <a:avLst/>
+          </a:prstGeom>
+          <a:solidFill>
+            <a:srgbClr val="FF0000"/>
+          </a:solidFill>
+          <a:ln>
+            <a:noFill/>
+          </a:ln>
+        </p:spPr>
+        <p:style>
+          <a:lnRef idx="2">
+            <a:schemeClr val="accent1">
+              <a:shade val="50000"/>
+            </a:schemeClr>
+          </a:lnRef>
+          <a:fillRef idx="1">
+            <a:schemeClr val="accent1"/>
+          </a:fillRef>
+          <a:effectRef idx="0">
+            <a:schemeClr val="accent1"/>
+          </a:effectRef>
+          <a:fontRef idx="minor">
+            <a:schemeClr val="lt1"/>
+          </a:fontRef>
+        </p:style>
+        <p:txBody>
+          <a:bodyPr rtlCol="0" anchor="ctr"/>
+          <a:lstStyle/>
+          <a:p>
+            <a:pPr algn="ctr"/>
+            <a:endParaRPr kumimoji="1" lang="ja-JP" altLang="en-US" sz="4050"/>
+          </a:p>
+        </p:txBody>
+      </p:sp>
+      <p:sp>
+        <p:nvSpPr>
+          <p:cNvPr id="25" name="テキスト ボックス 24">
+            <a:extLst>
+              <a:ext uri="{FF2B5EF4-FFF2-40B4-BE49-F238E27FC236}">
+                <a16:creationId xmlns:a16="http://schemas.microsoft.com/office/drawing/2014/main" id="{4A94B202-D1EF-6D47-45D1-985F22E15A48}"/>
+              </a:ext>
+            </a:extLst>
+          </p:cNvPr>
+          <p:cNvSpPr txBox="1"/>
+          <p:nvPr/>
+        </p:nvSpPr>
+        <p:spPr>
+          <a:xfrm>
+            <a:off x="4870935" y="6380571"/>
+            <a:ext cx="7943366" cy="2246769"/>
+          </a:xfrm>
+          <a:prstGeom prst="rect">
+            <a:avLst/>
+          </a:prstGeom>
+          <a:noFill/>
+          <a:ln>
+            <a:solidFill>
+              <a:srgbClr val="FF0000"/>
+            </a:solidFill>
+          </a:ln>
+        </p:spPr>
+        <p:txBody>
+          <a:bodyPr wrap="square" rtlCol="0">
+            <a:spAutoFit/>
+          </a:bodyPr>
+          <a:lstStyle/>
+          <a:p>
+            <a:r>
+              <a:rPr kumimoji="1" lang="en-US" altLang="ja-JP" sz="2000" dirty="0">
+                <a:solidFill>
+                  <a:schemeClr val="bg1"/>
+                </a:solidFill>
+                <a:highlight>
+                  <a:srgbClr val="FF0000"/>
+                </a:highlight>
+                <a:latin typeface="Noto Sans JP" panose="020B0200000000000000" pitchFamily="50" charset="-128"/>
+                <a:ea typeface="Noto Sans JP" panose="020B0200000000000000" pitchFamily="50" charset="-128"/>
+              </a:rPr>
+              <a:t>name: int </a:t>
+            </a:r>
+            <a:r>
+              <a:rPr kumimoji="1" lang="ja-JP" altLang="en-US" sz="2000" dirty="0">
+                <a:solidFill>
+                  <a:schemeClr val="tx1">
+                    <a:lumMod val="85000"/>
+                    <a:lumOff val="15000"/>
+                  </a:schemeClr>
+                </a:solidFill>
+                <a:latin typeface="Noto Sans JP" panose="020B0200000000000000" pitchFamily="50" charset="-128"/>
+                <a:ea typeface="Noto Sans JP" panose="020B0200000000000000" pitchFamily="50" charset="-128"/>
+              </a:rPr>
+              <a:t>は 関数の引数の型アノテーション（型ヒント） です。</a:t>
+            </a:r>
+          </a:p>
+          <a:p>
+            <a:endParaRPr kumimoji="1" lang="ja-JP" altLang="en-US" sz="2000" dirty="0">
+              <a:solidFill>
+                <a:schemeClr val="tx1">
+                  <a:lumMod val="85000"/>
+                  <a:lumOff val="15000"/>
+                </a:schemeClr>
+              </a:solidFill>
+              <a:latin typeface="Noto Sans JP" panose="020B0200000000000000" pitchFamily="50" charset="-128"/>
+              <a:ea typeface="Noto Sans JP" panose="020B0200000000000000" pitchFamily="50" charset="-128"/>
+            </a:endParaRPr>
+          </a:p>
+          <a:p>
+            <a:r>
+              <a:rPr kumimoji="1" lang="ja-JP" altLang="en-US" sz="2000" dirty="0">
+                <a:solidFill>
+                  <a:schemeClr val="tx1">
+                    <a:lumMod val="85000"/>
+                    <a:lumOff val="15000"/>
+                  </a:schemeClr>
+                </a:solidFill>
+                <a:latin typeface="Noto Sans JP" panose="020B0200000000000000" pitchFamily="50" charset="-128"/>
+                <a:ea typeface="Noto Sans JP" panose="020B0200000000000000" pitchFamily="50" charset="-128"/>
+              </a:rPr>
+              <a:t>「</a:t>
+            </a:r>
+            <a:r>
+              <a:rPr kumimoji="1" lang="en-US" altLang="ja-JP" sz="2000" dirty="0">
+                <a:solidFill>
+                  <a:schemeClr val="tx1">
+                    <a:lumMod val="85000"/>
+                    <a:lumOff val="15000"/>
+                  </a:schemeClr>
+                </a:solidFill>
+                <a:latin typeface="Noto Sans JP" panose="020B0200000000000000" pitchFamily="50" charset="-128"/>
+                <a:ea typeface="Noto Sans JP" panose="020B0200000000000000" pitchFamily="50" charset="-128"/>
+              </a:rPr>
+              <a:t>name </a:t>
+            </a:r>
+            <a:r>
+              <a:rPr kumimoji="1" lang="ja-JP" altLang="en-US" sz="2000" dirty="0">
+                <a:solidFill>
+                  <a:schemeClr val="tx1">
+                    <a:lumMod val="85000"/>
+                    <a:lumOff val="15000"/>
+                  </a:schemeClr>
+                </a:solidFill>
+                <a:latin typeface="Noto Sans JP" panose="020B0200000000000000" pitchFamily="50" charset="-128"/>
+                <a:ea typeface="Noto Sans JP" panose="020B0200000000000000" pitchFamily="50" charset="-128"/>
+              </a:rPr>
+              <a:t>は </a:t>
+            </a:r>
+            <a:r>
+              <a:rPr kumimoji="1" lang="en-US" altLang="ja-JP" sz="2000" dirty="0">
+                <a:solidFill>
+                  <a:schemeClr val="tx1">
+                    <a:lumMod val="85000"/>
+                    <a:lumOff val="15000"/>
+                  </a:schemeClr>
+                </a:solidFill>
+                <a:latin typeface="Noto Sans JP" panose="020B0200000000000000" pitchFamily="50" charset="-128"/>
+                <a:ea typeface="Noto Sans JP" panose="020B0200000000000000" pitchFamily="50" charset="-128"/>
+              </a:rPr>
+              <a:t>int </a:t>
+            </a:r>
+            <a:r>
+              <a:rPr kumimoji="1" lang="ja-JP" altLang="en-US" sz="2000" dirty="0">
+                <a:solidFill>
+                  <a:schemeClr val="tx1">
+                    <a:lumMod val="85000"/>
+                    <a:lumOff val="15000"/>
+                  </a:schemeClr>
+                </a:solidFill>
+                <a:latin typeface="Noto Sans JP" panose="020B0200000000000000" pitchFamily="50" charset="-128"/>
+                <a:ea typeface="Noto Sans JP" panose="020B0200000000000000" pitchFamily="50" charset="-128"/>
+              </a:rPr>
+              <a:t>型（整数型）であるべき」という意味を示しています。</a:t>
+            </a:r>
+          </a:p>
+          <a:p>
+            <a:endParaRPr kumimoji="1" lang="ja-JP" altLang="en-US" sz="2000" dirty="0">
+              <a:solidFill>
+                <a:schemeClr val="tx1">
+                  <a:lumMod val="85000"/>
+                  <a:lumOff val="15000"/>
+                </a:schemeClr>
+              </a:solidFill>
+              <a:latin typeface="Noto Sans JP" panose="020B0200000000000000" pitchFamily="50" charset="-128"/>
+              <a:ea typeface="Noto Sans JP" panose="020B0200000000000000" pitchFamily="50" charset="-128"/>
+            </a:endParaRPr>
+          </a:p>
+          <a:p>
+            <a:r>
+              <a:rPr kumimoji="1" lang="ja-JP" altLang="en-US" sz="2000" dirty="0">
+                <a:solidFill>
+                  <a:schemeClr val="tx1">
+                    <a:lumMod val="85000"/>
+                    <a:lumOff val="15000"/>
+                  </a:schemeClr>
+                </a:solidFill>
+                <a:latin typeface="Noto Sans JP" panose="020B0200000000000000" pitchFamily="50" charset="-128"/>
+                <a:ea typeface="Noto Sans JP" panose="020B0200000000000000" pitchFamily="50" charset="-128"/>
+              </a:rPr>
+              <a:t>これは実行時に動作に影響を与えるわけではなく、あくまで読みやすさや静的解析のための情報です。</a:t>
+            </a:r>
+          </a:p>
+        </p:txBody>
+      </p:sp>
+    </p:spTree>
+    <p:extLst>
+      <p:ext uri="{BB962C8B-B14F-4D97-AF65-F5344CB8AC3E}">
+        <p14:creationId xmlns:p14="http://schemas.microsoft.com/office/powerpoint/2010/main" val="2993871398"/>
+      </p:ext>
+    </p:extLst>
+  </p:cSld>
+  <p:clrMapOvr>
+    <a:masterClrMapping/>
+  </p:clrMapOvr>
+  <p:timing>
+    <p:tnLst>
+      <p:par>
+        <p:cTn id="1" dur="indefinite" restart="never" nodeType="tmRoot">
+          <p:childTnLst>
+            <p:seq concurrent="1" nextAc="seek">
+              <p:cTn id="2" dur="indefinite" nodeType="mainSeq">
+                <p:childTnLst>
+                  <p:par>
+                    <p:cTn id="3" fill="hold">
+                      <p:stCondLst>
+                        <p:cond delay="indefinite"/>
+                      </p:stCondLst>
+                      <p:childTnLst>
+                        <p:par>
+                          <p:cTn id="4" fill="hold">
+                            <p:stCondLst>
+                              <p:cond delay="0"/>
+                            </p:stCondLst>
+                            <p:childTnLst>
+                              <p:par>
+                                <p:cTn id="5" presetID="1" presetClass="entr" presetSubtype="0" fill="hold" grpId="0" nodeType="clickEffect">
+                                  <p:stCondLst>
+                                    <p:cond delay="0"/>
+                                  </p:stCondLst>
+                                  <p:childTnLst>
+                                    <p:set>
+                                      <p:cBhvr>
+                                        <p:cTn id="6" dur="1" fill="hold">
+                                          <p:stCondLst>
+                                            <p:cond delay="0"/>
+                                          </p:stCondLst>
+                                        </p:cTn>
+                                        <p:tgtEl>
+                                          <p:spTgt spid="18"/>
+                                        </p:tgtEl>
+                                        <p:attrNameLst>
+                                          <p:attrName>style.visibility</p:attrName>
+                                        </p:attrNameLst>
+                                      </p:cBhvr>
+                                      <p:to>
+                                        <p:strVal val="visible"/>
+                                      </p:to>
+                                    </p:set>
+                                  </p:childTnLst>
+                                </p:cTn>
+                              </p:par>
+                              <p:par>
+                                <p:cTn id="7" presetID="1" presetClass="entr" presetSubtype="0" fill="hold" grpId="0" nodeType="withEffect">
+                                  <p:stCondLst>
+                                    <p:cond delay="0"/>
+                                  </p:stCondLst>
+                                  <p:childTnLst>
+                                    <p:set>
+                                      <p:cBhvr>
+                                        <p:cTn id="8" dur="1" fill="hold">
+                                          <p:stCondLst>
+                                            <p:cond delay="0"/>
+                                          </p:stCondLst>
+                                        </p:cTn>
+                                        <p:tgtEl>
+                                          <p:spTgt spid="19"/>
+                                        </p:tgtEl>
+                                        <p:attrNameLst>
+                                          <p:attrName>style.visibility</p:attrName>
+                                        </p:attrNameLst>
+                                      </p:cBhvr>
+                                      <p:to>
+                                        <p:strVal val="visible"/>
+                                      </p:to>
+                                    </p:set>
+                                  </p:childTnLst>
+                                </p:cTn>
+                              </p:par>
+                              <p:par>
+                                <p:cTn id="9" presetID="1" presetClass="entr" presetSubtype="0" fill="hold" grpId="0" nodeType="withEffect">
+                                  <p:stCondLst>
+                                    <p:cond delay="0"/>
+                                  </p:stCondLst>
+                                  <p:childTnLst>
+                                    <p:set>
+                                      <p:cBhvr>
+                                        <p:cTn id="10" dur="1" fill="hold">
+                                          <p:stCondLst>
+                                            <p:cond delay="0"/>
+                                          </p:stCondLst>
+                                        </p:cTn>
+                                        <p:tgtEl>
+                                          <p:spTgt spid="20"/>
+                                        </p:tgtEl>
+                                        <p:attrNameLst>
+                                          <p:attrName>style.visibility</p:attrName>
+                                        </p:attrNameLst>
+                                      </p:cBhvr>
+                                      <p:to>
+                                        <p:strVal val="visible"/>
+                                      </p:to>
+                                    </p:set>
+                                  </p:childTnLst>
+                                </p:cTn>
+                              </p:par>
+                              <p:par>
+                                <p:cTn id="11" presetID="1" presetClass="entr" presetSubtype="0" fill="hold" grpId="0" nodeType="withEffect">
+                                  <p:stCondLst>
+                                    <p:cond delay="0"/>
+                                  </p:stCondLst>
+                                  <p:childTnLst>
+                                    <p:set>
+                                      <p:cBhvr>
+                                        <p:cTn id="12" dur="1" fill="hold">
+                                          <p:stCondLst>
+                                            <p:cond delay="0"/>
+                                          </p:stCondLst>
+                                        </p:cTn>
+                                        <p:tgtEl>
+                                          <p:spTgt spid="13"/>
+                                        </p:tgtEl>
+                                        <p:attrNameLst>
+                                          <p:attrName>style.visibility</p:attrName>
+                                        </p:attrNameLst>
+                                      </p:cBhvr>
+                                      <p:to>
+                                        <p:strVal val="visible"/>
+                                      </p:to>
+                                    </p:set>
+                                  </p:childTnLst>
+                                </p:cTn>
+                              </p:par>
+                              <p:par>
+                                <p:cTn id="13" presetID="1" presetClass="entr" presetSubtype="0" fill="hold" grpId="0" nodeType="withEffect">
+                                  <p:stCondLst>
+                                    <p:cond delay="0"/>
+                                  </p:stCondLst>
+                                  <p:childTnLst>
+                                    <p:set>
+                                      <p:cBhvr>
+                                        <p:cTn id="14" dur="1" fill="hold">
+                                          <p:stCondLst>
+                                            <p:cond delay="0"/>
+                                          </p:stCondLst>
+                                        </p:cTn>
+                                        <p:tgtEl>
+                                          <p:spTgt spid="22"/>
+                                        </p:tgtEl>
+                                        <p:attrNameLst>
+                                          <p:attrName>style.visibility</p:attrName>
+                                        </p:attrNameLst>
+                                      </p:cBhvr>
+                                      <p:to>
+                                        <p:strVal val="visible"/>
+                                      </p:to>
+                                    </p:set>
+                                  </p:childTnLst>
+                                </p:cTn>
+                              </p:par>
+                              <p:par>
+                                <p:cTn id="15" presetID="1" presetClass="entr" presetSubtype="0" fill="hold" grpId="0" nodeType="withEffect">
+                                  <p:stCondLst>
+                                    <p:cond delay="0"/>
+                                  </p:stCondLst>
+                                  <p:childTnLst>
+                                    <p:set>
+                                      <p:cBhvr>
+                                        <p:cTn id="16" dur="1" fill="hold">
+                                          <p:stCondLst>
+                                            <p:cond delay="0"/>
+                                          </p:stCondLst>
+                                        </p:cTn>
+                                        <p:tgtEl>
+                                          <p:spTgt spid="23"/>
+                                        </p:tgtEl>
+                                        <p:attrNameLst>
+                                          <p:attrName>style.visibility</p:attrName>
+                                        </p:attrNameLst>
+                                      </p:cBhvr>
+                                      <p:to>
+                                        <p:strVal val="visible"/>
+                                      </p:to>
+                                    </p:set>
+                                  </p:childTnLst>
+                                </p:cTn>
+                              </p:par>
+                              <p:par>
+                                <p:cTn id="17" presetID="1" presetClass="entr" presetSubtype="0" fill="hold" grpId="0" nodeType="withEffect">
+                                  <p:stCondLst>
+                                    <p:cond delay="0"/>
+                                  </p:stCondLst>
+                                  <p:childTnLst>
+                                    <p:set>
+                                      <p:cBhvr>
+                                        <p:cTn id="18" dur="1" fill="hold">
+                                          <p:stCondLst>
+                                            <p:cond delay="0"/>
+                                          </p:stCondLst>
+                                        </p:cTn>
+                                        <p:tgtEl>
+                                          <p:spTgt spid="16"/>
+                                        </p:tgtEl>
+                                        <p:attrNameLst>
+                                          <p:attrName>style.visibility</p:attrName>
+                                        </p:attrNameLst>
+                                      </p:cBhvr>
+                                      <p:to>
+                                        <p:strVal val="visible"/>
+                                      </p:to>
+                                    </p:set>
+                                  </p:childTnLst>
+                                </p:cTn>
+                              </p:par>
+                              <p:par>
+                                <p:cTn id="19" presetID="1" presetClass="entr" presetSubtype="0" fill="hold" grpId="0" nodeType="withEffect">
+                                  <p:stCondLst>
+                                    <p:cond delay="0"/>
+                                  </p:stCondLst>
+                                  <p:childTnLst>
+                                    <p:set>
+                                      <p:cBhvr>
+                                        <p:cTn id="20" dur="1" fill="hold">
+                                          <p:stCondLst>
+                                            <p:cond delay="0"/>
+                                          </p:stCondLst>
+                                        </p:cTn>
+                                        <p:tgtEl>
+                                          <p:spTgt spid="24"/>
+                                        </p:tgtEl>
+                                        <p:attrNameLst>
+                                          <p:attrName>style.visibility</p:attrName>
+                                        </p:attrNameLst>
+                                      </p:cBhvr>
+                                      <p:to>
+                                        <p:strVal val="visible"/>
+                                      </p:to>
+                                    </p:set>
+                                  </p:childTnLst>
+                                </p:cTn>
+                              </p:par>
+                              <p:par>
+                                <p:cTn id="21" presetID="1" presetClass="entr" presetSubtype="0" fill="hold" grpId="0" nodeType="withEffect">
+                                  <p:stCondLst>
+                                    <p:cond delay="0"/>
+                                  </p:stCondLst>
+                                  <p:childTnLst>
+                                    <p:set>
+                                      <p:cBhvr>
+                                        <p:cTn id="22" dur="1" fill="hold">
+                                          <p:stCondLst>
+                                            <p:cond delay="0"/>
+                                          </p:stCondLst>
+                                        </p:cTn>
+                                        <p:tgtEl>
+                                          <p:spTgt spid="25"/>
+                                        </p:tgtEl>
+                                        <p:attrNameLst>
+                                          <p:attrName>style.visibility</p:attrName>
+                                        </p:attrNameLst>
+                                      </p:cBhvr>
+                                      <p:to>
+                                        <p:strVal val="visible"/>
+                                      </p:to>
+                                    </p:set>
+                                  </p:childTnLst>
+                                </p:cTn>
+                              </p:par>
+                            </p:childTnLst>
+                          </p:cTn>
+                        </p:par>
+                      </p:childTnLst>
+                    </p:cTn>
+                  </p:par>
+                </p:childTnLst>
+              </p:cTn>
+              <p:prevCondLst>
+                <p:cond evt="onPrev" delay="0">
+                  <p:tgtEl>
+                    <p:sldTgt/>
+                  </p:tgtEl>
+                </p:cond>
+              </p:prevCondLst>
+              <p:nextCondLst>
+                <p:cond evt="onNext" delay="0">
+                  <p:tgtEl>
+                    <p:sldTgt/>
+                  </p:tgtEl>
+                </p:cond>
+              </p:nextCondLst>
+            </p:seq>
+          </p:childTnLst>
+        </p:cTn>
+      </p:par>
+    </p:tnLst>
+    <p:bldLst>
+      <p:bldP spid="13" grpId="0" animBg="1"/>
+      <p:bldP spid="16" grpId="0" animBg="1"/>
+      <p:bldP spid="18" grpId="0" animBg="1"/>
+      <p:bldP spid="19" grpId="0" animBg="1"/>
+      <p:bldP spid="20" grpId="0" animBg="1"/>
+      <p:bldP spid="22" grpId="0" animBg="1"/>
+      <p:bldP spid="23" grpId="0" animBg="1"/>
+      <p:bldP spid="24" grpId="0" animBg="1"/>
+      <p:bldP spid="25" grpId="0" animBg="1"/>
+    </p:bldLst>
+  </p:timing>
+</p:sld>
+</file>
+
+<file path=ppt/slides/slide11.xml><?xml version="1.0" encoding="utf-8"?>
 <p:sld xmlns:a="http://schemas.openxmlformats.org/drawingml/2006/main" xmlns:r="http://schemas.openxmlformats.org/officeDocument/2006/relationships" xmlns:p="http://schemas.openxmlformats.org/presentationml/2006/main">
   <p:cSld>
     <p:spTree>
@@ -13549,7 +15303,7 @@
 </p:sld>
 </file>
 
-<file path=ppt/slides/slide11.xml><?xml version="1.0" encoding="utf-8"?>
+<file path=ppt/slides/slide12.xml><?xml version="1.0" encoding="utf-8"?>
 <p:sld xmlns:a="http://schemas.openxmlformats.org/drawingml/2006/main" xmlns:r="http://schemas.openxmlformats.org/officeDocument/2006/relationships" xmlns:p="http://schemas.openxmlformats.org/presentationml/2006/main">
   <p:cSld>
     <p:spTree>
@@ -15677,7 +17431,7 @@
 </p:sld>
 </file>
 
-<file path=ppt/slides/slide12.xml><?xml version="1.0" encoding="utf-8"?>
+<file path=ppt/slides/slide13.xml><?xml version="1.0" encoding="utf-8"?>
 <p:sld xmlns:a="http://schemas.openxmlformats.org/drawingml/2006/main" xmlns:r="http://schemas.openxmlformats.org/officeDocument/2006/relationships" xmlns:p="http://schemas.openxmlformats.org/presentationml/2006/main">
   <p:cSld>
     <p:spTree>
@@ -17243,7 +18997,7 @@
 </p:sld>
 </file>
 
-<file path=ppt/slides/slide13.xml><?xml version="1.0" encoding="utf-8"?>
+<file path=ppt/slides/slide14.xml><?xml version="1.0" encoding="utf-8"?>
 <p:sld xmlns:a="http://schemas.openxmlformats.org/drawingml/2006/main" xmlns:r="http://schemas.openxmlformats.org/officeDocument/2006/relationships" xmlns:p="http://schemas.openxmlformats.org/presentationml/2006/main">
   <p:cSld>
     <p:spTree>
@@ -18632,7 +20386,7 @@
 </p:sld>
 </file>
 
-<file path=ppt/slides/slide14.xml><?xml version="1.0" encoding="utf-8"?>
+<file path=ppt/slides/slide15.xml><?xml version="1.0" encoding="utf-8"?>
 <p:sld xmlns:a="http://schemas.openxmlformats.org/drawingml/2006/main" xmlns:r="http://schemas.openxmlformats.org/officeDocument/2006/relationships" xmlns:p="http://schemas.openxmlformats.org/presentationml/2006/main">
   <p:cSld>
     <p:spTree>
@@ -19809,7 +21563,7 @@
 </p:sld>
 </file>
 
-<file path=ppt/slides/slide15.xml><?xml version="1.0" encoding="utf-8"?>
+<file path=ppt/slides/slide16.xml><?xml version="1.0" encoding="utf-8"?>
 <p:sld xmlns:a="http://schemas.openxmlformats.org/drawingml/2006/main" xmlns:r="http://schemas.openxmlformats.org/officeDocument/2006/relationships" xmlns:p="http://schemas.openxmlformats.org/presentationml/2006/main">
   <p:cSld>
     <p:spTree>
@@ -21237,7 +22991,7 @@
 </p:sld>
 </file>
 
-<file path=ppt/slides/slide16.xml><?xml version="1.0" encoding="utf-8"?>
+<file path=ppt/slides/slide17.xml><?xml version="1.0" encoding="utf-8"?>
 <p:sld xmlns:a="http://schemas.openxmlformats.org/drawingml/2006/main" xmlns:r="http://schemas.openxmlformats.org/officeDocument/2006/relationships" xmlns:p="http://schemas.openxmlformats.org/presentationml/2006/main">
   <p:cSld>
     <p:spTree>
@@ -22357,7 +24111,7 @@
 </p:sld>
 </file>
 
-<file path=ppt/slides/slide17.xml><?xml version="1.0" encoding="utf-8"?>
+<file path=ppt/slides/slide18.xml><?xml version="1.0" encoding="utf-8"?>
 <p:sld xmlns:a="http://schemas.openxmlformats.org/drawingml/2006/main" xmlns:r="http://schemas.openxmlformats.org/officeDocument/2006/relationships" xmlns:p="http://schemas.openxmlformats.org/presentationml/2006/main">
   <p:cSld>
     <p:spTree>
@@ -24557,6 +26311,2777 @@
         <p:cNvPr id="1" name="">
           <a:extLst>
             <a:ext uri="{FF2B5EF4-FFF2-40B4-BE49-F238E27FC236}">
+              <a16:creationId xmlns:a16="http://schemas.microsoft.com/office/drawing/2014/main" id="{1BBFDD18-85AF-4A32-3522-1C4AAC543235}"/>
+            </a:ext>
+          </a:extLst>
+        </p:cNvPr>
+        <p:cNvGrpSpPr/>
+        <p:nvPr/>
+      </p:nvGrpSpPr>
+      <p:grpSpPr>
+        <a:xfrm>
+          <a:off x="0" y="0"/>
+          <a:ext cx="0" cy="0"/>
+          <a:chOff x="0" y="0"/>
+          <a:chExt cx="0" cy="0"/>
+        </a:xfrm>
+      </p:grpSpPr>
+      <p:pic>
+        <p:nvPicPr>
+          <p:cNvPr id="4" name="図 3">
+            <a:extLst>
+              <a:ext uri="{FF2B5EF4-FFF2-40B4-BE49-F238E27FC236}">
+                <a16:creationId xmlns:a16="http://schemas.microsoft.com/office/drawing/2014/main" id="{EAF2676E-45CE-F9C7-A165-0E6032077E43}"/>
+              </a:ext>
+            </a:extLst>
+          </p:cNvPr>
+          <p:cNvPicPr>
+            <a:picLocks noChangeAspect="1"/>
+          </p:cNvPicPr>
+          <p:nvPr/>
+        </p:nvPicPr>
+        <p:blipFill>
+          <a:blip r:embed="rId2"/>
+          <a:stretch>
+            <a:fillRect/>
+          </a:stretch>
+        </p:blipFill>
+        <p:spPr>
+          <a:xfrm>
+            <a:off x="522775" y="1535824"/>
+            <a:ext cx="15356443" cy="7992590"/>
+          </a:xfrm>
+          <a:prstGeom prst="rect">
+            <a:avLst/>
+          </a:prstGeom>
+        </p:spPr>
+      </p:pic>
+      <p:sp>
+        <p:nvSpPr>
+          <p:cNvPr id="8" name="タイトル 7">
+            <a:extLst>
+              <a:ext uri="{FF2B5EF4-FFF2-40B4-BE49-F238E27FC236}">
+                <a16:creationId xmlns:a16="http://schemas.microsoft.com/office/drawing/2014/main" id="{2535B8FE-007E-E9F4-621B-B288BAC53231}"/>
+              </a:ext>
+            </a:extLst>
+          </p:cNvPr>
+          <p:cNvSpPr>
+            <a:spLocks noGrp="1"/>
+          </p:cNvSpPr>
+          <p:nvPr>
+            <p:ph type="title"/>
+          </p:nvPr>
+        </p:nvSpPr>
+        <p:spPr>
+          <a:xfrm>
+            <a:off x="522775" y="348253"/>
+            <a:ext cx="17646914" cy="770016"/>
+          </a:xfrm>
+        </p:spPr>
+        <p:txBody>
+          <a:bodyPr/>
+          <a:lstStyle/>
+          <a:p>
+            <a:r>
+              <a:rPr lang="en-US" altLang="ja-JP" dirty="0">
+                <a:solidFill>
+                  <a:schemeClr val="bg1"/>
+                </a:solidFill>
+                <a:latin typeface="Noto Sans JP" panose="020B0200000000000000" pitchFamily="50" charset="-128"/>
+                <a:ea typeface="Noto Sans JP" panose="020B0200000000000000" pitchFamily="50" charset="-128"/>
+              </a:rPr>
+              <a:t>9.</a:t>
+            </a:r>
+            <a:r>
+              <a:rPr lang="ja-JP" altLang="en-US" dirty="0">
+                <a:solidFill>
+                  <a:schemeClr val="bg1"/>
+                </a:solidFill>
+                <a:latin typeface="Noto Sans JP" panose="020B0200000000000000" pitchFamily="50" charset="-128"/>
+                <a:ea typeface="Noto Sans JP" panose="020B0200000000000000" pitchFamily="50" charset="-128"/>
+              </a:rPr>
+              <a:t>リスト操作</a:t>
+            </a:r>
+          </a:p>
+        </p:txBody>
+      </p:sp>
+      <p:sp>
+        <p:nvSpPr>
+          <p:cNvPr id="3" name="フッター プレースホルダー 2">
+            <a:extLst>
+              <a:ext uri="{FF2B5EF4-FFF2-40B4-BE49-F238E27FC236}">
+                <a16:creationId xmlns:a16="http://schemas.microsoft.com/office/drawing/2014/main" id="{4F75EFEC-2FF7-5ED1-F32B-556A241009B3}"/>
+              </a:ext>
+            </a:extLst>
+          </p:cNvPr>
+          <p:cNvSpPr>
+            <a:spLocks noGrp="1"/>
+          </p:cNvSpPr>
+          <p:nvPr>
+            <p:ph type="ftr" sz="quarter" idx="10"/>
+          </p:nvPr>
+        </p:nvSpPr>
+        <p:spPr/>
+        <p:txBody>
+          <a:bodyPr/>
+          <a:lstStyle/>
+          <a:p>
+            <a:r>
+              <a:rPr lang="en-US" altLang="ja-JP" sz="2400" dirty="0">
+                <a:latin typeface="Noto Sans JP" panose="020B0200000000000000" pitchFamily="50" charset="-128"/>
+                <a:ea typeface="Noto Sans JP" panose="020B0200000000000000" pitchFamily="50" charset="-128"/>
+              </a:rPr>
+              <a:t>Prime Study </a:t>
+            </a:r>
+            <a:r>
+              <a:rPr lang="ja-JP" altLang="en-US" sz="2400" dirty="0">
+                <a:latin typeface="Noto Sans JP" panose="020B0200000000000000" pitchFamily="50" charset="-128"/>
+                <a:ea typeface="Noto Sans JP" panose="020B0200000000000000" pitchFamily="50" charset="-128"/>
+              </a:rPr>
+              <a:t>第</a:t>
+            </a:r>
+            <a:r>
+              <a:rPr lang="en-US" altLang="ja-JP" sz="2400" dirty="0">
+                <a:latin typeface="Noto Sans JP" panose="020B0200000000000000" pitchFamily="50" charset="-128"/>
+                <a:ea typeface="Noto Sans JP" panose="020B0200000000000000" pitchFamily="50" charset="-128"/>
+              </a:rPr>
+              <a:t>2</a:t>
+            </a:r>
+            <a:r>
+              <a:rPr lang="ja-JP" altLang="en-US" sz="2400" dirty="0">
+                <a:latin typeface="Noto Sans JP" panose="020B0200000000000000" pitchFamily="50" charset="-128"/>
+                <a:ea typeface="Noto Sans JP" panose="020B0200000000000000" pitchFamily="50" charset="-128"/>
+              </a:rPr>
+              <a:t>回</a:t>
+            </a:r>
+            <a:endParaRPr lang="en-US" altLang="ja-JP" sz="2400" dirty="0">
+              <a:latin typeface="Noto Sans JP" panose="020B0200000000000000" pitchFamily="50" charset="-128"/>
+              <a:ea typeface="Noto Sans JP" panose="020B0200000000000000" pitchFamily="50" charset="-128"/>
+            </a:endParaRPr>
+          </a:p>
+        </p:txBody>
+      </p:sp>
+      <p:graphicFrame>
+        <p:nvGraphicFramePr>
+          <p:cNvPr id="6" name="表 5">
+            <a:extLst>
+              <a:ext uri="{FF2B5EF4-FFF2-40B4-BE49-F238E27FC236}">
+                <a16:creationId xmlns:a16="http://schemas.microsoft.com/office/drawing/2014/main" id="{3682EE7C-2D59-09FF-2201-9000B0F89121}"/>
+              </a:ext>
+            </a:extLst>
+          </p:cNvPr>
+          <p:cNvGraphicFramePr>
+            <a:graphicFrameLocks noGrp="1"/>
+          </p:cNvGraphicFramePr>
+          <p:nvPr>
+            <p:extLst>
+              <p:ext uri="{D42A27DB-BD31-4B8C-83A1-F6EECF244321}">
+                <p14:modId xmlns:p14="http://schemas.microsoft.com/office/powerpoint/2010/main" val="2308339441"/>
+              </p:ext>
+            </p:extLst>
+          </p:nvPr>
+        </p:nvGraphicFramePr>
+        <p:xfrm>
+          <a:off x="5467350" y="2595562"/>
+          <a:ext cx="12447118" cy="6932850"/>
+        </p:xfrm>
+        <a:graphic>
+          <a:graphicData uri="http://schemas.openxmlformats.org/drawingml/2006/table">
+            <a:tbl>
+              <a:tblPr/>
+              <a:tblGrid>
+                <a:gridCol w="850702">
+                  <a:extLst>
+                    <a:ext uri="{9D8B030D-6E8A-4147-A177-3AD203B41FA5}">
+                      <a16:colId xmlns:a16="http://schemas.microsoft.com/office/drawing/2014/main" val="598987091"/>
+                    </a:ext>
+                  </a:extLst>
+                </a:gridCol>
+                <a:gridCol w="1537234">
+                  <a:extLst>
+                    <a:ext uri="{9D8B030D-6E8A-4147-A177-3AD203B41FA5}">
+                      <a16:colId xmlns:a16="http://schemas.microsoft.com/office/drawing/2014/main" val="3338605964"/>
+                    </a:ext>
+                  </a:extLst>
+                </a:gridCol>
+                <a:gridCol w="1537234">
+                  <a:extLst>
+                    <a:ext uri="{9D8B030D-6E8A-4147-A177-3AD203B41FA5}">
+                      <a16:colId xmlns:a16="http://schemas.microsoft.com/office/drawing/2014/main" val="1117333112"/>
+                    </a:ext>
+                  </a:extLst>
+                </a:gridCol>
+                <a:gridCol w="4462456">
+                  <a:extLst>
+                    <a:ext uri="{9D8B030D-6E8A-4147-A177-3AD203B41FA5}">
+                      <a16:colId xmlns:a16="http://schemas.microsoft.com/office/drawing/2014/main" val="1888176395"/>
+                    </a:ext>
+                  </a:extLst>
+                </a:gridCol>
+                <a:gridCol w="4059492">
+                  <a:extLst>
+                    <a:ext uri="{9D8B030D-6E8A-4147-A177-3AD203B41FA5}">
+                      <a16:colId xmlns:a16="http://schemas.microsoft.com/office/drawing/2014/main" val="3449104069"/>
+                    </a:ext>
+                  </a:extLst>
+                </a:gridCol>
+              </a:tblGrid>
+              <a:tr h="477495">
+                <a:tc>
+                  <a:txBody>
+                    <a:bodyPr/>
+                    <a:lstStyle/>
+                    <a:p>
+                      <a:pPr algn="ctr" rtl="0" fontAlgn="ctr">
+                        <a:buNone/>
+                      </a:pPr>
+                      <a:r>
+                        <a:rPr lang="ja-JP" altLang="en-US" sz="1900" b="1" i="0" u="none" strike="noStrike">
+                          <a:solidFill>
+                            <a:srgbClr val="FFFFFF"/>
+                          </a:solidFill>
+                          <a:effectLst/>
+                          <a:latin typeface="Noto Sans JP" panose="020B0200000000000000" pitchFamily="50" charset="-128"/>
+                          <a:ea typeface="Noto Sans JP" panose="020B0200000000000000" pitchFamily="50" charset="-128"/>
+                        </a:rPr>
+                        <a:t>ループ</a:t>
+                      </a:r>
+                    </a:p>
+                  </a:txBody>
+                  <a:tcPr marL="7462" marR="7462" marT="7462" marB="0" anchor="ctr">
+                    <a:lnL w="12700" cap="flat" cmpd="sng" algn="ctr">
+                      <a:solidFill>
+                        <a:srgbClr val="000000"/>
+                      </a:solidFill>
+                      <a:prstDash val="solid"/>
+                      <a:round/>
+                      <a:headEnd type="none" w="med" len="med"/>
+                      <a:tailEnd type="none" w="med" len="med"/>
+                    </a:lnL>
+                    <a:lnR w="12700" cap="flat" cmpd="sng" algn="ctr">
+                      <a:solidFill>
+                        <a:srgbClr val="000000"/>
+                      </a:solidFill>
+                      <a:prstDash val="solid"/>
+                      <a:round/>
+                      <a:headEnd type="none" w="med" len="med"/>
+                      <a:tailEnd type="none" w="med" len="med"/>
+                    </a:lnR>
+                    <a:lnT w="12700" cap="flat" cmpd="sng" algn="ctr">
+                      <a:solidFill>
+                        <a:srgbClr val="000000"/>
+                      </a:solidFill>
+                      <a:prstDash val="solid"/>
+                      <a:round/>
+                      <a:headEnd type="none" w="med" len="med"/>
+                      <a:tailEnd type="none" w="med" len="med"/>
+                    </a:lnT>
+                    <a:lnB>
+                      <a:noFill/>
+                    </a:lnB>
+                    <a:solidFill>
+                      <a:srgbClr val="70AD47"/>
+                    </a:solidFill>
+                  </a:tcPr>
+                </a:tc>
+                <a:tc rowSpan="2">
+                  <a:txBody>
+                    <a:bodyPr/>
+                    <a:lstStyle/>
+                    <a:p>
+                      <a:pPr algn="ctr" rtl="0" fontAlgn="ctr">
+                        <a:buNone/>
+                      </a:pPr>
+                      <a:r>
+                        <a:rPr lang="en-US" sz="1900" b="1" i="0" u="none" strike="noStrike">
+                          <a:solidFill>
+                            <a:srgbClr val="FFFFFF"/>
+                          </a:solidFill>
+                          <a:effectLst/>
+                          <a:latin typeface="Consolas" panose="020B0609020204030204" pitchFamily="49" charset="0"/>
+                          <a:ea typeface="游ゴシック" panose="020B0400000000000000" pitchFamily="50" charset="-128"/>
+                        </a:rPr>
+                        <a:t>month</a:t>
+                      </a:r>
+                      <a:r>
+                        <a:rPr lang="ja-JP" altLang="en-US" sz="1900" b="1" i="0" u="none" strike="noStrike">
+                          <a:solidFill>
+                            <a:srgbClr val="FFFFFF"/>
+                          </a:solidFill>
+                          <a:effectLst/>
+                          <a:latin typeface="Noto Sans JP" panose="020B0200000000000000" pitchFamily="50" charset="-128"/>
+                          <a:ea typeface="Noto Sans JP" panose="020B0200000000000000" pitchFamily="50" charset="-128"/>
+                        </a:rPr>
+                        <a:t>の値</a:t>
+                      </a:r>
+                      <a:endParaRPr lang="ja-JP" altLang="en-US" sz="1900" b="1" i="0" u="none" strike="noStrike">
+                        <a:solidFill>
+                          <a:srgbClr val="FFFFFF"/>
+                        </a:solidFill>
+                        <a:effectLst/>
+                        <a:latin typeface="Consolas" panose="020B0609020204030204" pitchFamily="49" charset="0"/>
+                        <a:ea typeface="游ゴシック" panose="020B0400000000000000" pitchFamily="50" charset="-128"/>
+                      </a:endParaRPr>
+                    </a:p>
+                  </a:txBody>
+                  <a:tcPr marL="107457" marR="107457" marT="53729" marB="53729" anchor="ctr">
+                    <a:lnL w="12700" cap="flat" cmpd="sng" algn="ctr">
+                      <a:solidFill>
+                        <a:srgbClr val="000000"/>
+                      </a:solidFill>
+                      <a:prstDash val="solid"/>
+                      <a:round/>
+                      <a:headEnd type="none" w="med" len="med"/>
+                      <a:tailEnd type="none" w="med" len="med"/>
+                    </a:lnL>
+                    <a:lnR w="12700" cap="flat" cmpd="sng" algn="ctr">
+                      <a:solidFill>
+                        <a:srgbClr val="000000"/>
+                      </a:solidFill>
+                      <a:prstDash val="solid"/>
+                      <a:round/>
+                      <a:headEnd type="none" w="med" len="med"/>
+                      <a:tailEnd type="none" w="med" len="med"/>
+                    </a:lnR>
+                    <a:lnT w="12700" cap="flat" cmpd="sng" algn="ctr">
+                      <a:solidFill>
+                        <a:srgbClr val="000000"/>
+                      </a:solidFill>
+                      <a:prstDash val="solid"/>
+                      <a:round/>
+                      <a:headEnd type="none" w="med" len="med"/>
+                      <a:tailEnd type="none" w="med" len="med"/>
+                    </a:lnT>
+                    <a:lnB w="12700" cap="flat" cmpd="sng" algn="ctr">
+                      <a:solidFill>
+                        <a:srgbClr val="000000"/>
+                      </a:solidFill>
+                      <a:prstDash val="solid"/>
+                      <a:round/>
+                      <a:headEnd type="none" w="med" len="med"/>
+                      <a:tailEnd type="none" w="med" len="med"/>
+                    </a:lnB>
+                    <a:solidFill>
+                      <a:srgbClr val="70AD47"/>
+                    </a:solidFill>
+                  </a:tcPr>
+                </a:tc>
+                <a:tc>
+                  <a:txBody>
+                    <a:bodyPr/>
+                    <a:lstStyle/>
+                    <a:p>
+                      <a:pPr algn="ctr" rtl="0" fontAlgn="ctr">
+                        <a:buNone/>
+                      </a:pPr>
+                      <a:r>
+                        <a:rPr lang="ja-JP" altLang="en-US" sz="1900" b="1" i="0" u="none" strike="noStrike">
+                          <a:solidFill>
+                            <a:srgbClr val="FFFFFF"/>
+                          </a:solidFill>
+                          <a:effectLst/>
+                          <a:latin typeface="Noto Sans JP" panose="020B0200000000000000" pitchFamily="50" charset="-128"/>
+                          <a:ea typeface="Noto Sans JP" panose="020B0200000000000000" pitchFamily="50" charset="-128"/>
+                        </a:rPr>
+                        <a:t>判定 </a:t>
+                      </a:r>
+                    </a:p>
+                  </a:txBody>
+                  <a:tcPr marL="7462" marR="7462" marT="7462" marB="0" anchor="ctr">
+                    <a:lnL w="12700" cap="flat" cmpd="sng" algn="ctr">
+                      <a:solidFill>
+                        <a:srgbClr val="000000"/>
+                      </a:solidFill>
+                      <a:prstDash val="solid"/>
+                      <a:round/>
+                      <a:headEnd type="none" w="med" len="med"/>
+                      <a:tailEnd type="none" w="med" len="med"/>
+                    </a:lnL>
+                    <a:lnR w="12700" cap="flat" cmpd="sng" algn="ctr">
+                      <a:solidFill>
+                        <a:srgbClr val="000000"/>
+                      </a:solidFill>
+                      <a:prstDash val="solid"/>
+                      <a:round/>
+                      <a:headEnd type="none" w="med" len="med"/>
+                      <a:tailEnd type="none" w="med" len="med"/>
+                    </a:lnR>
+                    <a:lnT w="12700" cap="flat" cmpd="sng" algn="ctr">
+                      <a:solidFill>
+                        <a:srgbClr val="000000"/>
+                      </a:solidFill>
+                      <a:prstDash val="solid"/>
+                      <a:round/>
+                      <a:headEnd type="none" w="med" len="med"/>
+                      <a:tailEnd type="none" w="med" len="med"/>
+                    </a:lnT>
+                    <a:lnB>
+                      <a:noFill/>
+                    </a:lnB>
+                    <a:solidFill>
+                      <a:srgbClr val="70AD47"/>
+                    </a:solidFill>
+                  </a:tcPr>
+                </a:tc>
+                <a:tc rowSpan="2">
+                  <a:txBody>
+                    <a:bodyPr/>
+                    <a:lstStyle/>
+                    <a:p>
+                      <a:pPr algn="ctr" rtl="0" fontAlgn="ctr">
+                        <a:buNone/>
+                      </a:pPr>
+                      <a:r>
+                        <a:rPr lang="ja-JP" altLang="en-US" sz="1900" b="1" i="0" u="none" strike="noStrike">
+                          <a:solidFill>
+                            <a:srgbClr val="FFFFFF"/>
+                          </a:solidFill>
+                          <a:effectLst/>
+                          <a:latin typeface="Noto Sans JP" panose="020B0200000000000000" pitchFamily="50" charset="-128"/>
+                          <a:ea typeface="Noto Sans JP" panose="020B0200000000000000" pitchFamily="50" charset="-128"/>
+                        </a:rPr>
+                        <a:t>実行内容</a:t>
+                      </a:r>
+                    </a:p>
+                  </a:txBody>
+                  <a:tcPr marL="107457" marR="107457" marT="53729" marB="53729" anchor="ctr">
+                    <a:lnL w="12700" cap="flat" cmpd="sng" algn="ctr">
+                      <a:solidFill>
+                        <a:srgbClr val="000000"/>
+                      </a:solidFill>
+                      <a:prstDash val="solid"/>
+                      <a:round/>
+                      <a:headEnd type="none" w="med" len="med"/>
+                      <a:tailEnd type="none" w="med" len="med"/>
+                    </a:lnL>
+                    <a:lnR w="12700" cap="flat" cmpd="sng" algn="ctr">
+                      <a:solidFill>
+                        <a:srgbClr val="000000"/>
+                      </a:solidFill>
+                      <a:prstDash val="solid"/>
+                      <a:round/>
+                      <a:headEnd type="none" w="med" len="med"/>
+                      <a:tailEnd type="none" w="med" len="med"/>
+                    </a:lnR>
+                    <a:lnT w="12700" cap="flat" cmpd="sng" algn="ctr">
+                      <a:solidFill>
+                        <a:srgbClr val="000000"/>
+                      </a:solidFill>
+                      <a:prstDash val="solid"/>
+                      <a:round/>
+                      <a:headEnd type="none" w="med" len="med"/>
+                      <a:tailEnd type="none" w="med" len="med"/>
+                    </a:lnT>
+                    <a:lnB w="12700" cap="flat" cmpd="sng" algn="ctr">
+                      <a:solidFill>
+                        <a:srgbClr val="000000"/>
+                      </a:solidFill>
+                      <a:prstDash val="solid"/>
+                      <a:round/>
+                      <a:headEnd type="none" w="med" len="med"/>
+                      <a:tailEnd type="none" w="med" len="med"/>
+                    </a:lnB>
+                    <a:solidFill>
+                      <a:srgbClr val="70AD47"/>
+                    </a:solidFill>
+                  </a:tcPr>
+                </a:tc>
+                <a:tc rowSpan="2">
+                  <a:txBody>
+                    <a:bodyPr/>
+                    <a:lstStyle/>
+                    <a:p>
+                      <a:pPr algn="ctr" rtl="0" fontAlgn="ctr">
+                        <a:buNone/>
+                      </a:pPr>
+                      <a:r>
+                        <a:rPr lang="ja-JP" altLang="en-US" sz="1900" b="1" i="0" u="none" strike="noStrike">
+                          <a:solidFill>
+                            <a:srgbClr val="FFFFFF"/>
+                          </a:solidFill>
+                          <a:effectLst/>
+                          <a:latin typeface="Noto Sans JP" panose="020B0200000000000000" pitchFamily="50" charset="-128"/>
+                          <a:ea typeface="Noto Sans JP" panose="020B0200000000000000" pitchFamily="50" charset="-128"/>
+                        </a:rPr>
+                        <a:t>ループ後の </a:t>
+                      </a:r>
+                      <a:r>
+                        <a:rPr lang="en-US" sz="1900" b="1" i="0" u="none" strike="noStrike">
+                          <a:solidFill>
+                            <a:srgbClr val="FFFFFF"/>
+                          </a:solidFill>
+                          <a:effectLst/>
+                          <a:latin typeface="Consolas" panose="020B0609020204030204" pitchFamily="49" charset="0"/>
+                          <a:ea typeface="Noto Sans JP" panose="020B0200000000000000" pitchFamily="50" charset="-128"/>
+                        </a:rPr>
+                        <a:t>months</a:t>
+                      </a:r>
+                      <a:endParaRPr lang="en-US" sz="1900" b="1" i="0" u="none" strike="noStrike">
+                        <a:solidFill>
+                          <a:srgbClr val="FFFFFF"/>
+                        </a:solidFill>
+                        <a:effectLst/>
+                        <a:latin typeface="Noto Sans JP" panose="020B0200000000000000" pitchFamily="50" charset="-128"/>
+                        <a:ea typeface="Noto Sans JP" panose="020B0200000000000000" pitchFamily="50" charset="-128"/>
+                      </a:endParaRPr>
+                    </a:p>
+                  </a:txBody>
+                  <a:tcPr marL="107457" marR="107457" marT="53729" marB="53729" anchor="ctr">
+                    <a:lnL w="12700" cap="flat" cmpd="sng" algn="ctr">
+                      <a:solidFill>
+                        <a:srgbClr val="000000"/>
+                      </a:solidFill>
+                      <a:prstDash val="solid"/>
+                      <a:round/>
+                      <a:headEnd type="none" w="med" len="med"/>
+                      <a:tailEnd type="none" w="med" len="med"/>
+                    </a:lnL>
+                    <a:lnR w="12700" cap="flat" cmpd="sng" algn="ctr">
+                      <a:solidFill>
+                        <a:srgbClr val="000000"/>
+                      </a:solidFill>
+                      <a:prstDash val="solid"/>
+                      <a:round/>
+                      <a:headEnd type="none" w="med" len="med"/>
+                      <a:tailEnd type="none" w="med" len="med"/>
+                    </a:lnR>
+                    <a:lnT w="12700" cap="flat" cmpd="sng" algn="ctr">
+                      <a:solidFill>
+                        <a:srgbClr val="000000"/>
+                      </a:solidFill>
+                      <a:prstDash val="solid"/>
+                      <a:round/>
+                      <a:headEnd type="none" w="med" len="med"/>
+                      <a:tailEnd type="none" w="med" len="med"/>
+                    </a:lnT>
+                    <a:lnB w="12700" cap="flat" cmpd="sng" algn="ctr">
+                      <a:solidFill>
+                        <a:srgbClr val="000000"/>
+                      </a:solidFill>
+                      <a:prstDash val="solid"/>
+                      <a:round/>
+                      <a:headEnd type="none" w="med" len="med"/>
+                      <a:tailEnd type="none" w="med" len="med"/>
+                    </a:lnB>
+                    <a:solidFill>
+                      <a:srgbClr val="70AD47"/>
+                    </a:solidFill>
+                  </a:tcPr>
+                </a:tc>
+                <a:extLst>
+                  <a:ext uri="{0D108BD9-81ED-4DB2-BD59-A6C34878D82A}">
+                    <a16:rowId xmlns:a16="http://schemas.microsoft.com/office/drawing/2014/main" val="1733586153"/>
+                  </a:ext>
+                </a:extLst>
+              </a:tr>
+              <a:tr h="762155">
+                <a:tc>
+                  <a:txBody>
+                    <a:bodyPr/>
+                    <a:lstStyle/>
+                    <a:p>
+                      <a:pPr algn="ctr" rtl="0" fontAlgn="ctr">
+                        <a:buNone/>
+                      </a:pPr>
+                      <a:r>
+                        <a:rPr lang="ja-JP" altLang="en-US" sz="1900" b="1" i="0" u="none" strike="noStrike">
+                          <a:solidFill>
+                            <a:srgbClr val="FFFFFF"/>
+                          </a:solidFill>
+                          <a:effectLst/>
+                          <a:latin typeface="Noto Sans JP" panose="020B0200000000000000" pitchFamily="50" charset="-128"/>
+                          <a:ea typeface="Noto Sans JP" panose="020B0200000000000000" pitchFamily="50" charset="-128"/>
+                        </a:rPr>
+                        <a:t>回数</a:t>
+                      </a:r>
+                    </a:p>
+                  </a:txBody>
+                  <a:tcPr marL="7462" marR="7462" marT="7462" marB="0" anchor="ctr">
+                    <a:lnL w="12700" cap="flat" cmpd="sng" algn="ctr">
+                      <a:solidFill>
+                        <a:srgbClr val="000000"/>
+                      </a:solidFill>
+                      <a:prstDash val="solid"/>
+                      <a:round/>
+                      <a:headEnd type="none" w="med" len="med"/>
+                      <a:tailEnd type="none" w="med" len="med"/>
+                    </a:lnL>
+                    <a:lnR w="12700" cap="flat" cmpd="sng" algn="ctr">
+                      <a:solidFill>
+                        <a:srgbClr val="000000"/>
+                      </a:solidFill>
+                      <a:prstDash val="solid"/>
+                      <a:round/>
+                      <a:headEnd type="none" w="med" len="med"/>
+                      <a:tailEnd type="none" w="med" len="med"/>
+                    </a:lnR>
+                    <a:lnT>
+                      <a:noFill/>
+                    </a:lnT>
+                    <a:lnB w="12700" cap="flat" cmpd="sng" algn="ctr">
+                      <a:solidFill>
+                        <a:srgbClr val="000000"/>
+                      </a:solidFill>
+                      <a:prstDash val="solid"/>
+                      <a:round/>
+                      <a:headEnd type="none" w="med" len="med"/>
+                      <a:tailEnd type="none" w="med" len="med"/>
+                    </a:lnB>
+                    <a:solidFill>
+                      <a:srgbClr val="70AD47"/>
+                    </a:solidFill>
+                  </a:tcPr>
+                </a:tc>
+                <a:tc vMerge="1">
+                  <a:txBody>
+                    <a:bodyPr/>
+                    <a:lstStyle/>
+                    <a:p>
+                      <a:endParaRPr kumimoji="1" lang="ja-JP" altLang="en-US"/>
+                    </a:p>
+                  </a:txBody>
+                  <a:tcPr/>
+                </a:tc>
+                <a:tc>
+                  <a:txBody>
+                    <a:bodyPr/>
+                    <a:lstStyle/>
+                    <a:p>
+                      <a:pPr algn="ctr" rtl="0" fontAlgn="ctr">
+                        <a:buNone/>
+                      </a:pPr>
+                      <a:r>
+                        <a:rPr lang="en-US" sz="1900" b="1" i="0" u="none" strike="noStrike">
+                          <a:solidFill>
+                            <a:srgbClr val="FFFFFF"/>
+                          </a:solidFill>
+                          <a:effectLst/>
+                          <a:latin typeface="Consolas" panose="020B0609020204030204" pitchFamily="49" charset="0"/>
+                          <a:ea typeface="游ゴシック" panose="020B0400000000000000" pitchFamily="50" charset="-128"/>
+                        </a:rPr>
+                        <a:t>(len(month)&gt;5)</a:t>
+                      </a:r>
+                    </a:p>
+                  </a:txBody>
+                  <a:tcPr marL="7462" marR="7462" marT="7462" marB="0" anchor="ctr">
+                    <a:lnL w="12700" cap="flat" cmpd="sng" algn="ctr">
+                      <a:solidFill>
+                        <a:srgbClr val="000000"/>
+                      </a:solidFill>
+                      <a:prstDash val="solid"/>
+                      <a:round/>
+                      <a:headEnd type="none" w="med" len="med"/>
+                      <a:tailEnd type="none" w="med" len="med"/>
+                    </a:lnL>
+                    <a:lnR w="12700" cap="flat" cmpd="sng" algn="ctr">
+                      <a:solidFill>
+                        <a:srgbClr val="000000"/>
+                      </a:solidFill>
+                      <a:prstDash val="solid"/>
+                      <a:round/>
+                      <a:headEnd type="none" w="med" len="med"/>
+                      <a:tailEnd type="none" w="med" len="med"/>
+                    </a:lnR>
+                    <a:lnT>
+                      <a:noFill/>
+                    </a:lnT>
+                    <a:lnB w="12700" cap="flat" cmpd="sng" algn="ctr">
+                      <a:solidFill>
+                        <a:srgbClr val="000000"/>
+                      </a:solidFill>
+                      <a:prstDash val="solid"/>
+                      <a:round/>
+                      <a:headEnd type="none" w="med" len="med"/>
+                      <a:tailEnd type="none" w="med" len="med"/>
+                    </a:lnB>
+                    <a:solidFill>
+                      <a:srgbClr val="70AD47"/>
+                    </a:solidFill>
+                  </a:tcPr>
+                </a:tc>
+                <a:tc vMerge="1">
+                  <a:txBody>
+                    <a:bodyPr/>
+                    <a:lstStyle/>
+                    <a:p>
+                      <a:endParaRPr kumimoji="1" lang="ja-JP" altLang="en-US"/>
+                    </a:p>
+                  </a:txBody>
+                  <a:tcPr/>
+                </a:tc>
+                <a:tc vMerge="1">
+                  <a:txBody>
+                    <a:bodyPr/>
+                    <a:lstStyle/>
+                    <a:p>
+                      <a:endParaRPr kumimoji="1" lang="ja-JP" altLang="en-US"/>
+                    </a:p>
+                  </a:txBody>
+                  <a:tcPr/>
+                </a:tc>
+                <a:extLst>
+                  <a:ext uri="{0D108BD9-81ED-4DB2-BD59-A6C34878D82A}">
+                    <a16:rowId xmlns:a16="http://schemas.microsoft.com/office/drawing/2014/main" val="3246408944"/>
+                  </a:ext>
+                </a:extLst>
+              </a:tr>
+              <a:tr h="1138640">
+                <a:tc>
+                  <a:txBody>
+                    <a:bodyPr/>
+                    <a:lstStyle/>
+                    <a:p>
+                      <a:pPr algn="ctr" rtl="0" fontAlgn="ctr">
+                        <a:buNone/>
+                      </a:pPr>
+                      <a:r>
+                        <a:rPr lang="en-US" altLang="ja-JP" sz="1900" b="1" i="0" u="none" strike="noStrike">
+                          <a:solidFill>
+                            <a:srgbClr val="000000"/>
+                          </a:solidFill>
+                          <a:effectLst/>
+                          <a:latin typeface="Consolas" panose="020B0609020204030204" pitchFamily="49" charset="0"/>
+                          <a:ea typeface="游ゴシック" panose="020B0400000000000000" pitchFamily="50" charset="-128"/>
+                        </a:rPr>
+                        <a:t>1</a:t>
+                      </a:r>
+                    </a:p>
+                  </a:txBody>
+                  <a:tcPr marL="7462" marR="7462" marT="7462" marB="0" anchor="ctr">
+                    <a:lnL w="12700" cap="flat" cmpd="sng" algn="ctr">
+                      <a:solidFill>
+                        <a:srgbClr val="000000"/>
+                      </a:solidFill>
+                      <a:prstDash val="solid"/>
+                      <a:round/>
+                      <a:headEnd type="none" w="med" len="med"/>
+                      <a:tailEnd type="none" w="med" len="med"/>
+                    </a:lnL>
+                    <a:lnR w="12700" cap="flat" cmpd="sng" algn="ctr">
+                      <a:solidFill>
+                        <a:srgbClr val="000000"/>
+                      </a:solidFill>
+                      <a:prstDash val="solid"/>
+                      <a:round/>
+                      <a:headEnd type="none" w="med" len="med"/>
+                      <a:tailEnd type="none" w="med" len="med"/>
+                    </a:lnR>
+                    <a:lnT w="12700" cap="flat" cmpd="sng" algn="ctr">
+                      <a:solidFill>
+                        <a:srgbClr val="000000"/>
+                      </a:solidFill>
+                      <a:prstDash val="solid"/>
+                      <a:round/>
+                      <a:headEnd type="none" w="med" len="med"/>
+                      <a:tailEnd type="none" w="med" len="med"/>
+                    </a:lnT>
+                    <a:lnB w="12700" cap="flat" cmpd="sng" algn="ctr">
+                      <a:solidFill>
+                        <a:srgbClr val="000000"/>
+                      </a:solidFill>
+                      <a:prstDash val="solid"/>
+                      <a:round/>
+                      <a:headEnd type="none" w="med" len="med"/>
+                      <a:tailEnd type="none" w="med" len="med"/>
+                    </a:lnB>
+                    <a:solidFill>
+                      <a:srgbClr val="EBF1E9"/>
+                    </a:solidFill>
+                  </a:tcPr>
+                </a:tc>
+                <a:tc>
+                  <a:txBody>
+                    <a:bodyPr/>
+                    <a:lstStyle/>
+                    <a:p>
+                      <a:pPr algn="ctr" rtl="0" fontAlgn="ctr">
+                        <a:buNone/>
+                      </a:pPr>
+                      <a:r>
+                        <a:rPr lang="en-US" sz="1900" b="0" i="0" u="none" strike="noStrike">
+                          <a:solidFill>
+                            <a:srgbClr val="000000"/>
+                          </a:solidFill>
+                          <a:effectLst/>
+                          <a:latin typeface="Consolas" panose="020B0609020204030204" pitchFamily="49" charset="0"/>
+                          <a:ea typeface="游ゴシック" panose="020B0400000000000000" pitchFamily="50" charset="-128"/>
+                        </a:rPr>
+                        <a:t>'January'</a:t>
+                      </a:r>
+                    </a:p>
+                  </a:txBody>
+                  <a:tcPr marL="7462" marR="7462" marT="7462" marB="0" anchor="ctr">
+                    <a:lnL w="12700" cap="flat" cmpd="sng" algn="ctr">
+                      <a:solidFill>
+                        <a:srgbClr val="000000"/>
+                      </a:solidFill>
+                      <a:prstDash val="solid"/>
+                      <a:round/>
+                      <a:headEnd type="none" w="med" len="med"/>
+                      <a:tailEnd type="none" w="med" len="med"/>
+                    </a:lnL>
+                    <a:lnR w="12700" cap="flat" cmpd="sng" algn="ctr">
+                      <a:solidFill>
+                        <a:srgbClr val="000000"/>
+                      </a:solidFill>
+                      <a:prstDash val="solid"/>
+                      <a:round/>
+                      <a:headEnd type="none" w="med" len="med"/>
+                      <a:tailEnd type="none" w="med" len="med"/>
+                    </a:lnR>
+                    <a:lnT w="12700" cap="flat" cmpd="sng" algn="ctr">
+                      <a:solidFill>
+                        <a:srgbClr val="000000"/>
+                      </a:solidFill>
+                      <a:prstDash val="solid"/>
+                      <a:round/>
+                      <a:headEnd type="none" w="med" len="med"/>
+                      <a:tailEnd type="none" w="med" len="med"/>
+                    </a:lnT>
+                    <a:lnB w="12700" cap="flat" cmpd="sng" algn="ctr">
+                      <a:solidFill>
+                        <a:srgbClr val="000000"/>
+                      </a:solidFill>
+                      <a:prstDash val="solid"/>
+                      <a:round/>
+                      <a:headEnd type="none" w="med" len="med"/>
+                      <a:tailEnd type="none" w="med" len="med"/>
+                    </a:lnB>
+                    <a:solidFill>
+                      <a:srgbClr val="EBF1E9"/>
+                    </a:solidFill>
+                  </a:tcPr>
+                </a:tc>
+                <a:tc>
+                  <a:txBody>
+                    <a:bodyPr/>
+                    <a:lstStyle/>
+                    <a:p>
+                      <a:pPr algn="l" rtl="0" fontAlgn="ctr">
+                        <a:buNone/>
+                      </a:pPr>
+                      <a:r>
+                        <a:rPr lang="en-US" altLang="ja-JP" sz="1900" b="0" i="0" u="none" strike="noStrike" dirty="0">
+                          <a:solidFill>
+                            <a:srgbClr val="000000"/>
+                          </a:solidFill>
+                          <a:effectLst/>
+                          <a:latin typeface="Consolas" panose="020B0609020204030204" pitchFamily="49" charset="0"/>
+                          <a:ea typeface="游ゴシック" panose="020B0400000000000000" pitchFamily="50" charset="-128"/>
+                        </a:rPr>
+                        <a:t>7</a:t>
+                      </a:r>
+                      <a:r>
+                        <a:rPr lang="ja-JP" altLang="en-US" sz="1900" b="0" i="0" u="none" strike="noStrike" dirty="0">
+                          <a:solidFill>
+                            <a:srgbClr val="000000"/>
+                          </a:solidFill>
+                          <a:effectLst/>
+                          <a:latin typeface="Noto Sans JP" panose="020B0200000000000000" pitchFamily="50" charset="-128"/>
+                          <a:ea typeface="Noto Sans JP" panose="020B0200000000000000" pitchFamily="50" charset="-128"/>
+                        </a:rPr>
+                        <a:t>文字 → 〇</a:t>
+                      </a:r>
+                      <a:endParaRPr lang="ja-JP" altLang="en-US" sz="1900" b="0" i="0" u="none" strike="noStrike" dirty="0">
+                        <a:solidFill>
+                          <a:srgbClr val="000000"/>
+                        </a:solidFill>
+                        <a:effectLst/>
+                        <a:latin typeface="Consolas" panose="020B0609020204030204" pitchFamily="49" charset="0"/>
+                        <a:ea typeface="游ゴシック" panose="020B0400000000000000" pitchFamily="50" charset="-128"/>
+                      </a:endParaRPr>
+                    </a:p>
+                  </a:txBody>
+                  <a:tcPr marL="7462" marR="7462" marT="7462" marB="0" anchor="ctr">
+                    <a:lnL w="12700" cap="flat" cmpd="sng" algn="ctr">
+                      <a:solidFill>
+                        <a:srgbClr val="000000"/>
+                      </a:solidFill>
+                      <a:prstDash val="solid"/>
+                      <a:round/>
+                      <a:headEnd type="none" w="med" len="med"/>
+                      <a:tailEnd type="none" w="med" len="med"/>
+                    </a:lnL>
+                    <a:lnR w="12700" cap="flat" cmpd="sng" algn="ctr">
+                      <a:solidFill>
+                        <a:srgbClr val="000000"/>
+                      </a:solidFill>
+                      <a:prstDash val="solid"/>
+                      <a:round/>
+                      <a:headEnd type="none" w="med" len="med"/>
+                      <a:tailEnd type="none" w="med" len="med"/>
+                    </a:lnR>
+                    <a:lnT w="12700" cap="flat" cmpd="sng" algn="ctr">
+                      <a:solidFill>
+                        <a:srgbClr val="000000"/>
+                      </a:solidFill>
+                      <a:prstDash val="solid"/>
+                      <a:round/>
+                      <a:headEnd type="none" w="med" len="med"/>
+                      <a:tailEnd type="none" w="med" len="med"/>
+                    </a:lnT>
+                    <a:lnB w="12700" cap="flat" cmpd="sng" algn="ctr">
+                      <a:solidFill>
+                        <a:srgbClr val="000000"/>
+                      </a:solidFill>
+                      <a:prstDash val="solid"/>
+                      <a:round/>
+                      <a:headEnd type="none" w="med" len="med"/>
+                      <a:tailEnd type="none" w="med" len="med"/>
+                    </a:lnB>
+                    <a:solidFill>
+                      <a:srgbClr val="EBF1E9"/>
+                    </a:solidFill>
+                  </a:tcPr>
+                </a:tc>
+                <a:tc>
+                  <a:txBody>
+                    <a:bodyPr/>
+                    <a:lstStyle/>
+                    <a:p>
+                      <a:pPr algn="l" rtl="0" fontAlgn="ctr">
+                        <a:buNone/>
+                      </a:pPr>
+                      <a:r>
+                        <a:rPr lang="ja-JP" altLang="en-US" sz="1900" b="0" i="0" u="none" strike="noStrike" dirty="0">
+                          <a:solidFill>
+                            <a:srgbClr val="000000"/>
+                          </a:solidFill>
+                          <a:effectLst/>
+                          <a:latin typeface="Noto Sans JP" panose="020B0200000000000000" pitchFamily="50" charset="-128"/>
+                          <a:ea typeface="Noto Sans JP" panose="020B0200000000000000" pitchFamily="50" charset="-128"/>
+                        </a:rPr>
+                        <a:t>先頭</a:t>
+                      </a:r>
+                      <a:r>
+                        <a:rPr lang="en-US" altLang="ja-JP" sz="1900" b="0" i="0" u="none" strike="noStrike" dirty="0">
+                          <a:solidFill>
+                            <a:srgbClr val="000000"/>
+                          </a:solidFill>
+                          <a:effectLst/>
+                          <a:latin typeface="Noto Sans JP" panose="020B0200000000000000" pitchFamily="50" charset="-128"/>
+                          <a:ea typeface="Noto Sans JP" panose="020B0200000000000000" pitchFamily="50" charset="-128"/>
+                        </a:rPr>
+                        <a:t>(</a:t>
+                      </a:r>
+                      <a:r>
+                        <a:rPr lang="en-US" sz="1900" b="0" i="0" u="none" strike="noStrike" dirty="0">
+                          <a:solidFill>
+                            <a:srgbClr val="000000"/>
+                          </a:solidFill>
+                          <a:effectLst/>
+                          <a:latin typeface="Noto Sans JP" panose="020B0200000000000000" pitchFamily="50" charset="-128"/>
+                          <a:ea typeface="Noto Sans JP" panose="020B0200000000000000" pitchFamily="50" charset="-128"/>
+                        </a:rPr>
+                        <a:t>index[0])</a:t>
+                      </a:r>
+                      <a:r>
+                        <a:rPr lang="ja-JP" altLang="en-US" sz="1900" b="0" i="0" u="none" strike="noStrike" dirty="0">
+                          <a:solidFill>
+                            <a:srgbClr val="000000"/>
+                          </a:solidFill>
+                          <a:effectLst/>
+                          <a:latin typeface="Noto Sans JP" panose="020B0200000000000000" pitchFamily="50" charset="-128"/>
+                          <a:ea typeface="Noto Sans JP" panose="020B0200000000000000" pitchFamily="50" charset="-128"/>
+                        </a:rPr>
+                        <a:t>に </a:t>
+                      </a:r>
+                      <a:r>
+                        <a:rPr lang="en-US" altLang="ja-JP" sz="1900" b="0" i="0" u="none" strike="noStrike" dirty="0">
+                          <a:solidFill>
+                            <a:srgbClr val="000000"/>
+                          </a:solidFill>
+                          <a:effectLst/>
+                          <a:latin typeface="Noto Sans JP" panose="020B0200000000000000" pitchFamily="50" charset="-128"/>
+                          <a:ea typeface="Noto Sans JP" panose="020B0200000000000000" pitchFamily="50" charset="-128"/>
+                        </a:rPr>
+                        <a:t>'</a:t>
+                      </a:r>
+                      <a:r>
+                        <a:rPr lang="en-US" sz="1900" b="0" i="0" u="none" strike="noStrike" dirty="0">
+                          <a:solidFill>
+                            <a:srgbClr val="000000"/>
+                          </a:solidFill>
+                          <a:effectLst/>
+                          <a:latin typeface="Noto Sans JP" panose="020B0200000000000000" pitchFamily="50" charset="-128"/>
+                          <a:ea typeface="Noto Sans JP" panose="020B0200000000000000" pitchFamily="50" charset="-128"/>
+                        </a:rPr>
+                        <a:t>January' </a:t>
+                      </a:r>
+                      <a:r>
+                        <a:rPr lang="ja-JP" altLang="en-US" sz="1900" b="0" i="0" u="none" strike="noStrike" dirty="0">
+                          <a:solidFill>
+                            <a:srgbClr val="000000"/>
+                          </a:solidFill>
+                          <a:effectLst/>
+                          <a:latin typeface="Noto Sans JP" panose="020B0200000000000000" pitchFamily="50" charset="-128"/>
+                          <a:ea typeface="Noto Sans JP" panose="020B0200000000000000" pitchFamily="50" charset="-128"/>
+                        </a:rPr>
+                        <a:t>を</a:t>
+                      </a:r>
+                      <a:r>
+                        <a:rPr lang="ja-JP" altLang="en-US" sz="1900" b="1" i="0" u="none" strike="noStrike" dirty="0">
+                          <a:solidFill>
+                            <a:srgbClr val="FF0000"/>
+                          </a:solidFill>
+                          <a:effectLst/>
+                          <a:latin typeface="Noto Sans JP" panose="020B0200000000000000" pitchFamily="50" charset="-128"/>
+                          <a:ea typeface="Noto Sans JP" panose="020B0200000000000000" pitchFamily="50" charset="-128"/>
+                        </a:rPr>
+                        <a:t>追加</a:t>
+                      </a:r>
+                      <a:r>
+                        <a:rPr lang="ja-JP" altLang="en-US" sz="1900" b="0" i="0" u="none" strike="noStrike" dirty="0">
+                          <a:solidFill>
+                            <a:srgbClr val="000000"/>
+                          </a:solidFill>
+                          <a:effectLst/>
+                          <a:latin typeface="Noto Sans JP" panose="020B0200000000000000" pitchFamily="50" charset="-128"/>
+                          <a:ea typeface="Noto Sans JP" panose="020B0200000000000000" pitchFamily="50" charset="-128"/>
+                        </a:rPr>
+                        <a:t>  </a:t>
+                      </a:r>
+                    </a:p>
+                  </a:txBody>
+                  <a:tcPr marL="7462" marR="7462" marT="7462" marB="0" anchor="ctr">
+                    <a:lnL w="12700" cap="flat" cmpd="sng" algn="ctr">
+                      <a:solidFill>
+                        <a:srgbClr val="000000"/>
+                      </a:solidFill>
+                      <a:prstDash val="solid"/>
+                      <a:round/>
+                      <a:headEnd type="none" w="med" len="med"/>
+                      <a:tailEnd type="none" w="med" len="med"/>
+                    </a:lnL>
+                    <a:lnR w="12700" cap="flat" cmpd="sng" algn="ctr">
+                      <a:solidFill>
+                        <a:srgbClr val="000000"/>
+                      </a:solidFill>
+                      <a:prstDash val="solid"/>
+                      <a:round/>
+                      <a:headEnd type="none" w="med" len="med"/>
+                      <a:tailEnd type="none" w="med" len="med"/>
+                    </a:lnR>
+                    <a:lnT w="12700" cap="flat" cmpd="sng" algn="ctr">
+                      <a:solidFill>
+                        <a:srgbClr val="000000"/>
+                      </a:solidFill>
+                      <a:prstDash val="solid"/>
+                      <a:round/>
+                      <a:headEnd type="none" w="med" len="med"/>
+                      <a:tailEnd type="none" w="med" len="med"/>
+                    </a:lnT>
+                    <a:lnB w="12700" cap="flat" cmpd="sng" algn="ctr">
+                      <a:solidFill>
+                        <a:srgbClr val="000000"/>
+                      </a:solidFill>
+                      <a:prstDash val="solid"/>
+                      <a:round/>
+                      <a:headEnd type="none" w="med" len="med"/>
+                      <a:tailEnd type="none" w="med" len="med"/>
+                    </a:lnB>
+                    <a:solidFill>
+                      <a:srgbClr val="EBF1E9"/>
+                    </a:solidFill>
+                  </a:tcPr>
+                </a:tc>
+                <a:tc>
+                  <a:txBody>
+                    <a:bodyPr/>
+                    <a:lstStyle/>
+                    <a:p>
+                      <a:pPr algn="l" rtl="0" fontAlgn="ctr">
+                        <a:buNone/>
+                      </a:pPr>
+                      <a:r>
+                        <a:rPr lang="en-US" sz="1900" b="1" i="0" u="none" strike="noStrike">
+                          <a:solidFill>
+                            <a:srgbClr val="000000"/>
+                          </a:solidFill>
+                          <a:effectLst/>
+                          <a:latin typeface="Consolas" panose="020B0609020204030204" pitchFamily="49" charset="0"/>
+                          <a:ea typeface="游ゴシック" panose="020B0400000000000000" pitchFamily="50" charset="-128"/>
+                        </a:rPr>
+                        <a:t>['January','January', 'March', 'May', 'July', 'September']</a:t>
+                      </a:r>
+                    </a:p>
+                  </a:txBody>
+                  <a:tcPr marL="7462" marR="7462" marT="7462" marB="0" anchor="ctr">
+                    <a:lnL w="12700" cap="flat" cmpd="sng" algn="ctr">
+                      <a:solidFill>
+                        <a:srgbClr val="000000"/>
+                      </a:solidFill>
+                      <a:prstDash val="solid"/>
+                      <a:round/>
+                      <a:headEnd type="none" w="med" len="med"/>
+                      <a:tailEnd type="none" w="med" len="med"/>
+                    </a:lnL>
+                    <a:lnR w="12700" cap="flat" cmpd="sng" algn="ctr">
+                      <a:solidFill>
+                        <a:srgbClr val="000000"/>
+                      </a:solidFill>
+                      <a:prstDash val="solid"/>
+                      <a:round/>
+                      <a:headEnd type="none" w="med" len="med"/>
+                      <a:tailEnd type="none" w="med" len="med"/>
+                    </a:lnR>
+                    <a:lnT w="12700" cap="flat" cmpd="sng" algn="ctr">
+                      <a:solidFill>
+                        <a:srgbClr val="000000"/>
+                      </a:solidFill>
+                      <a:prstDash val="solid"/>
+                      <a:round/>
+                      <a:headEnd type="none" w="med" len="med"/>
+                      <a:tailEnd type="none" w="med" len="med"/>
+                    </a:lnT>
+                    <a:lnB w="12700" cap="flat" cmpd="sng" algn="ctr">
+                      <a:solidFill>
+                        <a:srgbClr val="000000"/>
+                      </a:solidFill>
+                      <a:prstDash val="solid"/>
+                      <a:round/>
+                      <a:headEnd type="none" w="med" len="med"/>
+                      <a:tailEnd type="none" w="med" len="med"/>
+                    </a:lnB>
+                    <a:solidFill>
+                      <a:srgbClr val="EBF1E9"/>
+                    </a:solidFill>
+                  </a:tcPr>
+                </a:tc>
+                <a:extLst>
+                  <a:ext uri="{0D108BD9-81ED-4DB2-BD59-A6C34878D82A}">
+                    <a16:rowId xmlns:a16="http://schemas.microsoft.com/office/drawing/2014/main" val="3734485639"/>
+                  </a:ext>
+                </a:extLst>
+              </a:tr>
+              <a:tr h="1138640">
+                <a:tc>
+                  <a:txBody>
+                    <a:bodyPr/>
+                    <a:lstStyle/>
+                    <a:p>
+                      <a:pPr algn="ctr" rtl="0" fontAlgn="ctr">
+                        <a:buNone/>
+                      </a:pPr>
+                      <a:r>
+                        <a:rPr lang="en-US" altLang="ja-JP" sz="1900" b="1" i="0" u="none" strike="noStrike">
+                          <a:solidFill>
+                            <a:srgbClr val="000000"/>
+                          </a:solidFill>
+                          <a:effectLst/>
+                          <a:latin typeface="Consolas" panose="020B0609020204030204" pitchFamily="49" charset="0"/>
+                          <a:ea typeface="游ゴシック" panose="020B0400000000000000" pitchFamily="50" charset="-128"/>
+                        </a:rPr>
+                        <a:t>2</a:t>
+                      </a:r>
+                    </a:p>
+                  </a:txBody>
+                  <a:tcPr marL="7462" marR="7462" marT="7462" marB="0" anchor="ctr">
+                    <a:lnL w="12700" cap="flat" cmpd="sng" algn="ctr">
+                      <a:solidFill>
+                        <a:srgbClr val="000000"/>
+                      </a:solidFill>
+                      <a:prstDash val="solid"/>
+                      <a:round/>
+                      <a:headEnd type="none" w="med" len="med"/>
+                      <a:tailEnd type="none" w="med" len="med"/>
+                    </a:lnL>
+                    <a:lnR w="12700" cap="flat" cmpd="sng" algn="ctr">
+                      <a:solidFill>
+                        <a:srgbClr val="000000"/>
+                      </a:solidFill>
+                      <a:prstDash val="solid"/>
+                      <a:round/>
+                      <a:headEnd type="none" w="med" len="med"/>
+                      <a:tailEnd type="none" w="med" len="med"/>
+                    </a:lnR>
+                    <a:lnT w="12700" cap="flat" cmpd="sng" algn="ctr">
+                      <a:solidFill>
+                        <a:srgbClr val="000000"/>
+                      </a:solidFill>
+                      <a:prstDash val="solid"/>
+                      <a:round/>
+                      <a:headEnd type="none" w="med" len="med"/>
+                      <a:tailEnd type="none" w="med" len="med"/>
+                    </a:lnT>
+                    <a:lnB w="12700" cap="flat" cmpd="sng" algn="ctr">
+                      <a:solidFill>
+                        <a:srgbClr val="000000"/>
+                      </a:solidFill>
+                      <a:prstDash val="solid"/>
+                      <a:round/>
+                      <a:headEnd type="none" w="med" len="med"/>
+                      <a:tailEnd type="none" w="med" len="med"/>
+                    </a:lnB>
+                    <a:solidFill>
+                      <a:srgbClr val="EBF1E9"/>
+                    </a:solidFill>
+                  </a:tcPr>
+                </a:tc>
+                <a:tc>
+                  <a:txBody>
+                    <a:bodyPr/>
+                    <a:lstStyle/>
+                    <a:p>
+                      <a:pPr algn="ctr" rtl="0" fontAlgn="ctr">
+                        <a:buNone/>
+                      </a:pPr>
+                      <a:r>
+                        <a:rPr lang="en-US" sz="1900" b="0" i="0" u="none" strike="noStrike">
+                          <a:solidFill>
+                            <a:srgbClr val="000000"/>
+                          </a:solidFill>
+                          <a:effectLst/>
+                          <a:latin typeface="Consolas" panose="020B0609020204030204" pitchFamily="49" charset="0"/>
+                          <a:ea typeface="游ゴシック" panose="020B0400000000000000" pitchFamily="50" charset="-128"/>
+                        </a:rPr>
+                        <a:t>'March'</a:t>
+                      </a:r>
+                    </a:p>
+                  </a:txBody>
+                  <a:tcPr marL="7462" marR="7462" marT="7462" marB="0" anchor="ctr">
+                    <a:lnL w="12700" cap="flat" cmpd="sng" algn="ctr">
+                      <a:solidFill>
+                        <a:srgbClr val="000000"/>
+                      </a:solidFill>
+                      <a:prstDash val="solid"/>
+                      <a:round/>
+                      <a:headEnd type="none" w="med" len="med"/>
+                      <a:tailEnd type="none" w="med" len="med"/>
+                    </a:lnL>
+                    <a:lnR w="12700" cap="flat" cmpd="sng" algn="ctr">
+                      <a:solidFill>
+                        <a:srgbClr val="000000"/>
+                      </a:solidFill>
+                      <a:prstDash val="solid"/>
+                      <a:round/>
+                      <a:headEnd type="none" w="med" len="med"/>
+                      <a:tailEnd type="none" w="med" len="med"/>
+                    </a:lnR>
+                    <a:lnT w="12700" cap="flat" cmpd="sng" algn="ctr">
+                      <a:solidFill>
+                        <a:srgbClr val="000000"/>
+                      </a:solidFill>
+                      <a:prstDash val="solid"/>
+                      <a:round/>
+                      <a:headEnd type="none" w="med" len="med"/>
+                      <a:tailEnd type="none" w="med" len="med"/>
+                    </a:lnT>
+                    <a:lnB w="12700" cap="flat" cmpd="sng" algn="ctr">
+                      <a:solidFill>
+                        <a:srgbClr val="000000"/>
+                      </a:solidFill>
+                      <a:prstDash val="solid"/>
+                      <a:round/>
+                      <a:headEnd type="none" w="med" len="med"/>
+                      <a:tailEnd type="none" w="med" len="med"/>
+                    </a:lnB>
+                    <a:solidFill>
+                      <a:srgbClr val="EBF1E9"/>
+                    </a:solidFill>
+                  </a:tcPr>
+                </a:tc>
+                <a:tc>
+                  <a:txBody>
+                    <a:bodyPr/>
+                    <a:lstStyle/>
+                    <a:p>
+                      <a:pPr algn="l" rtl="0" fontAlgn="ctr">
+                        <a:buNone/>
+                      </a:pPr>
+                      <a:r>
+                        <a:rPr lang="en-US" altLang="ja-JP" sz="1900" b="0" i="0" u="none" strike="noStrike" dirty="0">
+                          <a:solidFill>
+                            <a:srgbClr val="000000"/>
+                          </a:solidFill>
+                          <a:effectLst/>
+                          <a:latin typeface="Noto Sans JP" panose="020B0200000000000000" pitchFamily="50" charset="-128"/>
+                          <a:ea typeface="Noto Sans JP" panose="020B0200000000000000" pitchFamily="50" charset="-128"/>
+                        </a:rPr>
+                        <a:t>5</a:t>
+                      </a:r>
+                      <a:r>
+                        <a:rPr lang="ja-JP" altLang="en-US" sz="1900" b="0" i="0" u="none" strike="noStrike" dirty="0">
+                          <a:solidFill>
+                            <a:srgbClr val="000000"/>
+                          </a:solidFill>
+                          <a:effectLst/>
+                          <a:latin typeface="Noto Sans JP" panose="020B0200000000000000" pitchFamily="50" charset="-128"/>
+                          <a:ea typeface="Noto Sans JP" panose="020B0200000000000000" pitchFamily="50" charset="-128"/>
+                        </a:rPr>
+                        <a:t>文字 → </a:t>
+                      </a:r>
+                      <a:r>
+                        <a:rPr lang="ja-JP" altLang="en-US" sz="1900" b="0" i="0" u="none" strike="noStrike" dirty="0">
+                          <a:solidFill>
+                            <a:srgbClr val="000000"/>
+                          </a:solidFill>
+                          <a:effectLst/>
+                          <a:latin typeface="Segoe UI Symbol" panose="020B0502040204020203" pitchFamily="34" charset="0"/>
+                          <a:ea typeface="Noto Sans JP" panose="020B0200000000000000" pitchFamily="50" charset="-128"/>
+                        </a:rPr>
+                        <a:t>✖</a:t>
+                      </a:r>
+                      <a:endParaRPr lang="ja-JP" altLang="en-US" sz="1900" b="0" i="0" u="none" strike="noStrike" dirty="0">
+                        <a:solidFill>
+                          <a:srgbClr val="000000"/>
+                        </a:solidFill>
+                        <a:effectLst/>
+                        <a:latin typeface="Noto Sans JP" panose="020B0200000000000000" pitchFamily="50" charset="-128"/>
+                        <a:ea typeface="Noto Sans JP" panose="020B0200000000000000" pitchFamily="50" charset="-128"/>
+                      </a:endParaRPr>
+                    </a:p>
+                  </a:txBody>
+                  <a:tcPr marL="7462" marR="7462" marT="7462" marB="0" anchor="ctr">
+                    <a:lnL w="12700" cap="flat" cmpd="sng" algn="ctr">
+                      <a:solidFill>
+                        <a:srgbClr val="000000"/>
+                      </a:solidFill>
+                      <a:prstDash val="solid"/>
+                      <a:round/>
+                      <a:headEnd type="none" w="med" len="med"/>
+                      <a:tailEnd type="none" w="med" len="med"/>
+                    </a:lnL>
+                    <a:lnR w="12700" cap="flat" cmpd="sng" algn="ctr">
+                      <a:solidFill>
+                        <a:srgbClr val="000000"/>
+                      </a:solidFill>
+                      <a:prstDash val="solid"/>
+                      <a:round/>
+                      <a:headEnd type="none" w="med" len="med"/>
+                      <a:tailEnd type="none" w="med" len="med"/>
+                    </a:lnR>
+                    <a:lnT w="12700" cap="flat" cmpd="sng" algn="ctr">
+                      <a:solidFill>
+                        <a:srgbClr val="000000"/>
+                      </a:solidFill>
+                      <a:prstDash val="solid"/>
+                      <a:round/>
+                      <a:headEnd type="none" w="med" len="med"/>
+                      <a:tailEnd type="none" w="med" len="med"/>
+                    </a:lnT>
+                    <a:lnB w="12700" cap="flat" cmpd="sng" algn="ctr">
+                      <a:solidFill>
+                        <a:srgbClr val="000000"/>
+                      </a:solidFill>
+                      <a:prstDash val="solid"/>
+                      <a:round/>
+                      <a:headEnd type="none" w="med" len="med"/>
+                      <a:tailEnd type="none" w="med" len="med"/>
+                    </a:lnB>
+                    <a:solidFill>
+                      <a:srgbClr val="EBF1E9"/>
+                    </a:solidFill>
+                  </a:tcPr>
+                </a:tc>
+                <a:tc>
+                  <a:txBody>
+                    <a:bodyPr/>
+                    <a:lstStyle/>
+                    <a:p>
+                      <a:pPr algn="l" rtl="0" fontAlgn="ctr">
+                        <a:buNone/>
+                      </a:pPr>
+                      <a:r>
+                        <a:rPr lang="ja-JP" altLang="en-US" sz="1900" b="0" i="0" u="none" strike="noStrike">
+                          <a:solidFill>
+                            <a:srgbClr val="000000"/>
+                          </a:solidFill>
+                          <a:effectLst/>
+                          <a:latin typeface="Noto Sans JP" panose="020B0200000000000000" pitchFamily="50" charset="-128"/>
+                          <a:ea typeface="Noto Sans JP" panose="020B0200000000000000" pitchFamily="50" charset="-128"/>
+                        </a:rPr>
+                        <a:t>何もしない</a:t>
+                      </a:r>
+                    </a:p>
+                  </a:txBody>
+                  <a:tcPr marL="7462" marR="7462" marT="7462" marB="0" anchor="ctr">
+                    <a:lnL w="12700" cap="flat" cmpd="sng" algn="ctr">
+                      <a:solidFill>
+                        <a:srgbClr val="000000"/>
+                      </a:solidFill>
+                      <a:prstDash val="solid"/>
+                      <a:round/>
+                      <a:headEnd type="none" w="med" len="med"/>
+                      <a:tailEnd type="none" w="med" len="med"/>
+                    </a:lnL>
+                    <a:lnR w="12700" cap="flat" cmpd="sng" algn="ctr">
+                      <a:solidFill>
+                        <a:srgbClr val="000000"/>
+                      </a:solidFill>
+                      <a:prstDash val="solid"/>
+                      <a:round/>
+                      <a:headEnd type="none" w="med" len="med"/>
+                      <a:tailEnd type="none" w="med" len="med"/>
+                    </a:lnR>
+                    <a:lnT w="12700" cap="flat" cmpd="sng" algn="ctr">
+                      <a:solidFill>
+                        <a:srgbClr val="000000"/>
+                      </a:solidFill>
+                      <a:prstDash val="solid"/>
+                      <a:round/>
+                      <a:headEnd type="none" w="med" len="med"/>
+                      <a:tailEnd type="none" w="med" len="med"/>
+                    </a:lnT>
+                    <a:lnB w="12700" cap="flat" cmpd="sng" algn="ctr">
+                      <a:solidFill>
+                        <a:srgbClr val="000000"/>
+                      </a:solidFill>
+                      <a:prstDash val="solid"/>
+                      <a:round/>
+                      <a:headEnd type="none" w="med" len="med"/>
+                      <a:tailEnd type="none" w="med" len="med"/>
+                    </a:lnB>
+                    <a:solidFill>
+                      <a:srgbClr val="EBF1E9"/>
+                    </a:solidFill>
+                  </a:tcPr>
+                </a:tc>
+                <a:tc>
+                  <a:txBody>
+                    <a:bodyPr/>
+                    <a:lstStyle/>
+                    <a:p>
+                      <a:pPr algn="l" rtl="0" fontAlgn="ctr">
+                        <a:buNone/>
+                      </a:pPr>
+                      <a:r>
+                        <a:rPr lang="en-US" sz="1900" b="1" i="0" u="none" strike="noStrike" dirty="0">
+                          <a:solidFill>
+                            <a:srgbClr val="000000"/>
+                          </a:solidFill>
+                          <a:effectLst/>
+                          <a:latin typeface="Consolas" panose="020B0609020204030204" pitchFamily="49" charset="0"/>
+                          <a:ea typeface="游ゴシック" panose="020B0400000000000000" pitchFamily="50" charset="-128"/>
+                        </a:rPr>
+                        <a:t>['</a:t>
+                      </a:r>
+                      <a:r>
+                        <a:rPr lang="en-US" sz="1900" b="1" i="0" u="none" strike="noStrike">
+                          <a:solidFill>
+                            <a:srgbClr val="000000"/>
+                          </a:solidFill>
+                          <a:effectLst/>
+                          <a:latin typeface="Consolas" panose="020B0609020204030204" pitchFamily="49" charset="0"/>
+                          <a:ea typeface="游ゴシック" panose="020B0400000000000000" pitchFamily="50" charset="-128"/>
+                        </a:rPr>
+                        <a:t>January','January</a:t>
+                      </a:r>
+                      <a:r>
+                        <a:rPr lang="en-US" sz="1900" b="1" i="0" u="none" strike="noStrike" dirty="0">
+                          <a:solidFill>
+                            <a:srgbClr val="000000"/>
+                          </a:solidFill>
+                          <a:effectLst/>
+                          <a:latin typeface="Consolas" panose="020B0609020204030204" pitchFamily="49" charset="0"/>
+                          <a:ea typeface="游ゴシック" panose="020B0400000000000000" pitchFamily="50" charset="-128"/>
+                        </a:rPr>
+                        <a:t>', 'March', 'May', 'July', 'September']</a:t>
+                      </a:r>
+                    </a:p>
+                  </a:txBody>
+                  <a:tcPr marL="7462" marR="7462" marT="7462" marB="0" anchor="ctr">
+                    <a:lnL w="12700" cap="flat" cmpd="sng" algn="ctr">
+                      <a:solidFill>
+                        <a:srgbClr val="000000"/>
+                      </a:solidFill>
+                      <a:prstDash val="solid"/>
+                      <a:round/>
+                      <a:headEnd type="none" w="med" len="med"/>
+                      <a:tailEnd type="none" w="med" len="med"/>
+                    </a:lnL>
+                    <a:lnR w="12700" cap="flat" cmpd="sng" algn="ctr">
+                      <a:solidFill>
+                        <a:srgbClr val="000000"/>
+                      </a:solidFill>
+                      <a:prstDash val="solid"/>
+                      <a:round/>
+                      <a:headEnd type="none" w="med" len="med"/>
+                      <a:tailEnd type="none" w="med" len="med"/>
+                    </a:lnR>
+                    <a:lnT w="12700" cap="flat" cmpd="sng" algn="ctr">
+                      <a:solidFill>
+                        <a:srgbClr val="000000"/>
+                      </a:solidFill>
+                      <a:prstDash val="solid"/>
+                      <a:round/>
+                      <a:headEnd type="none" w="med" len="med"/>
+                      <a:tailEnd type="none" w="med" len="med"/>
+                    </a:lnT>
+                    <a:lnB w="12700" cap="flat" cmpd="sng" algn="ctr">
+                      <a:solidFill>
+                        <a:srgbClr val="000000"/>
+                      </a:solidFill>
+                      <a:prstDash val="solid"/>
+                      <a:round/>
+                      <a:headEnd type="none" w="med" len="med"/>
+                      <a:tailEnd type="none" w="med" len="med"/>
+                    </a:lnB>
+                    <a:solidFill>
+                      <a:srgbClr val="EBF1E9"/>
+                    </a:solidFill>
+                  </a:tcPr>
+                </a:tc>
+                <a:extLst>
+                  <a:ext uri="{0D108BD9-81ED-4DB2-BD59-A6C34878D82A}">
+                    <a16:rowId xmlns:a16="http://schemas.microsoft.com/office/drawing/2014/main" val="4152614799"/>
+                  </a:ext>
+                </a:extLst>
+              </a:tr>
+              <a:tr h="1138640">
+                <a:tc>
+                  <a:txBody>
+                    <a:bodyPr/>
+                    <a:lstStyle/>
+                    <a:p>
+                      <a:pPr algn="ctr" rtl="0" fontAlgn="ctr">
+                        <a:buNone/>
+                      </a:pPr>
+                      <a:r>
+                        <a:rPr lang="en-US" altLang="ja-JP" sz="1900" b="1" i="0" u="none" strike="noStrike">
+                          <a:solidFill>
+                            <a:srgbClr val="000000"/>
+                          </a:solidFill>
+                          <a:effectLst/>
+                          <a:latin typeface="Consolas" panose="020B0609020204030204" pitchFamily="49" charset="0"/>
+                          <a:ea typeface="游ゴシック" panose="020B0400000000000000" pitchFamily="50" charset="-128"/>
+                        </a:rPr>
+                        <a:t>3</a:t>
+                      </a:r>
+                    </a:p>
+                  </a:txBody>
+                  <a:tcPr marL="7462" marR="7462" marT="7462" marB="0" anchor="ctr">
+                    <a:lnL w="12700" cap="flat" cmpd="sng" algn="ctr">
+                      <a:solidFill>
+                        <a:srgbClr val="000000"/>
+                      </a:solidFill>
+                      <a:prstDash val="solid"/>
+                      <a:round/>
+                      <a:headEnd type="none" w="med" len="med"/>
+                      <a:tailEnd type="none" w="med" len="med"/>
+                    </a:lnL>
+                    <a:lnR w="12700" cap="flat" cmpd="sng" algn="ctr">
+                      <a:solidFill>
+                        <a:srgbClr val="000000"/>
+                      </a:solidFill>
+                      <a:prstDash val="solid"/>
+                      <a:round/>
+                      <a:headEnd type="none" w="med" len="med"/>
+                      <a:tailEnd type="none" w="med" len="med"/>
+                    </a:lnR>
+                    <a:lnT w="12700" cap="flat" cmpd="sng" algn="ctr">
+                      <a:solidFill>
+                        <a:srgbClr val="000000"/>
+                      </a:solidFill>
+                      <a:prstDash val="solid"/>
+                      <a:round/>
+                      <a:headEnd type="none" w="med" len="med"/>
+                      <a:tailEnd type="none" w="med" len="med"/>
+                    </a:lnT>
+                    <a:lnB w="12700" cap="flat" cmpd="sng" algn="ctr">
+                      <a:solidFill>
+                        <a:srgbClr val="000000"/>
+                      </a:solidFill>
+                      <a:prstDash val="solid"/>
+                      <a:round/>
+                      <a:headEnd type="none" w="med" len="med"/>
+                      <a:tailEnd type="none" w="med" len="med"/>
+                    </a:lnB>
+                    <a:solidFill>
+                      <a:srgbClr val="EBF1E9"/>
+                    </a:solidFill>
+                  </a:tcPr>
+                </a:tc>
+                <a:tc>
+                  <a:txBody>
+                    <a:bodyPr/>
+                    <a:lstStyle/>
+                    <a:p>
+                      <a:pPr algn="ctr" rtl="0" fontAlgn="ctr">
+                        <a:buNone/>
+                      </a:pPr>
+                      <a:r>
+                        <a:rPr lang="en-US" sz="1900" b="0" i="0" u="none" strike="noStrike">
+                          <a:solidFill>
+                            <a:srgbClr val="000000"/>
+                          </a:solidFill>
+                          <a:effectLst/>
+                          <a:latin typeface="Consolas" panose="020B0609020204030204" pitchFamily="49" charset="0"/>
+                          <a:ea typeface="游ゴシック" panose="020B0400000000000000" pitchFamily="50" charset="-128"/>
+                        </a:rPr>
+                        <a:t>'May'</a:t>
+                      </a:r>
+                    </a:p>
+                  </a:txBody>
+                  <a:tcPr marL="7462" marR="7462" marT="7462" marB="0" anchor="ctr">
+                    <a:lnL w="12700" cap="flat" cmpd="sng" algn="ctr">
+                      <a:solidFill>
+                        <a:srgbClr val="000000"/>
+                      </a:solidFill>
+                      <a:prstDash val="solid"/>
+                      <a:round/>
+                      <a:headEnd type="none" w="med" len="med"/>
+                      <a:tailEnd type="none" w="med" len="med"/>
+                    </a:lnL>
+                    <a:lnR w="12700" cap="flat" cmpd="sng" algn="ctr">
+                      <a:solidFill>
+                        <a:srgbClr val="000000"/>
+                      </a:solidFill>
+                      <a:prstDash val="solid"/>
+                      <a:round/>
+                      <a:headEnd type="none" w="med" len="med"/>
+                      <a:tailEnd type="none" w="med" len="med"/>
+                    </a:lnR>
+                    <a:lnT w="12700" cap="flat" cmpd="sng" algn="ctr">
+                      <a:solidFill>
+                        <a:srgbClr val="000000"/>
+                      </a:solidFill>
+                      <a:prstDash val="solid"/>
+                      <a:round/>
+                      <a:headEnd type="none" w="med" len="med"/>
+                      <a:tailEnd type="none" w="med" len="med"/>
+                    </a:lnT>
+                    <a:lnB w="12700" cap="flat" cmpd="sng" algn="ctr">
+                      <a:solidFill>
+                        <a:srgbClr val="000000"/>
+                      </a:solidFill>
+                      <a:prstDash val="solid"/>
+                      <a:round/>
+                      <a:headEnd type="none" w="med" len="med"/>
+                      <a:tailEnd type="none" w="med" len="med"/>
+                    </a:lnB>
+                    <a:solidFill>
+                      <a:srgbClr val="EBF1E9"/>
+                    </a:solidFill>
+                  </a:tcPr>
+                </a:tc>
+                <a:tc>
+                  <a:txBody>
+                    <a:bodyPr/>
+                    <a:lstStyle/>
+                    <a:p>
+                      <a:pPr algn="l" rtl="0" fontAlgn="ctr">
+                        <a:buNone/>
+                      </a:pPr>
+                      <a:r>
+                        <a:rPr lang="en-US" altLang="ja-JP" sz="1900" b="0" i="0" u="none" strike="noStrike" dirty="0">
+                          <a:solidFill>
+                            <a:srgbClr val="000000"/>
+                          </a:solidFill>
+                          <a:effectLst/>
+                          <a:latin typeface="Noto Sans JP" panose="020B0200000000000000" pitchFamily="50" charset="-128"/>
+                          <a:ea typeface="Noto Sans JP" panose="020B0200000000000000" pitchFamily="50" charset="-128"/>
+                        </a:rPr>
+                        <a:t>3</a:t>
+                      </a:r>
+                      <a:r>
+                        <a:rPr lang="ja-JP" altLang="en-US" sz="1900" b="0" i="0" u="none" strike="noStrike" dirty="0">
+                          <a:solidFill>
+                            <a:srgbClr val="000000"/>
+                          </a:solidFill>
+                          <a:effectLst/>
+                          <a:latin typeface="Noto Sans JP" panose="020B0200000000000000" pitchFamily="50" charset="-128"/>
+                          <a:ea typeface="Noto Sans JP" panose="020B0200000000000000" pitchFamily="50" charset="-128"/>
+                        </a:rPr>
+                        <a:t>文字 → </a:t>
+                      </a:r>
+                      <a:r>
+                        <a:rPr lang="ja-JP" altLang="en-US" sz="1900" b="0" i="0" u="none" strike="noStrike" dirty="0">
+                          <a:solidFill>
+                            <a:srgbClr val="000000"/>
+                          </a:solidFill>
+                          <a:effectLst/>
+                          <a:latin typeface="Segoe UI Symbol" panose="020B0502040204020203" pitchFamily="34" charset="0"/>
+                          <a:ea typeface="Noto Sans JP" panose="020B0200000000000000" pitchFamily="50" charset="-128"/>
+                        </a:rPr>
+                        <a:t>✖</a:t>
+                      </a:r>
+                      <a:endParaRPr lang="ja-JP" altLang="en-US" sz="1900" b="0" i="0" u="none" strike="noStrike" dirty="0">
+                        <a:solidFill>
+                          <a:srgbClr val="000000"/>
+                        </a:solidFill>
+                        <a:effectLst/>
+                        <a:latin typeface="Consolas" panose="020B0609020204030204" pitchFamily="49" charset="0"/>
+                        <a:ea typeface="游ゴシック" panose="020B0400000000000000" pitchFamily="50" charset="-128"/>
+                      </a:endParaRPr>
+                    </a:p>
+                  </a:txBody>
+                  <a:tcPr marL="7462" marR="7462" marT="7462" marB="0" anchor="ctr">
+                    <a:lnL w="12700" cap="flat" cmpd="sng" algn="ctr">
+                      <a:solidFill>
+                        <a:srgbClr val="000000"/>
+                      </a:solidFill>
+                      <a:prstDash val="solid"/>
+                      <a:round/>
+                      <a:headEnd type="none" w="med" len="med"/>
+                      <a:tailEnd type="none" w="med" len="med"/>
+                    </a:lnL>
+                    <a:lnR w="12700" cap="flat" cmpd="sng" algn="ctr">
+                      <a:solidFill>
+                        <a:srgbClr val="000000"/>
+                      </a:solidFill>
+                      <a:prstDash val="solid"/>
+                      <a:round/>
+                      <a:headEnd type="none" w="med" len="med"/>
+                      <a:tailEnd type="none" w="med" len="med"/>
+                    </a:lnR>
+                    <a:lnT w="12700" cap="flat" cmpd="sng" algn="ctr">
+                      <a:solidFill>
+                        <a:srgbClr val="000000"/>
+                      </a:solidFill>
+                      <a:prstDash val="solid"/>
+                      <a:round/>
+                      <a:headEnd type="none" w="med" len="med"/>
+                      <a:tailEnd type="none" w="med" len="med"/>
+                    </a:lnT>
+                    <a:lnB w="12700" cap="flat" cmpd="sng" algn="ctr">
+                      <a:solidFill>
+                        <a:srgbClr val="000000"/>
+                      </a:solidFill>
+                      <a:prstDash val="solid"/>
+                      <a:round/>
+                      <a:headEnd type="none" w="med" len="med"/>
+                      <a:tailEnd type="none" w="med" len="med"/>
+                    </a:lnB>
+                    <a:solidFill>
+                      <a:srgbClr val="EBF1E9"/>
+                    </a:solidFill>
+                  </a:tcPr>
+                </a:tc>
+                <a:tc>
+                  <a:txBody>
+                    <a:bodyPr/>
+                    <a:lstStyle/>
+                    <a:p>
+                      <a:pPr algn="l" rtl="0" fontAlgn="ctr">
+                        <a:buNone/>
+                      </a:pPr>
+                      <a:r>
+                        <a:rPr lang="ja-JP" altLang="en-US" sz="1900" b="0" i="0" u="none" strike="noStrike">
+                          <a:solidFill>
+                            <a:srgbClr val="000000"/>
+                          </a:solidFill>
+                          <a:effectLst/>
+                          <a:latin typeface="Noto Sans JP" panose="020B0200000000000000" pitchFamily="50" charset="-128"/>
+                          <a:ea typeface="Noto Sans JP" panose="020B0200000000000000" pitchFamily="50" charset="-128"/>
+                        </a:rPr>
+                        <a:t>何もしない</a:t>
+                      </a:r>
+                    </a:p>
+                  </a:txBody>
+                  <a:tcPr marL="7462" marR="7462" marT="7462" marB="0" anchor="ctr">
+                    <a:lnL w="12700" cap="flat" cmpd="sng" algn="ctr">
+                      <a:solidFill>
+                        <a:srgbClr val="000000"/>
+                      </a:solidFill>
+                      <a:prstDash val="solid"/>
+                      <a:round/>
+                      <a:headEnd type="none" w="med" len="med"/>
+                      <a:tailEnd type="none" w="med" len="med"/>
+                    </a:lnL>
+                    <a:lnR w="12700" cap="flat" cmpd="sng" algn="ctr">
+                      <a:solidFill>
+                        <a:srgbClr val="000000"/>
+                      </a:solidFill>
+                      <a:prstDash val="solid"/>
+                      <a:round/>
+                      <a:headEnd type="none" w="med" len="med"/>
+                      <a:tailEnd type="none" w="med" len="med"/>
+                    </a:lnR>
+                    <a:lnT w="12700" cap="flat" cmpd="sng" algn="ctr">
+                      <a:solidFill>
+                        <a:srgbClr val="000000"/>
+                      </a:solidFill>
+                      <a:prstDash val="solid"/>
+                      <a:round/>
+                      <a:headEnd type="none" w="med" len="med"/>
+                      <a:tailEnd type="none" w="med" len="med"/>
+                    </a:lnT>
+                    <a:lnB w="12700" cap="flat" cmpd="sng" algn="ctr">
+                      <a:solidFill>
+                        <a:srgbClr val="000000"/>
+                      </a:solidFill>
+                      <a:prstDash val="solid"/>
+                      <a:round/>
+                      <a:headEnd type="none" w="med" len="med"/>
+                      <a:tailEnd type="none" w="med" len="med"/>
+                    </a:lnB>
+                    <a:solidFill>
+                      <a:srgbClr val="EBF1E9"/>
+                    </a:solidFill>
+                  </a:tcPr>
+                </a:tc>
+                <a:tc>
+                  <a:txBody>
+                    <a:bodyPr/>
+                    <a:lstStyle/>
+                    <a:p>
+                      <a:pPr algn="l" rtl="0" fontAlgn="ctr">
+                        <a:buNone/>
+                      </a:pPr>
+                      <a:r>
+                        <a:rPr lang="en-US" sz="1900" b="1" i="0" u="none" strike="noStrike">
+                          <a:solidFill>
+                            <a:srgbClr val="000000"/>
+                          </a:solidFill>
+                          <a:effectLst/>
+                          <a:latin typeface="Consolas" panose="020B0609020204030204" pitchFamily="49" charset="0"/>
+                          <a:ea typeface="游ゴシック" panose="020B0400000000000000" pitchFamily="50" charset="-128"/>
+                        </a:rPr>
+                        <a:t>['January','January', 'March', 'May', 'July', 'September']</a:t>
+                      </a:r>
+                    </a:p>
+                  </a:txBody>
+                  <a:tcPr marL="7462" marR="7462" marT="7462" marB="0" anchor="ctr">
+                    <a:lnL w="12700" cap="flat" cmpd="sng" algn="ctr">
+                      <a:solidFill>
+                        <a:srgbClr val="000000"/>
+                      </a:solidFill>
+                      <a:prstDash val="solid"/>
+                      <a:round/>
+                      <a:headEnd type="none" w="med" len="med"/>
+                      <a:tailEnd type="none" w="med" len="med"/>
+                    </a:lnL>
+                    <a:lnR w="12700" cap="flat" cmpd="sng" algn="ctr">
+                      <a:solidFill>
+                        <a:srgbClr val="000000"/>
+                      </a:solidFill>
+                      <a:prstDash val="solid"/>
+                      <a:round/>
+                      <a:headEnd type="none" w="med" len="med"/>
+                      <a:tailEnd type="none" w="med" len="med"/>
+                    </a:lnR>
+                    <a:lnT w="12700" cap="flat" cmpd="sng" algn="ctr">
+                      <a:solidFill>
+                        <a:srgbClr val="000000"/>
+                      </a:solidFill>
+                      <a:prstDash val="solid"/>
+                      <a:round/>
+                      <a:headEnd type="none" w="med" len="med"/>
+                      <a:tailEnd type="none" w="med" len="med"/>
+                    </a:lnT>
+                    <a:lnB w="12700" cap="flat" cmpd="sng" algn="ctr">
+                      <a:solidFill>
+                        <a:srgbClr val="000000"/>
+                      </a:solidFill>
+                      <a:prstDash val="solid"/>
+                      <a:round/>
+                      <a:headEnd type="none" w="med" len="med"/>
+                      <a:tailEnd type="none" w="med" len="med"/>
+                    </a:lnB>
+                    <a:solidFill>
+                      <a:srgbClr val="EBF1E9"/>
+                    </a:solidFill>
+                  </a:tcPr>
+                </a:tc>
+                <a:extLst>
+                  <a:ext uri="{0D108BD9-81ED-4DB2-BD59-A6C34878D82A}">
+                    <a16:rowId xmlns:a16="http://schemas.microsoft.com/office/drawing/2014/main" val="713669068"/>
+                  </a:ext>
+                </a:extLst>
+              </a:tr>
+              <a:tr h="1138640">
+                <a:tc>
+                  <a:txBody>
+                    <a:bodyPr/>
+                    <a:lstStyle/>
+                    <a:p>
+                      <a:pPr algn="ctr" rtl="0" fontAlgn="ctr">
+                        <a:buNone/>
+                      </a:pPr>
+                      <a:r>
+                        <a:rPr lang="en-US" altLang="ja-JP" sz="1900" b="1" i="0" u="none" strike="noStrike">
+                          <a:solidFill>
+                            <a:srgbClr val="000000"/>
+                          </a:solidFill>
+                          <a:effectLst/>
+                          <a:latin typeface="Consolas" panose="020B0609020204030204" pitchFamily="49" charset="0"/>
+                          <a:ea typeface="游ゴシック" panose="020B0400000000000000" pitchFamily="50" charset="-128"/>
+                        </a:rPr>
+                        <a:t>4</a:t>
+                      </a:r>
+                    </a:p>
+                  </a:txBody>
+                  <a:tcPr marL="7462" marR="7462" marT="7462" marB="0" anchor="ctr">
+                    <a:lnL w="12700" cap="flat" cmpd="sng" algn="ctr">
+                      <a:solidFill>
+                        <a:srgbClr val="000000"/>
+                      </a:solidFill>
+                      <a:prstDash val="solid"/>
+                      <a:round/>
+                      <a:headEnd type="none" w="med" len="med"/>
+                      <a:tailEnd type="none" w="med" len="med"/>
+                    </a:lnL>
+                    <a:lnR w="12700" cap="flat" cmpd="sng" algn="ctr">
+                      <a:solidFill>
+                        <a:srgbClr val="000000"/>
+                      </a:solidFill>
+                      <a:prstDash val="solid"/>
+                      <a:round/>
+                      <a:headEnd type="none" w="med" len="med"/>
+                      <a:tailEnd type="none" w="med" len="med"/>
+                    </a:lnR>
+                    <a:lnT w="12700" cap="flat" cmpd="sng" algn="ctr">
+                      <a:solidFill>
+                        <a:srgbClr val="000000"/>
+                      </a:solidFill>
+                      <a:prstDash val="solid"/>
+                      <a:round/>
+                      <a:headEnd type="none" w="med" len="med"/>
+                      <a:tailEnd type="none" w="med" len="med"/>
+                    </a:lnT>
+                    <a:lnB w="12700" cap="flat" cmpd="sng" algn="ctr">
+                      <a:solidFill>
+                        <a:srgbClr val="000000"/>
+                      </a:solidFill>
+                      <a:prstDash val="solid"/>
+                      <a:round/>
+                      <a:headEnd type="none" w="med" len="med"/>
+                      <a:tailEnd type="none" w="med" len="med"/>
+                    </a:lnB>
+                    <a:solidFill>
+                      <a:srgbClr val="EBF1E9"/>
+                    </a:solidFill>
+                  </a:tcPr>
+                </a:tc>
+                <a:tc>
+                  <a:txBody>
+                    <a:bodyPr/>
+                    <a:lstStyle/>
+                    <a:p>
+                      <a:pPr algn="ctr" rtl="0" fontAlgn="ctr">
+                        <a:buNone/>
+                      </a:pPr>
+                      <a:r>
+                        <a:rPr lang="en-US" sz="1900" b="0" i="0" u="none" strike="noStrike">
+                          <a:solidFill>
+                            <a:srgbClr val="000000"/>
+                          </a:solidFill>
+                          <a:effectLst/>
+                          <a:latin typeface="Consolas" panose="020B0609020204030204" pitchFamily="49" charset="0"/>
+                          <a:ea typeface="游ゴシック" panose="020B0400000000000000" pitchFamily="50" charset="-128"/>
+                        </a:rPr>
+                        <a:t>'July'</a:t>
+                      </a:r>
+                    </a:p>
+                  </a:txBody>
+                  <a:tcPr marL="7462" marR="7462" marT="7462" marB="0" anchor="ctr">
+                    <a:lnL w="12700" cap="flat" cmpd="sng" algn="ctr">
+                      <a:solidFill>
+                        <a:srgbClr val="000000"/>
+                      </a:solidFill>
+                      <a:prstDash val="solid"/>
+                      <a:round/>
+                      <a:headEnd type="none" w="med" len="med"/>
+                      <a:tailEnd type="none" w="med" len="med"/>
+                    </a:lnL>
+                    <a:lnR w="12700" cap="flat" cmpd="sng" algn="ctr">
+                      <a:solidFill>
+                        <a:srgbClr val="000000"/>
+                      </a:solidFill>
+                      <a:prstDash val="solid"/>
+                      <a:round/>
+                      <a:headEnd type="none" w="med" len="med"/>
+                      <a:tailEnd type="none" w="med" len="med"/>
+                    </a:lnR>
+                    <a:lnT w="12700" cap="flat" cmpd="sng" algn="ctr">
+                      <a:solidFill>
+                        <a:srgbClr val="000000"/>
+                      </a:solidFill>
+                      <a:prstDash val="solid"/>
+                      <a:round/>
+                      <a:headEnd type="none" w="med" len="med"/>
+                      <a:tailEnd type="none" w="med" len="med"/>
+                    </a:lnT>
+                    <a:lnB w="12700" cap="flat" cmpd="sng" algn="ctr">
+                      <a:solidFill>
+                        <a:srgbClr val="000000"/>
+                      </a:solidFill>
+                      <a:prstDash val="solid"/>
+                      <a:round/>
+                      <a:headEnd type="none" w="med" len="med"/>
+                      <a:tailEnd type="none" w="med" len="med"/>
+                    </a:lnB>
+                    <a:solidFill>
+                      <a:srgbClr val="EBF1E9"/>
+                    </a:solidFill>
+                  </a:tcPr>
+                </a:tc>
+                <a:tc>
+                  <a:txBody>
+                    <a:bodyPr/>
+                    <a:lstStyle/>
+                    <a:p>
+                      <a:pPr algn="l" rtl="0" fontAlgn="ctr">
+                        <a:buNone/>
+                      </a:pPr>
+                      <a:r>
+                        <a:rPr lang="en-US" altLang="ja-JP" sz="1900" b="0" i="0" u="none" strike="noStrike" dirty="0">
+                          <a:solidFill>
+                            <a:srgbClr val="000000"/>
+                          </a:solidFill>
+                          <a:effectLst/>
+                          <a:latin typeface="Noto Sans JP" panose="020B0200000000000000" pitchFamily="50" charset="-128"/>
+                          <a:ea typeface="Noto Sans JP" panose="020B0200000000000000" pitchFamily="50" charset="-128"/>
+                        </a:rPr>
+                        <a:t>4</a:t>
+                      </a:r>
+                      <a:r>
+                        <a:rPr lang="ja-JP" altLang="en-US" sz="1900" b="0" i="0" u="none" strike="noStrike" dirty="0">
+                          <a:solidFill>
+                            <a:srgbClr val="000000"/>
+                          </a:solidFill>
+                          <a:effectLst/>
+                          <a:latin typeface="Noto Sans JP" panose="020B0200000000000000" pitchFamily="50" charset="-128"/>
+                          <a:ea typeface="Noto Sans JP" panose="020B0200000000000000" pitchFamily="50" charset="-128"/>
+                        </a:rPr>
+                        <a:t>文字 → </a:t>
+                      </a:r>
+                      <a:r>
+                        <a:rPr lang="ja-JP" altLang="en-US" sz="1900" b="0" i="0" u="none" strike="noStrike" dirty="0">
+                          <a:solidFill>
+                            <a:srgbClr val="000000"/>
+                          </a:solidFill>
+                          <a:effectLst/>
+                          <a:latin typeface="Segoe UI Symbol" panose="020B0502040204020203" pitchFamily="34" charset="0"/>
+                          <a:ea typeface="Noto Sans JP" panose="020B0200000000000000" pitchFamily="50" charset="-128"/>
+                        </a:rPr>
+                        <a:t>✖</a:t>
+                      </a:r>
+                      <a:endParaRPr lang="ja-JP" altLang="en-US" sz="1900" b="0" i="0" u="none" strike="noStrike" dirty="0">
+                        <a:solidFill>
+                          <a:srgbClr val="000000"/>
+                        </a:solidFill>
+                        <a:effectLst/>
+                        <a:latin typeface="Consolas" panose="020B0609020204030204" pitchFamily="49" charset="0"/>
+                        <a:ea typeface="游ゴシック" panose="020B0400000000000000" pitchFamily="50" charset="-128"/>
+                      </a:endParaRPr>
+                    </a:p>
+                  </a:txBody>
+                  <a:tcPr marL="7462" marR="7462" marT="7462" marB="0" anchor="ctr">
+                    <a:lnL w="12700" cap="flat" cmpd="sng" algn="ctr">
+                      <a:solidFill>
+                        <a:srgbClr val="000000"/>
+                      </a:solidFill>
+                      <a:prstDash val="solid"/>
+                      <a:round/>
+                      <a:headEnd type="none" w="med" len="med"/>
+                      <a:tailEnd type="none" w="med" len="med"/>
+                    </a:lnL>
+                    <a:lnR w="12700" cap="flat" cmpd="sng" algn="ctr">
+                      <a:solidFill>
+                        <a:srgbClr val="000000"/>
+                      </a:solidFill>
+                      <a:prstDash val="solid"/>
+                      <a:round/>
+                      <a:headEnd type="none" w="med" len="med"/>
+                      <a:tailEnd type="none" w="med" len="med"/>
+                    </a:lnR>
+                    <a:lnT w="12700" cap="flat" cmpd="sng" algn="ctr">
+                      <a:solidFill>
+                        <a:srgbClr val="000000"/>
+                      </a:solidFill>
+                      <a:prstDash val="solid"/>
+                      <a:round/>
+                      <a:headEnd type="none" w="med" len="med"/>
+                      <a:tailEnd type="none" w="med" len="med"/>
+                    </a:lnT>
+                    <a:lnB w="12700" cap="flat" cmpd="sng" algn="ctr">
+                      <a:solidFill>
+                        <a:srgbClr val="000000"/>
+                      </a:solidFill>
+                      <a:prstDash val="solid"/>
+                      <a:round/>
+                      <a:headEnd type="none" w="med" len="med"/>
+                      <a:tailEnd type="none" w="med" len="med"/>
+                    </a:lnB>
+                    <a:solidFill>
+                      <a:srgbClr val="EBF1E9"/>
+                    </a:solidFill>
+                  </a:tcPr>
+                </a:tc>
+                <a:tc>
+                  <a:txBody>
+                    <a:bodyPr/>
+                    <a:lstStyle/>
+                    <a:p>
+                      <a:pPr algn="l" rtl="0" fontAlgn="ctr">
+                        <a:buNone/>
+                      </a:pPr>
+                      <a:r>
+                        <a:rPr lang="ja-JP" altLang="en-US" sz="1900" b="0" i="0" u="none" strike="noStrike">
+                          <a:solidFill>
+                            <a:srgbClr val="000000"/>
+                          </a:solidFill>
+                          <a:effectLst/>
+                          <a:latin typeface="Noto Sans JP" panose="020B0200000000000000" pitchFamily="50" charset="-128"/>
+                          <a:ea typeface="Noto Sans JP" panose="020B0200000000000000" pitchFamily="50" charset="-128"/>
+                        </a:rPr>
+                        <a:t>何もしない</a:t>
+                      </a:r>
+                    </a:p>
+                  </a:txBody>
+                  <a:tcPr marL="7462" marR="7462" marT="7462" marB="0" anchor="ctr">
+                    <a:lnL w="12700" cap="flat" cmpd="sng" algn="ctr">
+                      <a:solidFill>
+                        <a:srgbClr val="000000"/>
+                      </a:solidFill>
+                      <a:prstDash val="solid"/>
+                      <a:round/>
+                      <a:headEnd type="none" w="med" len="med"/>
+                      <a:tailEnd type="none" w="med" len="med"/>
+                    </a:lnL>
+                    <a:lnR w="12700" cap="flat" cmpd="sng" algn="ctr">
+                      <a:solidFill>
+                        <a:srgbClr val="000000"/>
+                      </a:solidFill>
+                      <a:prstDash val="solid"/>
+                      <a:round/>
+                      <a:headEnd type="none" w="med" len="med"/>
+                      <a:tailEnd type="none" w="med" len="med"/>
+                    </a:lnR>
+                    <a:lnT w="12700" cap="flat" cmpd="sng" algn="ctr">
+                      <a:solidFill>
+                        <a:srgbClr val="000000"/>
+                      </a:solidFill>
+                      <a:prstDash val="solid"/>
+                      <a:round/>
+                      <a:headEnd type="none" w="med" len="med"/>
+                      <a:tailEnd type="none" w="med" len="med"/>
+                    </a:lnT>
+                    <a:lnB w="12700" cap="flat" cmpd="sng" algn="ctr">
+                      <a:solidFill>
+                        <a:srgbClr val="000000"/>
+                      </a:solidFill>
+                      <a:prstDash val="solid"/>
+                      <a:round/>
+                      <a:headEnd type="none" w="med" len="med"/>
+                      <a:tailEnd type="none" w="med" len="med"/>
+                    </a:lnB>
+                    <a:solidFill>
+                      <a:srgbClr val="EBF1E9"/>
+                    </a:solidFill>
+                  </a:tcPr>
+                </a:tc>
+                <a:tc>
+                  <a:txBody>
+                    <a:bodyPr/>
+                    <a:lstStyle/>
+                    <a:p>
+                      <a:pPr algn="l" rtl="0" fontAlgn="ctr">
+                        <a:buNone/>
+                      </a:pPr>
+                      <a:r>
+                        <a:rPr lang="en-US" sz="1900" b="1" i="0" u="none" strike="noStrike">
+                          <a:solidFill>
+                            <a:srgbClr val="000000"/>
+                          </a:solidFill>
+                          <a:effectLst/>
+                          <a:latin typeface="Consolas" panose="020B0609020204030204" pitchFamily="49" charset="0"/>
+                          <a:ea typeface="游ゴシック" panose="020B0400000000000000" pitchFamily="50" charset="-128"/>
+                        </a:rPr>
+                        <a:t>['January','January', 'March', 'May', 'July', 'September']</a:t>
+                      </a:r>
+                    </a:p>
+                  </a:txBody>
+                  <a:tcPr marL="7462" marR="7462" marT="7462" marB="0" anchor="ctr">
+                    <a:lnL w="12700" cap="flat" cmpd="sng" algn="ctr">
+                      <a:solidFill>
+                        <a:srgbClr val="000000"/>
+                      </a:solidFill>
+                      <a:prstDash val="solid"/>
+                      <a:round/>
+                      <a:headEnd type="none" w="med" len="med"/>
+                      <a:tailEnd type="none" w="med" len="med"/>
+                    </a:lnL>
+                    <a:lnR w="12700" cap="flat" cmpd="sng" algn="ctr">
+                      <a:solidFill>
+                        <a:srgbClr val="000000"/>
+                      </a:solidFill>
+                      <a:prstDash val="solid"/>
+                      <a:round/>
+                      <a:headEnd type="none" w="med" len="med"/>
+                      <a:tailEnd type="none" w="med" len="med"/>
+                    </a:lnR>
+                    <a:lnT w="12700" cap="flat" cmpd="sng" algn="ctr">
+                      <a:solidFill>
+                        <a:srgbClr val="000000"/>
+                      </a:solidFill>
+                      <a:prstDash val="solid"/>
+                      <a:round/>
+                      <a:headEnd type="none" w="med" len="med"/>
+                      <a:tailEnd type="none" w="med" len="med"/>
+                    </a:lnT>
+                    <a:lnB w="12700" cap="flat" cmpd="sng" algn="ctr">
+                      <a:solidFill>
+                        <a:srgbClr val="000000"/>
+                      </a:solidFill>
+                      <a:prstDash val="solid"/>
+                      <a:round/>
+                      <a:headEnd type="none" w="med" len="med"/>
+                      <a:tailEnd type="none" w="med" len="med"/>
+                    </a:lnB>
+                    <a:solidFill>
+                      <a:srgbClr val="EBF1E9"/>
+                    </a:solidFill>
+                  </a:tcPr>
+                </a:tc>
+                <a:extLst>
+                  <a:ext uri="{0D108BD9-81ED-4DB2-BD59-A6C34878D82A}">
+                    <a16:rowId xmlns:a16="http://schemas.microsoft.com/office/drawing/2014/main" val="3356018118"/>
+                  </a:ext>
+                </a:extLst>
+              </a:tr>
+              <a:tr h="1138640">
+                <a:tc>
+                  <a:txBody>
+                    <a:bodyPr/>
+                    <a:lstStyle/>
+                    <a:p>
+                      <a:pPr algn="ctr" rtl="0" fontAlgn="ctr">
+                        <a:buNone/>
+                      </a:pPr>
+                      <a:r>
+                        <a:rPr lang="en-US" altLang="ja-JP" sz="1900" b="1" i="0" u="none" strike="noStrike" dirty="0">
+                          <a:solidFill>
+                            <a:srgbClr val="000000"/>
+                          </a:solidFill>
+                          <a:effectLst/>
+                          <a:latin typeface="Consolas" panose="020B0609020204030204" pitchFamily="49" charset="0"/>
+                          <a:ea typeface="游ゴシック" panose="020B0400000000000000" pitchFamily="50" charset="-128"/>
+                        </a:rPr>
+                        <a:t>5</a:t>
+                      </a:r>
+                    </a:p>
+                  </a:txBody>
+                  <a:tcPr marL="7462" marR="7462" marT="7462" marB="0" anchor="ctr">
+                    <a:lnL w="12700" cap="flat" cmpd="sng" algn="ctr">
+                      <a:solidFill>
+                        <a:srgbClr val="000000"/>
+                      </a:solidFill>
+                      <a:prstDash val="solid"/>
+                      <a:round/>
+                      <a:headEnd type="none" w="med" len="med"/>
+                      <a:tailEnd type="none" w="med" len="med"/>
+                    </a:lnL>
+                    <a:lnR w="12700" cap="flat" cmpd="sng" algn="ctr">
+                      <a:solidFill>
+                        <a:srgbClr val="000000"/>
+                      </a:solidFill>
+                      <a:prstDash val="solid"/>
+                      <a:round/>
+                      <a:headEnd type="none" w="med" len="med"/>
+                      <a:tailEnd type="none" w="med" len="med"/>
+                    </a:lnR>
+                    <a:lnT w="12700" cap="flat" cmpd="sng" algn="ctr">
+                      <a:solidFill>
+                        <a:srgbClr val="000000"/>
+                      </a:solidFill>
+                      <a:prstDash val="solid"/>
+                      <a:round/>
+                      <a:headEnd type="none" w="med" len="med"/>
+                      <a:tailEnd type="none" w="med" len="med"/>
+                    </a:lnT>
+                    <a:lnB>
+                      <a:noFill/>
+                    </a:lnB>
+                    <a:solidFill>
+                      <a:srgbClr val="EBF1E9"/>
+                    </a:solidFill>
+                  </a:tcPr>
+                </a:tc>
+                <a:tc>
+                  <a:txBody>
+                    <a:bodyPr/>
+                    <a:lstStyle/>
+                    <a:p>
+                      <a:pPr algn="ctr" rtl="0" fontAlgn="ctr">
+                        <a:buNone/>
+                      </a:pPr>
+                      <a:r>
+                        <a:rPr lang="en-US" sz="1900" b="0" i="0" u="none" strike="noStrike">
+                          <a:solidFill>
+                            <a:srgbClr val="000000"/>
+                          </a:solidFill>
+                          <a:effectLst/>
+                          <a:latin typeface="Consolas" panose="020B0609020204030204" pitchFamily="49" charset="0"/>
+                          <a:ea typeface="游ゴシック" panose="020B0400000000000000" pitchFamily="50" charset="-128"/>
+                        </a:rPr>
+                        <a:t>'September'</a:t>
+                      </a:r>
+                    </a:p>
+                  </a:txBody>
+                  <a:tcPr marL="7462" marR="7462" marT="7462" marB="0" anchor="ctr">
+                    <a:lnL w="12700" cap="flat" cmpd="sng" algn="ctr">
+                      <a:solidFill>
+                        <a:srgbClr val="000000"/>
+                      </a:solidFill>
+                      <a:prstDash val="solid"/>
+                      <a:round/>
+                      <a:headEnd type="none" w="med" len="med"/>
+                      <a:tailEnd type="none" w="med" len="med"/>
+                    </a:lnL>
+                    <a:lnR w="12700" cap="flat" cmpd="sng" algn="ctr">
+                      <a:solidFill>
+                        <a:srgbClr val="000000"/>
+                      </a:solidFill>
+                      <a:prstDash val="solid"/>
+                      <a:round/>
+                      <a:headEnd type="none" w="med" len="med"/>
+                      <a:tailEnd type="none" w="med" len="med"/>
+                    </a:lnR>
+                    <a:lnT w="12700" cap="flat" cmpd="sng" algn="ctr">
+                      <a:solidFill>
+                        <a:srgbClr val="000000"/>
+                      </a:solidFill>
+                      <a:prstDash val="solid"/>
+                      <a:round/>
+                      <a:headEnd type="none" w="med" len="med"/>
+                      <a:tailEnd type="none" w="med" len="med"/>
+                    </a:lnT>
+                    <a:lnB>
+                      <a:noFill/>
+                    </a:lnB>
+                    <a:solidFill>
+                      <a:srgbClr val="EBF1E9"/>
+                    </a:solidFill>
+                  </a:tcPr>
+                </a:tc>
+                <a:tc>
+                  <a:txBody>
+                    <a:bodyPr/>
+                    <a:lstStyle/>
+                    <a:p>
+                      <a:pPr algn="l" rtl="0" fontAlgn="ctr">
+                        <a:buNone/>
+                      </a:pPr>
+                      <a:r>
+                        <a:rPr lang="en-US" altLang="ja-JP" sz="1900" b="0" i="0" u="none" strike="noStrike">
+                          <a:solidFill>
+                            <a:srgbClr val="000000"/>
+                          </a:solidFill>
+                          <a:effectLst/>
+                          <a:latin typeface="Noto Sans JP" panose="020B0200000000000000" pitchFamily="50" charset="-128"/>
+                          <a:ea typeface="Noto Sans JP" panose="020B0200000000000000" pitchFamily="50" charset="-128"/>
+                        </a:rPr>
+                        <a:t>9</a:t>
+                      </a:r>
+                      <a:r>
+                        <a:rPr lang="ja-JP" altLang="en-US" sz="1900" b="0" i="0" u="none" strike="noStrike">
+                          <a:solidFill>
+                            <a:srgbClr val="000000"/>
+                          </a:solidFill>
+                          <a:effectLst/>
+                          <a:latin typeface="Noto Sans JP" panose="020B0200000000000000" pitchFamily="50" charset="-128"/>
+                          <a:ea typeface="Noto Sans JP" panose="020B0200000000000000" pitchFamily="50" charset="-128"/>
+                        </a:rPr>
+                        <a:t>文字 → </a:t>
+                      </a:r>
+                      <a:r>
+                        <a:rPr lang="ja-JP" altLang="en-US" sz="1900" b="0" i="0" u="none" strike="noStrike">
+                          <a:solidFill>
+                            <a:srgbClr val="000000"/>
+                          </a:solidFill>
+                          <a:effectLst/>
+                          <a:latin typeface="Segoe UI Symbol" panose="020B0502040204020203" pitchFamily="34" charset="0"/>
+                          <a:ea typeface="游ゴシック" panose="020B0400000000000000" pitchFamily="50" charset="-128"/>
+                        </a:rPr>
+                        <a:t>○</a:t>
+                      </a:r>
+                      <a:endParaRPr lang="ja-JP" altLang="en-US" sz="1900" b="0" i="0" u="none" strike="noStrike">
+                        <a:solidFill>
+                          <a:srgbClr val="000000"/>
+                        </a:solidFill>
+                        <a:effectLst/>
+                        <a:latin typeface="Consolas" panose="020B0609020204030204" pitchFamily="49" charset="0"/>
+                        <a:ea typeface="游ゴシック" panose="020B0400000000000000" pitchFamily="50" charset="-128"/>
+                      </a:endParaRPr>
+                    </a:p>
+                  </a:txBody>
+                  <a:tcPr marL="7462" marR="7462" marT="7462" marB="0" anchor="ctr">
+                    <a:lnL w="12700" cap="flat" cmpd="sng" algn="ctr">
+                      <a:solidFill>
+                        <a:srgbClr val="000000"/>
+                      </a:solidFill>
+                      <a:prstDash val="solid"/>
+                      <a:round/>
+                      <a:headEnd type="none" w="med" len="med"/>
+                      <a:tailEnd type="none" w="med" len="med"/>
+                    </a:lnL>
+                    <a:lnR w="12700" cap="flat" cmpd="sng" algn="ctr">
+                      <a:solidFill>
+                        <a:srgbClr val="000000"/>
+                      </a:solidFill>
+                      <a:prstDash val="solid"/>
+                      <a:round/>
+                      <a:headEnd type="none" w="med" len="med"/>
+                      <a:tailEnd type="none" w="med" len="med"/>
+                    </a:lnR>
+                    <a:lnT w="12700" cap="flat" cmpd="sng" algn="ctr">
+                      <a:solidFill>
+                        <a:srgbClr val="000000"/>
+                      </a:solidFill>
+                      <a:prstDash val="solid"/>
+                      <a:round/>
+                      <a:headEnd type="none" w="med" len="med"/>
+                      <a:tailEnd type="none" w="med" len="med"/>
+                    </a:lnT>
+                    <a:lnB>
+                      <a:noFill/>
+                    </a:lnB>
+                    <a:solidFill>
+                      <a:srgbClr val="EBF1E9"/>
+                    </a:solidFill>
+                  </a:tcPr>
+                </a:tc>
+                <a:tc>
+                  <a:txBody>
+                    <a:bodyPr/>
+                    <a:lstStyle/>
+                    <a:p>
+                      <a:pPr algn="l" rtl="0" fontAlgn="ctr">
+                        <a:buNone/>
+                      </a:pPr>
+                      <a:r>
+                        <a:rPr lang="ja-JP" altLang="en-US" sz="1900" b="0" i="0" u="none" strike="noStrike">
+                          <a:solidFill>
+                            <a:srgbClr val="000000"/>
+                          </a:solidFill>
+                          <a:effectLst/>
+                          <a:latin typeface="Noto Sans JP" panose="020B0200000000000000" pitchFamily="50" charset="-128"/>
+                          <a:ea typeface="Noto Sans JP" panose="020B0200000000000000" pitchFamily="50" charset="-128"/>
+                        </a:rPr>
+                        <a:t>先頭</a:t>
+                      </a:r>
+                      <a:r>
+                        <a:rPr lang="en-US" altLang="ja-JP" sz="1900" b="0" i="0" u="none" strike="noStrike">
+                          <a:solidFill>
+                            <a:srgbClr val="000000"/>
+                          </a:solidFill>
+                          <a:effectLst/>
+                          <a:latin typeface="Noto Sans JP" panose="020B0200000000000000" pitchFamily="50" charset="-128"/>
+                          <a:ea typeface="Noto Sans JP" panose="020B0200000000000000" pitchFamily="50" charset="-128"/>
+                        </a:rPr>
+                        <a:t>(</a:t>
+                      </a:r>
+                      <a:r>
+                        <a:rPr lang="en-US" sz="1900" b="0" i="0" u="none" strike="noStrike">
+                          <a:solidFill>
+                            <a:srgbClr val="000000"/>
+                          </a:solidFill>
+                          <a:effectLst/>
+                          <a:latin typeface="Noto Sans JP" panose="020B0200000000000000" pitchFamily="50" charset="-128"/>
+                          <a:ea typeface="Noto Sans JP" panose="020B0200000000000000" pitchFamily="50" charset="-128"/>
+                        </a:rPr>
+                        <a:t>index[0])</a:t>
+                      </a:r>
+                      <a:r>
+                        <a:rPr lang="ja-JP" altLang="en-US" sz="1900" b="0" i="0" u="none" strike="noStrike">
+                          <a:solidFill>
+                            <a:srgbClr val="000000"/>
+                          </a:solidFill>
+                          <a:effectLst/>
+                          <a:latin typeface="Noto Sans JP" panose="020B0200000000000000" pitchFamily="50" charset="-128"/>
+                          <a:ea typeface="Noto Sans JP" panose="020B0200000000000000" pitchFamily="50" charset="-128"/>
+                        </a:rPr>
+                        <a:t>に </a:t>
+                      </a:r>
+                      <a:r>
+                        <a:rPr lang="en-US" altLang="ja-JP" sz="1900" b="0" i="0" u="none" strike="noStrike">
+                          <a:solidFill>
+                            <a:srgbClr val="000000"/>
+                          </a:solidFill>
+                          <a:effectLst/>
+                          <a:latin typeface="Consolas" panose="020B0609020204030204" pitchFamily="49" charset="0"/>
+                          <a:ea typeface="Noto Sans JP" panose="020B0200000000000000" pitchFamily="50" charset="-128"/>
+                        </a:rPr>
+                        <a:t>'</a:t>
+                      </a:r>
+                      <a:r>
+                        <a:rPr lang="en-US" sz="1900" b="0" i="0" u="none" strike="noStrike">
+                          <a:solidFill>
+                            <a:srgbClr val="000000"/>
+                          </a:solidFill>
+                          <a:effectLst/>
+                          <a:latin typeface="Consolas" panose="020B0609020204030204" pitchFamily="49" charset="0"/>
+                          <a:ea typeface="Noto Sans JP" panose="020B0200000000000000" pitchFamily="50" charset="-128"/>
+                        </a:rPr>
+                        <a:t>September' </a:t>
+                      </a:r>
+                      <a:r>
+                        <a:rPr lang="ja-JP" altLang="en-US" sz="1900" b="0" i="0" u="none" strike="noStrike">
+                          <a:solidFill>
+                            <a:srgbClr val="000000"/>
+                          </a:solidFill>
+                          <a:effectLst/>
+                          <a:latin typeface="Noto Sans JP" panose="020B0200000000000000" pitchFamily="50" charset="-128"/>
+                          <a:ea typeface="Noto Sans JP" panose="020B0200000000000000" pitchFamily="50" charset="-128"/>
+                        </a:rPr>
+                        <a:t>を</a:t>
+                      </a:r>
+                      <a:r>
+                        <a:rPr lang="ja-JP" altLang="en-US" sz="1900" b="1" i="0" u="none" strike="noStrike">
+                          <a:solidFill>
+                            <a:srgbClr val="FF0000"/>
+                          </a:solidFill>
+                          <a:effectLst/>
+                          <a:latin typeface="Noto Sans JP" panose="020B0200000000000000" pitchFamily="50" charset="-128"/>
+                          <a:ea typeface="Noto Sans JP" panose="020B0200000000000000" pitchFamily="50" charset="-128"/>
+                        </a:rPr>
+                        <a:t>追加</a:t>
+                      </a:r>
+                      <a:r>
+                        <a:rPr lang="ja-JP" altLang="en-US" sz="1900" b="0" i="0" u="none" strike="noStrike">
+                          <a:solidFill>
+                            <a:srgbClr val="000000"/>
+                          </a:solidFill>
+                          <a:effectLst/>
+                          <a:latin typeface="Noto Sans JP" panose="020B0200000000000000" pitchFamily="50" charset="-128"/>
+                          <a:ea typeface="Noto Sans JP" panose="020B0200000000000000" pitchFamily="50" charset="-128"/>
+                        </a:rPr>
+                        <a:t>  </a:t>
+                      </a:r>
+                    </a:p>
+                  </a:txBody>
+                  <a:tcPr marL="7462" marR="7462" marT="7462" marB="0" anchor="ctr">
+                    <a:lnL w="12700" cap="flat" cmpd="sng" algn="ctr">
+                      <a:solidFill>
+                        <a:srgbClr val="000000"/>
+                      </a:solidFill>
+                      <a:prstDash val="solid"/>
+                      <a:round/>
+                      <a:headEnd type="none" w="med" len="med"/>
+                      <a:tailEnd type="none" w="med" len="med"/>
+                    </a:lnL>
+                    <a:lnR w="12700" cap="flat" cmpd="sng" algn="ctr">
+                      <a:solidFill>
+                        <a:srgbClr val="000000"/>
+                      </a:solidFill>
+                      <a:prstDash val="solid"/>
+                      <a:round/>
+                      <a:headEnd type="none" w="med" len="med"/>
+                      <a:tailEnd type="none" w="med" len="med"/>
+                    </a:lnR>
+                    <a:lnT w="12700" cap="flat" cmpd="sng" algn="ctr">
+                      <a:solidFill>
+                        <a:srgbClr val="000000"/>
+                      </a:solidFill>
+                      <a:prstDash val="solid"/>
+                      <a:round/>
+                      <a:headEnd type="none" w="med" len="med"/>
+                      <a:tailEnd type="none" w="med" len="med"/>
+                    </a:lnT>
+                    <a:lnB>
+                      <a:noFill/>
+                    </a:lnB>
+                    <a:solidFill>
+                      <a:srgbClr val="EBF1E9"/>
+                    </a:solidFill>
+                  </a:tcPr>
+                </a:tc>
+                <a:tc>
+                  <a:txBody>
+                    <a:bodyPr/>
+                    <a:lstStyle/>
+                    <a:p>
+                      <a:pPr algn="l" rtl="0" fontAlgn="ctr">
+                        <a:buNone/>
+                      </a:pPr>
+                      <a:r>
+                        <a:rPr lang="en-US" sz="1900" b="1" i="0" u="none" strike="noStrike" dirty="0">
+                          <a:solidFill>
+                            <a:srgbClr val="000000"/>
+                          </a:solidFill>
+                          <a:effectLst/>
+                          <a:latin typeface="Consolas" panose="020B0609020204030204" pitchFamily="49" charset="0"/>
+                          <a:ea typeface="游ゴシック" panose="020B0400000000000000" pitchFamily="50" charset="-128"/>
+                        </a:rPr>
+                        <a:t>['</a:t>
+                      </a:r>
+                      <a:r>
+                        <a:rPr lang="en-US" sz="1900" b="1" i="0" u="none" strike="noStrike" dirty="0" err="1">
+                          <a:solidFill>
+                            <a:srgbClr val="000000"/>
+                          </a:solidFill>
+                          <a:effectLst/>
+                          <a:latin typeface="Consolas" panose="020B0609020204030204" pitchFamily="49" charset="0"/>
+                          <a:ea typeface="游ゴシック" panose="020B0400000000000000" pitchFamily="50" charset="-128"/>
+                        </a:rPr>
+                        <a:t>September','January','January</a:t>
+                      </a:r>
+                      <a:r>
+                        <a:rPr lang="en-US" sz="1900" b="1" i="0" u="none" strike="noStrike" dirty="0">
+                          <a:solidFill>
+                            <a:srgbClr val="000000"/>
+                          </a:solidFill>
+                          <a:effectLst/>
+                          <a:latin typeface="Consolas" panose="020B0609020204030204" pitchFamily="49" charset="0"/>
+                          <a:ea typeface="游ゴシック" panose="020B0400000000000000" pitchFamily="50" charset="-128"/>
+                        </a:rPr>
+                        <a:t>', 'March', 'May', 'July', 'September']</a:t>
+                      </a:r>
+                    </a:p>
+                  </a:txBody>
+                  <a:tcPr marL="7462" marR="7462" marT="7462" marB="0" anchor="ctr">
+                    <a:lnL w="12700" cap="flat" cmpd="sng" algn="ctr">
+                      <a:solidFill>
+                        <a:srgbClr val="000000"/>
+                      </a:solidFill>
+                      <a:prstDash val="solid"/>
+                      <a:round/>
+                      <a:headEnd type="none" w="med" len="med"/>
+                      <a:tailEnd type="none" w="med" len="med"/>
+                    </a:lnL>
+                    <a:lnR w="12700" cap="flat" cmpd="sng" algn="ctr">
+                      <a:solidFill>
+                        <a:srgbClr val="000000"/>
+                      </a:solidFill>
+                      <a:prstDash val="solid"/>
+                      <a:round/>
+                      <a:headEnd type="none" w="med" len="med"/>
+                      <a:tailEnd type="none" w="med" len="med"/>
+                    </a:lnR>
+                    <a:lnT w="12700" cap="flat" cmpd="sng" algn="ctr">
+                      <a:solidFill>
+                        <a:srgbClr val="000000"/>
+                      </a:solidFill>
+                      <a:prstDash val="solid"/>
+                      <a:round/>
+                      <a:headEnd type="none" w="med" len="med"/>
+                      <a:tailEnd type="none" w="med" len="med"/>
+                    </a:lnT>
+                    <a:lnB w="12700" cap="flat" cmpd="sng" algn="ctr">
+                      <a:solidFill>
+                        <a:srgbClr val="000000"/>
+                      </a:solidFill>
+                      <a:prstDash val="solid"/>
+                      <a:round/>
+                      <a:headEnd type="none" w="med" len="med"/>
+                      <a:tailEnd type="none" w="med" len="med"/>
+                    </a:lnB>
+                    <a:solidFill>
+                      <a:srgbClr val="EBF1E9"/>
+                    </a:solidFill>
+                  </a:tcPr>
+                </a:tc>
+                <a:extLst>
+                  <a:ext uri="{0D108BD9-81ED-4DB2-BD59-A6C34878D82A}">
+                    <a16:rowId xmlns:a16="http://schemas.microsoft.com/office/drawing/2014/main" val="1986462621"/>
+                  </a:ext>
+                </a:extLst>
+              </a:tr>
+            </a:tbl>
+          </a:graphicData>
+        </a:graphic>
+      </p:graphicFrame>
+      <p:sp>
+        <p:nvSpPr>
+          <p:cNvPr id="7" name="正方形/長方形 6">
+            <a:extLst>
+              <a:ext uri="{FF2B5EF4-FFF2-40B4-BE49-F238E27FC236}">
+                <a16:creationId xmlns:a16="http://schemas.microsoft.com/office/drawing/2014/main" id="{9FBE1F8B-03C2-8A24-A5BE-E476891A163E}"/>
+              </a:ext>
+            </a:extLst>
+          </p:cNvPr>
+          <p:cNvSpPr/>
+          <p:nvPr/>
+        </p:nvSpPr>
+        <p:spPr>
+          <a:xfrm>
+            <a:off x="5318107" y="1680463"/>
+            <a:ext cx="12447118" cy="915097"/>
+          </a:xfrm>
+          <a:prstGeom prst="rect">
+            <a:avLst/>
+          </a:prstGeom>
+          <a:solidFill>
+            <a:schemeClr val="bg1"/>
+          </a:solidFill>
+          <a:ln w="38100">
+            <a:noFill/>
+          </a:ln>
+        </p:spPr>
+        <p:style>
+          <a:lnRef idx="2">
+            <a:schemeClr val="accent1">
+              <a:shade val="50000"/>
+            </a:schemeClr>
+          </a:lnRef>
+          <a:fillRef idx="1">
+            <a:schemeClr val="accent1"/>
+          </a:fillRef>
+          <a:effectRef idx="0">
+            <a:schemeClr val="accent1"/>
+          </a:effectRef>
+          <a:fontRef idx="minor">
+            <a:schemeClr val="lt1"/>
+          </a:fontRef>
+        </p:style>
+        <p:txBody>
+          <a:bodyPr rtlCol="0" anchor="ctr"/>
+          <a:lstStyle/>
+          <a:p>
+            <a:r>
+              <a:rPr kumimoji="1" lang="en-US" altLang="ja-JP" sz="2400" dirty="0">
+                <a:solidFill>
+                  <a:schemeClr val="tx1"/>
+                </a:solidFill>
+                <a:latin typeface="Noto Sans JP" panose="020B0200000000000000" pitchFamily="50" charset="-128"/>
+                <a:ea typeface="Noto Sans JP" panose="020B0200000000000000" pitchFamily="50" charset="-128"/>
+              </a:rPr>
+              <a:t>【</a:t>
+            </a:r>
+            <a:r>
+              <a:rPr kumimoji="1" lang="ja-JP" altLang="en-US" sz="2400" dirty="0">
+                <a:solidFill>
+                  <a:schemeClr val="tx1"/>
+                </a:solidFill>
+                <a:latin typeface="Noto Sans JP" panose="020B0200000000000000" pitchFamily="50" charset="-128"/>
+                <a:ea typeface="Noto Sans JP" panose="020B0200000000000000" pitchFamily="50" charset="-128"/>
+              </a:rPr>
+              <a:t>実行結果</a:t>
+            </a:r>
+            <a:r>
+              <a:rPr kumimoji="1" lang="en-US" altLang="ja-JP" sz="2400" dirty="0">
+                <a:solidFill>
+                  <a:schemeClr val="tx1"/>
+                </a:solidFill>
+                <a:latin typeface="Noto Sans JP" panose="020B0200000000000000" pitchFamily="50" charset="-128"/>
+                <a:ea typeface="Noto Sans JP" panose="020B0200000000000000" pitchFamily="50" charset="-128"/>
+              </a:rPr>
+              <a:t>】['September', 'January', 'January', 'March', 'May', 'July', 'September']</a:t>
+            </a:r>
+            <a:endParaRPr kumimoji="1" lang="ja-JP" altLang="en-US" sz="2400" dirty="0">
+              <a:solidFill>
+                <a:schemeClr val="tx1"/>
+              </a:solidFill>
+              <a:latin typeface="Noto Sans JP" panose="020B0200000000000000" pitchFamily="50" charset="-128"/>
+              <a:ea typeface="Noto Sans JP" panose="020B0200000000000000" pitchFamily="50" charset="-128"/>
+            </a:endParaRPr>
+          </a:p>
+        </p:txBody>
+      </p:sp>
+    </p:spTree>
+    <p:extLst>
+      <p:ext uri="{BB962C8B-B14F-4D97-AF65-F5344CB8AC3E}">
+        <p14:creationId xmlns:p14="http://schemas.microsoft.com/office/powerpoint/2010/main" val="4169604282"/>
+      </p:ext>
+    </p:extLst>
+  </p:cSld>
+  <p:clrMapOvr>
+    <a:masterClrMapping/>
+  </p:clrMapOvr>
+</p:sld>
+</file>
+
+<file path=ppt/slides/slide4.xml><?xml version="1.0" encoding="utf-8"?>
+<p:sld xmlns:a="http://schemas.openxmlformats.org/drawingml/2006/main" xmlns:r="http://schemas.openxmlformats.org/officeDocument/2006/relationships" xmlns:p="http://schemas.openxmlformats.org/presentationml/2006/main">
+  <p:cSld>
+    <p:spTree>
+      <p:nvGrpSpPr>
+        <p:cNvPr id="1" name="">
+          <a:extLst>
+            <a:ext uri="{FF2B5EF4-FFF2-40B4-BE49-F238E27FC236}">
               <a16:creationId xmlns:a16="http://schemas.microsoft.com/office/drawing/2014/main" id="{9268F88E-2927-364E-1079-CA3634AFDAF1}"/>
             </a:ext>
           </a:extLst>
@@ -24964,7 +29489,7 @@
 </p:sld>
 </file>
 
-<file path=ppt/slides/slide4.xml><?xml version="1.0" encoding="utf-8"?>
+<file path=ppt/slides/slide5.xml><?xml version="1.0" encoding="utf-8"?>
 <p:sld xmlns:a="http://schemas.openxmlformats.org/drawingml/2006/main" xmlns:r="http://schemas.openxmlformats.org/officeDocument/2006/relationships" xmlns:p="http://schemas.openxmlformats.org/presentationml/2006/main">
   <p:cSld>
     <p:spTree>
@@ -25981,7 +30506,7 @@
 </p:sld>
 </file>
 
-<file path=ppt/slides/slide5.xml><?xml version="1.0" encoding="utf-8"?>
+<file path=ppt/slides/slide6.xml><?xml version="1.0" encoding="utf-8"?>
 <p:sld xmlns:a="http://schemas.openxmlformats.org/drawingml/2006/main" xmlns:r="http://schemas.openxmlformats.org/officeDocument/2006/relationships" xmlns:p="http://schemas.openxmlformats.org/presentationml/2006/main">
   <p:cSld>
     <p:spTree>
@@ -26922,7 +31447,7 @@
 </p:sld>
 </file>
 
-<file path=ppt/slides/slide6.xml><?xml version="1.0" encoding="utf-8"?>
+<file path=ppt/slides/slide7.xml><?xml version="1.0" encoding="utf-8"?>
 <p:sld xmlns:a="http://schemas.openxmlformats.org/drawingml/2006/main" xmlns:r="http://schemas.openxmlformats.org/officeDocument/2006/relationships" xmlns:p="http://schemas.openxmlformats.org/presentationml/2006/main">
   <p:cSld>
     <p:spTree>
@@ -27411,7 +31936,7 @@
 </p:sld>
 </file>
 
-<file path=ppt/slides/slide7.xml><?xml version="1.0" encoding="utf-8"?>
+<file path=ppt/slides/slide8.xml><?xml version="1.0" encoding="utf-8"?>
 <p:sld xmlns:a="http://schemas.openxmlformats.org/drawingml/2006/main" xmlns:r="http://schemas.openxmlformats.org/officeDocument/2006/relationships" xmlns:p="http://schemas.openxmlformats.org/presentationml/2006/main">
   <p:cSld>
     <p:spTree>
@@ -28086,7 +32611,7 @@
 </p:sld>
 </file>
 
-<file path=ppt/slides/slide8.xml><?xml version="1.0" encoding="utf-8"?>
+<file path=ppt/slides/slide9.xml><?xml version="1.0" encoding="utf-8"?>
 <p:sld xmlns:a="http://schemas.openxmlformats.org/drawingml/2006/main" xmlns:r="http://schemas.openxmlformats.org/officeDocument/2006/relationships" xmlns:p="http://schemas.openxmlformats.org/presentationml/2006/main">
   <p:cSld>
     <p:spTree>
@@ -28401,1682 +32926,6 @@
   <p:clrMapOvr>
     <a:masterClrMapping/>
   </p:clrMapOvr>
-</p:sld>
-</file>
-
-<file path=ppt/slides/slide9.xml><?xml version="1.0" encoding="utf-8"?>
-<p:sld xmlns:a="http://schemas.openxmlformats.org/drawingml/2006/main" xmlns:r="http://schemas.openxmlformats.org/officeDocument/2006/relationships" xmlns:p="http://schemas.openxmlformats.org/presentationml/2006/main">
-  <p:cSld>
-    <p:spTree>
-      <p:nvGrpSpPr>
-        <p:cNvPr id="1" name="">
-          <a:extLst>
-            <a:ext uri="{FF2B5EF4-FFF2-40B4-BE49-F238E27FC236}">
-              <a16:creationId xmlns:a16="http://schemas.microsoft.com/office/drawing/2014/main" id="{269BBBCF-6B05-9D74-EC7C-5A575E57D714}"/>
-            </a:ext>
-          </a:extLst>
-        </p:cNvPr>
-        <p:cNvGrpSpPr/>
-        <p:nvPr/>
-      </p:nvGrpSpPr>
-      <p:grpSpPr>
-        <a:xfrm>
-          <a:off x="0" y="0"/>
-          <a:ext cx="0" cy="0"/>
-          <a:chOff x="0" y="0"/>
-          <a:chExt cx="0" cy="0"/>
-        </a:xfrm>
-      </p:grpSpPr>
-      <p:sp>
-        <p:nvSpPr>
-          <p:cNvPr id="8" name="タイトル 7">
-            <a:extLst>
-              <a:ext uri="{FF2B5EF4-FFF2-40B4-BE49-F238E27FC236}">
-                <a16:creationId xmlns:a16="http://schemas.microsoft.com/office/drawing/2014/main" id="{4EFC323A-7E68-8CC9-791B-3EBC2B1FF8C3}"/>
-              </a:ext>
-            </a:extLst>
-          </p:cNvPr>
-          <p:cNvSpPr>
-            <a:spLocks noGrp="1"/>
-          </p:cNvSpPr>
-          <p:nvPr>
-            <p:ph type="title"/>
-          </p:nvPr>
-        </p:nvSpPr>
-        <p:spPr>
-          <a:xfrm>
-            <a:off x="522775" y="348253"/>
-            <a:ext cx="17646914" cy="770016"/>
-          </a:xfrm>
-        </p:spPr>
-        <p:txBody>
-          <a:bodyPr/>
-          <a:lstStyle/>
-          <a:p>
-            <a:r>
-              <a:rPr lang="en-US" altLang="ja-JP" dirty="0">
-                <a:solidFill>
-                  <a:schemeClr val="bg1"/>
-                </a:solidFill>
-                <a:latin typeface="Noto Sans JP" panose="020B0200000000000000" pitchFamily="50" charset="-128"/>
-                <a:ea typeface="Noto Sans JP" panose="020B0200000000000000" pitchFamily="50" charset="-128"/>
-              </a:rPr>
-              <a:t>31.</a:t>
-            </a:r>
-            <a:r>
-              <a:rPr lang="ja-JP" altLang="en-US" dirty="0">
-                <a:solidFill>
-                  <a:schemeClr val="bg1"/>
-                </a:solidFill>
-                <a:latin typeface="Noto Sans JP" panose="020B0200000000000000" pitchFamily="50" charset="-128"/>
-                <a:ea typeface="Noto Sans JP" panose="020B0200000000000000" pitchFamily="50" charset="-128"/>
-              </a:rPr>
-              <a:t>例外送出</a:t>
-            </a:r>
-          </a:p>
-        </p:txBody>
-      </p:sp>
-      <p:sp>
-        <p:nvSpPr>
-          <p:cNvPr id="3" name="フッター プレースホルダー 2">
-            <a:extLst>
-              <a:ext uri="{FF2B5EF4-FFF2-40B4-BE49-F238E27FC236}">
-                <a16:creationId xmlns:a16="http://schemas.microsoft.com/office/drawing/2014/main" id="{577CACBC-0A10-F3A1-A881-430901C030CF}"/>
-              </a:ext>
-            </a:extLst>
-          </p:cNvPr>
-          <p:cNvSpPr>
-            <a:spLocks noGrp="1"/>
-          </p:cNvSpPr>
-          <p:nvPr>
-            <p:ph type="ftr" sz="quarter" idx="10"/>
-          </p:nvPr>
-        </p:nvSpPr>
-        <p:spPr/>
-        <p:txBody>
-          <a:bodyPr/>
-          <a:lstStyle/>
-          <a:p>
-            <a:r>
-              <a:rPr lang="en-US" altLang="ja-JP" sz="2400" dirty="0">
-                <a:latin typeface="Noto Sans JP" panose="020B0200000000000000" pitchFamily="50" charset="-128"/>
-                <a:ea typeface="Noto Sans JP" panose="020B0200000000000000" pitchFamily="50" charset="-128"/>
-              </a:rPr>
-              <a:t>Prime Study </a:t>
-            </a:r>
-            <a:r>
-              <a:rPr lang="ja-JP" altLang="en-US" sz="2400" dirty="0">
-                <a:latin typeface="Noto Sans JP" panose="020B0200000000000000" pitchFamily="50" charset="-128"/>
-                <a:ea typeface="Noto Sans JP" panose="020B0200000000000000" pitchFamily="50" charset="-128"/>
-              </a:rPr>
-              <a:t>第</a:t>
-            </a:r>
-            <a:r>
-              <a:rPr lang="en-US" altLang="ja-JP" sz="2400" dirty="0">
-                <a:latin typeface="Noto Sans JP" panose="020B0200000000000000" pitchFamily="50" charset="-128"/>
-                <a:ea typeface="Noto Sans JP" panose="020B0200000000000000" pitchFamily="50" charset="-128"/>
-              </a:rPr>
-              <a:t>2</a:t>
-            </a:r>
-            <a:r>
-              <a:rPr lang="ja-JP" altLang="en-US" sz="2400" dirty="0">
-                <a:latin typeface="Noto Sans JP" panose="020B0200000000000000" pitchFamily="50" charset="-128"/>
-                <a:ea typeface="Noto Sans JP" panose="020B0200000000000000" pitchFamily="50" charset="-128"/>
-              </a:rPr>
-              <a:t>回</a:t>
-            </a:r>
-            <a:endParaRPr lang="en-US" altLang="ja-JP" sz="2400" dirty="0">
-              <a:latin typeface="Noto Sans JP" panose="020B0200000000000000" pitchFamily="50" charset="-128"/>
-              <a:ea typeface="Noto Sans JP" panose="020B0200000000000000" pitchFamily="50" charset="-128"/>
-            </a:endParaRPr>
-          </a:p>
-        </p:txBody>
-      </p:sp>
-      <p:sp>
-        <p:nvSpPr>
-          <p:cNvPr id="5" name="楕円 4">
-            <a:extLst>
-              <a:ext uri="{FF2B5EF4-FFF2-40B4-BE49-F238E27FC236}">
-                <a16:creationId xmlns:a16="http://schemas.microsoft.com/office/drawing/2014/main" id="{B3D131AB-BC46-0BDC-3DB4-EF8156B8559F}"/>
-              </a:ext>
-            </a:extLst>
-          </p:cNvPr>
-          <p:cNvSpPr/>
-          <p:nvPr/>
-        </p:nvSpPr>
-        <p:spPr>
-          <a:xfrm>
-            <a:off x="764094" y="5210342"/>
-            <a:ext cx="419100" cy="419100"/>
-          </a:xfrm>
-          <a:prstGeom prst="ellipse">
-            <a:avLst/>
-          </a:prstGeom>
-          <a:noFill/>
-          <a:ln w="38100">
-            <a:solidFill>
-              <a:srgbClr val="FF0000"/>
-            </a:solidFill>
-          </a:ln>
-        </p:spPr>
-        <p:style>
-          <a:lnRef idx="2">
-            <a:schemeClr val="accent1">
-              <a:shade val="50000"/>
-            </a:schemeClr>
-          </a:lnRef>
-          <a:fillRef idx="1">
-            <a:schemeClr val="accent1"/>
-          </a:fillRef>
-          <a:effectRef idx="0">
-            <a:schemeClr val="accent1"/>
-          </a:effectRef>
-          <a:fontRef idx="minor">
-            <a:schemeClr val="lt1"/>
-          </a:fontRef>
-        </p:style>
-        <p:txBody>
-          <a:bodyPr rtlCol="0" anchor="ctr"/>
-          <a:lstStyle/>
-          <a:p>
-            <a:pPr algn="ctr"/>
-            <a:endParaRPr kumimoji="1" lang="ja-JP" altLang="en-US" sz="4050"/>
-          </a:p>
-        </p:txBody>
-      </p:sp>
-      <p:pic>
-        <p:nvPicPr>
-          <p:cNvPr id="17" name="図 16">
-            <a:extLst>
-              <a:ext uri="{FF2B5EF4-FFF2-40B4-BE49-F238E27FC236}">
-                <a16:creationId xmlns:a16="http://schemas.microsoft.com/office/drawing/2014/main" id="{047B9161-3EC1-C43E-77EF-D11431B796DA}"/>
-              </a:ext>
-            </a:extLst>
-          </p:cNvPr>
-          <p:cNvPicPr>
-            <a:picLocks noChangeAspect="1"/>
-          </p:cNvPicPr>
-          <p:nvPr/>
-        </p:nvPicPr>
-        <p:blipFill>
-          <a:blip r:embed="rId2"/>
-          <a:stretch>
-            <a:fillRect/>
-          </a:stretch>
-        </p:blipFill>
-        <p:spPr>
-          <a:xfrm>
-            <a:off x="522775" y="1562036"/>
-            <a:ext cx="15146864" cy="914528"/>
-          </a:xfrm>
-          <a:prstGeom prst="rect">
-            <a:avLst/>
-          </a:prstGeom>
-        </p:spPr>
-      </p:pic>
-      <p:pic>
-        <p:nvPicPr>
-          <p:cNvPr id="4" name="図 3">
-            <a:extLst>
-              <a:ext uri="{FF2B5EF4-FFF2-40B4-BE49-F238E27FC236}">
-                <a16:creationId xmlns:a16="http://schemas.microsoft.com/office/drawing/2014/main" id="{C3830470-C6EF-DC01-66B1-26020BDDB9E9}"/>
-              </a:ext>
-            </a:extLst>
-          </p:cNvPr>
-          <p:cNvPicPr>
-            <a:picLocks noChangeAspect="1"/>
-          </p:cNvPicPr>
-          <p:nvPr/>
-        </p:nvPicPr>
-        <p:blipFill>
-          <a:blip r:embed="rId3"/>
-          <a:stretch>
-            <a:fillRect/>
-          </a:stretch>
-        </p:blipFill>
-        <p:spPr>
-          <a:xfrm>
-            <a:off x="522775" y="2476564"/>
-            <a:ext cx="15146864" cy="7375351"/>
-          </a:xfrm>
-          <a:prstGeom prst="rect">
-            <a:avLst/>
-          </a:prstGeom>
-        </p:spPr>
-      </p:pic>
-      <p:pic>
-        <p:nvPicPr>
-          <p:cNvPr id="9" name="図 8">
-            <a:extLst>
-              <a:ext uri="{FF2B5EF4-FFF2-40B4-BE49-F238E27FC236}">
-                <a16:creationId xmlns:a16="http://schemas.microsoft.com/office/drawing/2014/main" id="{0F2CFC3D-7FC7-25B1-2DD1-DCC2CB7477AE}"/>
-              </a:ext>
-            </a:extLst>
-          </p:cNvPr>
-          <p:cNvPicPr>
-            <a:picLocks noChangeAspect="1"/>
-          </p:cNvPicPr>
-          <p:nvPr/>
-        </p:nvPicPr>
-        <p:blipFill>
-          <a:blip r:embed="rId4"/>
-          <a:stretch>
-            <a:fillRect/>
-          </a:stretch>
-        </p:blipFill>
-        <p:spPr>
-          <a:xfrm>
-            <a:off x="13030639" y="5596615"/>
-            <a:ext cx="4734586" cy="4124901"/>
-          </a:xfrm>
-          <a:prstGeom prst="rect">
-            <a:avLst/>
-          </a:prstGeom>
-          <a:ln w="38100">
-            <a:solidFill>
-              <a:srgbClr val="0066FF"/>
-            </a:solidFill>
-          </a:ln>
-        </p:spPr>
-      </p:pic>
-      <p:pic>
-        <p:nvPicPr>
-          <p:cNvPr id="11" name="図 10">
-            <a:extLst>
-              <a:ext uri="{FF2B5EF4-FFF2-40B4-BE49-F238E27FC236}">
-                <a16:creationId xmlns:a16="http://schemas.microsoft.com/office/drawing/2014/main" id="{40B8C608-A5C5-4C2E-7BC3-76876452D1AD}"/>
-              </a:ext>
-            </a:extLst>
-          </p:cNvPr>
-          <p:cNvPicPr>
-            <a:picLocks noChangeAspect="1"/>
-          </p:cNvPicPr>
-          <p:nvPr/>
-        </p:nvPicPr>
-        <p:blipFill>
-          <a:blip r:embed="rId5"/>
-          <a:stretch>
-            <a:fillRect/>
-          </a:stretch>
-        </p:blipFill>
-        <p:spPr>
-          <a:xfrm>
-            <a:off x="16564907" y="2476564"/>
-            <a:ext cx="1200318" cy="1267002"/>
-          </a:xfrm>
-          <a:prstGeom prst="rect">
-            <a:avLst/>
-          </a:prstGeom>
-          <a:ln w="28575">
-            <a:solidFill>
-              <a:schemeClr val="tx1"/>
-            </a:solidFill>
-          </a:ln>
-        </p:spPr>
-      </p:pic>
-      <p:sp>
-        <p:nvSpPr>
-          <p:cNvPr id="13" name="正方形/長方形 12">
-            <a:extLst>
-              <a:ext uri="{FF2B5EF4-FFF2-40B4-BE49-F238E27FC236}">
-                <a16:creationId xmlns:a16="http://schemas.microsoft.com/office/drawing/2014/main" id="{145A44A6-796F-79A1-E488-ADF7A0EFD8E1}"/>
-              </a:ext>
-            </a:extLst>
-          </p:cNvPr>
-          <p:cNvSpPr/>
-          <p:nvPr/>
-        </p:nvSpPr>
-        <p:spPr>
-          <a:xfrm>
-            <a:off x="948244" y="3200400"/>
-            <a:ext cx="512256" cy="330200"/>
-          </a:xfrm>
-          <a:prstGeom prst="rect">
-            <a:avLst/>
-          </a:prstGeom>
-          <a:noFill/>
-          <a:ln w="28575">
-            <a:solidFill>
-              <a:srgbClr val="FF0000"/>
-            </a:solidFill>
-          </a:ln>
-        </p:spPr>
-        <p:style>
-          <a:lnRef idx="2">
-            <a:schemeClr val="accent1">
-              <a:shade val="50000"/>
-            </a:schemeClr>
-          </a:lnRef>
-          <a:fillRef idx="1">
-            <a:schemeClr val="accent1"/>
-          </a:fillRef>
-          <a:effectRef idx="0">
-            <a:schemeClr val="accent1"/>
-          </a:effectRef>
-          <a:fontRef idx="minor">
-            <a:schemeClr val="lt1"/>
-          </a:fontRef>
-        </p:style>
-        <p:txBody>
-          <a:bodyPr rtlCol="0" anchor="ctr"/>
-          <a:lstStyle/>
-          <a:p>
-            <a:pPr algn="ctr"/>
-            <a:endParaRPr kumimoji="1" lang="ja-JP" altLang="en-US" sz="4050"/>
-          </a:p>
-        </p:txBody>
-      </p:sp>
-      <p:sp>
-        <p:nvSpPr>
-          <p:cNvPr id="16" name="正方形/長方形 15">
-            <a:extLst>
-              <a:ext uri="{FF2B5EF4-FFF2-40B4-BE49-F238E27FC236}">
-                <a16:creationId xmlns:a16="http://schemas.microsoft.com/office/drawing/2014/main" id="{0A220CB3-4358-F534-F820-53E03C6EB65C}"/>
-              </a:ext>
-            </a:extLst>
-          </p:cNvPr>
-          <p:cNvSpPr/>
-          <p:nvPr/>
-        </p:nvSpPr>
-        <p:spPr>
-          <a:xfrm>
-            <a:off x="1581552" y="4575645"/>
-            <a:ext cx="998241" cy="330200"/>
-          </a:xfrm>
-          <a:prstGeom prst="rect">
-            <a:avLst/>
-          </a:prstGeom>
-          <a:noFill/>
-          <a:ln w="28575">
-            <a:solidFill>
-              <a:srgbClr val="FF0000"/>
-            </a:solidFill>
-          </a:ln>
-        </p:spPr>
-        <p:style>
-          <a:lnRef idx="2">
-            <a:schemeClr val="accent1">
-              <a:shade val="50000"/>
-            </a:schemeClr>
-          </a:lnRef>
-          <a:fillRef idx="1">
-            <a:schemeClr val="accent1"/>
-          </a:fillRef>
-          <a:effectRef idx="0">
-            <a:schemeClr val="accent1"/>
-          </a:effectRef>
-          <a:fontRef idx="minor">
-            <a:schemeClr val="lt1"/>
-          </a:fontRef>
-        </p:style>
-        <p:txBody>
-          <a:bodyPr rtlCol="0" anchor="ctr"/>
-          <a:lstStyle/>
-          <a:p>
-            <a:pPr algn="ctr"/>
-            <a:endParaRPr kumimoji="1" lang="ja-JP" altLang="en-US" sz="4050"/>
-          </a:p>
-        </p:txBody>
-      </p:sp>
-      <p:sp>
-        <p:nvSpPr>
-          <p:cNvPr id="18" name="正方形/長方形 17">
-            <a:extLst>
-              <a:ext uri="{FF2B5EF4-FFF2-40B4-BE49-F238E27FC236}">
-                <a16:creationId xmlns:a16="http://schemas.microsoft.com/office/drawing/2014/main" id="{0DE282AB-F8FE-7BDE-A31F-237D03D3BEB9}"/>
-              </a:ext>
-            </a:extLst>
-          </p:cNvPr>
-          <p:cNvSpPr/>
-          <p:nvPr/>
-        </p:nvSpPr>
-        <p:spPr>
-          <a:xfrm>
-            <a:off x="1918056" y="2869531"/>
-            <a:ext cx="998241" cy="330200"/>
-          </a:xfrm>
-          <a:prstGeom prst="rect">
-            <a:avLst/>
-          </a:prstGeom>
-          <a:noFill/>
-          <a:ln w="28575">
-            <a:solidFill>
-              <a:srgbClr val="FF0000"/>
-            </a:solidFill>
-          </a:ln>
-        </p:spPr>
-        <p:style>
-          <a:lnRef idx="2">
-            <a:schemeClr val="accent1">
-              <a:shade val="50000"/>
-            </a:schemeClr>
-          </a:lnRef>
-          <a:fillRef idx="1">
-            <a:schemeClr val="accent1"/>
-          </a:fillRef>
-          <a:effectRef idx="0">
-            <a:schemeClr val="accent1"/>
-          </a:effectRef>
-          <a:fontRef idx="minor">
-            <a:schemeClr val="lt1"/>
-          </a:fontRef>
-        </p:style>
-        <p:txBody>
-          <a:bodyPr rtlCol="0" anchor="ctr"/>
-          <a:lstStyle/>
-          <a:p>
-            <a:pPr algn="ctr"/>
-            <a:endParaRPr kumimoji="1" lang="ja-JP" altLang="en-US" sz="4050"/>
-          </a:p>
-        </p:txBody>
-      </p:sp>
-      <p:sp>
-        <p:nvSpPr>
-          <p:cNvPr id="19" name="矢印: 右 18">
-            <a:extLst>
-              <a:ext uri="{FF2B5EF4-FFF2-40B4-BE49-F238E27FC236}">
-                <a16:creationId xmlns:a16="http://schemas.microsoft.com/office/drawing/2014/main" id="{38945112-408A-37AD-3768-7C8583FBF45F}"/>
-              </a:ext>
-            </a:extLst>
-          </p:cNvPr>
-          <p:cNvSpPr/>
-          <p:nvPr/>
-        </p:nvSpPr>
-        <p:spPr>
-          <a:xfrm>
-            <a:off x="3141224" y="2831431"/>
-            <a:ext cx="1645733" cy="217975"/>
-          </a:xfrm>
-          <a:prstGeom prst="rightArrow">
-            <a:avLst/>
-          </a:prstGeom>
-          <a:solidFill>
-            <a:srgbClr val="FF0000"/>
-          </a:solidFill>
-          <a:ln>
-            <a:noFill/>
-          </a:ln>
-        </p:spPr>
-        <p:style>
-          <a:lnRef idx="2">
-            <a:schemeClr val="accent1">
-              <a:shade val="50000"/>
-            </a:schemeClr>
-          </a:lnRef>
-          <a:fillRef idx="1">
-            <a:schemeClr val="accent1"/>
-          </a:fillRef>
-          <a:effectRef idx="0">
-            <a:schemeClr val="accent1"/>
-          </a:effectRef>
-          <a:fontRef idx="minor">
-            <a:schemeClr val="lt1"/>
-          </a:fontRef>
-        </p:style>
-        <p:txBody>
-          <a:bodyPr rtlCol="0" anchor="ctr"/>
-          <a:lstStyle/>
-          <a:p>
-            <a:pPr algn="ctr"/>
-            <a:endParaRPr kumimoji="1" lang="ja-JP" altLang="en-US" sz="4050"/>
-          </a:p>
-        </p:txBody>
-      </p:sp>
-      <p:sp>
-        <p:nvSpPr>
-          <p:cNvPr id="20" name="テキスト ボックス 19">
-            <a:extLst>
-              <a:ext uri="{FF2B5EF4-FFF2-40B4-BE49-F238E27FC236}">
-                <a16:creationId xmlns:a16="http://schemas.microsoft.com/office/drawing/2014/main" id="{177C6118-DE0B-4DEE-EC58-74343E1140FF}"/>
-              </a:ext>
-            </a:extLst>
-          </p:cNvPr>
-          <p:cNvSpPr txBox="1"/>
-          <p:nvPr/>
-        </p:nvSpPr>
-        <p:spPr>
-          <a:xfrm>
-            <a:off x="4870934" y="2627943"/>
-            <a:ext cx="9257663" cy="707886"/>
-          </a:xfrm>
-          <a:prstGeom prst="rect">
-            <a:avLst/>
-          </a:prstGeom>
-          <a:noFill/>
-          <a:ln>
-            <a:solidFill>
-              <a:srgbClr val="FF0000"/>
-            </a:solidFill>
-          </a:ln>
-        </p:spPr>
-        <p:txBody>
-          <a:bodyPr wrap="none" rtlCol="0">
-            <a:spAutoFit/>
-          </a:bodyPr>
-          <a:lstStyle/>
-          <a:p>
-            <a:r>
-              <a:rPr kumimoji="1" lang="ja-JP" altLang="en-US" sz="2000" dirty="0">
-                <a:solidFill>
-                  <a:schemeClr val="tx1">
-                    <a:lumMod val="85000"/>
-                    <a:lumOff val="15000"/>
-                  </a:schemeClr>
-                </a:solidFill>
-                <a:latin typeface="Noto Sans JP" panose="020B0200000000000000" pitchFamily="50" charset="-128"/>
-                <a:ea typeface="Noto Sans JP" panose="020B0200000000000000" pitchFamily="50" charset="-128"/>
-              </a:rPr>
-              <a:t>独自の例外クラス </a:t>
-            </a:r>
-            <a:r>
-              <a:rPr kumimoji="1" lang="en-US" altLang="ja-JP" sz="2000" dirty="0" err="1">
-                <a:solidFill>
-                  <a:schemeClr val="tx1">
-                    <a:lumMod val="85000"/>
-                    <a:lumOff val="15000"/>
-                  </a:schemeClr>
-                </a:solidFill>
-                <a:latin typeface="Noto Sans JP" panose="020B0200000000000000" pitchFamily="50" charset="-128"/>
-                <a:ea typeface="Noto Sans JP" panose="020B0200000000000000" pitchFamily="50" charset="-128"/>
-              </a:rPr>
-              <a:t>wexal</a:t>
-            </a:r>
-            <a:r>
-              <a:rPr kumimoji="1" lang="en-US" altLang="ja-JP" sz="2000" dirty="0">
-                <a:solidFill>
-                  <a:schemeClr val="tx1">
-                    <a:lumMod val="85000"/>
-                    <a:lumOff val="15000"/>
-                  </a:schemeClr>
-                </a:solidFill>
-                <a:latin typeface="Noto Sans JP" panose="020B0200000000000000" pitchFamily="50" charset="-128"/>
-                <a:ea typeface="Noto Sans JP" panose="020B0200000000000000" pitchFamily="50" charset="-128"/>
-              </a:rPr>
-              <a:t> </a:t>
-            </a:r>
-            <a:r>
-              <a:rPr kumimoji="1" lang="ja-JP" altLang="en-US" sz="2000" dirty="0">
-                <a:solidFill>
-                  <a:schemeClr val="tx1">
-                    <a:lumMod val="85000"/>
-                    <a:lumOff val="15000"/>
-                  </a:schemeClr>
-                </a:solidFill>
-                <a:latin typeface="Noto Sans JP" panose="020B0200000000000000" pitchFamily="50" charset="-128"/>
-                <a:ea typeface="Noto Sans JP" panose="020B0200000000000000" pitchFamily="50" charset="-128"/>
-              </a:rPr>
-              <a:t>を作るときに、</a:t>
-            </a:r>
-            <a:r>
-              <a:rPr kumimoji="1" lang="en-US" altLang="ja-JP" sz="2000" dirty="0">
-                <a:solidFill>
-                  <a:schemeClr val="tx1">
-                    <a:lumMod val="85000"/>
-                    <a:lumOff val="15000"/>
-                  </a:schemeClr>
-                </a:solidFill>
-                <a:latin typeface="Noto Sans JP" panose="020B0200000000000000" pitchFamily="50" charset="-128"/>
-                <a:ea typeface="Noto Sans JP" panose="020B0200000000000000" pitchFamily="50" charset="-128"/>
-              </a:rPr>
-              <a:t>Python</a:t>
-            </a:r>
-            <a:r>
-              <a:rPr kumimoji="1" lang="ja-JP" altLang="en-US" sz="2000" dirty="0">
-                <a:solidFill>
-                  <a:schemeClr val="tx1">
-                    <a:lumMod val="85000"/>
-                    <a:lumOff val="15000"/>
-                  </a:schemeClr>
-                </a:solidFill>
-                <a:latin typeface="Noto Sans JP" panose="020B0200000000000000" pitchFamily="50" charset="-128"/>
-                <a:ea typeface="Noto Sans JP" panose="020B0200000000000000" pitchFamily="50" charset="-128"/>
-              </a:rPr>
-              <a:t>の標準例外クラス </a:t>
-            </a:r>
-            <a:r>
-              <a:rPr kumimoji="1" lang="en-US" altLang="ja-JP" sz="2000" dirty="0">
-                <a:solidFill>
-                  <a:schemeClr val="tx1">
-                    <a:lumMod val="85000"/>
-                    <a:lumOff val="15000"/>
-                  </a:schemeClr>
-                </a:solidFill>
-                <a:latin typeface="Noto Sans JP" panose="020B0200000000000000" pitchFamily="50" charset="-128"/>
-                <a:ea typeface="Noto Sans JP" panose="020B0200000000000000" pitchFamily="50" charset="-128"/>
-              </a:rPr>
-              <a:t>Exception </a:t>
-            </a:r>
-            <a:r>
-              <a:rPr kumimoji="1" lang="ja-JP" altLang="en-US" sz="2000" dirty="0">
-                <a:solidFill>
-                  <a:schemeClr val="tx1">
-                    <a:lumMod val="85000"/>
-                    <a:lumOff val="15000"/>
-                  </a:schemeClr>
-                </a:solidFill>
-                <a:latin typeface="Noto Sans JP" panose="020B0200000000000000" pitchFamily="50" charset="-128"/>
-                <a:ea typeface="Noto Sans JP" panose="020B0200000000000000" pitchFamily="50" charset="-128"/>
-              </a:rPr>
-              <a:t>を</a:t>
-            </a:r>
-            <a:endParaRPr kumimoji="1" lang="en-US" altLang="ja-JP" sz="2000" dirty="0">
-              <a:solidFill>
-                <a:schemeClr val="tx1">
-                  <a:lumMod val="85000"/>
-                  <a:lumOff val="15000"/>
-                </a:schemeClr>
-              </a:solidFill>
-              <a:latin typeface="Noto Sans JP" panose="020B0200000000000000" pitchFamily="50" charset="-128"/>
-              <a:ea typeface="Noto Sans JP" panose="020B0200000000000000" pitchFamily="50" charset="-128"/>
-            </a:endParaRPr>
-          </a:p>
-          <a:p>
-            <a:r>
-              <a:rPr kumimoji="1" lang="ja-JP" altLang="en-US" sz="2000" dirty="0">
-                <a:solidFill>
-                  <a:schemeClr val="tx1">
-                    <a:lumMod val="85000"/>
-                    <a:lumOff val="15000"/>
-                  </a:schemeClr>
-                </a:solidFill>
-                <a:latin typeface="Noto Sans JP" panose="020B0200000000000000" pitchFamily="50" charset="-128"/>
-                <a:ea typeface="Noto Sans JP" panose="020B0200000000000000" pitchFamily="50" charset="-128"/>
-              </a:rPr>
-              <a:t>基にしているので </a:t>
-            </a:r>
-            <a:r>
-              <a:rPr kumimoji="1" lang="en-US" altLang="ja-JP" sz="2000" dirty="0" err="1">
-                <a:solidFill>
-                  <a:schemeClr val="tx1">
-                    <a:lumMod val="85000"/>
-                    <a:lumOff val="15000"/>
-                  </a:schemeClr>
-                </a:solidFill>
-                <a:latin typeface="Noto Sans JP" panose="020B0200000000000000" pitchFamily="50" charset="-128"/>
-                <a:ea typeface="Noto Sans JP" panose="020B0200000000000000" pitchFamily="50" charset="-128"/>
-              </a:rPr>
-              <a:t>wexal</a:t>
-            </a:r>
-            <a:r>
-              <a:rPr kumimoji="1" lang="en-US" altLang="ja-JP" sz="2000" dirty="0">
-                <a:solidFill>
-                  <a:schemeClr val="tx1">
-                    <a:lumMod val="85000"/>
-                    <a:lumOff val="15000"/>
-                  </a:schemeClr>
-                </a:solidFill>
-                <a:latin typeface="Noto Sans JP" panose="020B0200000000000000" pitchFamily="50" charset="-128"/>
-                <a:ea typeface="Noto Sans JP" panose="020B0200000000000000" pitchFamily="50" charset="-128"/>
-              </a:rPr>
-              <a:t> </a:t>
-            </a:r>
-            <a:r>
-              <a:rPr kumimoji="1" lang="ja-JP" altLang="en-US" sz="2000" dirty="0">
-                <a:solidFill>
-                  <a:schemeClr val="tx1">
-                    <a:lumMod val="85000"/>
-                    <a:lumOff val="15000"/>
-                  </a:schemeClr>
-                </a:solidFill>
-                <a:latin typeface="Noto Sans JP" panose="020B0200000000000000" pitchFamily="50" charset="-128"/>
-                <a:ea typeface="Noto Sans JP" panose="020B0200000000000000" pitchFamily="50" charset="-128"/>
-              </a:rPr>
-              <a:t>は </a:t>
-            </a:r>
-            <a:r>
-              <a:rPr kumimoji="1" lang="en-US" altLang="ja-JP" sz="2000" dirty="0">
-                <a:solidFill>
-                  <a:schemeClr val="tx1">
-                    <a:lumMod val="85000"/>
-                    <a:lumOff val="15000"/>
-                  </a:schemeClr>
-                </a:solidFill>
-                <a:latin typeface="Noto Sans JP" panose="020B0200000000000000" pitchFamily="50" charset="-128"/>
-                <a:ea typeface="Noto Sans JP" panose="020B0200000000000000" pitchFamily="50" charset="-128"/>
-              </a:rPr>
-              <a:t>Exception </a:t>
-            </a:r>
-            <a:r>
-              <a:rPr kumimoji="1" lang="ja-JP" altLang="en-US" sz="2000" dirty="0">
-                <a:solidFill>
-                  <a:schemeClr val="tx1">
-                    <a:lumMod val="85000"/>
-                    <a:lumOff val="15000"/>
-                  </a:schemeClr>
-                </a:solidFill>
-                <a:latin typeface="Noto Sans JP" panose="020B0200000000000000" pitchFamily="50" charset="-128"/>
-                <a:ea typeface="Noto Sans JP" panose="020B0200000000000000" pitchFamily="50" charset="-128"/>
-              </a:rPr>
-              <a:t>と同じように例外処理で使える</a:t>
-            </a:r>
-          </a:p>
-        </p:txBody>
-      </p:sp>
-      <p:sp>
-        <p:nvSpPr>
-          <p:cNvPr id="22" name="矢印: 右 21">
-            <a:extLst>
-              <a:ext uri="{FF2B5EF4-FFF2-40B4-BE49-F238E27FC236}">
-                <a16:creationId xmlns:a16="http://schemas.microsoft.com/office/drawing/2014/main" id="{477C3825-730C-B84C-72D5-B0E10650B95E}"/>
-              </a:ext>
-            </a:extLst>
-          </p:cNvPr>
-          <p:cNvSpPr/>
-          <p:nvPr/>
-        </p:nvSpPr>
-        <p:spPr>
-          <a:xfrm rot="444994">
-            <a:off x="1623006" y="3442938"/>
-            <a:ext cx="3205405" cy="216000"/>
-          </a:xfrm>
-          <a:prstGeom prst="rightArrow">
-            <a:avLst/>
-          </a:prstGeom>
-          <a:solidFill>
-            <a:srgbClr val="FF0000"/>
-          </a:solidFill>
-          <a:ln>
-            <a:noFill/>
-          </a:ln>
-        </p:spPr>
-        <p:style>
-          <a:lnRef idx="2">
-            <a:schemeClr val="accent1">
-              <a:shade val="50000"/>
-            </a:schemeClr>
-          </a:lnRef>
-          <a:fillRef idx="1">
-            <a:schemeClr val="accent1"/>
-          </a:fillRef>
-          <a:effectRef idx="0">
-            <a:schemeClr val="accent1"/>
-          </a:effectRef>
-          <a:fontRef idx="minor">
-            <a:schemeClr val="lt1"/>
-          </a:fontRef>
-        </p:style>
-        <p:txBody>
-          <a:bodyPr rtlCol="0" anchor="ctr"/>
-          <a:lstStyle/>
-          <a:p>
-            <a:pPr algn="ctr"/>
-            <a:endParaRPr kumimoji="1" lang="ja-JP" altLang="en-US" sz="4050"/>
-          </a:p>
-        </p:txBody>
-      </p:sp>
-      <p:sp>
-        <p:nvSpPr>
-          <p:cNvPr id="23" name="テキスト ボックス 22">
-            <a:extLst>
-              <a:ext uri="{FF2B5EF4-FFF2-40B4-BE49-F238E27FC236}">
-                <a16:creationId xmlns:a16="http://schemas.microsoft.com/office/drawing/2014/main" id="{181EE7CB-DE78-0F5A-4E64-175976A9E31C}"/>
-              </a:ext>
-            </a:extLst>
-          </p:cNvPr>
-          <p:cNvSpPr txBox="1"/>
-          <p:nvPr/>
-        </p:nvSpPr>
-        <p:spPr>
-          <a:xfrm>
-            <a:off x="4870935" y="3579288"/>
-            <a:ext cx="7943366" cy="2246769"/>
-          </a:xfrm>
-          <a:prstGeom prst="rect">
-            <a:avLst/>
-          </a:prstGeom>
-          <a:noFill/>
-          <a:ln>
-            <a:solidFill>
-              <a:srgbClr val="FF0000"/>
-            </a:solidFill>
-          </a:ln>
-        </p:spPr>
-        <p:txBody>
-          <a:bodyPr wrap="square" rtlCol="0">
-            <a:spAutoFit/>
-          </a:bodyPr>
-          <a:lstStyle/>
-          <a:p>
-            <a:r>
-              <a:rPr kumimoji="1" lang="en-US" altLang="ja-JP" sz="2000" dirty="0">
-                <a:solidFill>
-                  <a:schemeClr val="tx1">
-                    <a:lumMod val="85000"/>
-                    <a:lumOff val="15000"/>
-                  </a:schemeClr>
-                </a:solidFill>
-                <a:latin typeface="Noto Sans JP" panose="020B0200000000000000" pitchFamily="50" charset="-128"/>
-                <a:ea typeface="Noto Sans JP" panose="020B0200000000000000" pitchFamily="50" charset="-128"/>
-              </a:rPr>
-              <a:t>Python</a:t>
-            </a:r>
-            <a:r>
-              <a:rPr kumimoji="1" lang="ja-JP" altLang="en-US" sz="2000" dirty="0">
-                <a:solidFill>
-                  <a:schemeClr val="tx1">
-                    <a:lumMod val="85000"/>
-                    <a:lumOff val="15000"/>
-                  </a:schemeClr>
-                </a:solidFill>
-                <a:latin typeface="Noto Sans JP" panose="020B0200000000000000" pitchFamily="50" charset="-128"/>
-                <a:ea typeface="Noto Sans JP" panose="020B0200000000000000" pitchFamily="50" charset="-128"/>
-              </a:rPr>
-              <a:t>では、クラスや関数を定義したら必ずそのブロックの中に</a:t>
-            </a:r>
-            <a:endParaRPr kumimoji="1" lang="en-US" altLang="ja-JP" sz="2000" dirty="0">
-              <a:solidFill>
-                <a:schemeClr val="tx1">
-                  <a:lumMod val="85000"/>
-                  <a:lumOff val="15000"/>
-                </a:schemeClr>
-              </a:solidFill>
-              <a:latin typeface="Noto Sans JP" panose="020B0200000000000000" pitchFamily="50" charset="-128"/>
-              <a:ea typeface="Noto Sans JP" panose="020B0200000000000000" pitchFamily="50" charset="-128"/>
-            </a:endParaRPr>
-          </a:p>
-          <a:p>
-            <a:r>
-              <a:rPr kumimoji="1" lang="ja-JP" altLang="en-US" sz="2000" dirty="0">
-                <a:solidFill>
-                  <a:schemeClr val="tx1">
-                    <a:lumMod val="85000"/>
-                    <a:lumOff val="15000"/>
-                  </a:schemeClr>
-                </a:solidFill>
-                <a:latin typeface="Noto Sans JP" panose="020B0200000000000000" pitchFamily="50" charset="-128"/>
-                <a:ea typeface="Noto Sans JP" panose="020B0200000000000000" pitchFamily="50" charset="-128"/>
-              </a:rPr>
-              <a:t>何か</a:t>
-            </a:r>
-            <a:r>
-              <a:rPr kumimoji="1" lang="en-US" altLang="ja-JP" sz="2000" dirty="0">
-                <a:solidFill>
-                  <a:schemeClr val="tx1">
-                    <a:lumMod val="85000"/>
-                    <a:lumOff val="15000"/>
-                  </a:schemeClr>
-                </a:solidFill>
-                <a:latin typeface="Noto Sans JP" panose="020B0200000000000000" pitchFamily="50" charset="-128"/>
-                <a:ea typeface="Noto Sans JP" panose="020B0200000000000000" pitchFamily="50" charset="-128"/>
-              </a:rPr>
-              <a:t>1</a:t>
-            </a:r>
-            <a:r>
-              <a:rPr kumimoji="1" lang="ja-JP" altLang="en-US" sz="2000" dirty="0">
-                <a:solidFill>
-                  <a:schemeClr val="tx1">
-                    <a:lumMod val="85000"/>
-                    <a:lumOff val="15000"/>
-                  </a:schemeClr>
-                </a:solidFill>
-                <a:latin typeface="Noto Sans JP" panose="020B0200000000000000" pitchFamily="50" charset="-128"/>
-                <a:ea typeface="Noto Sans JP" panose="020B0200000000000000" pitchFamily="50" charset="-128"/>
-              </a:rPr>
-              <a:t>行以上書く必要があります。</a:t>
-            </a:r>
-          </a:p>
-          <a:p>
-            <a:endParaRPr kumimoji="1" lang="ja-JP" altLang="en-US" sz="2000" dirty="0">
-              <a:solidFill>
-                <a:schemeClr val="tx1">
-                  <a:lumMod val="85000"/>
-                  <a:lumOff val="15000"/>
-                </a:schemeClr>
-              </a:solidFill>
-              <a:latin typeface="Noto Sans JP" panose="020B0200000000000000" pitchFamily="50" charset="-128"/>
-              <a:ea typeface="Noto Sans JP" panose="020B0200000000000000" pitchFamily="50" charset="-128"/>
-            </a:endParaRPr>
-          </a:p>
-          <a:p>
-            <a:r>
-              <a:rPr kumimoji="1" lang="ja-JP" altLang="en-US" sz="2000" dirty="0">
-                <a:solidFill>
-                  <a:schemeClr val="tx1">
-                    <a:lumMod val="85000"/>
-                    <a:lumOff val="15000"/>
-                  </a:schemeClr>
-                </a:solidFill>
-                <a:latin typeface="Noto Sans JP" panose="020B0200000000000000" pitchFamily="50" charset="-128"/>
-                <a:ea typeface="Noto Sans JP" panose="020B0200000000000000" pitchFamily="50" charset="-128"/>
-              </a:rPr>
-              <a:t>でも、この場合は </a:t>
-            </a:r>
-            <a:r>
-              <a:rPr kumimoji="1" lang="en-US" altLang="ja-JP" sz="2000" dirty="0" err="1">
-                <a:solidFill>
-                  <a:schemeClr val="tx1">
-                    <a:lumMod val="85000"/>
-                    <a:lumOff val="15000"/>
-                  </a:schemeClr>
-                </a:solidFill>
-                <a:latin typeface="Noto Sans JP" panose="020B0200000000000000" pitchFamily="50" charset="-128"/>
-                <a:ea typeface="Noto Sans JP" panose="020B0200000000000000" pitchFamily="50" charset="-128"/>
-              </a:rPr>
-              <a:t>wexal</a:t>
-            </a:r>
-            <a:r>
-              <a:rPr kumimoji="1" lang="en-US" altLang="ja-JP" sz="2000" dirty="0">
-                <a:solidFill>
-                  <a:schemeClr val="tx1">
-                    <a:lumMod val="85000"/>
-                    <a:lumOff val="15000"/>
-                  </a:schemeClr>
-                </a:solidFill>
-                <a:latin typeface="Noto Sans JP" panose="020B0200000000000000" pitchFamily="50" charset="-128"/>
-                <a:ea typeface="Noto Sans JP" panose="020B0200000000000000" pitchFamily="50" charset="-128"/>
-              </a:rPr>
-              <a:t> </a:t>
-            </a:r>
-            <a:r>
-              <a:rPr kumimoji="1" lang="ja-JP" altLang="en-US" sz="2000" dirty="0">
-                <a:solidFill>
-                  <a:schemeClr val="tx1">
-                    <a:lumMod val="85000"/>
-                    <a:lumOff val="15000"/>
-                  </a:schemeClr>
-                </a:solidFill>
-                <a:latin typeface="Noto Sans JP" panose="020B0200000000000000" pitchFamily="50" charset="-128"/>
-                <a:ea typeface="Noto Sans JP" panose="020B0200000000000000" pitchFamily="50" charset="-128"/>
-              </a:rPr>
-              <a:t>クラスは </a:t>
-            </a:r>
-            <a:r>
-              <a:rPr kumimoji="1" lang="en-US" altLang="ja-JP" sz="2000" dirty="0">
-                <a:solidFill>
-                  <a:schemeClr val="tx1">
-                    <a:lumMod val="85000"/>
-                    <a:lumOff val="15000"/>
-                  </a:schemeClr>
-                </a:solidFill>
-                <a:latin typeface="Noto Sans JP" panose="020B0200000000000000" pitchFamily="50" charset="-128"/>
-                <a:ea typeface="Noto Sans JP" panose="020B0200000000000000" pitchFamily="50" charset="-128"/>
-              </a:rPr>
-              <a:t>Exception </a:t>
-            </a:r>
-            <a:r>
-              <a:rPr kumimoji="1" lang="ja-JP" altLang="en-US" sz="2000" dirty="0">
-                <a:solidFill>
-                  <a:schemeClr val="tx1">
-                    <a:lumMod val="85000"/>
-                    <a:lumOff val="15000"/>
-                  </a:schemeClr>
-                </a:solidFill>
-                <a:latin typeface="Noto Sans JP" panose="020B0200000000000000" pitchFamily="50" charset="-128"/>
-                <a:ea typeface="Noto Sans JP" panose="020B0200000000000000" pitchFamily="50" charset="-128"/>
-              </a:rPr>
-              <a:t>を継承するだけで、</a:t>
-            </a:r>
-            <a:endParaRPr kumimoji="1" lang="en-US" altLang="ja-JP" sz="2000" dirty="0">
-              <a:solidFill>
-                <a:schemeClr val="tx1">
-                  <a:lumMod val="85000"/>
-                  <a:lumOff val="15000"/>
-                </a:schemeClr>
-              </a:solidFill>
-              <a:latin typeface="Noto Sans JP" panose="020B0200000000000000" pitchFamily="50" charset="-128"/>
-              <a:ea typeface="Noto Sans JP" panose="020B0200000000000000" pitchFamily="50" charset="-128"/>
-            </a:endParaRPr>
-          </a:p>
-          <a:p>
-            <a:r>
-              <a:rPr kumimoji="1" lang="ja-JP" altLang="en-US" sz="2000" dirty="0">
-                <a:solidFill>
-                  <a:schemeClr val="tx1">
-                    <a:lumMod val="85000"/>
-                    <a:lumOff val="15000"/>
-                  </a:schemeClr>
-                </a:solidFill>
-                <a:latin typeface="Noto Sans JP" panose="020B0200000000000000" pitchFamily="50" charset="-128"/>
-                <a:ea typeface="Noto Sans JP" panose="020B0200000000000000" pitchFamily="50" charset="-128"/>
-              </a:rPr>
-              <a:t>新しいメソッドや変数を追加していません。</a:t>
-            </a:r>
-          </a:p>
-          <a:p>
-            <a:endParaRPr kumimoji="1" lang="ja-JP" altLang="en-US" sz="2000" dirty="0">
-              <a:solidFill>
-                <a:schemeClr val="tx1">
-                  <a:lumMod val="85000"/>
-                  <a:lumOff val="15000"/>
-                </a:schemeClr>
-              </a:solidFill>
-              <a:latin typeface="Noto Sans JP" panose="020B0200000000000000" pitchFamily="50" charset="-128"/>
-              <a:ea typeface="Noto Sans JP" panose="020B0200000000000000" pitchFamily="50" charset="-128"/>
-            </a:endParaRPr>
-          </a:p>
-          <a:p>
-            <a:r>
-              <a:rPr kumimoji="1" lang="ja-JP" altLang="en-US" sz="2000" dirty="0">
-                <a:solidFill>
-                  <a:schemeClr val="tx1">
-                    <a:lumMod val="85000"/>
-                    <a:lumOff val="15000"/>
-                  </a:schemeClr>
-                </a:solidFill>
-                <a:latin typeface="Noto Sans JP" panose="020B0200000000000000" pitchFamily="50" charset="-128"/>
-                <a:ea typeface="Noto Sans JP" panose="020B0200000000000000" pitchFamily="50" charset="-128"/>
-              </a:rPr>
-              <a:t>そこで何も処理しないことを明示するために </a:t>
-            </a:r>
-            <a:r>
-              <a:rPr kumimoji="1" lang="en-US" altLang="ja-JP" sz="2000" dirty="0">
-                <a:solidFill>
-                  <a:schemeClr val="tx1">
-                    <a:lumMod val="85000"/>
-                    <a:lumOff val="15000"/>
-                  </a:schemeClr>
-                </a:solidFill>
-                <a:latin typeface="Noto Sans JP" panose="020B0200000000000000" pitchFamily="50" charset="-128"/>
-                <a:ea typeface="Noto Sans JP" panose="020B0200000000000000" pitchFamily="50" charset="-128"/>
-              </a:rPr>
-              <a:t>pass </a:t>
-            </a:r>
-            <a:r>
-              <a:rPr kumimoji="1" lang="ja-JP" altLang="en-US" sz="2000" dirty="0">
-                <a:solidFill>
-                  <a:schemeClr val="tx1">
-                    <a:lumMod val="85000"/>
-                    <a:lumOff val="15000"/>
-                  </a:schemeClr>
-                </a:solidFill>
-                <a:latin typeface="Noto Sans JP" panose="020B0200000000000000" pitchFamily="50" charset="-128"/>
-                <a:ea typeface="Noto Sans JP" panose="020B0200000000000000" pitchFamily="50" charset="-128"/>
-              </a:rPr>
-              <a:t>を書いています。</a:t>
-            </a:r>
-          </a:p>
-        </p:txBody>
-      </p:sp>
-      <p:sp>
-        <p:nvSpPr>
-          <p:cNvPr id="12" name="正方形/長方形 11">
-            <a:extLst>
-              <a:ext uri="{FF2B5EF4-FFF2-40B4-BE49-F238E27FC236}">
-                <a16:creationId xmlns:a16="http://schemas.microsoft.com/office/drawing/2014/main" id="{D541DEF6-4CA8-A18D-227A-8430C197C5DF}"/>
-              </a:ext>
-            </a:extLst>
-          </p:cNvPr>
-          <p:cNvSpPr/>
-          <p:nvPr/>
-        </p:nvSpPr>
-        <p:spPr>
-          <a:xfrm>
-            <a:off x="12987835" y="5098381"/>
-            <a:ext cx="1406446" cy="498234"/>
-          </a:xfrm>
-          <a:prstGeom prst="rect">
-            <a:avLst/>
-          </a:prstGeom>
-          <a:solidFill>
-            <a:srgbClr val="0066FF"/>
-          </a:solidFill>
-          <a:ln>
-            <a:noFill/>
-          </a:ln>
-        </p:spPr>
-        <p:style>
-          <a:lnRef idx="2">
-            <a:schemeClr val="accent1">
-              <a:shade val="50000"/>
-            </a:schemeClr>
-          </a:lnRef>
-          <a:fillRef idx="1">
-            <a:schemeClr val="accent1"/>
-          </a:fillRef>
-          <a:effectRef idx="0">
-            <a:schemeClr val="accent1"/>
-          </a:effectRef>
-          <a:fontRef idx="minor">
-            <a:schemeClr val="lt1"/>
-          </a:fontRef>
-        </p:style>
-        <p:txBody>
-          <a:bodyPr rtlCol="0" anchor="ctr"/>
-          <a:lstStyle/>
-          <a:p>
-            <a:pPr algn="ctr"/>
-            <a:r>
-              <a:rPr kumimoji="1" lang="ja-JP" altLang="en-US" sz="2400" dirty="0">
-                <a:latin typeface="Noto Sans JP" panose="020B0200000000000000" pitchFamily="50" charset="-128"/>
-                <a:ea typeface="Noto Sans JP" panose="020B0200000000000000" pitchFamily="50" charset="-128"/>
-              </a:rPr>
-              <a:t>選択肢</a:t>
-            </a:r>
-          </a:p>
-        </p:txBody>
-      </p:sp>
-      <p:sp>
-        <p:nvSpPr>
-          <p:cNvPr id="24" name="矢印: 右 23">
-            <a:extLst>
-              <a:ext uri="{FF2B5EF4-FFF2-40B4-BE49-F238E27FC236}">
-                <a16:creationId xmlns:a16="http://schemas.microsoft.com/office/drawing/2014/main" id="{00AECF32-C14C-615C-DED7-C6A70C0F3667}"/>
-              </a:ext>
-            </a:extLst>
-          </p:cNvPr>
-          <p:cNvSpPr/>
-          <p:nvPr/>
-        </p:nvSpPr>
-        <p:spPr>
-          <a:xfrm rot="2566139">
-            <a:off x="2252603" y="5895948"/>
-            <a:ext cx="2832844" cy="216000"/>
-          </a:xfrm>
-          <a:prstGeom prst="rightArrow">
-            <a:avLst/>
-          </a:prstGeom>
-          <a:solidFill>
-            <a:srgbClr val="FF0000"/>
-          </a:solidFill>
-          <a:ln>
-            <a:noFill/>
-          </a:ln>
-        </p:spPr>
-        <p:style>
-          <a:lnRef idx="2">
-            <a:schemeClr val="accent1">
-              <a:shade val="50000"/>
-            </a:schemeClr>
-          </a:lnRef>
-          <a:fillRef idx="1">
-            <a:schemeClr val="accent1"/>
-          </a:fillRef>
-          <a:effectRef idx="0">
-            <a:schemeClr val="accent1"/>
-          </a:effectRef>
-          <a:fontRef idx="minor">
-            <a:schemeClr val="lt1"/>
-          </a:fontRef>
-        </p:style>
-        <p:txBody>
-          <a:bodyPr rtlCol="0" anchor="ctr"/>
-          <a:lstStyle/>
-          <a:p>
-            <a:pPr algn="ctr"/>
-            <a:endParaRPr kumimoji="1" lang="ja-JP" altLang="en-US" sz="4050"/>
-          </a:p>
-        </p:txBody>
-      </p:sp>
-      <p:sp>
-        <p:nvSpPr>
-          <p:cNvPr id="25" name="テキスト ボックス 24">
-            <a:extLst>
-              <a:ext uri="{FF2B5EF4-FFF2-40B4-BE49-F238E27FC236}">
-                <a16:creationId xmlns:a16="http://schemas.microsoft.com/office/drawing/2014/main" id="{4A94B202-D1EF-6D47-45D1-985F22E15A48}"/>
-              </a:ext>
-            </a:extLst>
-          </p:cNvPr>
-          <p:cNvSpPr txBox="1"/>
-          <p:nvPr/>
-        </p:nvSpPr>
-        <p:spPr>
-          <a:xfrm>
-            <a:off x="4870935" y="6380571"/>
-            <a:ext cx="7943366" cy="2246769"/>
-          </a:xfrm>
-          <a:prstGeom prst="rect">
-            <a:avLst/>
-          </a:prstGeom>
-          <a:noFill/>
-          <a:ln>
-            <a:solidFill>
-              <a:srgbClr val="FF0000"/>
-            </a:solidFill>
-          </a:ln>
-        </p:spPr>
-        <p:txBody>
-          <a:bodyPr wrap="square" rtlCol="0">
-            <a:spAutoFit/>
-          </a:bodyPr>
-          <a:lstStyle/>
-          <a:p>
-            <a:r>
-              <a:rPr kumimoji="1" lang="en-US" altLang="ja-JP" sz="2000" dirty="0">
-                <a:solidFill>
-                  <a:schemeClr val="bg1"/>
-                </a:solidFill>
-                <a:highlight>
-                  <a:srgbClr val="FF0000"/>
-                </a:highlight>
-                <a:latin typeface="Noto Sans JP" panose="020B0200000000000000" pitchFamily="50" charset="-128"/>
-                <a:ea typeface="Noto Sans JP" panose="020B0200000000000000" pitchFamily="50" charset="-128"/>
-              </a:rPr>
-              <a:t>name: int </a:t>
-            </a:r>
-            <a:r>
-              <a:rPr kumimoji="1" lang="ja-JP" altLang="en-US" sz="2000" dirty="0">
-                <a:solidFill>
-                  <a:schemeClr val="tx1">
-                    <a:lumMod val="85000"/>
-                    <a:lumOff val="15000"/>
-                  </a:schemeClr>
-                </a:solidFill>
-                <a:latin typeface="Noto Sans JP" panose="020B0200000000000000" pitchFamily="50" charset="-128"/>
-                <a:ea typeface="Noto Sans JP" panose="020B0200000000000000" pitchFamily="50" charset="-128"/>
-              </a:rPr>
-              <a:t>は 関数の引数の型アノテーション（型ヒント） です。</a:t>
-            </a:r>
-          </a:p>
-          <a:p>
-            <a:endParaRPr kumimoji="1" lang="ja-JP" altLang="en-US" sz="2000" dirty="0">
-              <a:solidFill>
-                <a:schemeClr val="tx1">
-                  <a:lumMod val="85000"/>
-                  <a:lumOff val="15000"/>
-                </a:schemeClr>
-              </a:solidFill>
-              <a:latin typeface="Noto Sans JP" panose="020B0200000000000000" pitchFamily="50" charset="-128"/>
-              <a:ea typeface="Noto Sans JP" panose="020B0200000000000000" pitchFamily="50" charset="-128"/>
-            </a:endParaRPr>
-          </a:p>
-          <a:p>
-            <a:r>
-              <a:rPr kumimoji="1" lang="ja-JP" altLang="en-US" sz="2000" dirty="0">
-                <a:solidFill>
-                  <a:schemeClr val="tx1">
-                    <a:lumMod val="85000"/>
-                    <a:lumOff val="15000"/>
-                  </a:schemeClr>
-                </a:solidFill>
-                <a:latin typeface="Noto Sans JP" panose="020B0200000000000000" pitchFamily="50" charset="-128"/>
-                <a:ea typeface="Noto Sans JP" panose="020B0200000000000000" pitchFamily="50" charset="-128"/>
-              </a:rPr>
-              <a:t>「</a:t>
-            </a:r>
-            <a:r>
-              <a:rPr kumimoji="1" lang="en-US" altLang="ja-JP" sz="2000" dirty="0">
-                <a:solidFill>
-                  <a:schemeClr val="tx1">
-                    <a:lumMod val="85000"/>
-                    <a:lumOff val="15000"/>
-                  </a:schemeClr>
-                </a:solidFill>
-                <a:latin typeface="Noto Sans JP" panose="020B0200000000000000" pitchFamily="50" charset="-128"/>
-                <a:ea typeface="Noto Sans JP" panose="020B0200000000000000" pitchFamily="50" charset="-128"/>
-              </a:rPr>
-              <a:t>name </a:t>
-            </a:r>
-            <a:r>
-              <a:rPr kumimoji="1" lang="ja-JP" altLang="en-US" sz="2000" dirty="0">
-                <a:solidFill>
-                  <a:schemeClr val="tx1">
-                    <a:lumMod val="85000"/>
-                    <a:lumOff val="15000"/>
-                  </a:schemeClr>
-                </a:solidFill>
-                <a:latin typeface="Noto Sans JP" panose="020B0200000000000000" pitchFamily="50" charset="-128"/>
-                <a:ea typeface="Noto Sans JP" panose="020B0200000000000000" pitchFamily="50" charset="-128"/>
-              </a:rPr>
-              <a:t>は </a:t>
-            </a:r>
-            <a:r>
-              <a:rPr kumimoji="1" lang="en-US" altLang="ja-JP" sz="2000" dirty="0">
-                <a:solidFill>
-                  <a:schemeClr val="tx1">
-                    <a:lumMod val="85000"/>
-                    <a:lumOff val="15000"/>
-                  </a:schemeClr>
-                </a:solidFill>
-                <a:latin typeface="Noto Sans JP" panose="020B0200000000000000" pitchFamily="50" charset="-128"/>
-                <a:ea typeface="Noto Sans JP" panose="020B0200000000000000" pitchFamily="50" charset="-128"/>
-              </a:rPr>
-              <a:t>int </a:t>
-            </a:r>
-            <a:r>
-              <a:rPr kumimoji="1" lang="ja-JP" altLang="en-US" sz="2000" dirty="0">
-                <a:solidFill>
-                  <a:schemeClr val="tx1">
-                    <a:lumMod val="85000"/>
-                    <a:lumOff val="15000"/>
-                  </a:schemeClr>
-                </a:solidFill>
-                <a:latin typeface="Noto Sans JP" panose="020B0200000000000000" pitchFamily="50" charset="-128"/>
-                <a:ea typeface="Noto Sans JP" panose="020B0200000000000000" pitchFamily="50" charset="-128"/>
-              </a:rPr>
-              <a:t>型（整数型）であるべき」という意味を示しています。</a:t>
-            </a:r>
-          </a:p>
-          <a:p>
-            <a:endParaRPr kumimoji="1" lang="ja-JP" altLang="en-US" sz="2000" dirty="0">
-              <a:solidFill>
-                <a:schemeClr val="tx1">
-                  <a:lumMod val="85000"/>
-                  <a:lumOff val="15000"/>
-                </a:schemeClr>
-              </a:solidFill>
-              <a:latin typeface="Noto Sans JP" panose="020B0200000000000000" pitchFamily="50" charset="-128"/>
-              <a:ea typeface="Noto Sans JP" panose="020B0200000000000000" pitchFamily="50" charset="-128"/>
-            </a:endParaRPr>
-          </a:p>
-          <a:p>
-            <a:r>
-              <a:rPr kumimoji="1" lang="ja-JP" altLang="en-US" sz="2000" dirty="0">
-                <a:solidFill>
-                  <a:schemeClr val="tx1">
-                    <a:lumMod val="85000"/>
-                    <a:lumOff val="15000"/>
-                  </a:schemeClr>
-                </a:solidFill>
-                <a:latin typeface="Noto Sans JP" panose="020B0200000000000000" pitchFamily="50" charset="-128"/>
-                <a:ea typeface="Noto Sans JP" panose="020B0200000000000000" pitchFamily="50" charset="-128"/>
-              </a:rPr>
-              <a:t>これは実行時に動作に影響を与えるわけではなく、あくまで読みやすさや静的解析のための情報です。</a:t>
-            </a:r>
-          </a:p>
-        </p:txBody>
-      </p:sp>
-    </p:spTree>
-    <p:extLst>
-      <p:ext uri="{BB962C8B-B14F-4D97-AF65-F5344CB8AC3E}">
-        <p14:creationId xmlns:p14="http://schemas.microsoft.com/office/powerpoint/2010/main" val="2993871398"/>
-      </p:ext>
-    </p:extLst>
-  </p:cSld>
-  <p:clrMapOvr>
-    <a:masterClrMapping/>
-  </p:clrMapOvr>
-  <p:timing>
-    <p:tnLst>
-      <p:par>
-        <p:cTn id="1" dur="indefinite" restart="never" nodeType="tmRoot">
-          <p:childTnLst>
-            <p:seq concurrent="1" nextAc="seek">
-              <p:cTn id="2" dur="indefinite" nodeType="mainSeq">
-                <p:childTnLst>
-                  <p:par>
-                    <p:cTn id="3" fill="hold">
-                      <p:stCondLst>
-                        <p:cond delay="indefinite"/>
-                      </p:stCondLst>
-                      <p:childTnLst>
-                        <p:par>
-                          <p:cTn id="4" fill="hold">
-                            <p:stCondLst>
-                              <p:cond delay="0"/>
-                            </p:stCondLst>
-                            <p:childTnLst>
-                              <p:par>
-                                <p:cTn id="5" presetID="1" presetClass="entr" presetSubtype="0" fill="hold" grpId="0" nodeType="clickEffect">
-                                  <p:stCondLst>
-                                    <p:cond delay="0"/>
-                                  </p:stCondLst>
-                                  <p:childTnLst>
-                                    <p:set>
-                                      <p:cBhvr>
-                                        <p:cTn id="6" dur="1" fill="hold">
-                                          <p:stCondLst>
-                                            <p:cond delay="0"/>
-                                          </p:stCondLst>
-                                        </p:cTn>
-                                        <p:tgtEl>
-                                          <p:spTgt spid="18"/>
-                                        </p:tgtEl>
-                                        <p:attrNameLst>
-                                          <p:attrName>style.visibility</p:attrName>
-                                        </p:attrNameLst>
-                                      </p:cBhvr>
-                                      <p:to>
-                                        <p:strVal val="visible"/>
-                                      </p:to>
-                                    </p:set>
-                                  </p:childTnLst>
-                                </p:cTn>
-                              </p:par>
-                              <p:par>
-                                <p:cTn id="7" presetID="1" presetClass="entr" presetSubtype="0" fill="hold" grpId="0" nodeType="withEffect">
-                                  <p:stCondLst>
-                                    <p:cond delay="0"/>
-                                  </p:stCondLst>
-                                  <p:childTnLst>
-                                    <p:set>
-                                      <p:cBhvr>
-                                        <p:cTn id="8" dur="1" fill="hold">
-                                          <p:stCondLst>
-                                            <p:cond delay="0"/>
-                                          </p:stCondLst>
-                                        </p:cTn>
-                                        <p:tgtEl>
-                                          <p:spTgt spid="19"/>
-                                        </p:tgtEl>
-                                        <p:attrNameLst>
-                                          <p:attrName>style.visibility</p:attrName>
-                                        </p:attrNameLst>
-                                      </p:cBhvr>
-                                      <p:to>
-                                        <p:strVal val="visible"/>
-                                      </p:to>
-                                    </p:set>
-                                  </p:childTnLst>
-                                </p:cTn>
-                              </p:par>
-                              <p:par>
-                                <p:cTn id="9" presetID="1" presetClass="entr" presetSubtype="0" fill="hold" grpId="0" nodeType="withEffect">
-                                  <p:stCondLst>
-                                    <p:cond delay="0"/>
-                                  </p:stCondLst>
-                                  <p:childTnLst>
-                                    <p:set>
-                                      <p:cBhvr>
-                                        <p:cTn id="10" dur="1" fill="hold">
-                                          <p:stCondLst>
-                                            <p:cond delay="0"/>
-                                          </p:stCondLst>
-                                        </p:cTn>
-                                        <p:tgtEl>
-                                          <p:spTgt spid="20"/>
-                                        </p:tgtEl>
-                                        <p:attrNameLst>
-                                          <p:attrName>style.visibility</p:attrName>
-                                        </p:attrNameLst>
-                                      </p:cBhvr>
-                                      <p:to>
-                                        <p:strVal val="visible"/>
-                                      </p:to>
-                                    </p:set>
-                                  </p:childTnLst>
-                                </p:cTn>
-                              </p:par>
-                              <p:par>
-                                <p:cTn id="11" presetID="1" presetClass="entr" presetSubtype="0" fill="hold" grpId="0" nodeType="withEffect">
-                                  <p:stCondLst>
-                                    <p:cond delay="0"/>
-                                  </p:stCondLst>
-                                  <p:childTnLst>
-                                    <p:set>
-                                      <p:cBhvr>
-                                        <p:cTn id="12" dur="1" fill="hold">
-                                          <p:stCondLst>
-                                            <p:cond delay="0"/>
-                                          </p:stCondLst>
-                                        </p:cTn>
-                                        <p:tgtEl>
-                                          <p:spTgt spid="13"/>
-                                        </p:tgtEl>
-                                        <p:attrNameLst>
-                                          <p:attrName>style.visibility</p:attrName>
-                                        </p:attrNameLst>
-                                      </p:cBhvr>
-                                      <p:to>
-                                        <p:strVal val="visible"/>
-                                      </p:to>
-                                    </p:set>
-                                  </p:childTnLst>
-                                </p:cTn>
-                              </p:par>
-                              <p:par>
-                                <p:cTn id="13" presetID="1" presetClass="entr" presetSubtype="0" fill="hold" grpId="0" nodeType="withEffect">
-                                  <p:stCondLst>
-                                    <p:cond delay="0"/>
-                                  </p:stCondLst>
-                                  <p:childTnLst>
-                                    <p:set>
-                                      <p:cBhvr>
-                                        <p:cTn id="14" dur="1" fill="hold">
-                                          <p:stCondLst>
-                                            <p:cond delay="0"/>
-                                          </p:stCondLst>
-                                        </p:cTn>
-                                        <p:tgtEl>
-                                          <p:spTgt spid="22"/>
-                                        </p:tgtEl>
-                                        <p:attrNameLst>
-                                          <p:attrName>style.visibility</p:attrName>
-                                        </p:attrNameLst>
-                                      </p:cBhvr>
-                                      <p:to>
-                                        <p:strVal val="visible"/>
-                                      </p:to>
-                                    </p:set>
-                                  </p:childTnLst>
-                                </p:cTn>
-                              </p:par>
-                              <p:par>
-                                <p:cTn id="15" presetID="1" presetClass="entr" presetSubtype="0" fill="hold" grpId="0" nodeType="withEffect">
-                                  <p:stCondLst>
-                                    <p:cond delay="0"/>
-                                  </p:stCondLst>
-                                  <p:childTnLst>
-                                    <p:set>
-                                      <p:cBhvr>
-                                        <p:cTn id="16" dur="1" fill="hold">
-                                          <p:stCondLst>
-                                            <p:cond delay="0"/>
-                                          </p:stCondLst>
-                                        </p:cTn>
-                                        <p:tgtEl>
-                                          <p:spTgt spid="23"/>
-                                        </p:tgtEl>
-                                        <p:attrNameLst>
-                                          <p:attrName>style.visibility</p:attrName>
-                                        </p:attrNameLst>
-                                      </p:cBhvr>
-                                      <p:to>
-                                        <p:strVal val="visible"/>
-                                      </p:to>
-                                    </p:set>
-                                  </p:childTnLst>
-                                </p:cTn>
-                              </p:par>
-                              <p:par>
-                                <p:cTn id="17" presetID="1" presetClass="entr" presetSubtype="0" fill="hold" grpId="0" nodeType="withEffect">
-                                  <p:stCondLst>
-                                    <p:cond delay="0"/>
-                                  </p:stCondLst>
-                                  <p:childTnLst>
-                                    <p:set>
-                                      <p:cBhvr>
-                                        <p:cTn id="18" dur="1" fill="hold">
-                                          <p:stCondLst>
-                                            <p:cond delay="0"/>
-                                          </p:stCondLst>
-                                        </p:cTn>
-                                        <p:tgtEl>
-                                          <p:spTgt spid="16"/>
-                                        </p:tgtEl>
-                                        <p:attrNameLst>
-                                          <p:attrName>style.visibility</p:attrName>
-                                        </p:attrNameLst>
-                                      </p:cBhvr>
-                                      <p:to>
-                                        <p:strVal val="visible"/>
-                                      </p:to>
-                                    </p:set>
-                                  </p:childTnLst>
-                                </p:cTn>
-                              </p:par>
-                              <p:par>
-                                <p:cTn id="19" presetID="1" presetClass="entr" presetSubtype="0" fill="hold" grpId="0" nodeType="withEffect">
-                                  <p:stCondLst>
-                                    <p:cond delay="0"/>
-                                  </p:stCondLst>
-                                  <p:childTnLst>
-                                    <p:set>
-                                      <p:cBhvr>
-                                        <p:cTn id="20" dur="1" fill="hold">
-                                          <p:stCondLst>
-                                            <p:cond delay="0"/>
-                                          </p:stCondLst>
-                                        </p:cTn>
-                                        <p:tgtEl>
-                                          <p:spTgt spid="24"/>
-                                        </p:tgtEl>
-                                        <p:attrNameLst>
-                                          <p:attrName>style.visibility</p:attrName>
-                                        </p:attrNameLst>
-                                      </p:cBhvr>
-                                      <p:to>
-                                        <p:strVal val="visible"/>
-                                      </p:to>
-                                    </p:set>
-                                  </p:childTnLst>
-                                </p:cTn>
-                              </p:par>
-                              <p:par>
-                                <p:cTn id="21" presetID="1" presetClass="entr" presetSubtype="0" fill="hold" grpId="0" nodeType="withEffect">
-                                  <p:stCondLst>
-                                    <p:cond delay="0"/>
-                                  </p:stCondLst>
-                                  <p:childTnLst>
-                                    <p:set>
-                                      <p:cBhvr>
-                                        <p:cTn id="22" dur="1" fill="hold">
-                                          <p:stCondLst>
-                                            <p:cond delay="0"/>
-                                          </p:stCondLst>
-                                        </p:cTn>
-                                        <p:tgtEl>
-                                          <p:spTgt spid="25"/>
-                                        </p:tgtEl>
-                                        <p:attrNameLst>
-                                          <p:attrName>style.visibility</p:attrName>
-                                        </p:attrNameLst>
-                                      </p:cBhvr>
-                                      <p:to>
-                                        <p:strVal val="visible"/>
-                                      </p:to>
-                                    </p:set>
-                                  </p:childTnLst>
-                                </p:cTn>
-                              </p:par>
-                            </p:childTnLst>
-                          </p:cTn>
-                        </p:par>
-                      </p:childTnLst>
-                    </p:cTn>
-                  </p:par>
-                </p:childTnLst>
-              </p:cTn>
-              <p:prevCondLst>
-                <p:cond evt="onPrev" delay="0">
-                  <p:tgtEl>
-                    <p:sldTgt/>
-                  </p:tgtEl>
-                </p:cond>
-              </p:prevCondLst>
-              <p:nextCondLst>
-                <p:cond evt="onNext" delay="0">
-                  <p:tgtEl>
-                    <p:sldTgt/>
-                  </p:tgtEl>
-                </p:cond>
-              </p:nextCondLst>
-            </p:seq>
-          </p:childTnLst>
-        </p:cTn>
-      </p:par>
-    </p:tnLst>
-    <p:bldLst>
-      <p:bldP spid="13" grpId="0" animBg="1"/>
-      <p:bldP spid="16" grpId="0" animBg="1"/>
-      <p:bldP spid="18" grpId="0" animBg="1"/>
-      <p:bldP spid="19" grpId="0" animBg="1"/>
-      <p:bldP spid="20" grpId="0" animBg="1"/>
-      <p:bldP spid="22" grpId="0" animBg="1"/>
-      <p:bldP spid="23" grpId="0" animBg="1"/>
-      <p:bldP spid="24" grpId="0" animBg="1"/>
-      <p:bldP spid="25" grpId="0" animBg="1"/>
-    </p:bldLst>
-  </p:timing>
 </p:sld>
 </file>
 

--- a/primestudy/【TK_Edit】Prime_Study_02.pptx
+++ b/primestudy/【TK_Edit】Prime_Study_02.pptx
@@ -6,29 +6,31 @@
     <p:sldMasterId id="2147483660" r:id="rId2"/>
   </p:sldMasterIdLst>
   <p:notesMasterIdLst>
-    <p:notesMasterId r:id="rId20"/>
+    <p:notesMasterId r:id="rId22"/>
   </p:notesMasterIdLst>
   <p:handoutMasterIdLst>
-    <p:handoutMasterId r:id="rId21"/>
+    <p:handoutMasterId r:id="rId23"/>
   </p:handoutMasterIdLst>
   <p:sldIdLst>
     <p:sldId id="300" r:id="rId3"/>
     <p:sldId id="301" r:id="rId4"/>
-    <p:sldId id="302" r:id="rId5"/>
-    <p:sldId id="303" r:id="rId6"/>
-    <p:sldId id="304" r:id="rId7"/>
-    <p:sldId id="306" r:id="rId8"/>
-    <p:sldId id="318" r:id="rId9"/>
-    <p:sldId id="307" r:id="rId10"/>
-    <p:sldId id="309" r:id="rId11"/>
-    <p:sldId id="310" r:id="rId12"/>
-    <p:sldId id="311" r:id="rId13"/>
-    <p:sldId id="312" r:id="rId14"/>
-    <p:sldId id="313" r:id="rId15"/>
-    <p:sldId id="314" r:id="rId16"/>
-    <p:sldId id="315" r:id="rId17"/>
-    <p:sldId id="316" r:id="rId18"/>
-    <p:sldId id="317" r:id="rId19"/>
+    <p:sldId id="319" r:id="rId5"/>
+    <p:sldId id="320" r:id="rId6"/>
+    <p:sldId id="302" r:id="rId7"/>
+    <p:sldId id="303" r:id="rId8"/>
+    <p:sldId id="304" r:id="rId9"/>
+    <p:sldId id="306" r:id="rId10"/>
+    <p:sldId id="318" r:id="rId11"/>
+    <p:sldId id="307" r:id="rId12"/>
+    <p:sldId id="309" r:id="rId13"/>
+    <p:sldId id="310" r:id="rId14"/>
+    <p:sldId id="311" r:id="rId15"/>
+    <p:sldId id="312" r:id="rId16"/>
+    <p:sldId id="313" r:id="rId17"/>
+    <p:sldId id="314" r:id="rId18"/>
+    <p:sldId id="315" r:id="rId19"/>
+    <p:sldId id="316" r:id="rId20"/>
+    <p:sldId id="317" r:id="rId21"/>
   </p:sldIdLst>
   <p:sldSz cx="18288000" cy="10287000"/>
   <p:notesSz cx="6858000" cy="9144000"/>
@@ -231,7 +233,7 @@
           <a:p>
             <a:fld id="{30DB6074-3ABC-45E1-B916-FEC97060DD13}" type="datetimeFigureOut">
               <a:rPr lang="en-US" smtClean="0"/>
-              <a:t>9/11/2025</a:t>
+              <a:t>2/13/2026</a:t>
             </a:fld>
             <a:endParaRPr lang="en-US"/>
           </a:p>
@@ -396,7 +398,7 @@
           <a:p>
             <a:fld id="{CFD09915-3BD3-4C61-BDA5-20689B9856F8}" type="datetimeFigureOut">
               <a:rPr lang="en-US" smtClean="0"/>
-              <a:t>9/11/2025</a:t>
+              <a:t>2/13/2026</a:t>
             </a:fld>
             <a:endParaRPr lang="en-US"/>
           </a:p>
@@ -11200,6 +11202,2000 @@
 </file>
 
 <file path=ppt/slides/slide10.xml><?xml version="1.0" encoding="utf-8"?>
+<p:sld xmlns:a="http://schemas.openxmlformats.org/drawingml/2006/main" xmlns:r="http://schemas.openxmlformats.org/officeDocument/2006/relationships" xmlns:p="http://schemas.openxmlformats.org/presentationml/2006/main">
+  <p:cSld>
+    <p:spTree>
+      <p:nvGrpSpPr>
+        <p:cNvPr id="1" name="">
+          <a:extLst>
+            <a:ext uri="{FF2B5EF4-FFF2-40B4-BE49-F238E27FC236}">
+              <a16:creationId xmlns:a16="http://schemas.microsoft.com/office/drawing/2014/main" id="{F2D7DAA7-F449-7DAB-51BF-3A7A58998874}"/>
+            </a:ext>
+          </a:extLst>
+        </p:cNvPr>
+        <p:cNvGrpSpPr/>
+        <p:nvPr/>
+      </p:nvGrpSpPr>
+      <p:grpSpPr>
+        <a:xfrm>
+          <a:off x="0" y="0"/>
+          <a:ext cx="0" cy="0"/>
+          <a:chOff x="0" y="0"/>
+          <a:chExt cx="0" cy="0"/>
+        </a:xfrm>
+      </p:grpSpPr>
+      <p:pic>
+        <p:nvPicPr>
+          <p:cNvPr id="7" name="図 6">
+            <a:extLst>
+              <a:ext uri="{FF2B5EF4-FFF2-40B4-BE49-F238E27FC236}">
+                <a16:creationId xmlns:a16="http://schemas.microsoft.com/office/drawing/2014/main" id="{59DEEB4C-B2C6-B161-F80E-43724F03DBD5}"/>
+              </a:ext>
+            </a:extLst>
+          </p:cNvPr>
+          <p:cNvPicPr>
+            <a:picLocks noChangeAspect="1"/>
+          </p:cNvPicPr>
+          <p:nvPr/>
+        </p:nvPicPr>
+        <p:blipFill>
+          <a:blip r:embed="rId2"/>
+          <a:stretch>
+            <a:fillRect/>
+          </a:stretch>
+        </p:blipFill>
+        <p:spPr>
+          <a:xfrm>
+            <a:off x="522775" y="1646056"/>
+            <a:ext cx="14645647" cy="7701144"/>
+          </a:xfrm>
+          <a:prstGeom prst="rect">
+            <a:avLst/>
+          </a:prstGeom>
+        </p:spPr>
+      </p:pic>
+      <p:sp>
+        <p:nvSpPr>
+          <p:cNvPr id="8" name="タイトル 7">
+            <a:extLst>
+              <a:ext uri="{FF2B5EF4-FFF2-40B4-BE49-F238E27FC236}">
+                <a16:creationId xmlns:a16="http://schemas.microsoft.com/office/drawing/2014/main" id="{34EE9D9F-1B05-875A-CDE6-3900C7CFE692}"/>
+              </a:ext>
+            </a:extLst>
+          </p:cNvPr>
+          <p:cNvSpPr>
+            <a:spLocks noGrp="1"/>
+          </p:cNvSpPr>
+          <p:nvPr>
+            <p:ph type="title"/>
+          </p:nvPr>
+        </p:nvSpPr>
+        <p:spPr>
+          <a:xfrm>
+            <a:off x="522775" y="348253"/>
+            <a:ext cx="17646914" cy="770016"/>
+          </a:xfrm>
+        </p:spPr>
+        <p:txBody>
+          <a:bodyPr/>
+          <a:lstStyle/>
+          <a:p>
+            <a:r>
+              <a:rPr lang="en-US" altLang="ja-JP" dirty="0">
+                <a:solidFill>
+                  <a:schemeClr val="bg1"/>
+                </a:solidFill>
+                <a:latin typeface="Noto Sans JP" panose="020B0200000000000000" pitchFamily="50" charset="-128"/>
+                <a:ea typeface="Noto Sans JP" panose="020B0200000000000000" pitchFamily="50" charset="-128"/>
+              </a:rPr>
+              <a:t>19.zip</a:t>
+            </a:r>
+            <a:r>
+              <a:rPr lang="ja-JP" altLang="en-US" dirty="0">
+                <a:solidFill>
+                  <a:schemeClr val="bg1"/>
+                </a:solidFill>
+                <a:latin typeface="Noto Sans JP" panose="020B0200000000000000" pitchFamily="50" charset="-128"/>
+                <a:ea typeface="Noto Sans JP" panose="020B0200000000000000" pitchFamily="50" charset="-128"/>
+              </a:rPr>
+              <a:t>とアンパック</a:t>
+            </a:r>
+          </a:p>
+        </p:txBody>
+      </p:sp>
+      <p:sp>
+        <p:nvSpPr>
+          <p:cNvPr id="3" name="フッター プレースホルダー 2">
+            <a:extLst>
+              <a:ext uri="{FF2B5EF4-FFF2-40B4-BE49-F238E27FC236}">
+                <a16:creationId xmlns:a16="http://schemas.microsoft.com/office/drawing/2014/main" id="{4648C3B8-E8CE-66BA-7D60-55EB77F885C6}"/>
+              </a:ext>
+            </a:extLst>
+          </p:cNvPr>
+          <p:cNvSpPr>
+            <a:spLocks noGrp="1"/>
+          </p:cNvSpPr>
+          <p:nvPr>
+            <p:ph type="ftr" sz="quarter" idx="10"/>
+          </p:nvPr>
+        </p:nvSpPr>
+        <p:spPr/>
+        <p:txBody>
+          <a:bodyPr/>
+          <a:lstStyle/>
+          <a:p>
+            <a:r>
+              <a:rPr lang="en-US" altLang="ja-JP" sz="2400" dirty="0">
+                <a:latin typeface="Noto Sans JP" panose="020B0200000000000000" pitchFamily="50" charset="-128"/>
+                <a:ea typeface="Noto Sans JP" panose="020B0200000000000000" pitchFamily="50" charset="-128"/>
+              </a:rPr>
+              <a:t>Prime Study </a:t>
+            </a:r>
+            <a:r>
+              <a:rPr lang="ja-JP" altLang="en-US" sz="2400" dirty="0">
+                <a:latin typeface="Noto Sans JP" panose="020B0200000000000000" pitchFamily="50" charset="-128"/>
+                <a:ea typeface="Noto Sans JP" panose="020B0200000000000000" pitchFamily="50" charset="-128"/>
+              </a:rPr>
+              <a:t>第</a:t>
+            </a:r>
+            <a:r>
+              <a:rPr lang="en-US" altLang="ja-JP" sz="2400" dirty="0">
+                <a:latin typeface="Noto Sans JP" panose="020B0200000000000000" pitchFamily="50" charset="-128"/>
+                <a:ea typeface="Noto Sans JP" panose="020B0200000000000000" pitchFamily="50" charset="-128"/>
+              </a:rPr>
+              <a:t>2</a:t>
+            </a:r>
+            <a:r>
+              <a:rPr lang="ja-JP" altLang="en-US" sz="2400" dirty="0">
+                <a:latin typeface="Noto Sans JP" panose="020B0200000000000000" pitchFamily="50" charset="-128"/>
+                <a:ea typeface="Noto Sans JP" panose="020B0200000000000000" pitchFamily="50" charset="-128"/>
+              </a:rPr>
+              <a:t>回</a:t>
+            </a:r>
+            <a:endParaRPr lang="en-US" altLang="ja-JP" sz="2400" dirty="0">
+              <a:latin typeface="Noto Sans JP" panose="020B0200000000000000" pitchFamily="50" charset="-128"/>
+              <a:ea typeface="Noto Sans JP" panose="020B0200000000000000" pitchFamily="50" charset="-128"/>
+            </a:endParaRPr>
+          </a:p>
+        </p:txBody>
+      </p:sp>
+      <p:sp>
+        <p:nvSpPr>
+          <p:cNvPr id="5" name="楕円 4">
+            <a:extLst>
+              <a:ext uri="{FF2B5EF4-FFF2-40B4-BE49-F238E27FC236}">
+                <a16:creationId xmlns:a16="http://schemas.microsoft.com/office/drawing/2014/main" id="{7D92B4DC-01BA-ED89-225B-391BFEFADACF}"/>
+              </a:ext>
+            </a:extLst>
+          </p:cNvPr>
+          <p:cNvSpPr/>
+          <p:nvPr/>
+        </p:nvSpPr>
+        <p:spPr>
+          <a:xfrm>
+            <a:off x="764094" y="5210342"/>
+            <a:ext cx="419100" cy="419100"/>
+          </a:xfrm>
+          <a:prstGeom prst="ellipse">
+            <a:avLst/>
+          </a:prstGeom>
+          <a:noFill/>
+          <a:ln w="38100">
+            <a:solidFill>
+              <a:srgbClr val="FF0000"/>
+            </a:solidFill>
+          </a:ln>
+        </p:spPr>
+        <p:style>
+          <a:lnRef idx="2">
+            <a:schemeClr val="accent1">
+              <a:shade val="50000"/>
+            </a:schemeClr>
+          </a:lnRef>
+          <a:fillRef idx="1">
+            <a:schemeClr val="accent1"/>
+          </a:fillRef>
+          <a:effectRef idx="0">
+            <a:schemeClr val="accent1"/>
+          </a:effectRef>
+          <a:fontRef idx="minor">
+            <a:schemeClr val="lt1"/>
+          </a:fontRef>
+        </p:style>
+        <p:txBody>
+          <a:bodyPr rtlCol="0" anchor="ctr"/>
+          <a:lstStyle/>
+          <a:p>
+            <a:pPr algn="ctr"/>
+            <a:endParaRPr kumimoji="1" lang="ja-JP" altLang="en-US" sz="4050"/>
+          </a:p>
+        </p:txBody>
+      </p:sp>
+      <p:sp>
+        <p:nvSpPr>
+          <p:cNvPr id="14" name="テキスト ボックス 13">
+            <a:extLst>
+              <a:ext uri="{FF2B5EF4-FFF2-40B4-BE49-F238E27FC236}">
+                <a16:creationId xmlns:a16="http://schemas.microsoft.com/office/drawing/2014/main" id="{2A54B988-C855-EA8B-D217-992AF03D5F21}"/>
+              </a:ext>
+            </a:extLst>
+          </p:cNvPr>
+          <p:cNvSpPr txBox="1"/>
+          <p:nvPr/>
+        </p:nvSpPr>
+        <p:spPr>
+          <a:xfrm>
+            <a:off x="6299200" y="2956807"/>
+            <a:ext cx="11288668" cy="1433777"/>
+          </a:xfrm>
+          <a:prstGeom prst="rect">
+            <a:avLst/>
+          </a:prstGeom>
+          <a:solidFill>
+            <a:srgbClr val="1F1F1F"/>
+          </a:solidFill>
+        </p:spPr>
+        <p:txBody>
+          <a:bodyPr wrap="none" rtlCol="0" anchor="ctr">
+            <a:spAutoFit/>
+          </a:bodyPr>
+          <a:lstStyle/>
+          <a:p>
+            <a:r>
+              <a:rPr kumimoji="1" lang="ja-JP" altLang="en-US" sz="3200" b="1" dirty="0">
+                <a:solidFill>
+                  <a:schemeClr val="bg1"/>
+                </a:solidFill>
+                <a:latin typeface="+mj-lt"/>
+                <a:ea typeface="A-OTF Shin Go Pro L" panose="020B0300000000000000" pitchFamily="34" charset="-128"/>
+              </a:rPr>
+              <a:t>*</a:t>
+            </a:r>
+            <a:r>
+              <a:rPr kumimoji="1" lang="en-US" altLang="ja-JP" sz="3200" b="1" dirty="0">
+                <a:solidFill>
+                  <a:schemeClr val="bg1"/>
+                </a:solidFill>
+                <a:latin typeface="+mj-lt"/>
+                <a:ea typeface="A-OTF Shin Go Pro L" panose="020B0300000000000000" pitchFamily="34" charset="-128"/>
+              </a:rPr>
+              <a:t>matrix </a:t>
+            </a:r>
+            <a:r>
+              <a:rPr kumimoji="1" lang="ja-JP" altLang="en-US" sz="3200" b="1" dirty="0">
+                <a:solidFill>
+                  <a:schemeClr val="bg1"/>
+                </a:solidFill>
+                <a:latin typeface="+mj-lt"/>
+                <a:ea typeface="A-OTF Shin Go Pro L" panose="020B0300000000000000" pitchFamily="34" charset="-128"/>
+              </a:rPr>
+              <a:t>があると → 「列ごと」になる（転置の形）</a:t>
+            </a:r>
+          </a:p>
+          <a:p>
+            <a:r>
+              <a:rPr kumimoji="1" lang="ja-JP" altLang="en-US" sz="3200" b="1" dirty="0">
+                <a:solidFill>
+                  <a:schemeClr val="bg1"/>
+                </a:solidFill>
+                <a:latin typeface="+mj-lt"/>
+                <a:ea typeface="A-OTF Shin Go Pro L" panose="020B0300000000000000" pitchFamily="34" charset="-128"/>
+              </a:rPr>
+              <a:t> </a:t>
+            </a:r>
+            <a:r>
+              <a:rPr kumimoji="1" lang="en-US" altLang="ja-JP" sz="3200" b="1" dirty="0">
+                <a:solidFill>
+                  <a:schemeClr val="bg1"/>
+                </a:solidFill>
+                <a:latin typeface="+mj-lt"/>
+                <a:ea typeface="A-OTF Shin Go Pro L" panose="020B0300000000000000" pitchFamily="34" charset="-128"/>
+              </a:rPr>
+              <a:t>matrix </a:t>
+            </a:r>
+            <a:r>
+              <a:rPr kumimoji="1" lang="ja-JP" altLang="en-US" sz="3200" b="1" dirty="0">
+                <a:solidFill>
+                  <a:schemeClr val="bg1"/>
+                </a:solidFill>
+                <a:latin typeface="+mj-lt"/>
+                <a:ea typeface="A-OTF Shin Go Pro L" panose="020B0300000000000000" pitchFamily="34" charset="-128"/>
+              </a:rPr>
+              <a:t>のみだと → 「行ごと」になる（一要素タプル化）</a:t>
+            </a:r>
+          </a:p>
+        </p:txBody>
+      </p:sp>
+    </p:spTree>
+    <p:extLst>
+      <p:ext uri="{BB962C8B-B14F-4D97-AF65-F5344CB8AC3E}">
+        <p14:creationId xmlns:p14="http://schemas.microsoft.com/office/powerpoint/2010/main" val="3881868697"/>
+      </p:ext>
+    </p:extLst>
+  </p:cSld>
+  <p:clrMapOvr>
+    <a:masterClrMapping/>
+  </p:clrMapOvr>
+</p:sld>
+</file>
+
+<file path=ppt/slides/slide11.xml><?xml version="1.0" encoding="utf-8"?>
+<p:sld xmlns:a="http://schemas.openxmlformats.org/drawingml/2006/main" xmlns:r="http://schemas.openxmlformats.org/officeDocument/2006/relationships" xmlns:p="http://schemas.openxmlformats.org/presentationml/2006/main">
+  <p:cSld>
+    <p:spTree>
+      <p:nvGrpSpPr>
+        <p:cNvPr id="1" name="">
+          <a:extLst>
+            <a:ext uri="{FF2B5EF4-FFF2-40B4-BE49-F238E27FC236}">
+              <a16:creationId xmlns:a16="http://schemas.microsoft.com/office/drawing/2014/main" id="{269BBBCF-6B05-9D74-EC7C-5A575E57D714}"/>
+            </a:ext>
+          </a:extLst>
+        </p:cNvPr>
+        <p:cNvGrpSpPr/>
+        <p:nvPr/>
+      </p:nvGrpSpPr>
+      <p:grpSpPr>
+        <a:xfrm>
+          <a:off x="0" y="0"/>
+          <a:ext cx="0" cy="0"/>
+          <a:chOff x="0" y="0"/>
+          <a:chExt cx="0" cy="0"/>
+        </a:xfrm>
+      </p:grpSpPr>
+      <p:sp>
+        <p:nvSpPr>
+          <p:cNvPr id="8" name="タイトル 7">
+            <a:extLst>
+              <a:ext uri="{FF2B5EF4-FFF2-40B4-BE49-F238E27FC236}">
+                <a16:creationId xmlns:a16="http://schemas.microsoft.com/office/drawing/2014/main" id="{4EFC323A-7E68-8CC9-791B-3EBC2B1FF8C3}"/>
+              </a:ext>
+            </a:extLst>
+          </p:cNvPr>
+          <p:cNvSpPr>
+            <a:spLocks noGrp="1"/>
+          </p:cNvSpPr>
+          <p:nvPr>
+            <p:ph type="title"/>
+          </p:nvPr>
+        </p:nvSpPr>
+        <p:spPr>
+          <a:xfrm>
+            <a:off x="522775" y="348253"/>
+            <a:ext cx="17646914" cy="770016"/>
+          </a:xfrm>
+        </p:spPr>
+        <p:txBody>
+          <a:bodyPr/>
+          <a:lstStyle/>
+          <a:p>
+            <a:r>
+              <a:rPr lang="en-US" altLang="ja-JP" dirty="0">
+                <a:solidFill>
+                  <a:schemeClr val="bg1"/>
+                </a:solidFill>
+                <a:latin typeface="Noto Sans JP" panose="020B0200000000000000" pitchFamily="50" charset="-128"/>
+                <a:ea typeface="Noto Sans JP" panose="020B0200000000000000" pitchFamily="50" charset="-128"/>
+              </a:rPr>
+              <a:t>31.</a:t>
+            </a:r>
+            <a:r>
+              <a:rPr lang="ja-JP" altLang="en-US" dirty="0">
+                <a:solidFill>
+                  <a:schemeClr val="bg1"/>
+                </a:solidFill>
+                <a:latin typeface="Noto Sans JP" panose="020B0200000000000000" pitchFamily="50" charset="-128"/>
+                <a:ea typeface="Noto Sans JP" panose="020B0200000000000000" pitchFamily="50" charset="-128"/>
+              </a:rPr>
+              <a:t>例外送出</a:t>
+            </a:r>
+          </a:p>
+        </p:txBody>
+      </p:sp>
+      <p:sp>
+        <p:nvSpPr>
+          <p:cNvPr id="3" name="フッター プレースホルダー 2">
+            <a:extLst>
+              <a:ext uri="{FF2B5EF4-FFF2-40B4-BE49-F238E27FC236}">
+                <a16:creationId xmlns:a16="http://schemas.microsoft.com/office/drawing/2014/main" id="{577CACBC-0A10-F3A1-A881-430901C030CF}"/>
+              </a:ext>
+            </a:extLst>
+          </p:cNvPr>
+          <p:cNvSpPr>
+            <a:spLocks noGrp="1"/>
+          </p:cNvSpPr>
+          <p:nvPr>
+            <p:ph type="ftr" sz="quarter" idx="10"/>
+          </p:nvPr>
+        </p:nvSpPr>
+        <p:spPr/>
+        <p:txBody>
+          <a:bodyPr/>
+          <a:lstStyle/>
+          <a:p>
+            <a:r>
+              <a:rPr lang="en-US" altLang="ja-JP" sz="2400" dirty="0">
+                <a:latin typeface="Noto Sans JP" panose="020B0200000000000000" pitchFamily="50" charset="-128"/>
+                <a:ea typeface="Noto Sans JP" panose="020B0200000000000000" pitchFamily="50" charset="-128"/>
+              </a:rPr>
+              <a:t>Prime Study </a:t>
+            </a:r>
+            <a:r>
+              <a:rPr lang="ja-JP" altLang="en-US" sz="2400" dirty="0">
+                <a:latin typeface="Noto Sans JP" panose="020B0200000000000000" pitchFamily="50" charset="-128"/>
+                <a:ea typeface="Noto Sans JP" panose="020B0200000000000000" pitchFamily="50" charset="-128"/>
+              </a:rPr>
+              <a:t>第</a:t>
+            </a:r>
+            <a:r>
+              <a:rPr lang="en-US" altLang="ja-JP" sz="2400" dirty="0">
+                <a:latin typeface="Noto Sans JP" panose="020B0200000000000000" pitchFamily="50" charset="-128"/>
+                <a:ea typeface="Noto Sans JP" panose="020B0200000000000000" pitchFamily="50" charset="-128"/>
+              </a:rPr>
+              <a:t>2</a:t>
+            </a:r>
+            <a:r>
+              <a:rPr lang="ja-JP" altLang="en-US" sz="2400" dirty="0">
+                <a:latin typeface="Noto Sans JP" panose="020B0200000000000000" pitchFamily="50" charset="-128"/>
+                <a:ea typeface="Noto Sans JP" panose="020B0200000000000000" pitchFamily="50" charset="-128"/>
+              </a:rPr>
+              <a:t>回</a:t>
+            </a:r>
+            <a:endParaRPr lang="en-US" altLang="ja-JP" sz="2400" dirty="0">
+              <a:latin typeface="Noto Sans JP" panose="020B0200000000000000" pitchFamily="50" charset="-128"/>
+              <a:ea typeface="Noto Sans JP" panose="020B0200000000000000" pitchFamily="50" charset="-128"/>
+            </a:endParaRPr>
+          </a:p>
+        </p:txBody>
+      </p:sp>
+      <p:sp>
+        <p:nvSpPr>
+          <p:cNvPr id="5" name="楕円 4">
+            <a:extLst>
+              <a:ext uri="{FF2B5EF4-FFF2-40B4-BE49-F238E27FC236}">
+                <a16:creationId xmlns:a16="http://schemas.microsoft.com/office/drawing/2014/main" id="{B3D131AB-BC46-0BDC-3DB4-EF8156B8559F}"/>
+              </a:ext>
+            </a:extLst>
+          </p:cNvPr>
+          <p:cNvSpPr/>
+          <p:nvPr/>
+        </p:nvSpPr>
+        <p:spPr>
+          <a:xfrm>
+            <a:off x="764094" y="5210342"/>
+            <a:ext cx="419100" cy="419100"/>
+          </a:xfrm>
+          <a:prstGeom prst="ellipse">
+            <a:avLst/>
+          </a:prstGeom>
+          <a:noFill/>
+          <a:ln w="38100">
+            <a:solidFill>
+              <a:srgbClr val="FF0000"/>
+            </a:solidFill>
+          </a:ln>
+        </p:spPr>
+        <p:style>
+          <a:lnRef idx="2">
+            <a:schemeClr val="accent1">
+              <a:shade val="50000"/>
+            </a:schemeClr>
+          </a:lnRef>
+          <a:fillRef idx="1">
+            <a:schemeClr val="accent1"/>
+          </a:fillRef>
+          <a:effectRef idx="0">
+            <a:schemeClr val="accent1"/>
+          </a:effectRef>
+          <a:fontRef idx="minor">
+            <a:schemeClr val="lt1"/>
+          </a:fontRef>
+        </p:style>
+        <p:txBody>
+          <a:bodyPr rtlCol="0" anchor="ctr"/>
+          <a:lstStyle/>
+          <a:p>
+            <a:pPr algn="ctr"/>
+            <a:endParaRPr kumimoji="1" lang="ja-JP" altLang="en-US" sz="4050"/>
+          </a:p>
+        </p:txBody>
+      </p:sp>
+      <p:pic>
+        <p:nvPicPr>
+          <p:cNvPr id="17" name="図 16">
+            <a:extLst>
+              <a:ext uri="{FF2B5EF4-FFF2-40B4-BE49-F238E27FC236}">
+                <a16:creationId xmlns:a16="http://schemas.microsoft.com/office/drawing/2014/main" id="{047B9161-3EC1-C43E-77EF-D11431B796DA}"/>
+              </a:ext>
+            </a:extLst>
+          </p:cNvPr>
+          <p:cNvPicPr>
+            <a:picLocks noChangeAspect="1"/>
+          </p:cNvPicPr>
+          <p:nvPr/>
+        </p:nvPicPr>
+        <p:blipFill>
+          <a:blip r:embed="rId2"/>
+          <a:stretch>
+            <a:fillRect/>
+          </a:stretch>
+        </p:blipFill>
+        <p:spPr>
+          <a:xfrm>
+            <a:off x="522775" y="1562036"/>
+            <a:ext cx="15146864" cy="914528"/>
+          </a:xfrm>
+          <a:prstGeom prst="rect">
+            <a:avLst/>
+          </a:prstGeom>
+        </p:spPr>
+      </p:pic>
+      <p:pic>
+        <p:nvPicPr>
+          <p:cNvPr id="4" name="図 3">
+            <a:extLst>
+              <a:ext uri="{FF2B5EF4-FFF2-40B4-BE49-F238E27FC236}">
+                <a16:creationId xmlns:a16="http://schemas.microsoft.com/office/drawing/2014/main" id="{C3830470-C6EF-DC01-66B1-26020BDDB9E9}"/>
+              </a:ext>
+            </a:extLst>
+          </p:cNvPr>
+          <p:cNvPicPr>
+            <a:picLocks noChangeAspect="1"/>
+          </p:cNvPicPr>
+          <p:nvPr/>
+        </p:nvPicPr>
+        <p:blipFill>
+          <a:blip r:embed="rId3"/>
+          <a:stretch>
+            <a:fillRect/>
+          </a:stretch>
+        </p:blipFill>
+        <p:spPr>
+          <a:xfrm>
+            <a:off x="522775" y="2476564"/>
+            <a:ext cx="15146864" cy="7375351"/>
+          </a:xfrm>
+          <a:prstGeom prst="rect">
+            <a:avLst/>
+          </a:prstGeom>
+        </p:spPr>
+      </p:pic>
+      <p:pic>
+        <p:nvPicPr>
+          <p:cNvPr id="9" name="図 8">
+            <a:extLst>
+              <a:ext uri="{FF2B5EF4-FFF2-40B4-BE49-F238E27FC236}">
+                <a16:creationId xmlns:a16="http://schemas.microsoft.com/office/drawing/2014/main" id="{0F2CFC3D-7FC7-25B1-2DD1-DCC2CB7477AE}"/>
+              </a:ext>
+            </a:extLst>
+          </p:cNvPr>
+          <p:cNvPicPr>
+            <a:picLocks noChangeAspect="1"/>
+          </p:cNvPicPr>
+          <p:nvPr/>
+        </p:nvPicPr>
+        <p:blipFill>
+          <a:blip r:embed="rId4"/>
+          <a:stretch>
+            <a:fillRect/>
+          </a:stretch>
+        </p:blipFill>
+        <p:spPr>
+          <a:xfrm>
+            <a:off x="13030639" y="5596615"/>
+            <a:ext cx="4734586" cy="4124901"/>
+          </a:xfrm>
+          <a:prstGeom prst="rect">
+            <a:avLst/>
+          </a:prstGeom>
+          <a:ln w="38100">
+            <a:solidFill>
+              <a:srgbClr val="0066FF"/>
+            </a:solidFill>
+          </a:ln>
+        </p:spPr>
+      </p:pic>
+      <p:pic>
+        <p:nvPicPr>
+          <p:cNvPr id="11" name="図 10">
+            <a:extLst>
+              <a:ext uri="{FF2B5EF4-FFF2-40B4-BE49-F238E27FC236}">
+                <a16:creationId xmlns:a16="http://schemas.microsoft.com/office/drawing/2014/main" id="{40B8C608-A5C5-4C2E-7BC3-76876452D1AD}"/>
+              </a:ext>
+            </a:extLst>
+          </p:cNvPr>
+          <p:cNvPicPr>
+            <a:picLocks noChangeAspect="1"/>
+          </p:cNvPicPr>
+          <p:nvPr/>
+        </p:nvPicPr>
+        <p:blipFill>
+          <a:blip r:embed="rId5"/>
+          <a:stretch>
+            <a:fillRect/>
+          </a:stretch>
+        </p:blipFill>
+        <p:spPr>
+          <a:xfrm>
+            <a:off x="16564907" y="2476564"/>
+            <a:ext cx="1200318" cy="1267002"/>
+          </a:xfrm>
+          <a:prstGeom prst="rect">
+            <a:avLst/>
+          </a:prstGeom>
+          <a:ln w="28575">
+            <a:solidFill>
+              <a:schemeClr val="tx1"/>
+            </a:solidFill>
+          </a:ln>
+        </p:spPr>
+      </p:pic>
+      <p:sp>
+        <p:nvSpPr>
+          <p:cNvPr id="13" name="正方形/長方形 12">
+            <a:extLst>
+              <a:ext uri="{FF2B5EF4-FFF2-40B4-BE49-F238E27FC236}">
+                <a16:creationId xmlns:a16="http://schemas.microsoft.com/office/drawing/2014/main" id="{145A44A6-796F-79A1-E488-ADF7A0EFD8E1}"/>
+              </a:ext>
+            </a:extLst>
+          </p:cNvPr>
+          <p:cNvSpPr/>
+          <p:nvPr/>
+        </p:nvSpPr>
+        <p:spPr>
+          <a:xfrm>
+            <a:off x="948244" y="3200400"/>
+            <a:ext cx="512256" cy="330200"/>
+          </a:xfrm>
+          <a:prstGeom prst="rect">
+            <a:avLst/>
+          </a:prstGeom>
+          <a:noFill/>
+          <a:ln w="28575">
+            <a:solidFill>
+              <a:srgbClr val="FF0000"/>
+            </a:solidFill>
+          </a:ln>
+        </p:spPr>
+        <p:style>
+          <a:lnRef idx="2">
+            <a:schemeClr val="accent1">
+              <a:shade val="50000"/>
+            </a:schemeClr>
+          </a:lnRef>
+          <a:fillRef idx="1">
+            <a:schemeClr val="accent1"/>
+          </a:fillRef>
+          <a:effectRef idx="0">
+            <a:schemeClr val="accent1"/>
+          </a:effectRef>
+          <a:fontRef idx="minor">
+            <a:schemeClr val="lt1"/>
+          </a:fontRef>
+        </p:style>
+        <p:txBody>
+          <a:bodyPr rtlCol="0" anchor="ctr"/>
+          <a:lstStyle/>
+          <a:p>
+            <a:pPr algn="ctr"/>
+            <a:endParaRPr kumimoji="1" lang="ja-JP" altLang="en-US" sz="4050"/>
+          </a:p>
+        </p:txBody>
+      </p:sp>
+      <p:sp>
+        <p:nvSpPr>
+          <p:cNvPr id="16" name="正方形/長方形 15">
+            <a:extLst>
+              <a:ext uri="{FF2B5EF4-FFF2-40B4-BE49-F238E27FC236}">
+                <a16:creationId xmlns:a16="http://schemas.microsoft.com/office/drawing/2014/main" id="{0A220CB3-4358-F534-F820-53E03C6EB65C}"/>
+              </a:ext>
+            </a:extLst>
+          </p:cNvPr>
+          <p:cNvSpPr/>
+          <p:nvPr/>
+        </p:nvSpPr>
+        <p:spPr>
+          <a:xfrm>
+            <a:off x="1581552" y="4575645"/>
+            <a:ext cx="998241" cy="330200"/>
+          </a:xfrm>
+          <a:prstGeom prst="rect">
+            <a:avLst/>
+          </a:prstGeom>
+          <a:noFill/>
+          <a:ln w="28575">
+            <a:solidFill>
+              <a:srgbClr val="FF0000"/>
+            </a:solidFill>
+          </a:ln>
+        </p:spPr>
+        <p:style>
+          <a:lnRef idx="2">
+            <a:schemeClr val="accent1">
+              <a:shade val="50000"/>
+            </a:schemeClr>
+          </a:lnRef>
+          <a:fillRef idx="1">
+            <a:schemeClr val="accent1"/>
+          </a:fillRef>
+          <a:effectRef idx="0">
+            <a:schemeClr val="accent1"/>
+          </a:effectRef>
+          <a:fontRef idx="minor">
+            <a:schemeClr val="lt1"/>
+          </a:fontRef>
+        </p:style>
+        <p:txBody>
+          <a:bodyPr rtlCol="0" anchor="ctr"/>
+          <a:lstStyle/>
+          <a:p>
+            <a:pPr algn="ctr"/>
+            <a:endParaRPr kumimoji="1" lang="ja-JP" altLang="en-US" sz="4050"/>
+          </a:p>
+        </p:txBody>
+      </p:sp>
+      <p:sp>
+        <p:nvSpPr>
+          <p:cNvPr id="18" name="正方形/長方形 17">
+            <a:extLst>
+              <a:ext uri="{FF2B5EF4-FFF2-40B4-BE49-F238E27FC236}">
+                <a16:creationId xmlns:a16="http://schemas.microsoft.com/office/drawing/2014/main" id="{0DE282AB-F8FE-7BDE-A31F-237D03D3BEB9}"/>
+              </a:ext>
+            </a:extLst>
+          </p:cNvPr>
+          <p:cNvSpPr/>
+          <p:nvPr/>
+        </p:nvSpPr>
+        <p:spPr>
+          <a:xfrm>
+            <a:off x="1918056" y="2869531"/>
+            <a:ext cx="998241" cy="330200"/>
+          </a:xfrm>
+          <a:prstGeom prst="rect">
+            <a:avLst/>
+          </a:prstGeom>
+          <a:noFill/>
+          <a:ln w="28575">
+            <a:solidFill>
+              <a:srgbClr val="FF0000"/>
+            </a:solidFill>
+          </a:ln>
+        </p:spPr>
+        <p:style>
+          <a:lnRef idx="2">
+            <a:schemeClr val="accent1">
+              <a:shade val="50000"/>
+            </a:schemeClr>
+          </a:lnRef>
+          <a:fillRef idx="1">
+            <a:schemeClr val="accent1"/>
+          </a:fillRef>
+          <a:effectRef idx="0">
+            <a:schemeClr val="accent1"/>
+          </a:effectRef>
+          <a:fontRef idx="minor">
+            <a:schemeClr val="lt1"/>
+          </a:fontRef>
+        </p:style>
+        <p:txBody>
+          <a:bodyPr rtlCol="0" anchor="ctr"/>
+          <a:lstStyle/>
+          <a:p>
+            <a:pPr algn="ctr"/>
+            <a:endParaRPr kumimoji="1" lang="ja-JP" altLang="en-US" sz="4050"/>
+          </a:p>
+        </p:txBody>
+      </p:sp>
+      <p:sp>
+        <p:nvSpPr>
+          <p:cNvPr id="19" name="矢印: 右 18">
+            <a:extLst>
+              <a:ext uri="{FF2B5EF4-FFF2-40B4-BE49-F238E27FC236}">
+                <a16:creationId xmlns:a16="http://schemas.microsoft.com/office/drawing/2014/main" id="{38945112-408A-37AD-3768-7C8583FBF45F}"/>
+              </a:ext>
+            </a:extLst>
+          </p:cNvPr>
+          <p:cNvSpPr/>
+          <p:nvPr/>
+        </p:nvSpPr>
+        <p:spPr>
+          <a:xfrm>
+            <a:off x="3141224" y="2831431"/>
+            <a:ext cx="1645733" cy="217975"/>
+          </a:xfrm>
+          <a:prstGeom prst="rightArrow">
+            <a:avLst/>
+          </a:prstGeom>
+          <a:solidFill>
+            <a:srgbClr val="FF0000"/>
+          </a:solidFill>
+          <a:ln>
+            <a:noFill/>
+          </a:ln>
+        </p:spPr>
+        <p:style>
+          <a:lnRef idx="2">
+            <a:schemeClr val="accent1">
+              <a:shade val="50000"/>
+            </a:schemeClr>
+          </a:lnRef>
+          <a:fillRef idx="1">
+            <a:schemeClr val="accent1"/>
+          </a:fillRef>
+          <a:effectRef idx="0">
+            <a:schemeClr val="accent1"/>
+          </a:effectRef>
+          <a:fontRef idx="minor">
+            <a:schemeClr val="lt1"/>
+          </a:fontRef>
+        </p:style>
+        <p:txBody>
+          <a:bodyPr rtlCol="0" anchor="ctr"/>
+          <a:lstStyle/>
+          <a:p>
+            <a:pPr algn="ctr"/>
+            <a:endParaRPr kumimoji="1" lang="ja-JP" altLang="en-US" sz="4050"/>
+          </a:p>
+        </p:txBody>
+      </p:sp>
+      <p:sp>
+        <p:nvSpPr>
+          <p:cNvPr id="20" name="テキスト ボックス 19">
+            <a:extLst>
+              <a:ext uri="{FF2B5EF4-FFF2-40B4-BE49-F238E27FC236}">
+                <a16:creationId xmlns:a16="http://schemas.microsoft.com/office/drawing/2014/main" id="{177C6118-DE0B-4DEE-EC58-74343E1140FF}"/>
+              </a:ext>
+            </a:extLst>
+          </p:cNvPr>
+          <p:cNvSpPr txBox="1"/>
+          <p:nvPr/>
+        </p:nvSpPr>
+        <p:spPr>
+          <a:xfrm>
+            <a:off x="4870934" y="2627943"/>
+            <a:ext cx="9257663" cy="707886"/>
+          </a:xfrm>
+          <a:prstGeom prst="rect">
+            <a:avLst/>
+          </a:prstGeom>
+          <a:noFill/>
+          <a:ln>
+            <a:solidFill>
+              <a:srgbClr val="FF0000"/>
+            </a:solidFill>
+          </a:ln>
+        </p:spPr>
+        <p:txBody>
+          <a:bodyPr wrap="none" rtlCol="0">
+            <a:spAutoFit/>
+          </a:bodyPr>
+          <a:lstStyle/>
+          <a:p>
+            <a:r>
+              <a:rPr kumimoji="1" lang="ja-JP" altLang="en-US" sz="2000" dirty="0">
+                <a:solidFill>
+                  <a:schemeClr val="tx1">
+                    <a:lumMod val="85000"/>
+                    <a:lumOff val="15000"/>
+                  </a:schemeClr>
+                </a:solidFill>
+                <a:latin typeface="Noto Sans JP" panose="020B0200000000000000" pitchFamily="50" charset="-128"/>
+                <a:ea typeface="Noto Sans JP" panose="020B0200000000000000" pitchFamily="50" charset="-128"/>
+              </a:rPr>
+              <a:t>独自の例外クラス </a:t>
+            </a:r>
+            <a:r>
+              <a:rPr kumimoji="1" lang="en-US" altLang="ja-JP" sz="2000" dirty="0" err="1">
+                <a:solidFill>
+                  <a:schemeClr val="tx1">
+                    <a:lumMod val="85000"/>
+                    <a:lumOff val="15000"/>
+                  </a:schemeClr>
+                </a:solidFill>
+                <a:latin typeface="Noto Sans JP" panose="020B0200000000000000" pitchFamily="50" charset="-128"/>
+                <a:ea typeface="Noto Sans JP" panose="020B0200000000000000" pitchFamily="50" charset="-128"/>
+              </a:rPr>
+              <a:t>wexal</a:t>
+            </a:r>
+            <a:r>
+              <a:rPr kumimoji="1" lang="en-US" altLang="ja-JP" sz="2000" dirty="0">
+                <a:solidFill>
+                  <a:schemeClr val="tx1">
+                    <a:lumMod val="85000"/>
+                    <a:lumOff val="15000"/>
+                  </a:schemeClr>
+                </a:solidFill>
+                <a:latin typeface="Noto Sans JP" panose="020B0200000000000000" pitchFamily="50" charset="-128"/>
+                <a:ea typeface="Noto Sans JP" panose="020B0200000000000000" pitchFamily="50" charset="-128"/>
+              </a:rPr>
+              <a:t> </a:t>
+            </a:r>
+            <a:r>
+              <a:rPr kumimoji="1" lang="ja-JP" altLang="en-US" sz="2000" dirty="0">
+                <a:solidFill>
+                  <a:schemeClr val="tx1">
+                    <a:lumMod val="85000"/>
+                    <a:lumOff val="15000"/>
+                  </a:schemeClr>
+                </a:solidFill>
+                <a:latin typeface="Noto Sans JP" panose="020B0200000000000000" pitchFamily="50" charset="-128"/>
+                <a:ea typeface="Noto Sans JP" panose="020B0200000000000000" pitchFamily="50" charset="-128"/>
+              </a:rPr>
+              <a:t>を作るときに、</a:t>
+            </a:r>
+            <a:r>
+              <a:rPr kumimoji="1" lang="en-US" altLang="ja-JP" sz="2000" dirty="0">
+                <a:solidFill>
+                  <a:schemeClr val="tx1">
+                    <a:lumMod val="85000"/>
+                    <a:lumOff val="15000"/>
+                  </a:schemeClr>
+                </a:solidFill>
+                <a:latin typeface="Noto Sans JP" panose="020B0200000000000000" pitchFamily="50" charset="-128"/>
+                <a:ea typeface="Noto Sans JP" panose="020B0200000000000000" pitchFamily="50" charset="-128"/>
+              </a:rPr>
+              <a:t>Python</a:t>
+            </a:r>
+            <a:r>
+              <a:rPr kumimoji="1" lang="ja-JP" altLang="en-US" sz="2000" dirty="0">
+                <a:solidFill>
+                  <a:schemeClr val="tx1">
+                    <a:lumMod val="85000"/>
+                    <a:lumOff val="15000"/>
+                  </a:schemeClr>
+                </a:solidFill>
+                <a:latin typeface="Noto Sans JP" panose="020B0200000000000000" pitchFamily="50" charset="-128"/>
+                <a:ea typeface="Noto Sans JP" panose="020B0200000000000000" pitchFamily="50" charset="-128"/>
+              </a:rPr>
+              <a:t>の標準例外クラス </a:t>
+            </a:r>
+            <a:r>
+              <a:rPr kumimoji="1" lang="en-US" altLang="ja-JP" sz="2000" dirty="0">
+                <a:solidFill>
+                  <a:schemeClr val="tx1">
+                    <a:lumMod val="85000"/>
+                    <a:lumOff val="15000"/>
+                  </a:schemeClr>
+                </a:solidFill>
+                <a:latin typeface="Noto Sans JP" panose="020B0200000000000000" pitchFamily="50" charset="-128"/>
+                <a:ea typeface="Noto Sans JP" panose="020B0200000000000000" pitchFamily="50" charset="-128"/>
+              </a:rPr>
+              <a:t>Exception </a:t>
+            </a:r>
+            <a:r>
+              <a:rPr kumimoji="1" lang="ja-JP" altLang="en-US" sz="2000" dirty="0">
+                <a:solidFill>
+                  <a:schemeClr val="tx1">
+                    <a:lumMod val="85000"/>
+                    <a:lumOff val="15000"/>
+                  </a:schemeClr>
+                </a:solidFill>
+                <a:latin typeface="Noto Sans JP" panose="020B0200000000000000" pitchFamily="50" charset="-128"/>
+                <a:ea typeface="Noto Sans JP" panose="020B0200000000000000" pitchFamily="50" charset="-128"/>
+              </a:rPr>
+              <a:t>を</a:t>
+            </a:r>
+            <a:endParaRPr kumimoji="1" lang="en-US" altLang="ja-JP" sz="2000" dirty="0">
+              <a:solidFill>
+                <a:schemeClr val="tx1">
+                  <a:lumMod val="85000"/>
+                  <a:lumOff val="15000"/>
+                </a:schemeClr>
+              </a:solidFill>
+              <a:latin typeface="Noto Sans JP" panose="020B0200000000000000" pitchFamily="50" charset="-128"/>
+              <a:ea typeface="Noto Sans JP" panose="020B0200000000000000" pitchFamily="50" charset="-128"/>
+            </a:endParaRPr>
+          </a:p>
+          <a:p>
+            <a:r>
+              <a:rPr kumimoji="1" lang="ja-JP" altLang="en-US" sz="2000" dirty="0">
+                <a:solidFill>
+                  <a:schemeClr val="tx1">
+                    <a:lumMod val="85000"/>
+                    <a:lumOff val="15000"/>
+                  </a:schemeClr>
+                </a:solidFill>
+                <a:latin typeface="Noto Sans JP" panose="020B0200000000000000" pitchFamily="50" charset="-128"/>
+                <a:ea typeface="Noto Sans JP" panose="020B0200000000000000" pitchFamily="50" charset="-128"/>
+              </a:rPr>
+              <a:t>基にしているので </a:t>
+            </a:r>
+            <a:r>
+              <a:rPr kumimoji="1" lang="en-US" altLang="ja-JP" sz="2000" dirty="0" err="1">
+                <a:solidFill>
+                  <a:schemeClr val="tx1">
+                    <a:lumMod val="85000"/>
+                    <a:lumOff val="15000"/>
+                  </a:schemeClr>
+                </a:solidFill>
+                <a:latin typeface="Noto Sans JP" panose="020B0200000000000000" pitchFamily="50" charset="-128"/>
+                <a:ea typeface="Noto Sans JP" panose="020B0200000000000000" pitchFamily="50" charset="-128"/>
+              </a:rPr>
+              <a:t>wexal</a:t>
+            </a:r>
+            <a:r>
+              <a:rPr kumimoji="1" lang="en-US" altLang="ja-JP" sz="2000" dirty="0">
+                <a:solidFill>
+                  <a:schemeClr val="tx1">
+                    <a:lumMod val="85000"/>
+                    <a:lumOff val="15000"/>
+                  </a:schemeClr>
+                </a:solidFill>
+                <a:latin typeface="Noto Sans JP" panose="020B0200000000000000" pitchFamily="50" charset="-128"/>
+                <a:ea typeface="Noto Sans JP" panose="020B0200000000000000" pitchFamily="50" charset="-128"/>
+              </a:rPr>
+              <a:t> </a:t>
+            </a:r>
+            <a:r>
+              <a:rPr kumimoji="1" lang="ja-JP" altLang="en-US" sz="2000" dirty="0">
+                <a:solidFill>
+                  <a:schemeClr val="tx1">
+                    <a:lumMod val="85000"/>
+                    <a:lumOff val="15000"/>
+                  </a:schemeClr>
+                </a:solidFill>
+                <a:latin typeface="Noto Sans JP" panose="020B0200000000000000" pitchFamily="50" charset="-128"/>
+                <a:ea typeface="Noto Sans JP" panose="020B0200000000000000" pitchFamily="50" charset="-128"/>
+              </a:rPr>
+              <a:t>は </a:t>
+            </a:r>
+            <a:r>
+              <a:rPr kumimoji="1" lang="en-US" altLang="ja-JP" sz="2000" dirty="0">
+                <a:solidFill>
+                  <a:schemeClr val="tx1">
+                    <a:lumMod val="85000"/>
+                    <a:lumOff val="15000"/>
+                  </a:schemeClr>
+                </a:solidFill>
+                <a:latin typeface="Noto Sans JP" panose="020B0200000000000000" pitchFamily="50" charset="-128"/>
+                <a:ea typeface="Noto Sans JP" panose="020B0200000000000000" pitchFamily="50" charset="-128"/>
+              </a:rPr>
+              <a:t>Exception </a:t>
+            </a:r>
+            <a:r>
+              <a:rPr kumimoji="1" lang="ja-JP" altLang="en-US" sz="2000" dirty="0">
+                <a:solidFill>
+                  <a:schemeClr val="tx1">
+                    <a:lumMod val="85000"/>
+                    <a:lumOff val="15000"/>
+                  </a:schemeClr>
+                </a:solidFill>
+                <a:latin typeface="Noto Sans JP" panose="020B0200000000000000" pitchFamily="50" charset="-128"/>
+                <a:ea typeface="Noto Sans JP" panose="020B0200000000000000" pitchFamily="50" charset="-128"/>
+              </a:rPr>
+              <a:t>と同じように例外処理で使える</a:t>
+            </a:r>
+          </a:p>
+        </p:txBody>
+      </p:sp>
+      <p:sp>
+        <p:nvSpPr>
+          <p:cNvPr id="22" name="矢印: 右 21">
+            <a:extLst>
+              <a:ext uri="{FF2B5EF4-FFF2-40B4-BE49-F238E27FC236}">
+                <a16:creationId xmlns:a16="http://schemas.microsoft.com/office/drawing/2014/main" id="{477C3825-730C-B84C-72D5-B0E10650B95E}"/>
+              </a:ext>
+            </a:extLst>
+          </p:cNvPr>
+          <p:cNvSpPr/>
+          <p:nvPr/>
+        </p:nvSpPr>
+        <p:spPr>
+          <a:xfrm rot="444994">
+            <a:off x="1623006" y="3442938"/>
+            <a:ext cx="3205405" cy="216000"/>
+          </a:xfrm>
+          <a:prstGeom prst="rightArrow">
+            <a:avLst/>
+          </a:prstGeom>
+          <a:solidFill>
+            <a:srgbClr val="FF0000"/>
+          </a:solidFill>
+          <a:ln>
+            <a:noFill/>
+          </a:ln>
+        </p:spPr>
+        <p:style>
+          <a:lnRef idx="2">
+            <a:schemeClr val="accent1">
+              <a:shade val="50000"/>
+            </a:schemeClr>
+          </a:lnRef>
+          <a:fillRef idx="1">
+            <a:schemeClr val="accent1"/>
+          </a:fillRef>
+          <a:effectRef idx="0">
+            <a:schemeClr val="accent1"/>
+          </a:effectRef>
+          <a:fontRef idx="minor">
+            <a:schemeClr val="lt1"/>
+          </a:fontRef>
+        </p:style>
+        <p:txBody>
+          <a:bodyPr rtlCol="0" anchor="ctr"/>
+          <a:lstStyle/>
+          <a:p>
+            <a:pPr algn="ctr"/>
+            <a:endParaRPr kumimoji="1" lang="ja-JP" altLang="en-US" sz="4050"/>
+          </a:p>
+        </p:txBody>
+      </p:sp>
+      <p:sp>
+        <p:nvSpPr>
+          <p:cNvPr id="23" name="テキスト ボックス 22">
+            <a:extLst>
+              <a:ext uri="{FF2B5EF4-FFF2-40B4-BE49-F238E27FC236}">
+                <a16:creationId xmlns:a16="http://schemas.microsoft.com/office/drawing/2014/main" id="{181EE7CB-DE78-0F5A-4E64-175976A9E31C}"/>
+              </a:ext>
+            </a:extLst>
+          </p:cNvPr>
+          <p:cNvSpPr txBox="1"/>
+          <p:nvPr/>
+        </p:nvSpPr>
+        <p:spPr>
+          <a:xfrm>
+            <a:off x="4870935" y="3579288"/>
+            <a:ext cx="7943366" cy="2246769"/>
+          </a:xfrm>
+          <a:prstGeom prst="rect">
+            <a:avLst/>
+          </a:prstGeom>
+          <a:noFill/>
+          <a:ln>
+            <a:solidFill>
+              <a:srgbClr val="FF0000"/>
+            </a:solidFill>
+          </a:ln>
+        </p:spPr>
+        <p:txBody>
+          <a:bodyPr wrap="square" rtlCol="0">
+            <a:spAutoFit/>
+          </a:bodyPr>
+          <a:lstStyle/>
+          <a:p>
+            <a:r>
+              <a:rPr kumimoji="1" lang="en-US" altLang="ja-JP" sz="2000" dirty="0">
+                <a:solidFill>
+                  <a:schemeClr val="tx1">
+                    <a:lumMod val="85000"/>
+                    <a:lumOff val="15000"/>
+                  </a:schemeClr>
+                </a:solidFill>
+                <a:latin typeface="Noto Sans JP" panose="020B0200000000000000" pitchFamily="50" charset="-128"/>
+                <a:ea typeface="Noto Sans JP" panose="020B0200000000000000" pitchFamily="50" charset="-128"/>
+              </a:rPr>
+              <a:t>Python</a:t>
+            </a:r>
+            <a:r>
+              <a:rPr kumimoji="1" lang="ja-JP" altLang="en-US" sz="2000" dirty="0">
+                <a:solidFill>
+                  <a:schemeClr val="tx1">
+                    <a:lumMod val="85000"/>
+                    <a:lumOff val="15000"/>
+                  </a:schemeClr>
+                </a:solidFill>
+                <a:latin typeface="Noto Sans JP" panose="020B0200000000000000" pitchFamily="50" charset="-128"/>
+                <a:ea typeface="Noto Sans JP" panose="020B0200000000000000" pitchFamily="50" charset="-128"/>
+              </a:rPr>
+              <a:t>では、クラスや関数を定義したら必ずそのブロックの中に</a:t>
+            </a:r>
+            <a:endParaRPr kumimoji="1" lang="en-US" altLang="ja-JP" sz="2000" dirty="0">
+              <a:solidFill>
+                <a:schemeClr val="tx1">
+                  <a:lumMod val="85000"/>
+                  <a:lumOff val="15000"/>
+                </a:schemeClr>
+              </a:solidFill>
+              <a:latin typeface="Noto Sans JP" panose="020B0200000000000000" pitchFamily="50" charset="-128"/>
+              <a:ea typeface="Noto Sans JP" panose="020B0200000000000000" pitchFamily="50" charset="-128"/>
+            </a:endParaRPr>
+          </a:p>
+          <a:p>
+            <a:r>
+              <a:rPr kumimoji="1" lang="ja-JP" altLang="en-US" sz="2000" dirty="0">
+                <a:solidFill>
+                  <a:schemeClr val="tx1">
+                    <a:lumMod val="85000"/>
+                    <a:lumOff val="15000"/>
+                  </a:schemeClr>
+                </a:solidFill>
+                <a:latin typeface="Noto Sans JP" panose="020B0200000000000000" pitchFamily="50" charset="-128"/>
+                <a:ea typeface="Noto Sans JP" panose="020B0200000000000000" pitchFamily="50" charset="-128"/>
+              </a:rPr>
+              <a:t>何か</a:t>
+            </a:r>
+            <a:r>
+              <a:rPr kumimoji="1" lang="en-US" altLang="ja-JP" sz="2000" dirty="0">
+                <a:solidFill>
+                  <a:schemeClr val="tx1">
+                    <a:lumMod val="85000"/>
+                    <a:lumOff val="15000"/>
+                  </a:schemeClr>
+                </a:solidFill>
+                <a:latin typeface="Noto Sans JP" panose="020B0200000000000000" pitchFamily="50" charset="-128"/>
+                <a:ea typeface="Noto Sans JP" panose="020B0200000000000000" pitchFamily="50" charset="-128"/>
+              </a:rPr>
+              <a:t>1</a:t>
+            </a:r>
+            <a:r>
+              <a:rPr kumimoji="1" lang="ja-JP" altLang="en-US" sz="2000" dirty="0">
+                <a:solidFill>
+                  <a:schemeClr val="tx1">
+                    <a:lumMod val="85000"/>
+                    <a:lumOff val="15000"/>
+                  </a:schemeClr>
+                </a:solidFill>
+                <a:latin typeface="Noto Sans JP" panose="020B0200000000000000" pitchFamily="50" charset="-128"/>
+                <a:ea typeface="Noto Sans JP" panose="020B0200000000000000" pitchFamily="50" charset="-128"/>
+              </a:rPr>
+              <a:t>行以上書く必要があります。</a:t>
+            </a:r>
+          </a:p>
+          <a:p>
+            <a:endParaRPr kumimoji="1" lang="ja-JP" altLang="en-US" sz="2000" dirty="0">
+              <a:solidFill>
+                <a:schemeClr val="tx1">
+                  <a:lumMod val="85000"/>
+                  <a:lumOff val="15000"/>
+                </a:schemeClr>
+              </a:solidFill>
+              <a:latin typeface="Noto Sans JP" panose="020B0200000000000000" pitchFamily="50" charset="-128"/>
+              <a:ea typeface="Noto Sans JP" panose="020B0200000000000000" pitchFamily="50" charset="-128"/>
+            </a:endParaRPr>
+          </a:p>
+          <a:p>
+            <a:r>
+              <a:rPr kumimoji="1" lang="ja-JP" altLang="en-US" sz="2000" dirty="0">
+                <a:solidFill>
+                  <a:schemeClr val="tx1">
+                    <a:lumMod val="85000"/>
+                    <a:lumOff val="15000"/>
+                  </a:schemeClr>
+                </a:solidFill>
+                <a:latin typeface="Noto Sans JP" panose="020B0200000000000000" pitchFamily="50" charset="-128"/>
+                <a:ea typeface="Noto Sans JP" panose="020B0200000000000000" pitchFamily="50" charset="-128"/>
+              </a:rPr>
+              <a:t>でも、この場合は </a:t>
+            </a:r>
+            <a:r>
+              <a:rPr kumimoji="1" lang="en-US" altLang="ja-JP" sz="2000" dirty="0" err="1">
+                <a:solidFill>
+                  <a:schemeClr val="tx1">
+                    <a:lumMod val="85000"/>
+                    <a:lumOff val="15000"/>
+                  </a:schemeClr>
+                </a:solidFill>
+                <a:latin typeface="Noto Sans JP" panose="020B0200000000000000" pitchFamily="50" charset="-128"/>
+                <a:ea typeface="Noto Sans JP" panose="020B0200000000000000" pitchFamily="50" charset="-128"/>
+              </a:rPr>
+              <a:t>wexal</a:t>
+            </a:r>
+            <a:r>
+              <a:rPr kumimoji="1" lang="en-US" altLang="ja-JP" sz="2000" dirty="0">
+                <a:solidFill>
+                  <a:schemeClr val="tx1">
+                    <a:lumMod val="85000"/>
+                    <a:lumOff val="15000"/>
+                  </a:schemeClr>
+                </a:solidFill>
+                <a:latin typeface="Noto Sans JP" panose="020B0200000000000000" pitchFamily="50" charset="-128"/>
+                <a:ea typeface="Noto Sans JP" panose="020B0200000000000000" pitchFamily="50" charset="-128"/>
+              </a:rPr>
+              <a:t> </a:t>
+            </a:r>
+            <a:r>
+              <a:rPr kumimoji="1" lang="ja-JP" altLang="en-US" sz="2000" dirty="0">
+                <a:solidFill>
+                  <a:schemeClr val="tx1">
+                    <a:lumMod val="85000"/>
+                    <a:lumOff val="15000"/>
+                  </a:schemeClr>
+                </a:solidFill>
+                <a:latin typeface="Noto Sans JP" panose="020B0200000000000000" pitchFamily="50" charset="-128"/>
+                <a:ea typeface="Noto Sans JP" panose="020B0200000000000000" pitchFamily="50" charset="-128"/>
+              </a:rPr>
+              <a:t>クラスは </a:t>
+            </a:r>
+            <a:r>
+              <a:rPr kumimoji="1" lang="en-US" altLang="ja-JP" sz="2000" dirty="0">
+                <a:solidFill>
+                  <a:schemeClr val="tx1">
+                    <a:lumMod val="85000"/>
+                    <a:lumOff val="15000"/>
+                  </a:schemeClr>
+                </a:solidFill>
+                <a:latin typeface="Noto Sans JP" panose="020B0200000000000000" pitchFamily="50" charset="-128"/>
+                <a:ea typeface="Noto Sans JP" panose="020B0200000000000000" pitchFamily="50" charset="-128"/>
+              </a:rPr>
+              <a:t>Exception </a:t>
+            </a:r>
+            <a:r>
+              <a:rPr kumimoji="1" lang="ja-JP" altLang="en-US" sz="2000" dirty="0">
+                <a:solidFill>
+                  <a:schemeClr val="tx1">
+                    <a:lumMod val="85000"/>
+                    <a:lumOff val="15000"/>
+                  </a:schemeClr>
+                </a:solidFill>
+                <a:latin typeface="Noto Sans JP" panose="020B0200000000000000" pitchFamily="50" charset="-128"/>
+                <a:ea typeface="Noto Sans JP" panose="020B0200000000000000" pitchFamily="50" charset="-128"/>
+              </a:rPr>
+              <a:t>を継承するだけで、</a:t>
+            </a:r>
+            <a:endParaRPr kumimoji="1" lang="en-US" altLang="ja-JP" sz="2000" dirty="0">
+              <a:solidFill>
+                <a:schemeClr val="tx1">
+                  <a:lumMod val="85000"/>
+                  <a:lumOff val="15000"/>
+                </a:schemeClr>
+              </a:solidFill>
+              <a:latin typeface="Noto Sans JP" panose="020B0200000000000000" pitchFamily="50" charset="-128"/>
+              <a:ea typeface="Noto Sans JP" panose="020B0200000000000000" pitchFamily="50" charset="-128"/>
+            </a:endParaRPr>
+          </a:p>
+          <a:p>
+            <a:r>
+              <a:rPr kumimoji="1" lang="ja-JP" altLang="en-US" sz="2000" dirty="0">
+                <a:solidFill>
+                  <a:schemeClr val="tx1">
+                    <a:lumMod val="85000"/>
+                    <a:lumOff val="15000"/>
+                  </a:schemeClr>
+                </a:solidFill>
+                <a:latin typeface="Noto Sans JP" panose="020B0200000000000000" pitchFamily="50" charset="-128"/>
+                <a:ea typeface="Noto Sans JP" panose="020B0200000000000000" pitchFamily="50" charset="-128"/>
+              </a:rPr>
+              <a:t>新しいメソッドや変数を追加していません。</a:t>
+            </a:r>
+          </a:p>
+          <a:p>
+            <a:endParaRPr kumimoji="1" lang="ja-JP" altLang="en-US" sz="2000" dirty="0">
+              <a:solidFill>
+                <a:schemeClr val="tx1">
+                  <a:lumMod val="85000"/>
+                  <a:lumOff val="15000"/>
+                </a:schemeClr>
+              </a:solidFill>
+              <a:latin typeface="Noto Sans JP" panose="020B0200000000000000" pitchFamily="50" charset="-128"/>
+              <a:ea typeface="Noto Sans JP" panose="020B0200000000000000" pitchFamily="50" charset="-128"/>
+            </a:endParaRPr>
+          </a:p>
+          <a:p>
+            <a:r>
+              <a:rPr kumimoji="1" lang="ja-JP" altLang="en-US" sz="2000" dirty="0">
+                <a:solidFill>
+                  <a:schemeClr val="tx1">
+                    <a:lumMod val="85000"/>
+                    <a:lumOff val="15000"/>
+                  </a:schemeClr>
+                </a:solidFill>
+                <a:latin typeface="Noto Sans JP" panose="020B0200000000000000" pitchFamily="50" charset="-128"/>
+                <a:ea typeface="Noto Sans JP" panose="020B0200000000000000" pitchFamily="50" charset="-128"/>
+              </a:rPr>
+              <a:t>そこで何も処理しないことを明示するために </a:t>
+            </a:r>
+            <a:r>
+              <a:rPr kumimoji="1" lang="en-US" altLang="ja-JP" sz="2000" dirty="0">
+                <a:solidFill>
+                  <a:schemeClr val="tx1">
+                    <a:lumMod val="85000"/>
+                    <a:lumOff val="15000"/>
+                  </a:schemeClr>
+                </a:solidFill>
+                <a:latin typeface="Noto Sans JP" panose="020B0200000000000000" pitchFamily="50" charset="-128"/>
+                <a:ea typeface="Noto Sans JP" panose="020B0200000000000000" pitchFamily="50" charset="-128"/>
+              </a:rPr>
+              <a:t>pass </a:t>
+            </a:r>
+            <a:r>
+              <a:rPr kumimoji="1" lang="ja-JP" altLang="en-US" sz="2000" dirty="0">
+                <a:solidFill>
+                  <a:schemeClr val="tx1">
+                    <a:lumMod val="85000"/>
+                    <a:lumOff val="15000"/>
+                  </a:schemeClr>
+                </a:solidFill>
+                <a:latin typeface="Noto Sans JP" panose="020B0200000000000000" pitchFamily="50" charset="-128"/>
+                <a:ea typeface="Noto Sans JP" panose="020B0200000000000000" pitchFamily="50" charset="-128"/>
+              </a:rPr>
+              <a:t>を書いています。</a:t>
+            </a:r>
+          </a:p>
+        </p:txBody>
+      </p:sp>
+      <p:sp>
+        <p:nvSpPr>
+          <p:cNvPr id="12" name="正方形/長方形 11">
+            <a:extLst>
+              <a:ext uri="{FF2B5EF4-FFF2-40B4-BE49-F238E27FC236}">
+                <a16:creationId xmlns:a16="http://schemas.microsoft.com/office/drawing/2014/main" id="{D541DEF6-4CA8-A18D-227A-8430C197C5DF}"/>
+              </a:ext>
+            </a:extLst>
+          </p:cNvPr>
+          <p:cNvSpPr/>
+          <p:nvPr/>
+        </p:nvSpPr>
+        <p:spPr>
+          <a:xfrm>
+            <a:off x="12987835" y="5098381"/>
+            <a:ext cx="1406446" cy="498234"/>
+          </a:xfrm>
+          <a:prstGeom prst="rect">
+            <a:avLst/>
+          </a:prstGeom>
+          <a:solidFill>
+            <a:srgbClr val="0066FF"/>
+          </a:solidFill>
+          <a:ln>
+            <a:noFill/>
+          </a:ln>
+        </p:spPr>
+        <p:style>
+          <a:lnRef idx="2">
+            <a:schemeClr val="accent1">
+              <a:shade val="50000"/>
+            </a:schemeClr>
+          </a:lnRef>
+          <a:fillRef idx="1">
+            <a:schemeClr val="accent1"/>
+          </a:fillRef>
+          <a:effectRef idx="0">
+            <a:schemeClr val="accent1"/>
+          </a:effectRef>
+          <a:fontRef idx="minor">
+            <a:schemeClr val="lt1"/>
+          </a:fontRef>
+        </p:style>
+        <p:txBody>
+          <a:bodyPr rtlCol="0" anchor="ctr"/>
+          <a:lstStyle/>
+          <a:p>
+            <a:pPr algn="ctr"/>
+            <a:r>
+              <a:rPr kumimoji="1" lang="ja-JP" altLang="en-US" sz="2400" dirty="0">
+                <a:latin typeface="Noto Sans JP" panose="020B0200000000000000" pitchFamily="50" charset="-128"/>
+                <a:ea typeface="Noto Sans JP" panose="020B0200000000000000" pitchFamily="50" charset="-128"/>
+              </a:rPr>
+              <a:t>選択肢</a:t>
+            </a:r>
+          </a:p>
+        </p:txBody>
+      </p:sp>
+      <p:sp>
+        <p:nvSpPr>
+          <p:cNvPr id="24" name="矢印: 右 23">
+            <a:extLst>
+              <a:ext uri="{FF2B5EF4-FFF2-40B4-BE49-F238E27FC236}">
+                <a16:creationId xmlns:a16="http://schemas.microsoft.com/office/drawing/2014/main" id="{00AECF32-C14C-615C-DED7-C6A70C0F3667}"/>
+              </a:ext>
+            </a:extLst>
+          </p:cNvPr>
+          <p:cNvSpPr/>
+          <p:nvPr/>
+        </p:nvSpPr>
+        <p:spPr>
+          <a:xfrm rot="2566139">
+            <a:off x="2252603" y="5895948"/>
+            <a:ext cx="2832844" cy="216000"/>
+          </a:xfrm>
+          <a:prstGeom prst="rightArrow">
+            <a:avLst/>
+          </a:prstGeom>
+          <a:solidFill>
+            <a:srgbClr val="FF0000"/>
+          </a:solidFill>
+          <a:ln>
+            <a:noFill/>
+          </a:ln>
+        </p:spPr>
+        <p:style>
+          <a:lnRef idx="2">
+            <a:schemeClr val="accent1">
+              <a:shade val="50000"/>
+            </a:schemeClr>
+          </a:lnRef>
+          <a:fillRef idx="1">
+            <a:schemeClr val="accent1"/>
+          </a:fillRef>
+          <a:effectRef idx="0">
+            <a:schemeClr val="accent1"/>
+          </a:effectRef>
+          <a:fontRef idx="minor">
+            <a:schemeClr val="lt1"/>
+          </a:fontRef>
+        </p:style>
+        <p:txBody>
+          <a:bodyPr rtlCol="0" anchor="ctr"/>
+          <a:lstStyle/>
+          <a:p>
+            <a:pPr algn="ctr"/>
+            <a:endParaRPr kumimoji="1" lang="ja-JP" altLang="en-US" sz="4050"/>
+          </a:p>
+        </p:txBody>
+      </p:sp>
+      <p:sp>
+        <p:nvSpPr>
+          <p:cNvPr id="25" name="テキスト ボックス 24">
+            <a:extLst>
+              <a:ext uri="{FF2B5EF4-FFF2-40B4-BE49-F238E27FC236}">
+                <a16:creationId xmlns:a16="http://schemas.microsoft.com/office/drawing/2014/main" id="{4A94B202-D1EF-6D47-45D1-985F22E15A48}"/>
+              </a:ext>
+            </a:extLst>
+          </p:cNvPr>
+          <p:cNvSpPr txBox="1"/>
+          <p:nvPr/>
+        </p:nvSpPr>
+        <p:spPr>
+          <a:xfrm>
+            <a:off x="4870935" y="6380571"/>
+            <a:ext cx="7943366" cy="2246769"/>
+          </a:xfrm>
+          <a:prstGeom prst="rect">
+            <a:avLst/>
+          </a:prstGeom>
+          <a:noFill/>
+          <a:ln>
+            <a:solidFill>
+              <a:srgbClr val="FF0000"/>
+            </a:solidFill>
+          </a:ln>
+        </p:spPr>
+        <p:txBody>
+          <a:bodyPr wrap="square" rtlCol="0">
+            <a:spAutoFit/>
+          </a:bodyPr>
+          <a:lstStyle/>
+          <a:p>
+            <a:r>
+              <a:rPr kumimoji="1" lang="en-US" altLang="ja-JP" sz="2000" dirty="0">
+                <a:solidFill>
+                  <a:schemeClr val="bg1"/>
+                </a:solidFill>
+                <a:highlight>
+                  <a:srgbClr val="FF0000"/>
+                </a:highlight>
+                <a:latin typeface="Noto Sans JP" panose="020B0200000000000000" pitchFamily="50" charset="-128"/>
+                <a:ea typeface="Noto Sans JP" panose="020B0200000000000000" pitchFamily="50" charset="-128"/>
+              </a:rPr>
+              <a:t>name: int </a:t>
+            </a:r>
+            <a:r>
+              <a:rPr kumimoji="1" lang="ja-JP" altLang="en-US" sz="2000" dirty="0">
+                <a:solidFill>
+                  <a:schemeClr val="tx1">
+                    <a:lumMod val="85000"/>
+                    <a:lumOff val="15000"/>
+                  </a:schemeClr>
+                </a:solidFill>
+                <a:latin typeface="Noto Sans JP" panose="020B0200000000000000" pitchFamily="50" charset="-128"/>
+                <a:ea typeface="Noto Sans JP" panose="020B0200000000000000" pitchFamily="50" charset="-128"/>
+              </a:rPr>
+              <a:t>は 関数の引数の型アノテーション（型ヒント） です。</a:t>
+            </a:r>
+          </a:p>
+          <a:p>
+            <a:endParaRPr kumimoji="1" lang="ja-JP" altLang="en-US" sz="2000" dirty="0">
+              <a:solidFill>
+                <a:schemeClr val="tx1">
+                  <a:lumMod val="85000"/>
+                  <a:lumOff val="15000"/>
+                </a:schemeClr>
+              </a:solidFill>
+              <a:latin typeface="Noto Sans JP" panose="020B0200000000000000" pitchFamily="50" charset="-128"/>
+              <a:ea typeface="Noto Sans JP" panose="020B0200000000000000" pitchFamily="50" charset="-128"/>
+            </a:endParaRPr>
+          </a:p>
+          <a:p>
+            <a:r>
+              <a:rPr kumimoji="1" lang="ja-JP" altLang="en-US" sz="2000" dirty="0">
+                <a:solidFill>
+                  <a:schemeClr val="tx1">
+                    <a:lumMod val="85000"/>
+                    <a:lumOff val="15000"/>
+                  </a:schemeClr>
+                </a:solidFill>
+                <a:latin typeface="Noto Sans JP" panose="020B0200000000000000" pitchFamily="50" charset="-128"/>
+                <a:ea typeface="Noto Sans JP" panose="020B0200000000000000" pitchFamily="50" charset="-128"/>
+              </a:rPr>
+              <a:t>「</a:t>
+            </a:r>
+            <a:r>
+              <a:rPr kumimoji="1" lang="en-US" altLang="ja-JP" sz="2000" dirty="0">
+                <a:solidFill>
+                  <a:schemeClr val="tx1">
+                    <a:lumMod val="85000"/>
+                    <a:lumOff val="15000"/>
+                  </a:schemeClr>
+                </a:solidFill>
+                <a:latin typeface="Noto Sans JP" panose="020B0200000000000000" pitchFamily="50" charset="-128"/>
+                <a:ea typeface="Noto Sans JP" panose="020B0200000000000000" pitchFamily="50" charset="-128"/>
+              </a:rPr>
+              <a:t>name </a:t>
+            </a:r>
+            <a:r>
+              <a:rPr kumimoji="1" lang="ja-JP" altLang="en-US" sz="2000" dirty="0">
+                <a:solidFill>
+                  <a:schemeClr val="tx1">
+                    <a:lumMod val="85000"/>
+                    <a:lumOff val="15000"/>
+                  </a:schemeClr>
+                </a:solidFill>
+                <a:latin typeface="Noto Sans JP" panose="020B0200000000000000" pitchFamily="50" charset="-128"/>
+                <a:ea typeface="Noto Sans JP" panose="020B0200000000000000" pitchFamily="50" charset="-128"/>
+              </a:rPr>
+              <a:t>は </a:t>
+            </a:r>
+            <a:r>
+              <a:rPr kumimoji="1" lang="en-US" altLang="ja-JP" sz="2000" dirty="0">
+                <a:solidFill>
+                  <a:schemeClr val="tx1">
+                    <a:lumMod val="85000"/>
+                    <a:lumOff val="15000"/>
+                  </a:schemeClr>
+                </a:solidFill>
+                <a:latin typeface="Noto Sans JP" panose="020B0200000000000000" pitchFamily="50" charset="-128"/>
+                <a:ea typeface="Noto Sans JP" panose="020B0200000000000000" pitchFamily="50" charset="-128"/>
+              </a:rPr>
+              <a:t>int </a:t>
+            </a:r>
+            <a:r>
+              <a:rPr kumimoji="1" lang="ja-JP" altLang="en-US" sz="2000" dirty="0">
+                <a:solidFill>
+                  <a:schemeClr val="tx1">
+                    <a:lumMod val="85000"/>
+                    <a:lumOff val="15000"/>
+                  </a:schemeClr>
+                </a:solidFill>
+                <a:latin typeface="Noto Sans JP" panose="020B0200000000000000" pitchFamily="50" charset="-128"/>
+                <a:ea typeface="Noto Sans JP" panose="020B0200000000000000" pitchFamily="50" charset="-128"/>
+              </a:rPr>
+              <a:t>型（整数型）であるべき」という意味を示しています。</a:t>
+            </a:r>
+          </a:p>
+          <a:p>
+            <a:endParaRPr kumimoji="1" lang="ja-JP" altLang="en-US" sz="2000" dirty="0">
+              <a:solidFill>
+                <a:schemeClr val="tx1">
+                  <a:lumMod val="85000"/>
+                  <a:lumOff val="15000"/>
+                </a:schemeClr>
+              </a:solidFill>
+              <a:latin typeface="Noto Sans JP" panose="020B0200000000000000" pitchFamily="50" charset="-128"/>
+              <a:ea typeface="Noto Sans JP" panose="020B0200000000000000" pitchFamily="50" charset="-128"/>
+            </a:endParaRPr>
+          </a:p>
+          <a:p>
+            <a:r>
+              <a:rPr kumimoji="1" lang="ja-JP" altLang="en-US" sz="2000" dirty="0">
+                <a:solidFill>
+                  <a:schemeClr val="tx1">
+                    <a:lumMod val="85000"/>
+                    <a:lumOff val="15000"/>
+                  </a:schemeClr>
+                </a:solidFill>
+                <a:latin typeface="Noto Sans JP" panose="020B0200000000000000" pitchFamily="50" charset="-128"/>
+                <a:ea typeface="Noto Sans JP" panose="020B0200000000000000" pitchFamily="50" charset="-128"/>
+              </a:rPr>
+              <a:t>これは実行時に動作に影響を与えるわけではなく、あくまで読みやすさや静的解析のための情報です。</a:t>
+            </a:r>
+          </a:p>
+        </p:txBody>
+      </p:sp>
+    </p:spTree>
+    <p:extLst>
+      <p:ext uri="{BB962C8B-B14F-4D97-AF65-F5344CB8AC3E}">
+        <p14:creationId xmlns:p14="http://schemas.microsoft.com/office/powerpoint/2010/main" val="2993871398"/>
+      </p:ext>
+    </p:extLst>
+  </p:cSld>
+  <p:clrMapOvr>
+    <a:masterClrMapping/>
+  </p:clrMapOvr>
+  <p:timing>
+    <p:tnLst>
+      <p:par>
+        <p:cTn id="1" dur="indefinite" restart="never" nodeType="tmRoot">
+          <p:childTnLst>
+            <p:seq concurrent="1" nextAc="seek">
+              <p:cTn id="2" dur="indefinite" nodeType="mainSeq">
+                <p:childTnLst>
+                  <p:par>
+                    <p:cTn id="3" fill="hold">
+                      <p:stCondLst>
+                        <p:cond delay="indefinite"/>
+                      </p:stCondLst>
+                      <p:childTnLst>
+                        <p:par>
+                          <p:cTn id="4" fill="hold">
+                            <p:stCondLst>
+                              <p:cond delay="0"/>
+                            </p:stCondLst>
+                            <p:childTnLst>
+                              <p:par>
+                                <p:cTn id="5" presetID="1" presetClass="entr" presetSubtype="0" fill="hold" grpId="0" nodeType="clickEffect">
+                                  <p:stCondLst>
+                                    <p:cond delay="0"/>
+                                  </p:stCondLst>
+                                  <p:childTnLst>
+                                    <p:set>
+                                      <p:cBhvr>
+                                        <p:cTn id="6" dur="1" fill="hold">
+                                          <p:stCondLst>
+                                            <p:cond delay="0"/>
+                                          </p:stCondLst>
+                                        </p:cTn>
+                                        <p:tgtEl>
+                                          <p:spTgt spid="18"/>
+                                        </p:tgtEl>
+                                        <p:attrNameLst>
+                                          <p:attrName>style.visibility</p:attrName>
+                                        </p:attrNameLst>
+                                      </p:cBhvr>
+                                      <p:to>
+                                        <p:strVal val="visible"/>
+                                      </p:to>
+                                    </p:set>
+                                  </p:childTnLst>
+                                </p:cTn>
+                              </p:par>
+                              <p:par>
+                                <p:cTn id="7" presetID="1" presetClass="entr" presetSubtype="0" fill="hold" grpId="0" nodeType="withEffect">
+                                  <p:stCondLst>
+                                    <p:cond delay="0"/>
+                                  </p:stCondLst>
+                                  <p:childTnLst>
+                                    <p:set>
+                                      <p:cBhvr>
+                                        <p:cTn id="8" dur="1" fill="hold">
+                                          <p:stCondLst>
+                                            <p:cond delay="0"/>
+                                          </p:stCondLst>
+                                        </p:cTn>
+                                        <p:tgtEl>
+                                          <p:spTgt spid="19"/>
+                                        </p:tgtEl>
+                                        <p:attrNameLst>
+                                          <p:attrName>style.visibility</p:attrName>
+                                        </p:attrNameLst>
+                                      </p:cBhvr>
+                                      <p:to>
+                                        <p:strVal val="visible"/>
+                                      </p:to>
+                                    </p:set>
+                                  </p:childTnLst>
+                                </p:cTn>
+                              </p:par>
+                              <p:par>
+                                <p:cTn id="9" presetID="1" presetClass="entr" presetSubtype="0" fill="hold" grpId="0" nodeType="withEffect">
+                                  <p:stCondLst>
+                                    <p:cond delay="0"/>
+                                  </p:stCondLst>
+                                  <p:childTnLst>
+                                    <p:set>
+                                      <p:cBhvr>
+                                        <p:cTn id="10" dur="1" fill="hold">
+                                          <p:stCondLst>
+                                            <p:cond delay="0"/>
+                                          </p:stCondLst>
+                                        </p:cTn>
+                                        <p:tgtEl>
+                                          <p:spTgt spid="20"/>
+                                        </p:tgtEl>
+                                        <p:attrNameLst>
+                                          <p:attrName>style.visibility</p:attrName>
+                                        </p:attrNameLst>
+                                      </p:cBhvr>
+                                      <p:to>
+                                        <p:strVal val="visible"/>
+                                      </p:to>
+                                    </p:set>
+                                  </p:childTnLst>
+                                </p:cTn>
+                              </p:par>
+                              <p:par>
+                                <p:cTn id="11" presetID="1" presetClass="entr" presetSubtype="0" fill="hold" grpId="0" nodeType="withEffect">
+                                  <p:stCondLst>
+                                    <p:cond delay="0"/>
+                                  </p:stCondLst>
+                                  <p:childTnLst>
+                                    <p:set>
+                                      <p:cBhvr>
+                                        <p:cTn id="12" dur="1" fill="hold">
+                                          <p:stCondLst>
+                                            <p:cond delay="0"/>
+                                          </p:stCondLst>
+                                        </p:cTn>
+                                        <p:tgtEl>
+                                          <p:spTgt spid="13"/>
+                                        </p:tgtEl>
+                                        <p:attrNameLst>
+                                          <p:attrName>style.visibility</p:attrName>
+                                        </p:attrNameLst>
+                                      </p:cBhvr>
+                                      <p:to>
+                                        <p:strVal val="visible"/>
+                                      </p:to>
+                                    </p:set>
+                                  </p:childTnLst>
+                                </p:cTn>
+                              </p:par>
+                              <p:par>
+                                <p:cTn id="13" presetID="1" presetClass="entr" presetSubtype="0" fill="hold" grpId="0" nodeType="withEffect">
+                                  <p:stCondLst>
+                                    <p:cond delay="0"/>
+                                  </p:stCondLst>
+                                  <p:childTnLst>
+                                    <p:set>
+                                      <p:cBhvr>
+                                        <p:cTn id="14" dur="1" fill="hold">
+                                          <p:stCondLst>
+                                            <p:cond delay="0"/>
+                                          </p:stCondLst>
+                                        </p:cTn>
+                                        <p:tgtEl>
+                                          <p:spTgt spid="22"/>
+                                        </p:tgtEl>
+                                        <p:attrNameLst>
+                                          <p:attrName>style.visibility</p:attrName>
+                                        </p:attrNameLst>
+                                      </p:cBhvr>
+                                      <p:to>
+                                        <p:strVal val="visible"/>
+                                      </p:to>
+                                    </p:set>
+                                  </p:childTnLst>
+                                </p:cTn>
+                              </p:par>
+                              <p:par>
+                                <p:cTn id="15" presetID="1" presetClass="entr" presetSubtype="0" fill="hold" grpId="0" nodeType="withEffect">
+                                  <p:stCondLst>
+                                    <p:cond delay="0"/>
+                                  </p:stCondLst>
+                                  <p:childTnLst>
+                                    <p:set>
+                                      <p:cBhvr>
+                                        <p:cTn id="16" dur="1" fill="hold">
+                                          <p:stCondLst>
+                                            <p:cond delay="0"/>
+                                          </p:stCondLst>
+                                        </p:cTn>
+                                        <p:tgtEl>
+                                          <p:spTgt spid="23"/>
+                                        </p:tgtEl>
+                                        <p:attrNameLst>
+                                          <p:attrName>style.visibility</p:attrName>
+                                        </p:attrNameLst>
+                                      </p:cBhvr>
+                                      <p:to>
+                                        <p:strVal val="visible"/>
+                                      </p:to>
+                                    </p:set>
+                                  </p:childTnLst>
+                                </p:cTn>
+                              </p:par>
+                              <p:par>
+                                <p:cTn id="17" presetID="1" presetClass="entr" presetSubtype="0" fill="hold" grpId="0" nodeType="withEffect">
+                                  <p:stCondLst>
+                                    <p:cond delay="0"/>
+                                  </p:stCondLst>
+                                  <p:childTnLst>
+                                    <p:set>
+                                      <p:cBhvr>
+                                        <p:cTn id="18" dur="1" fill="hold">
+                                          <p:stCondLst>
+                                            <p:cond delay="0"/>
+                                          </p:stCondLst>
+                                        </p:cTn>
+                                        <p:tgtEl>
+                                          <p:spTgt spid="16"/>
+                                        </p:tgtEl>
+                                        <p:attrNameLst>
+                                          <p:attrName>style.visibility</p:attrName>
+                                        </p:attrNameLst>
+                                      </p:cBhvr>
+                                      <p:to>
+                                        <p:strVal val="visible"/>
+                                      </p:to>
+                                    </p:set>
+                                  </p:childTnLst>
+                                </p:cTn>
+                              </p:par>
+                              <p:par>
+                                <p:cTn id="19" presetID="1" presetClass="entr" presetSubtype="0" fill="hold" grpId="0" nodeType="withEffect">
+                                  <p:stCondLst>
+                                    <p:cond delay="0"/>
+                                  </p:stCondLst>
+                                  <p:childTnLst>
+                                    <p:set>
+                                      <p:cBhvr>
+                                        <p:cTn id="20" dur="1" fill="hold">
+                                          <p:stCondLst>
+                                            <p:cond delay="0"/>
+                                          </p:stCondLst>
+                                        </p:cTn>
+                                        <p:tgtEl>
+                                          <p:spTgt spid="24"/>
+                                        </p:tgtEl>
+                                        <p:attrNameLst>
+                                          <p:attrName>style.visibility</p:attrName>
+                                        </p:attrNameLst>
+                                      </p:cBhvr>
+                                      <p:to>
+                                        <p:strVal val="visible"/>
+                                      </p:to>
+                                    </p:set>
+                                  </p:childTnLst>
+                                </p:cTn>
+                              </p:par>
+                              <p:par>
+                                <p:cTn id="21" presetID="1" presetClass="entr" presetSubtype="0" fill="hold" grpId="0" nodeType="withEffect">
+                                  <p:stCondLst>
+                                    <p:cond delay="0"/>
+                                  </p:stCondLst>
+                                  <p:childTnLst>
+                                    <p:set>
+                                      <p:cBhvr>
+                                        <p:cTn id="22" dur="1" fill="hold">
+                                          <p:stCondLst>
+                                            <p:cond delay="0"/>
+                                          </p:stCondLst>
+                                        </p:cTn>
+                                        <p:tgtEl>
+                                          <p:spTgt spid="25"/>
+                                        </p:tgtEl>
+                                        <p:attrNameLst>
+                                          <p:attrName>style.visibility</p:attrName>
+                                        </p:attrNameLst>
+                                      </p:cBhvr>
+                                      <p:to>
+                                        <p:strVal val="visible"/>
+                                      </p:to>
+                                    </p:set>
+                                  </p:childTnLst>
+                                </p:cTn>
+                              </p:par>
+                            </p:childTnLst>
+                          </p:cTn>
+                        </p:par>
+                      </p:childTnLst>
+                    </p:cTn>
+                  </p:par>
+                </p:childTnLst>
+              </p:cTn>
+              <p:prevCondLst>
+                <p:cond evt="onPrev" delay="0">
+                  <p:tgtEl>
+                    <p:sldTgt/>
+                  </p:tgtEl>
+                </p:cond>
+              </p:prevCondLst>
+              <p:nextCondLst>
+                <p:cond evt="onNext" delay="0">
+                  <p:tgtEl>
+                    <p:sldTgt/>
+                  </p:tgtEl>
+                </p:cond>
+              </p:nextCondLst>
+            </p:seq>
+          </p:childTnLst>
+        </p:cTn>
+      </p:par>
+    </p:tnLst>
+    <p:bldLst>
+      <p:bldP spid="13" grpId="0" animBg="1"/>
+      <p:bldP spid="16" grpId="0" animBg="1"/>
+      <p:bldP spid="18" grpId="0" animBg="1"/>
+      <p:bldP spid="19" grpId="0" animBg="1"/>
+      <p:bldP spid="20" grpId="0" animBg="1"/>
+      <p:bldP spid="22" grpId="0" animBg="1"/>
+      <p:bldP spid="23" grpId="0" animBg="1"/>
+      <p:bldP spid="24" grpId="0" animBg="1"/>
+      <p:bldP spid="25" grpId="0" animBg="1"/>
+    </p:bldLst>
+  </p:timing>
+</p:sld>
+</file>
+
+<file path=ppt/slides/slide12.xml><?xml version="1.0" encoding="utf-8"?>
 <p:sld xmlns:a="http://schemas.openxmlformats.org/drawingml/2006/main" xmlns:r="http://schemas.openxmlformats.org/officeDocument/2006/relationships" xmlns:p="http://schemas.openxmlformats.org/presentationml/2006/main">
   <p:cSld>
     <p:spTree>
@@ -13549,7 +15545,7 @@
 </p:sld>
 </file>
 
-<file path=ppt/slides/slide11.xml><?xml version="1.0" encoding="utf-8"?>
+<file path=ppt/slides/slide13.xml><?xml version="1.0" encoding="utf-8"?>
 <p:sld xmlns:a="http://schemas.openxmlformats.org/drawingml/2006/main" xmlns:r="http://schemas.openxmlformats.org/officeDocument/2006/relationships" xmlns:p="http://schemas.openxmlformats.org/presentationml/2006/main">
   <p:cSld>
     <p:spTree>
@@ -15677,7 +17673,7 @@
 </p:sld>
 </file>
 
-<file path=ppt/slides/slide12.xml><?xml version="1.0" encoding="utf-8"?>
+<file path=ppt/slides/slide14.xml><?xml version="1.0" encoding="utf-8"?>
 <p:sld xmlns:a="http://schemas.openxmlformats.org/drawingml/2006/main" xmlns:r="http://schemas.openxmlformats.org/officeDocument/2006/relationships" xmlns:p="http://schemas.openxmlformats.org/presentationml/2006/main">
   <p:cSld>
     <p:spTree>
@@ -17243,7 +19239,7 @@
 </p:sld>
 </file>
 
-<file path=ppt/slides/slide13.xml><?xml version="1.0" encoding="utf-8"?>
+<file path=ppt/slides/slide15.xml><?xml version="1.0" encoding="utf-8"?>
 <p:sld xmlns:a="http://schemas.openxmlformats.org/drawingml/2006/main" xmlns:r="http://schemas.openxmlformats.org/officeDocument/2006/relationships" xmlns:p="http://schemas.openxmlformats.org/presentationml/2006/main">
   <p:cSld>
     <p:spTree>
@@ -18632,7 +20628,7 @@
 </p:sld>
 </file>
 
-<file path=ppt/slides/slide14.xml><?xml version="1.0" encoding="utf-8"?>
+<file path=ppt/slides/slide16.xml><?xml version="1.0" encoding="utf-8"?>
 <p:sld xmlns:a="http://schemas.openxmlformats.org/drawingml/2006/main" xmlns:r="http://schemas.openxmlformats.org/officeDocument/2006/relationships" xmlns:p="http://schemas.openxmlformats.org/presentationml/2006/main">
   <p:cSld>
     <p:spTree>
@@ -19809,7 +21805,7 @@
 </p:sld>
 </file>
 
-<file path=ppt/slides/slide15.xml><?xml version="1.0" encoding="utf-8"?>
+<file path=ppt/slides/slide17.xml><?xml version="1.0" encoding="utf-8"?>
 <p:sld xmlns:a="http://schemas.openxmlformats.org/drawingml/2006/main" xmlns:r="http://schemas.openxmlformats.org/officeDocument/2006/relationships" xmlns:p="http://schemas.openxmlformats.org/presentationml/2006/main">
   <p:cSld>
     <p:spTree>
@@ -21237,7 +23233,7 @@
 </p:sld>
 </file>
 
-<file path=ppt/slides/slide16.xml><?xml version="1.0" encoding="utf-8"?>
+<file path=ppt/slides/slide18.xml><?xml version="1.0" encoding="utf-8"?>
 <p:sld xmlns:a="http://schemas.openxmlformats.org/drawingml/2006/main" xmlns:r="http://schemas.openxmlformats.org/officeDocument/2006/relationships" xmlns:p="http://schemas.openxmlformats.org/presentationml/2006/main">
   <p:cSld>
     <p:spTree>
@@ -22357,7 +24353,7 @@
 </p:sld>
 </file>
 
-<file path=ppt/slides/slide17.xml><?xml version="1.0" encoding="utf-8"?>
+<file path=ppt/slides/slide19.xml><?xml version="1.0" encoding="utf-8"?>
 <p:sld xmlns:a="http://schemas.openxmlformats.org/drawingml/2006/main" xmlns:r="http://schemas.openxmlformats.org/officeDocument/2006/relationships" xmlns:p="http://schemas.openxmlformats.org/presentationml/2006/main">
   <p:cSld>
     <p:spTree>
@@ -24557,6 +26553,1983 @@
         <p:cNvPr id="1" name="">
           <a:extLst>
             <a:ext uri="{FF2B5EF4-FFF2-40B4-BE49-F238E27FC236}">
+              <a16:creationId xmlns:a16="http://schemas.microsoft.com/office/drawing/2014/main" id="{F9C8C110-4DBF-D01D-7B74-BA4554E7BCA2}"/>
+            </a:ext>
+          </a:extLst>
+        </p:cNvPr>
+        <p:cNvGrpSpPr/>
+        <p:nvPr/>
+      </p:nvGrpSpPr>
+      <p:grpSpPr>
+        <a:xfrm>
+          <a:off x="0" y="0"/>
+          <a:ext cx="0" cy="0"/>
+          <a:chOff x="0" y="0"/>
+          <a:chExt cx="0" cy="0"/>
+        </a:xfrm>
+      </p:grpSpPr>
+      <p:pic>
+        <p:nvPicPr>
+          <p:cNvPr id="4" name="図 3">
+            <a:extLst>
+              <a:ext uri="{FF2B5EF4-FFF2-40B4-BE49-F238E27FC236}">
+                <a16:creationId xmlns:a16="http://schemas.microsoft.com/office/drawing/2014/main" id="{E4CCB239-4C28-9906-A986-232B117D3147}"/>
+              </a:ext>
+            </a:extLst>
+          </p:cNvPr>
+          <p:cNvPicPr>
+            <a:picLocks noChangeAspect="1"/>
+          </p:cNvPicPr>
+          <p:nvPr/>
+        </p:nvPicPr>
+        <p:blipFill>
+          <a:blip r:embed="rId2"/>
+          <a:stretch>
+            <a:fillRect/>
+          </a:stretch>
+        </p:blipFill>
+        <p:spPr>
+          <a:xfrm>
+            <a:off x="522775" y="1535824"/>
+            <a:ext cx="15356443" cy="7992590"/>
+          </a:xfrm>
+          <a:prstGeom prst="rect">
+            <a:avLst/>
+          </a:prstGeom>
+        </p:spPr>
+      </p:pic>
+      <p:sp>
+        <p:nvSpPr>
+          <p:cNvPr id="8" name="タイトル 7">
+            <a:extLst>
+              <a:ext uri="{FF2B5EF4-FFF2-40B4-BE49-F238E27FC236}">
+                <a16:creationId xmlns:a16="http://schemas.microsoft.com/office/drawing/2014/main" id="{30EEE91C-D295-DBB0-73C4-B8590D431FEA}"/>
+              </a:ext>
+            </a:extLst>
+          </p:cNvPr>
+          <p:cNvSpPr>
+            <a:spLocks noGrp="1"/>
+          </p:cNvSpPr>
+          <p:nvPr>
+            <p:ph type="title"/>
+          </p:nvPr>
+        </p:nvSpPr>
+        <p:spPr>
+          <a:xfrm>
+            <a:off x="522775" y="348253"/>
+            <a:ext cx="17646914" cy="770016"/>
+          </a:xfrm>
+        </p:spPr>
+        <p:txBody>
+          <a:bodyPr/>
+          <a:lstStyle/>
+          <a:p>
+            <a:r>
+              <a:rPr lang="en-US" altLang="ja-JP" dirty="0">
+                <a:solidFill>
+                  <a:schemeClr val="bg1"/>
+                </a:solidFill>
+                <a:latin typeface="Noto Sans JP" panose="020B0200000000000000" pitchFamily="50" charset="-128"/>
+                <a:ea typeface="Noto Sans JP" panose="020B0200000000000000" pitchFamily="50" charset="-128"/>
+              </a:rPr>
+              <a:t>9.</a:t>
+            </a:r>
+            <a:r>
+              <a:rPr lang="ja-JP" altLang="en-US" dirty="0">
+                <a:solidFill>
+                  <a:schemeClr val="bg1"/>
+                </a:solidFill>
+                <a:latin typeface="Noto Sans JP" panose="020B0200000000000000" pitchFamily="50" charset="-128"/>
+                <a:ea typeface="Noto Sans JP" panose="020B0200000000000000" pitchFamily="50" charset="-128"/>
+              </a:rPr>
+              <a:t>リスト操作</a:t>
+            </a:r>
+          </a:p>
+        </p:txBody>
+      </p:sp>
+      <p:sp>
+        <p:nvSpPr>
+          <p:cNvPr id="3" name="フッター プレースホルダー 2">
+            <a:extLst>
+              <a:ext uri="{FF2B5EF4-FFF2-40B4-BE49-F238E27FC236}">
+                <a16:creationId xmlns:a16="http://schemas.microsoft.com/office/drawing/2014/main" id="{878E5FE4-0A33-E1BE-9A12-7F5A4791458F}"/>
+              </a:ext>
+            </a:extLst>
+          </p:cNvPr>
+          <p:cNvSpPr>
+            <a:spLocks noGrp="1"/>
+          </p:cNvSpPr>
+          <p:nvPr>
+            <p:ph type="ftr" sz="quarter" idx="10"/>
+          </p:nvPr>
+        </p:nvSpPr>
+        <p:spPr/>
+        <p:txBody>
+          <a:bodyPr/>
+          <a:lstStyle/>
+          <a:p>
+            <a:r>
+              <a:rPr lang="en-US" altLang="ja-JP" sz="2400" dirty="0">
+                <a:latin typeface="Noto Sans JP" panose="020B0200000000000000" pitchFamily="50" charset="-128"/>
+                <a:ea typeface="Noto Sans JP" panose="020B0200000000000000" pitchFamily="50" charset="-128"/>
+              </a:rPr>
+              <a:t>Prime Study </a:t>
+            </a:r>
+            <a:r>
+              <a:rPr lang="ja-JP" altLang="en-US" sz="2400" dirty="0">
+                <a:latin typeface="Noto Sans JP" panose="020B0200000000000000" pitchFamily="50" charset="-128"/>
+                <a:ea typeface="Noto Sans JP" panose="020B0200000000000000" pitchFamily="50" charset="-128"/>
+              </a:rPr>
+              <a:t>第</a:t>
+            </a:r>
+            <a:r>
+              <a:rPr lang="en-US" altLang="ja-JP" sz="2400" dirty="0">
+                <a:latin typeface="Noto Sans JP" panose="020B0200000000000000" pitchFamily="50" charset="-128"/>
+                <a:ea typeface="Noto Sans JP" panose="020B0200000000000000" pitchFamily="50" charset="-128"/>
+              </a:rPr>
+              <a:t>2</a:t>
+            </a:r>
+            <a:r>
+              <a:rPr lang="ja-JP" altLang="en-US" sz="2400" dirty="0">
+                <a:latin typeface="Noto Sans JP" panose="020B0200000000000000" pitchFamily="50" charset="-128"/>
+                <a:ea typeface="Noto Sans JP" panose="020B0200000000000000" pitchFamily="50" charset="-128"/>
+              </a:rPr>
+              <a:t>回</a:t>
+            </a:r>
+            <a:endParaRPr lang="en-US" altLang="ja-JP" sz="2400" dirty="0">
+              <a:latin typeface="Noto Sans JP" panose="020B0200000000000000" pitchFamily="50" charset="-128"/>
+              <a:ea typeface="Noto Sans JP" panose="020B0200000000000000" pitchFamily="50" charset="-128"/>
+            </a:endParaRPr>
+          </a:p>
+        </p:txBody>
+      </p:sp>
+      <p:sp>
+        <p:nvSpPr>
+          <p:cNvPr id="5" name="楕円 4">
+            <a:extLst>
+              <a:ext uri="{FF2B5EF4-FFF2-40B4-BE49-F238E27FC236}">
+                <a16:creationId xmlns:a16="http://schemas.microsoft.com/office/drawing/2014/main" id="{F0CA9EDE-1EC7-549F-84FD-4910ECBAEF26}"/>
+              </a:ext>
+            </a:extLst>
+          </p:cNvPr>
+          <p:cNvSpPr/>
+          <p:nvPr/>
+        </p:nvSpPr>
+        <p:spPr>
+          <a:xfrm>
+            <a:off x="766354" y="7999440"/>
+            <a:ext cx="419100" cy="419100"/>
+          </a:xfrm>
+          <a:prstGeom prst="ellipse">
+            <a:avLst/>
+          </a:prstGeom>
+          <a:noFill/>
+          <a:ln w="38100">
+            <a:solidFill>
+              <a:srgbClr val="FF0000"/>
+            </a:solidFill>
+          </a:ln>
+        </p:spPr>
+        <p:style>
+          <a:lnRef idx="2">
+            <a:schemeClr val="accent1">
+              <a:shade val="50000"/>
+            </a:schemeClr>
+          </a:lnRef>
+          <a:fillRef idx="1">
+            <a:schemeClr val="accent1"/>
+          </a:fillRef>
+          <a:effectRef idx="0">
+            <a:schemeClr val="accent1"/>
+          </a:effectRef>
+          <a:fontRef idx="minor">
+            <a:schemeClr val="lt1"/>
+          </a:fontRef>
+        </p:style>
+        <p:txBody>
+          <a:bodyPr rtlCol="0" anchor="ctr"/>
+          <a:lstStyle/>
+          <a:p>
+            <a:pPr algn="ctr"/>
+            <a:endParaRPr kumimoji="1" lang="ja-JP" altLang="en-US" sz="4050"/>
+          </a:p>
+        </p:txBody>
+      </p:sp>
+      <p:sp>
+        <p:nvSpPr>
+          <p:cNvPr id="17" name="正方形/長方形 16">
+            <a:extLst>
+              <a:ext uri="{FF2B5EF4-FFF2-40B4-BE49-F238E27FC236}">
+                <a16:creationId xmlns:a16="http://schemas.microsoft.com/office/drawing/2014/main" id="{1A0C20E6-28B6-4567-EDBF-1CBB062EC556}"/>
+              </a:ext>
+            </a:extLst>
+          </p:cNvPr>
+          <p:cNvSpPr/>
+          <p:nvPr/>
+        </p:nvSpPr>
+        <p:spPr>
+          <a:xfrm>
+            <a:off x="9942025" y="2499974"/>
+            <a:ext cx="7823200" cy="2616203"/>
+          </a:xfrm>
+          <a:prstGeom prst="rect">
+            <a:avLst/>
+          </a:prstGeom>
+          <a:solidFill>
+            <a:schemeClr val="tx1"/>
+          </a:solidFill>
+          <a:ln>
+            <a:noFill/>
+          </a:ln>
+        </p:spPr>
+        <p:style>
+          <a:lnRef idx="2">
+            <a:schemeClr val="accent1">
+              <a:shade val="50000"/>
+            </a:schemeClr>
+          </a:lnRef>
+          <a:fillRef idx="1">
+            <a:schemeClr val="accent1"/>
+          </a:fillRef>
+          <a:effectRef idx="0">
+            <a:schemeClr val="accent1"/>
+          </a:effectRef>
+          <a:fontRef idx="minor">
+            <a:schemeClr val="lt1"/>
+          </a:fontRef>
+        </p:style>
+        <p:txBody>
+          <a:bodyPr rtlCol="0" anchor="ctr"/>
+          <a:lstStyle/>
+          <a:p>
+            <a:r>
+              <a:rPr kumimoji="1" lang="en-US" altLang="ja-JP" sz="2400" dirty="0">
+                <a:latin typeface="Noto Sans JP" panose="020B0200000000000000" pitchFamily="50" charset="-128"/>
+                <a:ea typeface="Noto Sans JP" panose="020B0200000000000000" pitchFamily="50" charset="-128"/>
+              </a:rPr>
+              <a:t>months</a:t>
+            </a:r>
+            <a:r>
+              <a:rPr kumimoji="1" lang="en-US" altLang="ja-JP" sz="2400" dirty="0">
+                <a:solidFill>
+                  <a:schemeClr val="tx1"/>
+                </a:solidFill>
+                <a:highlight>
+                  <a:srgbClr val="FFFFFF"/>
+                </a:highlight>
+                <a:latin typeface="Noto Sans JP" panose="020B0200000000000000" pitchFamily="50" charset="-128"/>
+                <a:ea typeface="Noto Sans JP" panose="020B0200000000000000" pitchFamily="50" charset="-128"/>
+              </a:rPr>
+              <a:t>[:] </a:t>
+            </a:r>
+            <a:r>
+              <a:rPr kumimoji="1" lang="ja-JP" altLang="en-US" sz="2400" dirty="0">
+                <a:solidFill>
+                  <a:schemeClr val="tx1"/>
+                </a:solidFill>
+                <a:highlight>
+                  <a:srgbClr val="FFFFFF"/>
+                </a:highlight>
+                <a:latin typeface="Noto Sans JP" panose="020B0200000000000000" pitchFamily="50" charset="-128"/>
+                <a:ea typeface="Noto Sans JP" panose="020B0200000000000000" pitchFamily="50" charset="-128"/>
+              </a:rPr>
+              <a:t>はリストのコピー</a:t>
+            </a:r>
+            <a:r>
+              <a:rPr kumimoji="1" lang="ja-JP" altLang="en-US" sz="2400" dirty="0">
+                <a:latin typeface="Noto Sans JP" panose="020B0200000000000000" pitchFamily="50" charset="-128"/>
+                <a:ea typeface="Noto Sans JP" panose="020B0200000000000000" pitchFamily="50" charset="-128"/>
+              </a:rPr>
+              <a:t>なので、ループは最初の状態を基準に進む</a:t>
+            </a:r>
+          </a:p>
+          <a:p>
+            <a:endParaRPr kumimoji="1" lang="ja-JP" altLang="en-US" sz="2400" dirty="0">
+              <a:latin typeface="Noto Sans JP" panose="020B0200000000000000" pitchFamily="50" charset="-128"/>
+              <a:ea typeface="Noto Sans JP" panose="020B0200000000000000" pitchFamily="50" charset="-128"/>
+            </a:endParaRPr>
+          </a:p>
+          <a:p>
+            <a:r>
+              <a:rPr kumimoji="1" lang="en-US" altLang="ja-JP" sz="2400" dirty="0">
+                <a:latin typeface="Noto Sans JP" panose="020B0200000000000000" pitchFamily="50" charset="-128"/>
+                <a:ea typeface="Noto Sans JP" panose="020B0200000000000000" pitchFamily="50" charset="-128"/>
+              </a:rPr>
+              <a:t>insert(0, ...) </a:t>
+            </a:r>
+            <a:r>
+              <a:rPr kumimoji="1" lang="ja-JP" altLang="en-US" sz="2400" dirty="0">
+                <a:latin typeface="Noto Sans JP" panose="020B0200000000000000" pitchFamily="50" charset="-128"/>
+                <a:ea typeface="Noto Sans JP" panose="020B0200000000000000" pitchFamily="50" charset="-128"/>
+              </a:rPr>
+              <a:t>は先頭に要素を入れる</a:t>
+            </a:r>
+          </a:p>
+          <a:p>
+            <a:endParaRPr kumimoji="1" lang="ja-JP" altLang="en-US" sz="2400" dirty="0">
+              <a:latin typeface="Noto Sans JP" panose="020B0200000000000000" pitchFamily="50" charset="-128"/>
+              <a:ea typeface="Noto Sans JP" panose="020B0200000000000000" pitchFamily="50" charset="-128"/>
+            </a:endParaRPr>
+          </a:p>
+          <a:p>
+            <a:r>
+              <a:rPr kumimoji="1" lang="en-US" altLang="ja-JP" sz="2400" dirty="0">
+                <a:latin typeface="Noto Sans JP" panose="020B0200000000000000" pitchFamily="50" charset="-128"/>
+                <a:ea typeface="Noto Sans JP" panose="020B0200000000000000" pitchFamily="50" charset="-128"/>
+              </a:rPr>
+              <a:t>insert </a:t>
+            </a:r>
+            <a:r>
+              <a:rPr kumimoji="1" lang="ja-JP" altLang="en-US" sz="2400" dirty="0">
+                <a:latin typeface="Noto Sans JP" panose="020B0200000000000000" pitchFamily="50" charset="-128"/>
+                <a:ea typeface="Noto Sans JP" panose="020B0200000000000000" pitchFamily="50" charset="-128"/>
+              </a:rPr>
+              <a:t>はどんどん先頭に追加していく</a:t>
+            </a:r>
+          </a:p>
+        </p:txBody>
+      </p:sp>
+      <p:sp>
+        <p:nvSpPr>
+          <p:cNvPr id="18" name="正方形/長方形 17">
+            <a:extLst>
+              <a:ext uri="{FF2B5EF4-FFF2-40B4-BE49-F238E27FC236}">
+                <a16:creationId xmlns:a16="http://schemas.microsoft.com/office/drawing/2014/main" id="{20E4523D-ABBD-F216-73EE-3DCC4861196F}"/>
+              </a:ext>
+            </a:extLst>
+          </p:cNvPr>
+          <p:cNvSpPr/>
+          <p:nvPr/>
+        </p:nvSpPr>
+        <p:spPr>
+          <a:xfrm>
+            <a:off x="9942025" y="1811913"/>
+            <a:ext cx="2847931" cy="688061"/>
+          </a:xfrm>
+          <a:prstGeom prst="rect">
+            <a:avLst/>
+          </a:prstGeom>
+          <a:solidFill>
+            <a:schemeClr val="tx1"/>
+          </a:solidFill>
+          <a:ln>
+            <a:noFill/>
+          </a:ln>
+        </p:spPr>
+        <p:style>
+          <a:lnRef idx="2">
+            <a:schemeClr val="accent1">
+              <a:shade val="50000"/>
+            </a:schemeClr>
+          </a:lnRef>
+          <a:fillRef idx="1">
+            <a:schemeClr val="accent1"/>
+          </a:fillRef>
+          <a:effectRef idx="0">
+            <a:schemeClr val="accent1"/>
+          </a:effectRef>
+          <a:fontRef idx="minor">
+            <a:schemeClr val="lt1"/>
+          </a:fontRef>
+        </p:style>
+        <p:txBody>
+          <a:bodyPr rtlCol="0" anchor="ctr"/>
+          <a:lstStyle/>
+          <a:p>
+            <a:pPr algn="ctr"/>
+            <a:r>
+              <a:rPr kumimoji="1" lang="ja-JP" altLang="en-US" sz="2400" b="1" dirty="0">
+                <a:latin typeface="Noto Sans JP" panose="020B0200000000000000" pitchFamily="50" charset="-128"/>
+                <a:ea typeface="Noto Sans JP" panose="020B0200000000000000" pitchFamily="50" charset="-128"/>
+              </a:rPr>
+              <a:t> ポイントのまとめ</a:t>
+            </a:r>
+          </a:p>
+        </p:txBody>
+      </p:sp>
+    </p:spTree>
+    <p:extLst>
+      <p:ext uri="{BB962C8B-B14F-4D97-AF65-F5344CB8AC3E}">
+        <p14:creationId xmlns:p14="http://schemas.microsoft.com/office/powerpoint/2010/main" val="3433344864"/>
+      </p:ext>
+    </p:extLst>
+  </p:cSld>
+  <p:clrMapOvr>
+    <a:masterClrMapping/>
+  </p:clrMapOvr>
+</p:sld>
+</file>
+
+<file path=ppt/slides/slide4.xml><?xml version="1.0" encoding="utf-8"?>
+<p:sld xmlns:a="http://schemas.openxmlformats.org/drawingml/2006/main" xmlns:r="http://schemas.openxmlformats.org/officeDocument/2006/relationships" xmlns:p="http://schemas.openxmlformats.org/presentationml/2006/main">
+  <p:cSld>
+    <p:spTree>
+      <p:nvGrpSpPr>
+        <p:cNvPr id="1" name="">
+          <a:extLst>
+            <a:ext uri="{FF2B5EF4-FFF2-40B4-BE49-F238E27FC236}">
+              <a16:creationId xmlns:a16="http://schemas.microsoft.com/office/drawing/2014/main" id="{E3CCFFF8-8EFD-7508-8714-9049F19AEB83}"/>
+            </a:ext>
+          </a:extLst>
+        </p:cNvPr>
+        <p:cNvGrpSpPr/>
+        <p:nvPr/>
+      </p:nvGrpSpPr>
+      <p:grpSpPr>
+        <a:xfrm>
+          <a:off x="0" y="0"/>
+          <a:ext cx="0" cy="0"/>
+          <a:chOff x="0" y="0"/>
+          <a:chExt cx="0" cy="0"/>
+        </a:xfrm>
+      </p:grpSpPr>
+      <p:pic>
+        <p:nvPicPr>
+          <p:cNvPr id="4" name="図 3">
+            <a:extLst>
+              <a:ext uri="{FF2B5EF4-FFF2-40B4-BE49-F238E27FC236}">
+                <a16:creationId xmlns:a16="http://schemas.microsoft.com/office/drawing/2014/main" id="{20175E79-BB46-EDE3-8BDC-DFF326F50100}"/>
+              </a:ext>
+            </a:extLst>
+          </p:cNvPr>
+          <p:cNvPicPr>
+            <a:picLocks noChangeAspect="1"/>
+          </p:cNvPicPr>
+          <p:nvPr/>
+        </p:nvPicPr>
+        <p:blipFill>
+          <a:blip r:embed="rId2"/>
+          <a:stretch>
+            <a:fillRect/>
+          </a:stretch>
+        </p:blipFill>
+        <p:spPr>
+          <a:xfrm>
+            <a:off x="522775" y="1535824"/>
+            <a:ext cx="15356443" cy="7992590"/>
+          </a:xfrm>
+          <a:prstGeom prst="rect">
+            <a:avLst/>
+          </a:prstGeom>
+        </p:spPr>
+      </p:pic>
+      <p:sp>
+        <p:nvSpPr>
+          <p:cNvPr id="8" name="タイトル 7">
+            <a:extLst>
+              <a:ext uri="{FF2B5EF4-FFF2-40B4-BE49-F238E27FC236}">
+                <a16:creationId xmlns:a16="http://schemas.microsoft.com/office/drawing/2014/main" id="{C25F9E91-B013-F189-EABE-B39204110594}"/>
+              </a:ext>
+            </a:extLst>
+          </p:cNvPr>
+          <p:cNvSpPr>
+            <a:spLocks noGrp="1"/>
+          </p:cNvSpPr>
+          <p:nvPr>
+            <p:ph type="title"/>
+          </p:nvPr>
+        </p:nvSpPr>
+        <p:spPr>
+          <a:xfrm>
+            <a:off x="522775" y="348253"/>
+            <a:ext cx="17646914" cy="770016"/>
+          </a:xfrm>
+        </p:spPr>
+        <p:txBody>
+          <a:bodyPr/>
+          <a:lstStyle/>
+          <a:p>
+            <a:r>
+              <a:rPr lang="en-US" altLang="ja-JP" dirty="0">
+                <a:solidFill>
+                  <a:schemeClr val="bg1"/>
+                </a:solidFill>
+                <a:latin typeface="Noto Sans JP" panose="020B0200000000000000" pitchFamily="50" charset="-128"/>
+                <a:ea typeface="Noto Sans JP" panose="020B0200000000000000" pitchFamily="50" charset="-128"/>
+              </a:rPr>
+              <a:t>9.</a:t>
+            </a:r>
+            <a:r>
+              <a:rPr lang="ja-JP" altLang="en-US" dirty="0">
+                <a:solidFill>
+                  <a:schemeClr val="bg1"/>
+                </a:solidFill>
+                <a:latin typeface="Noto Sans JP" panose="020B0200000000000000" pitchFamily="50" charset="-128"/>
+                <a:ea typeface="Noto Sans JP" panose="020B0200000000000000" pitchFamily="50" charset="-128"/>
+              </a:rPr>
+              <a:t>リスト操作</a:t>
+            </a:r>
+          </a:p>
+        </p:txBody>
+      </p:sp>
+      <p:sp>
+        <p:nvSpPr>
+          <p:cNvPr id="3" name="フッター プレースホルダー 2">
+            <a:extLst>
+              <a:ext uri="{FF2B5EF4-FFF2-40B4-BE49-F238E27FC236}">
+                <a16:creationId xmlns:a16="http://schemas.microsoft.com/office/drawing/2014/main" id="{83ED79D8-BD89-42E9-CB88-DBA0D5C489F9}"/>
+              </a:ext>
+            </a:extLst>
+          </p:cNvPr>
+          <p:cNvSpPr>
+            <a:spLocks noGrp="1"/>
+          </p:cNvSpPr>
+          <p:nvPr>
+            <p:ph type="ftr" sz="quarter" idx="10"/>
+          </p:nvPr>
+        </p:nvSpPr>
+        <p:spPr/>
+        <p:txBody>
+          <a:bodyPr/>
+          <a:lstStyle/>
+          <a:p>
+            <a:r>
+              <a:rPr lang="en-US" altLang="ja-JP" sz="2400" dirty="0">
+                <a:latin typeface="Noto Sans JP" panose="020B0200000000000000" pitchFamily="50" charset="-128"/>
+                <a:ea typeface="Noto Sans JP" panose="020B0200000000000000" pitchFamily="50" charset="-128"/>
+              </a:rPr>
+              <a:t>Prime Study </a:t>
+            </a:r>
+            <a:r>
+              <a:rPr lang="ja-JP" altLang="en-US" sz="2400" dirty="0">
+                <a:latin typeface="Noto Sans JP" panose="020B0200000000000000" pitchFamily="50" charset="-128"/>
+                <a:ea typeface="Noto Sans JP" panose="020B0200000000000000" pitchFamily="50" charset="-128"/>
+              </a:rPr>
+              <a:t>第</a:t>
+            </a:r>
+            <a:r>
+              <a:rPr lang="en-US" altLang="ja-JP" sz="2400" dirty="0">
+                <a:latin typeface="Noto Sans JP" panose="020B0200000000000000" pitchFamily="50" charset="-128"/>
+                <a:ea typeface="Noto Sans JP" panose="020B0200000000000000" pitchFamily="50" charset="-128"/>
+              </a:rPr>
+              <a:t>2</a:t>
+            </a:r>
+            <a:r>
+              <a:rPr lang="ja-JP" altLang="en-US" sz="2400" dirty="0">
+                <a:latin typeface="Noto Sans JP" panose="020B0200000000000000" pitchFamily="50" charset="-128"/>
+                <a:ea typeface="Noto Sans JP" panose="020B0200000000000000" pitchFamily="50" charset="-128"/>
+              </a:rPr>
+              <a:t>回</a:t>
+            </a:r>
+            <a:endParaRPr lang="en-US" altLang="ja-JP" sz="2400" dirty="0">
+              <a:latin typeface="Noto Sans JP" panose="020B0200000000000000" pitchFamily="50" charset="-128"/>
+              <a:ea typeface="Noto Sans JP" panose="020B0200000000000000" pitchFamily="50" charset="-128"/>
+            </a:endParaRPr>
+          </a:p>
+        </p:txBody>
+      </p:sp>
+      <p:sp>
+        <p:nvSpPr>
+          <p:cNvPr id="5" name="楕円 4">
+            <a:extLst>
+              <a:ext uri="{FF2B5EF4-FFF2-40B4-BE49-F238E27FC236}">
+                <a16:creationId xmlns:a16="http://schemas.microsoft.com/office/drawing/2014/main" id="{E8F25062-2232-3845-4A7F-3A58C6DF8586}"/>
+              </a:ext>
+            </a:extLst>
+          </p:cNvPr>
+          <p:cNvSpPr/>
+          <p:nvPr/>
+        </p:nvSpPr>
+        <p:spPr>
+          <a:xfrm>
+            <a:off x="766354" y="7999440"/>
+            <a:ext cx="419100" cy="419100"/>
+          </a:xfrm>
+          <a:prstGeom prst="ellipse">
+            <a:avLst/>
+          </a:prstGeom>
+          <a:noFill/>
+          <a:ln w="38100">
+            <a:solidFill>
+              <a:srgbClr val="FF0000"/>
+            </a:solidFill>
+          </a:ln>
+        </p:spPr>
+        <p:style>
+          <a:lnRef idx="2">
+            <a:schemeClr val="accent1">
+              <a:shade val="50000"/>
+            </a:schemeClr>
+          </a:lnRef>
+          <a:fillRef idx="1">
+            <a:schemeClr val="accent1"/>
+          </a:fillRef>
+          <a:effectRef idx="0">
+            <a:schemeClr val="accent1"/>
+          </a:effectRef>
+          <a:fontRef idx="minor">
+            <a:schemeClr val="lt1"/>
+          </a:fontRef>
+        </p:style>
+        <p:txBody>
+          <a:bodyPr rtlCol="0" anchor="ctr"/>
+          <a:lstStyle/>
+          <a:p>
+            <a:pPr algn="ctr"/>
+            <a:endParaRPr kumimoji="1" lang="ja-JP" altLang="en-US" sz="4050"/>
+          </a:p>
+        </p:txBody>
+      </p:sp>
+      <p:graphicFrame>
+        <p:nvGraphicFramePr>
+          <p:cNvPr id="2" name="表 1">
+            <a:extLst>
+              <a:ext uri="{FF2B5EF4-FFF2-40B4-BE49-F238E27FC236}">
+                <a16:creationId xmlns:a16="http://schemas.microsoft.com/office/drawing/2014/main" id="{12412668-E98F-C66B-7ED5-4B304C338B50}"/>
+              </a:ext>
+            </a:extLst>
+          </p:cNvPr>
+          <p:cNvGraphicFramePr>
+            <a:graphicFrameLocks noGrp="1"/>
+          </p:cNvGraphicFramePr>
+          <p:nvPr>
+            <p:extLst>
+              <p:ext uri="{D42A27DB-BD31-4B8C-83A1-F6EECF244321}">
+                <p14:modId xmlns:p14="http://schemas.microsoft.com/office/powerpoint/2010/main" val="3766100762"/>
+              </p:ext>
+            </p:extLst>
+          </p:nvPr>
+        </p:nvGraphicFramePr>
+        <p:xfrm>
+          <a:off x="5165558" y="1807094"/>
+          <a:ext cx="13004131" cy="7914422"/>
+        </p:xfrm>
+        <a:graphic>
+          <a:graphicData uri="http://schemas.openxmlformats.org/drawingml/2006/table">
+            <a:tbl>
+              <a:tblPr firstRow="1">
+                <a:tableStyleId>{93296810-A885-4BE3-A3E7-6D5BEEA58F35}</a:tableStyleId>
+              </a:tblPr>
+              <a:tblGrid>
+                <a:gridCol w="299513">
+                  <a:extLst>
+                    <a:ext uri="{9D8B030D-6E8A-4147-A177-3AD203B41FA5}">
+                      <a16:colId xmlns:a16="http://schemas.microsoft.com/office/drawing/2014/main" val="630768620"/>
+                    </a:ext>
+                  </a:extLst>
+                </a:gridCol>
+                <a:gridCol w="1302327">
+                  <a:extLst>
+                    <a:ext uri="{9D8B030D-6E8A-4147-A177-3AD203B41FA5}">
+                      <a16:colId xmlns:a16="http://schemas.microsoft.com/office/drawing/2014/main" val="3833500087"/>
+                    </a:ext>
+                  </a:extLst>
+                </a:gridCol>
+                <a:gridCol w="1801091">
+                  <a:extLst>
+                    <a:ext uri="{9D8B030D-6E8A-4147-A177-3AD203B41FA5}">
+                      <a16:colId xmlns:a16="http://schemas.microsoft.com/office/drawing/2014/main" val="2449989043"/>
+                    </a:ext>
+                  </a:extLst>
+                </a:gridCol>
+                <a:gridCol w="4987636">
+                  <a:extLst>
+                    <a:ext uri="{9D8B030D-6E8A-4147-A177-3AD203B41FA5}">
+                      <a16:colId xmlns:a16="http://schemas.microsoft.com/office/drawing/2014/main" val="1914797381"/>
+                    </a:ext>
+                  </a:extLst>
+                </a:gridCol>
+                <a:gridCol w="4613564">
+                  <a:extLst>
+                    <a:ext uri="{9D8B030D-6E8A-4147-A177-3AD203B41FA5}">
+                      <a16:colId xmlns:a16="http://schemas.microsoft.com/office/drawing/2014/main" val="1535945393"/>
+                    </a:ext>
+                  </a:extLst>
+                </a:gridCol>
+              </a:tblGrid>
+              <a:tr h="1018596">
+                <a:tc>
+                  <a:txBody>
+                    <a:bodyPr/>
+                    <a:lstStyle/>
+                    <a:p>
+                      <a:pPr algn="ctr">
+                        <a:buNone/>
+                      </a:pPr>
+                      <a:r>
+                        <a:rPr lang="ja-JP" altLang="en-US" sz="2300" dirty="0"/>
+                        <a:t>ループ</a:t>
+                      </a:r>
+                      <a:endParaRPr lang="en-US" altLang="ja-JP" sz="2300" dirty="0"/>
+                    </a:p>
+                    <a:p>
+                      <a:pPr algn="ctr">
+                        <a:buNone/>
+                      </a:pPr>
+                      <a:r>
+                        <a:rPr lang="ja-JP" altLang="en-US" sz="2300" dirty="0"/>
+                        <a:t>回数</a:t>
+                      </a:r>
+                    </a:p>
+                  </a:txBody>
+                  <a:tcPr marL="76798" marR="76798" marT="38399" marB="38399" anchor="ctr">
+                    <a:lnL w="12700" cap="flat" cmpd="sng" algn="ctr">
+                      <a:solidFill>
+                        <a:schemeClr val="tx1"/>
+                      </a:solidFill>
+                      <a:prstDash val="solid"/>
+                      <a:round/>
+                      <a:headEnd type="none" w="med" len="med"/>
+                      <a:tailEnd type="none" w="med" len="med"/>
+                    </a:lnL>
+                    <a:lnR w="12700" cap="flat" cmpd="sng" algn="ctr">
+                      <a:solidFill>
+                        <a:schemeClr val="tx1"/>
+                      </a:solidFill>
+                      <a:prstDash val="solid"/>
+                      <a:round/>
+                      <a:headEnd type="none" w="med" len="med"/>
+                      <a:tailEnd type="none" w="med" len="med"/>
+                    </a:lnR>
+                    <a:lnT w="12700" cap="flat" cmpd="sng" algn="ctr">
+                      <a:solidFill>
+                        <a:schemeClr val="tx1"/>
+                      </a:solidFill>
+                      <a:prstDash val="solid"/>
+                      <a:round/>
+                      <a:headEnd type="none" w="med" len="med"/>
+                      <a:tailEnd type="none" w="med" len="med"/>
+                    </a:lnT>
+                    <a:lnB w="12700" cap="flat" cmpd="sng" algn="ctr">
+                      <a:solidFill>
+                        <a:schemeClr val="tx1"/>
+                      </a:solidFill>
+                      <a:prstDash val="solid"/>
+                      <a:round/>
+                      <a:headEnd type="none" w="med" len="med"/>
+                      <a:tailEnd type="none" w="med" len="med"/>
+                    </a:lnB>
+                  </a:tcPr>
+                </a:tc>
+                <a:tc>
+                  <a:txBody>
+                    <a:bodyPr/>
+                    <a:lstStyle/>
+                    <a:p>
+                      <a:pPr algn="ctr">
+                        <a:buNone/>
+                      </a:pPr>
+                      <a:r>
+                        <a:rPr lang="en-US" sz="2300"/>
+                        <a:t>f </a:t>
+                      </a:r>
+                      <a:r>
+                        <a:rPr lang="ja-JP" altLang="en-US" sz="2300"/>
+                        <a:t>の値</a:t>
+                      </a:r>
+                    </a:p>
+                  </a:txBody>
+                  <a:tcPr marL="76798" marR="76798" marT="38399" marB="38399" anchor="ctr">
+                    <a:lnL w="12700" cap="flat" cmpd="sng" algn="ctr">
+                      <a:solidFill>
+                        <a:schemeClr val="tx1"/>
+                      </a:solidFill>
+                      <a:prstDash val="solid"/>
+                      <a:round/>
+                      <a:headEnd type="none" w="med" len="med"/>
+                      <a:tailEnd type="none" w="med" len="med"/>
+                    </a:lnL>
+                    <a:lnR w="12700" cap="flat" cmpd="sng" algn="ctr">
+                      <a:solidFill>
+                        <a:schemeClr val="tx1"/>
+                      </a:solidFill>
+                      <a:prstDash val="solid"/>
+                      <a:round/>
+                      <a:headEnd type="none" w="med" len="med"/>
+                      <a:tailEnd type="none" w="med" len="med"/>
+                    </a:lnR>
+                    <a:lnT w="12700" cap="flat" cmpd="sng" algn="ctr">
+                      <a:solidFill>
+                        <a:schemeClr val="tx1"/>
+                      </a:solidFill>
+                      <a:prstDash val="solid"/>
+                      <a:round/>
+                      <a:headEnd type="none" w="med" len="med"/>
+                      <a:tailEnd type="none" w="med" len="med"/>
+                    </a:lnT>
+                    <a:lnB w="12700" cap="flat" cmpd="sng" algn="ctr">
+                      <a:solidFill>
+                        <a:schemeClr val="tx1"/>
+                      </a:solidFill>
+                      <a:prstDash val="solid"/>
+                      <a:round/>
+                      <a:headEnd type="none" w="med" len="med"/>
+                      <a:tailEnd type="none" w="med" len="med"/>
+                    </a:lnB>
+                  </a:tcPr>
+                </a:tc>
+                <a:tc>
+                  <a:txBody>
+                    <a:bodyPr/>
+                    <a:lstStyle/>
+                    <a:p>
+                      <a:pPr algn="ctr">
+                        <a:buNone/>
+                      </a:pPr>
+                      <a:r>
+                        <a:rPr lang="ja-JP" altLang="en-US" sz="2300" dirty="0"/>
+                        <a:t>判定 </a:t>
+                      </a:r>
+                      <a:endParaRPr lang="en-US" altLang="ja-JP" sz="2300" dirty="0"/>
+                    </a:p>
+                    <a:p>
+                      <a:pPr algn="ctr">
+                        <a:buNone/>
+                      </a:pPr>
+                      <a:r>
+                        <a:rPr lang="en-US" altLang="ja-JP" sz="2300" dirty="0"/>
+                        <a:t>(</a:t>
+                      </a:r>
+                      <a:r>
+                        <a:rPr lang="en-US" sz="2300" dirty="0" err="1"/>
+                        <a:t>len</a:t>
+                      </a:r>
+                      <a:r>
+                        <a:rPr lang="en-US" sz="2300" dirty="0"/>
+                        <a:t>(f)&lt;5)</a:t>
+                      </a:r>
+                    </a:p>
+                  </a:txBody>
+                  <a:tcPr marL="76798" marR="76798" marT="38399" marB="38399" anchor="ctr">
+                    <a:lnL w="12700" cap="flat" cmpd="sng" algn="ctr">
+                      <a:solidFill>
+                        <a:schemeClr val="tx1"/>
+                      </a:solidFill>
+                      <a:prstDash val="solid"/>
+                      <a:round/>
+                      <a:headEnd type="none" w="med" len="med"/>
+                      <a:tailEnd type="none" w="med" len="med"/>
+                    </a:lnL>
+                    <a:lnR w="12700" cap="flat" cmpd="sng" algn="ctr">
+                      <a:solidFill>
+                        <a:schemeClr val="tx1"/>
+                      </a:solidFill>
+                      <a:prstDash val="solid"/>
+                      <a:round/>
+                      <a:headEnd type="none" w="med" len="med"/>
+                      <a:tailEnd type="none" w="med" len="med"/>
+                    </a:lnR>
+                    <a:lnT w="12700" cap="flat" cmpd="sng" algn="ctr">
+                      <a:solidFill>
+                        <a:schemeClr val="tx1"/>
+                      </a:solidFill>
+                      <a:prstDash val="solid"/>
+                      <a:round/>
+                      <a:headEnd type="none" w="med" len="med"/>
+                      <a:tailEnd type="none" w="med" len="med"/>
+                    </a:lnT>
+                    <a:lnB w="12700" cap="flat" cmpd="sng" algn="ctr">
+                      <a:solidFill>
+                        <a:schemeClr val="tx1"/>
+                      </a:solidFill>
+                      <a:prstDash val="solid"/>
+                      <a:round/>
+                      <a:headEnd type="none" w="med" len="med"/>
+                      <a:tailEnd type="none" w="med" len="med"/>
+                    </a:lnB>
+                  </a:tcPr>
+                </a:tc>
+                <a:tc>
+                  <a:txBody>
+                    <a:bodyPr/>
+                    <a:lstStyle/>
+                    <a:p>
+                      <a:pPr algn="ctr">
+                        <a:buNone/>
+                      </a:pPr>
+                      <a:r>
+                        <a:rPr lang="ja-JP" altLang="en-US" sz="2300" dirty="0"/>
+                        <a:t>実行内容</a:t>
+                      </a:r>
+                    </a:p>
+                  </a:txBody>
+                  <a:tcPr marL="76798" marR="76798" marT="38399" marB="38399" anchor="ctr">
+                    <a:lnL w="12700" cap="flat" cmpd="sng" algn="ctr">
+                      <a:solidFill>
+                        <a:schemeClr val="tx1"/>
+                      </a:solidFill>
+                      <a:prstDash val="solid"/>
+                      <a:round/>
+                      <a:headEnd type="none" w="med" len="med"/>
+                      <a:tailEnd type="none" w="med" len="med"/>
+                    </a:lnL>
+                    <a:lnR w="12700" cap="flat" cmpd="sng" algn="ctr">
+                      <a:solidFill>
+                        <a:schemeClr val="tx1"/>
+                      </a:solidFill>
+                      <a:prstDash val="solid"/>
+                      <a:round/>
+                      <a:headEnd type="none" w="med" len="med"/>
+                      <a:tailEnd type="none" w="med" len="med"/>
+                    </a:lnR>
+                    <a:lnT w="12700" cap="flat" cmpd="sng" algn="ctr">
+                      <a:solidFill>
+                        <a:schemeClr val="tx1"/>
+                      </a:solidFill>
+                      <a:prstDash val="solid"/>
+                      <a:round/>
+                      <a:headEnd type="none" w="med" len="med"/>
+                      <a:tailEnd type="none" w="med" len="med"/>
+                    </a:lnT>
+                    <a:lnB w="12700" cap="flat" cmpd="sng" algn="ctr">
+                      <a:solidFill>
+                        <a:schemeClr val="tx1"/>
+                      </a:solidFill>
+                      <a:prstDash val="solid"/>
+                      <a:round/>
+                      <a:headEnd type="none" w="med" len="med"/>
+                      <a:tailEnd type="none" w="med" len="med"/>
+                    </a:lnB>
+                  </a:tcPr>
+                </a:tc>
+                <a:tc>
+                  <a:txBody>
+                    <a:bodyPr/>
+                    <a:lstStyle/>
+                    <a:p>
+                      <a:pPr algn="ctr">
+                        <a:buNone/>
+                      </a:pPr>
+                      <a:r>
+                        <a:rPr lang="ja-JP" altLang="en-US" sz="2300" dirty="0"/>
+                        <a:t>ループ後の </a:t>
+                      </a:r>
+                      <a:r>
+                        <a:rPr lang="en-US" sz="2300" dirty="0"/>
+                        <a:t>fruits</a:t>
+                      </a:r>
+                    </a:p>
+                  </a:txBody>
+                  <a:tcPr marL="76798" marR="76798" marT="38399" marB="38399" anchor="ctr">
+                    <a:lnL w="12700" cap="flat" cmpd="sng" algn="ctr">
+                      <a:solidFill>
+                        <a:schemeClr val="tx1"/>
+                      </a:solidFill>
+                      <a:prstDash val="solid"/>
+                      <a:round/>
+                      <a:headEnd type="none" w="med" len="med"/>
+                      <a:tailEnd type="none" w="med" len="med"/>
+                    </a:lnL>
+                    <a:lnR w="12700" cap="flat" cmpd="sng" algn="ctr">
+                      <a:solidFill>
+                        <a:schemeClr val="tx1"/>
+                      </a:solidFill>
+                      <a:prstDash val="solid"/>
+                      <a:round/>
+                      <a:headEnd type="none" w="med" len="med"/>
+                      <a:tailEnd type="none" w="med" len="med"/>
+                    </a:lnR>
+                    <a:lnT w="12700" cap="flat" cmpd="sng" algn="ctr">
+                      <a:solidFill>
+                        <a:schemeClr val="tx1"/>
+                      </a:solidFill>
+                      <a:prstDash val="solid"/>
+                      <a:round/>
+                      <a:headEnd type="none" w="med" len="med"/>
+                      <a:tailEnd type="none" w="med" len="med"/>
+                    </a:lnT>
+                    <a:lnB w="12700" cap="flat" cmpd="sng" algn="ctr">
+                      <a:solidFill>
+                        <a:schemeClr val="tx1"/>
+                      </a:solidFill>
+                      <a:prstDash val="solid"/>
+                      <a:round/>
+                      <a:headEnd type="none" w="med" len="med"/>
+                      <a:tailEnd type="none" w="med" len="med"/>
+                    </a:lnB>
+                  </a:tcPr>
+                </a:tc>
+                <a:extLst>
+                  <a:ext uri="{0D108BD9-81ED-4DB2-BD59-A6C34878D82A}">
+                    <a16:rowId xmlns:a16="http://schemas.microsoft.com/office/drawing/2014/main" val="1353748431"/>
+                  </a:ext>
+                </a:extLst>
+              </a:tr>
+              <a:tr h="811336">
+                <a:tc>
+                  <a:txBody>
+                    <a:bodyPr/>
+                    <a:lstStyle/>
+                    <a:p>
+                      <a:pPr algn="ctr">
+                        <a:buNone/>
+                      </a:pPr>
+                      <a:r>
+                        <a:rPr lang="en-US" altLang="ja-JP" sz="2300" b="1" dirty="0"/>
+                        <a:t>1</a:t>
+                      </a:r>
+                    </a:p>
+                  </a:txBody>
+                  <a:tcPr marL="76798" marR="76798" marT="38399" marB="38399" anchor="ctr">
+                    <a:lnL w="12700" cap="flat" cmpd="sng" algn="ctr">
+                      <a:solidFill>
+                        <a:schemeClr val="tx1"/>
+                      </a:solidFill>
+                      <a:prstDash val="solid"/>
+                      <a:round/>
+                      <a:headEnd type="none" w="med" len="med"/>
+                      <a:tailEnd type="none" w="med" len="med"/>
+                    </a:lnL>
+                    <a:lnR w="12700" cap="flat" cmpd="sng" algn="ctr">
+                      <a:solidFill>
+                        <a:schemeClr val="tx1"/>
+                      </a:solidFill>
+                      <a:prstDash val="solid"/>
+                      <a:round/>
+                      <a:headEnd type="none" w="med" len="med"/>
+                      <a:tailEnd type="none" w="med" len="med"/>
+                    </a:lnR>
+                    <a:lnT w="12700" cap="flat" cmpd="sng" algn="ctr">
+                      <a:solidFill>
+                        <a:schemeClr val="tx1"/>
+                      </a:solidFill>
+                      <a:prstDash val="solid"/>
+                      <a:round/>
+                      <a:headEnd type="none" w="med" len="med"/>
+                      <a:tailEnd type="none" w="med" len="med"/>
+                    </a:lnT>
+                    <a:lnB w="12700" cap="flat" cmpd="sng" algn="ctr">
+                      <a:solidFill>
+                        <a:schemeClr val="tx1"/>
+                      </a:solidFill>
+                      <a:prstDash val="solid"/>
+                      <a:round/>
+                      <a:headEnd type="none" w="med" len="med"/>
+                      <a:tailEnd type="none" w="med" len="med"/>
+                    </a:lnB>
+                  </a:tcPr>
+                </a:tc>
+                <a:tc>
+                  <a:txBody>
+                    <a:bodyPr/>
+                    <a:lstStyle/>
+                    <a:p>
+                      <a:pPr>
+                        <a:buNone/>
+                      </a:pPr>
+                      <a:r>
+                        <a:rPr lang="en-US" sz="2300"/>
+                        <a:t>'apple'</a:t>
+                      </a:r>
+                    </a:p>
+                  </a:txBody>
+                  <a:tcPr marL="76798" marR="76798" marT="38399" marB="38399" anchor="ctr">
+                    <a:lnL w="12700" cap="flat" cmpd="sng" algn="ctr">
+                      <a:solidFill>
+                        <a:schemeClr val="tx1"/>
+                      </a:solidFill>
+                      <a:prstDash val="solid"/>
+                      <a:round/>
+                      <a:headEnd type="none" w="med" len="med"/>
+                      <a:tailEnd type="none" w="med" len="med"/>
+                    </a:lnL>
+                    <a:lnR w="12700" cap="flat" cmpd="sng" algn="ctr">
+                      <a:solidFill>
+                        <a:schemeClr val="tx1"/>
+                      </a:solidFill>
+                      <a:prstDash val="solid"/>
+                      <a:round/>
+                      <a:headEnd type="none" w="med" len="med"/>
+                      <a:tailEnd type="none" w="med" len="med"/>
+                    </a:lnR>
+                    <a:lnT w="12700" cap="flat" cmpd="sng" algn="ctr">
+                      <a:solidFill>
+                        <a:schemeClr val="tx1"/>
+                      </a:solidFill>
+                      <a:prstDash val="solid"/>
+                      <a:round/>
+                      <a:headEnd type="none" w="med" len="med"/>
+                      <a:tailEnd type="none" w="med" len="med"/>
+                    </a:lnT>
+                    <a:lnB w="12700" cap="flat" cmpd="sng" algn="ctr">
+                      <a:solidFill>
+                        <a:schemeClr val="tx1"/>
+                      </a:solidFill>
+                      <a:prstDash val="solid"/>
+                      <a:round/>
+                      <a:headEnd type="none" w="med" len="med"/>
+                      <a:tailEnd type="none" w="med" len="med"/>
+                    </a:lnB>
+                  </a:tcPr>
+                </a:tc>
+                <a:tc>
+                  <a:txBody>
+                    <a:bodyPr/>
+                    <a:lstStyle/>
+                    <a:p>
+                      <a:pPr>
+                        <a:buNone/>
+                      </a:pPr>
+                      <a:r>
+                        <a:rPr lang="en-US" altLang="ja-JP" sz="2300" dirty="0"/>
+                        <a:t>5</a:t>
+                      </a:r>
+                      <a:r>
+                        <a:rPr lang="ja-JP" altLang="en-US" sz="2300" dirty="0"/>
+                        <a:t>文字 → ✖</a:t>
+                      </a:r>
+                    </a:p>
+                  </a:txBody>
+                  <a:tcPr marL="76798" marR="76798" marT="38399" marB="38399" anchor="ctr">
+                    <a:lnL w="12700" cap="flat" cmpd="sng" algn="ctr">
+                      <a:solidFill>
+                        <a:schemeClr val="tx1"/>
+                      </a:solidFill>
+                      <a:prstDash val="solid"/>
+                      <a:round/>
+                      <a:headEnd type="none" w="med" len="med"/>
+                      <a:tailEnd type="none" w="med" len="med"/>
+                    </a:lnL>
+                    <a:lnR w="12700" cap="flat" cmpd="sng" algn="ctr">
+                      <a:solidFill>
+                        <a:schemeClr val="tx1"/>
+                      </a:solidFill>
+                      <a:prstDash val="solid"/>
+                      <a:round/>
+                      <a:headEnd type="none" w="med" len="med"/>
+                      <a:tailEnd type="none" w="med" len="med"/>
+                    </a:lnR>
+                    <a:lnT w="12700" cap="flat" cmpd="sng" algn="ctr">
+                      <a:solidFill>
+                        <a:schemeClr val="tx1"/>
+                      </a:solidFill>
+                      <a:prstDash val="solid"/>
+                      <a:round/>
+                      <a:headEnd type="none" w="med" len="med"/>
+                      <a:tailEnd type="none" w="med" len="med"/>
+                    </a:lnT>
+                    <a:lnB w="12700" cap="flat" cmpd="sng" algn="ctr">
+                      <a:solidFill>
+                        <a:schemeClr val="tx1"/>
+                      </a:solidFill>
+                      <a:prstDash val="solid"/>
+                      <a:round/>
+                      <a:headEnd type="none" w="med" len="med"/>
+                      <a:tailEnd type="none" w="med" len="med"/>
+                    </a:lnB>
+                  </a:tcPr>
+                </a:tc>
+                <a:tc>
+                  <a:txBody>
+                    <a:bodyPr/>
+                    <a:lstStyle/>
+                    <a:p>
+                      <a:pPr>
+                        <a:buNone/>
+                      </a:pPr>
+                      <a:r>
+                        <a:rPr lang="ja-JP" altLang="en-US" sz="2300"/>
+                        <a:t>何もしない</a:t>
+                      </a:r>
+                    </a:p>
+                  </a:txBody>
+                  <a:tcPr marL="76798" marR="76798" marT="38399" marB="38399" anchor="ctr">
+                    <a:lnL w="12700" cap="flat" cmpd="sng" algn="ctr">
+                      <a:solidFill>
+                        <a:schemeClr val="tx1"/>
+                      </a:solidFill>
+                      <a:prstDash val="solid"/>
+                      <a:round/>
+                      <a:headEnd type="none" w="med" len="med"/>
+                      <a:tailEnd type="none" w="med" len="med"/>
+                    </a:lnL>
+                    <a:lnR w="12700" cap="flat" cmpd="sng" algn="ctr">
+                      <a:solidFill>
+                        <a:schemeClr val="tx1"/>
+                      </a:solidFill>
+                      <a:prstDash val="solid"/>
+                      <a:round/>
+                      <a:headEnd type="none" w="med" len="med"/>
+                      <a:tailEnd type="none" w="med" len="med"/>
+                    </a:lnR>
+                    <a:lnT w="12700" cap="flat" cmpd="sng" algn="ctr">
+                      <a:solidFill>
+                        <a:schemeClr val="tx1"/>
+                      </a:solidFill>
+                      <a:prstDash val="solid"/>
+                      <a:round/>
+                      <a:headEnd type="none" w="med" len="med"/>
+                      <a:tailEnd type="none" w="med" len="med"/>
+                    </a:lnT>
+                    <a:lnB w="12700" cap="flat" cmpd="sng" algn="ctr">
+                      <a:solidFill>
+                        <a:schemeClr val="tx1"/>
+                      </a:solidFill>
+                      <a:prstDash val="solid"/>
+                      <a:round/>
+                      <a:headEnd type="none" w="med" len="med"/>
+                      <a:tailEnd type="none" w="med" len="med"/>
+                    </a:lnB>
+                  </a:tcPr>
+                </a:tc>
+                <a:tc>
+                  <a:txBody>
+                    <a:bodyPr/>
+                    <a:lstStyle/>
+                    <a:p>
+                      <a:pPr>
+                        <a:buNone/>
+                      </a:pPr>
+                      <a:r>
+                        <a:rPr lang="en-US" sz="2400" b="1"/>
+                        <a:t>['apple', 'kiwi', 'plum']</a:t>
+                      </a:r>
+                    </a:p>
+                  </a:txBody>
+                  <a:tcPr marL="76798" marR="76798" marT="38399" marB="38399" anchor="ctr">
+                    <a:lnL w="12700" cap="flat" cmpd="sng" algn="ctr">
+                      <a:solidFill>
+                        <a:schemeClr val="tx1"/>
+                      </a:solidFill>
+                      <a:prstDash val="solid"/>
+                      <a:round/>
+                      <a:headEnd type="none" w="med" len="med"/>
+                      <a:tailEnd type="none" w="med" len="med"/>
+                    </a:lnL>
+                    <a:lnR w="12700" cap="flat" cmpd="sng" algn="ctr">
+                      <a:solidFill>
+                        <a:schemeClr val="tx1"/>
+                      </a:solidFill>
+                      <a:prstDash val="solid"/>
+                      <a:round/>
+                      <a:headEnd type="none" w="med" len="med"/>
+                      <a:tailEnd type="none" w="med" len="med"/>
+                    </a:lnR>
+                    <a:lnT w="12700" cap="flat" cmpd="sng" algn="ctr">
+                      <a:solidFill>
+                        <a:schemeClr val="tx1"/>
+                      </a:solidFill>
+                      <a:prstDash val="solid"/>
+                      <a:round/>
+                      <a:headEnd type="none" w="med" len="med"/>
+                      <a:tailEnd type="none" w="med" len="med"/>
+                    </a:lnT>
+                    <a:lnB w="12700" cap="flat" cmpd="sng" algn="ctr">
+                      <a:solidFill>
+                        <a:schemeClr val="tx1"/>
+                      </a:solidFill>
+                      <a:prstDash val="solid"/>
+                      <a:round/>
+                      <a:headEnd type="none" w="med" len="med"/>
+                      <a:tailEnd type="none" w="med" len="med"/>
+                    </a:lnB>
+                  </a:tcPr>
+                </a:tc>
+                <a:extLst>
+                  <a:ext uri="{0D108BD9-81ED-4DB2-BD59-A6C34878D82A}">
+                    <a16:rowId xmlns:a16="http://schemas.microsoft.com/office/drawing/2014/main" val="2815015742"/>
+                  </a:ext>
+                </a:extLst>
+              </a:tr>
+              <a:tr h="2636844">
+                <a:tc>
+                  <a:txBody>
+                    <a:bodyPr/>
+                    <a:lstStyle/>
+                    <a:p>
+                      <a:pPr algn="ctr">
+                        <a:buNone/>
+                      </a:pPr>
+                      <a:r>
+                        <a:rPr lang="en-US" altLang="ja-JP" sz="2300" b="1" dirty="0"/>
+                        <a:t>2</a:t>
+                      </a:r>
+                      <a:endParaRPr lang="ja-JP" altLang="en-US" sz="2300" b="1" dirty="0"/>
+                    </a:p>
+                  </a:txBody>
+                  <a:tcPr marL="76798" marR="76798" marT="38399" marB="38399" anchor="ctr">
+                    <a:lnL w="12700" cap="flat" cmpd="sng" algn="ctr">
+                      <a:solidFill>
+                        <a:schemeClr val="tx1"/>
+                      </a:solidFill>
+                      <a:prstDash val="solid"/>
+                      <a:round/>
+                      <a:headEnd type="none" w="med" len="med"/>
+                      <a:tailEnd type="none" w="med" len="med"/>
+                    </a:lnL>
+                    <a:lnR w="12700" cap="flat" cmpd="sng" algn="ctr">
+                      <a:solidFill>
+                        <a:schemeClr val="tx1"/>
+                      </a:solidFill>
+                      <a:prstDash val="solid"/>
+                      <a:round/>
+                      <a:headEnd type="none" w="med" len="med"/>
+                      <a:tailEnd type="none" w="med" len="med"/>
+                    </a:lnR>
+                    <a:lnT w="12700" cap="flat" cmpd="sng" algn="ctr">
+                      <a:solidFill>
+                        <a:schemeClr val="tx1"/>
+                      </a:solidFill>
+                      <a:prstDash val="solid"/>
+                      <a:round/>
+                      <a:headEnd type="none" w="med" len="med"/>
+                      <a:tailEnd type="none" w="med" len="med"/>
+                    </a:lnT>
+                    <a:lnB w="12700" cap="flat" cmpd="sng" algn="ctr">
+                      <a:solidFill>
+                        <a:schemeClr val="tx1"/>
+                      </a:solidFill>
+                      <a:prstDash val="solid"/>
+                      <a:round/>
+                      <a:headEnd type="none" w="med" len="med"/>
+                      <a:tailEnd type="none" w="med" len="med"/>
+                    </a:lnB>
+                  </a:tcPr>
+                </a:tc>
+                <a:tc>
+                  <a:txBody>
+                    <a:bodyPr/>
+                    <a:lstStyle/>
+                    <a:p>
+                      <a:pPr>
+                        <a:buNone/>
+                      </a:pPr>
+                      <a:r>
+                        <a:rPr lang="en-US" sz="2300"/>
+                        <a:t>'kiwi'</a:t>
+                      </a:r>
+                    </a:p>
+                  </a:txBody>
+                  <a:tcPr marL="76798" marR="76798" marT="38399" marB="38399" anchor="ctr">
+                    <a:lnL w="12700" cap="flat" cmpd="sng" algn="ctr">
+                      <a:solidFill>
+                        <a:schemeClr val="tx1"/>
+                      </a:solidFill>
+                      <a:prstDash val="solid"/>
+                      <a:round/>
+                      <a:headEnd type="none" w="med" len="med"/>
+                      <a:tailEnd type="none" w="med" len="med"/>
+                    </a:lnL>
+                    <a:lnR w="12700" cap="flat" cmpd="sng" algn="ctr">
+                      <a:solidFill>
+                        <a:schemeClr val="tx1"/>
+                      </a:solidFill>
+                      <a:prstDash val="solid"/>
+                      <a:round/>
+                      <a:headEnd type="none" w="med" len="med"/>
+                      <a:tailEnd type="none" w="med" len="med"/>
+                    </a:lnR>
+                    <a:lnT w="12700" cap="flat" cmpd="sng" algn="ctr">
+                      <a:solidFill>
+                        <a:schemeClr val="tx1"/>
+                      </a:solidFill>
+                      <a:prstDash val="solid"/>
+                      <a:round/>
+                      <a:headEnd type="none" w="med" len="med"/>
+                      <a:tailEnd type="none" w="med" len="med"/>
+                    </a:lnT>
+                    <a:lnB w="12700" cap="flat" cmpd="sng" algn="ctr">
+                      <a:solidFill>
+                        <a:schemeClr val="tx1"/>
+                      </a:solidFill>
+                      <a:prstDash val="solid"/>
+                      <a:round/>
+                      <a:headEnd type="none" w="med" len="med"/>
+                      <a:tailEnd type="none" w="med" len="med"/>
+                    </a:lnB>
+                  </a:tcPr>
+                </a:tc>
+                <a:tc>
+                  <a:txBody>
+                    <a:bodyPr/>
+                    <a:lstStyle/>
+                    <a:p>
+                      <a:pPr>
+                        <a:buNone/>
+                      </a:pPr>
+                      <a:r>
+                        <a:rPr lang="en-US" altLang="ja-JP" sz="2300" dirty="0"/>
+                        <a:t>4</a:t>
+                      </a:r>
+                      <a:r>
+                        <a:rPr lang="ja-JP" altLang="en-US" sz="2300" dirty="0"/>
+                        <a:t>文字 → ○</a:t>
+                      </a:r>
+                    </a:p>
+                  </a:txBody>
+                  <a:tcPr marL="76798" marR="76798" marT="38399" marB="38399" anchor="ctr">
+                    <a:lnL w="12700" cap="flat" cmpd="sng" algn="ctr">
+                      <a:solidFill>
+                        <a:schemeClr val="tx1"/>
+                      </a:solidFill>
+                      <a:prstDash val="solid"/>
+                      <a:round/>
+                      <a:headEnd type="none" w="med" len="med"/>
+                      <a:tailEnd type="none" w="med" len="med"/>
+                    </a:lnL>
+                    <a:lnR w="12700" cap="flat" cmpd="sng" algn="ctr">
+                      <a:solidFill>
+                        <a:schemeClr val="tx1"/>
+                      </a:solidFill>
+                      <a:prstDash val="solid"/>
+                      <a:round/>
+                      <a:headEnd type="none" w="med" len="med"/>
+                      <a:tailEnd type="none" w="med" len="med"/>
+                    </a:lnR>
+                    <a:lnT w="12700" cap="flat" cmpd="sng" algn="ctr">
+                      <a:solidFill>
+                        <a:schemeClr val="tx1"/>
+                      </a:solidFill>
+                      <a:prstDash val="solid"/>
+                      <a:round/>
+                      <a:headEnd type="none" w="med" len="med"/>
+                      <a:tailEnd type="none" w="med" len="med"/>
+                    </a:lnT>
+                    <a:lnB w="12700" cap="flat" cmpd="sng" algn="ctr">
+                      <a:solidFill>
+                        <a:schemeClr val="tx1"/>
+                      </a:solidFill>
+                      <a:prstDash val="solid"/>
+                      <a:round/>
+                      <a:headEnd type="none" w="med" len="med"/>
+                      <a:tailEnd type="none" w="med" len="med"/>
+                    </a:lnB>
+                  </a:tcPr>
+                </a:tc>
+                <a:tc>
+                  <a:txBody>
+                    <a:bodyPr/>
+                    <a:lstStyle/>
+                    <a:p>
+                      <a:pPr>
+                        <a:buNone/>
+                      </a:pPr>
+                      <a:r>
+                        <a:rPr lang="ja-JP" altLang="en-US" sz="2300" dirty="0"/>
+                        <a:t>先頭に </a:t>
+                      </a:r>
+                      <a:r>
+                        <a:rPr lang="en-US" altLang="ja-JP" sz="2300" dirty="0"/>
+                        <a:t>'</a:t>
+                      </a:r>
+                      <a:r>
+                        <a:rPr lang="en-US" sz="2300" dirty="0"/>
+                        <a:t>kiwi' </a:t>
+                      </a:r>
+                      <a:r>
+                        <a:rPr lang="ja-JP" altLang="en-US" sz="2300" dirty="0"/>
+                        <a:t>を追加 → </a:t>
+                      </a:r>
+                      <a:r>
+                        <a:rPr lang="en-US" altLang="ja-JP" sz="2300" dirty="0"/>
+                        <a:t>['</a:t>
+                      </a:r>
+                      <a:r>
+                        <a:rPr lang="en-US" sz="2300" dirty="0" err="1"/>
+                        <a:t>kiwi','apple','kiwi','plum</a:t>
+                      </a:r>
+                      <a:r>
+                        <a:rPr lang="en-US" sz="2300" dirty="0"/>
+                        <a:t>’]</a:t>
+                      </a:r>
+                    </a:p>
+                    <a:p>
+                      <a:pPr>
+                        <a:buNone/>
+                      </a:pPr>
+                      <a:endParaRPr lang="en-US" altLang="ja-JP" sz="2300" dirty="0"/>
+                    </a:p>
+                    <a:p>
+                      <a:pPr>
+                        <a:buNone/>
+                      </a:pPr>
+                      <a:r>
+                        <a:rPr lang="ja-JP" altLang="en-US" sz="2300" dirty="0"/>
+                        <a:t>末尾を削除 →</a:t>
+                      </a:r>
+                      <a:endParaRPr lang="en-US" altLang="ja-JP" sz="2300" dirty="0"/>
+                    </a:p>
+                    <a:p>
+                      <a:pPr>
+                        <a:buNone/>
+                      </a:pPr>
+                      <a:r>
+                        <a:rPr lang="ja-JP" altLang="en-US" sz="2300" dirty="0"/>
+                        <a:t> </a:t>
+                      </a:r>
+                      <a:r>
+                        <a:rPr lang="en-US" altLang="ja-JP" sz="2300" dirty="0"/>
+                        <a:t>['</a:t>
+                      </a:r>
+                      <a:r>
+                        <a:rPr lang="en-US" sz="2300" dirty="0" err="1"/>
+                        <a:t>kiwi','apple','kiwi</a:t>
+                      </a:r>
+                      <a:r>
+                        <a:rPr lang="en-US" sz="2300" dirty="0"/>
+                        <a:t>']</a:t>
+                      </a:r>
+                    </a:p>
+                  </a:txBody>
+                  <a:tcPr marL="76798" marR="76798" marT="38399" marB="38399" anchor="ctr">
+                    <a:lnL w="12700" cap="flat" cmpd="sng" algn="ctr">
+                      <a:solidFill>
+                        <a:schemeClr val="tx1"/>
+                      </a:solidFill>
+                      <a:prstDash val="solid"/>
+                      <a:round/>
+                      <a:headEnd type="none" w="med" len="med"/>
+                      <a:tailEnd type="none" w="med" len="med"/>
+                    </a:lnL>
+                    <a:lnR w="12700" cap="flat" cmpd="sng" algn="ctr">
+                      <a:solidFill>
+                        <a:schemeClr val="tx1"/>
+                      </a:solidFill>
+                      <a:prstDash val="solid"/>
+                      <a:round/>
+                      <a:headEnd type="none" w="med" len="med"/>
+                      <a:tailEnd type="none" w="med" len="med"/>
+                    </a:lnR>
+                    <a:lnT w="12700" cap="flat" cmpd="sng" algn="ctr">
+                      <a:solidFill>
+                        <a:schemeClr val="tx1"/>
+                      </a:solidFill>
+                      <a:prstDash val="solid"/>
+                      <a:round/>
+                      <a:headEnd type="none" w="med" len="med"/>
+                      <a:tailEnd type="none" w="med" len="med"/>
+                    </a:lnT>
+                    <a:lnB w="12700" cap="flat" cmpd="sng" algn="ctr">
+                      <a:solidFill>
+                        <a:schemeClr val="tx1"/>
+                      </a:solidFill>
+                      <a:prstDash val="solid"/>
+                      <a:round/>
+                      <a:headEnd type="none" w="med" len="med"/>
+                      <a:tailEnd type="none" w="med" len="med"/>
+                    </a:lnB>
+                  </a:tcPr>
+                </a:tc>
+                <a:tc>
+                  <a:txBody>
+                    <a:bodyPr/>
+                    <a:lstStyle/>
+                    <a:p>
+                      <a:pPr>
+                        <a:buNone/>
+                      </a:pPr>
+                      <a:r>
+                        <a:rPr lang="en-US" sz="2400" b="1"/>
+                        <a:t>['kiwi', 'apple', 'kiwi']</a:t>
+                      </a:r>
+                    </a:p>
+                  </a:txBody>
+                  <a:tcPr marL="76798" marR="76798" marT="38399" marB="38399" anchor="ctr">
+                    <a:lnL w="12700" cap="flat" cmpd="sng" algn="ctr">
+                      <a:solidFill>
+                        <a:schemeClr val="tx1"/>
+                      </a:solidFill>
+                      <a:prstDash val="solid"/>
+                      <a:round/>
+                      <a:headEnd type="none" w="med" len="med"/>
+                      <a:tailEnd type="none" w="med" len="med"/>
+                    </a:lnL>
+                    <a:lnR w="12700" cap="flat" cmpd="sng" algn="ctr">
+                      <a:solidFill>
+                        <a:schemeClr val="tx1"/>
+                      </a:solidFill>
+                      <a:prstDash val="solid"/>
+                      <a:round/>
+                      <a:headEnd type="none" w="med" len="med"/>
+                      <a:tailEnd type="none" w="med" len="med"/>
+                    </a:lnR>
+                    <a:lnT w="12700" cap="flat" cmpd="sng" algn="ctr">
+                      <a:solidFill>
+                        <a:schemeClr val="tx1"/>
+                      </a:solidFill>
+                      <a:prstDash val="solid"/>
+                      <a:round/>
+                      <a:headEnd type="none" w="med" len="med"/>
+                      <a:tailEnd type="none" w="med" len="med"/>
+                    </a:lnT>
+                    <a:lnB w="12700" cap="flat" cmpd="sng" algn="ctr">
+                      <a:solidFill>
+                        <a:schemeClr val="tx1"/>
+                      </a:solidFill>
+                      <a:prstDash val="solid"/>
+                      <a:round/>
+                      <a:headEnd type="none" w="med" len="med"/>
+                      <a:tailEnd type="none" w="med" len="med"/>
+                    </a:lnB>
+                  </a:tcPr>
+                </a:tc>
+                <a:extLst>
+                  <a:ext uri="{0D108BD9-81ED-4DB2-BD59-A6C34878D82A}">
+                    <a16:rowId xmlns:a16="http://schemas.microsoft.com/office/drawing/2014/main" val="356236016"/>
+                  </a:ext>
+                </a:extLst>
+              </a:tr>
+              <a:tr h="2636844">
+                <a:tc>
+                  <a:txBody>
+                    <a:bodyPr/>
+                    <a:lstStyle/>
+                    <a:p>
+                      <a:pPr algn="ctr">
+                        <a:buNone/>
+                      </a:pPr>
+                      <a:r>
+                        <a:rPr lang="en-US" altLang="ja-JP" sz="2300" b="1" dirty="0"/>
+                        <a:t>3</a:t>
+                      </a:r>
+                      <a:endParaRPr lang="ja-JP" altLang="en-US" sz="2300" b="1" dirty="0"/>
+                    </a:p>
+                  </a:txBody>
+                  <a:tcPr marL="76798" marR="76798" marT="38399" marB="38399" anchor="ctr">
+                    <a:lnL w="12700" cap="flat" cmpd="sng" algn="ctr">
+                      <a:solidFill>
+                        <a:schemeClr val="tx1"/>
+                      </a:solidFill>
+                      <a:prstDash val="solid"/>
+                      <a:round/>
+                      <a:headEnd type="none" w="med" len="med"/>
+                      <a:tailEnd type="none" w="med" len="med"/>
+                    </a:lnL>
+                    <a:lnR w="12700" cap="flat" cmpd="sng" algn="ctr">
+                      <a:solidFill>
+                        <a:schemeClr val="tx1"/>
+                      </a:solidFill>
+                      <a:prstDash val="solid"/>
+                      <a:round/>
+                      <a:headEnd type="none" w="med" len="med"/>
+                      <a:tailEnd type="none" w="med" len="med"/>
+                    </a:lnR>
+                    <a:lnT w="12700" cap="flat" cmpd="sng" algn="ctr">
+                      <a:solidFill>
+                        <a:schemeClr val="tx1"/>
+                      </a:solidFill>
+                      <a:prstDash val="solid"/>
+                      <a:round/>
+                      <a:headEnd type="none" w="med" len="med"/>
+                      <a:tailEnd type="none" w="med" len="med"/>
+                    </a:lnT>
+                    <a:lnB w="12700" cap="flat" cmpd="sng" algn="ctr">
+                      <a:solidFill>
+                        <a:schemeClr val="tx1"/>
+                      </a:solidFill>
+                      <a:prstDash val="solid"/>
+                      <a:round/>
+                      <a:headEnd type="none" w="med" len="med"/>
+                      <a:tailEnd type="none" w="med" len="med"/>
+                    </a:lnB>
+                  </a:tcPr>
+                </a:tc>
+                <a:tc>
+                  <a:txBody>
+                    <a:bodyPr/>
+                    <a:lstStyle/>
+                    <a:p>
+                      <a:pPr>
+                        <a:buNone/>
+                      </a:pPr>
+                      <a:r>
+                        <a:rPr lang="en-US" sz="2300" dirty="0"/>
+                        <a:t>'plum'</a:t>
+                      </a:r>
+                    </a:p>
+                  </a:txBody>
+                  <a:tcPr marL="76798" marR="76798" marT="38399" marB="38399" anchor="ctr">
+                    <a:lnL w="12700" cap="flat" cmpd="sng" algn="ctr">
+                      <a:solidFill>
+                        <a:schemeClr val="tx1"/>
+                      </a:solidFill>
+                      <a:prstDash val="solid"/>
+                      <a:round/>
+                      <a:headEnd type="none" w="med" len="med"/>
+                      <a:tailEnd type="none" w="med" len="med"/>
+                    </a:lnL>
+                    <a:lnR w="12700" cap="flat" cmpd="sng" algn="ctr">
+                      <a:solidFill>
+                        <a:schemeClr val="tx1"/>
+                      </a:solidFill>
+                      <a:prstDash val="solid"/>
+                      <a:round/>
+                      <a:headEnd type="none" w="med" len="med"/>
+                      <a:tailEnd type="none" w="med" len="med"/>
+                    </a:lnR>
+                    <a:lnT w="12700" cap="flat" cmpd="sng" algn="ctr">
+                      <a:solidFill>
+                        <a:schemeClr val="tx1"/>
+                      </a:solidFill>
+                      <a:prstDash val="solid"/>
+                      <a:round/>
+                      <a:headEnd type="none" w="med" len="med"/>
+                      <a:tailEnd type="none" w="med" len="med"/>
+                    </a:lnT>
+                    <a:lnB w="12700" cap="flat" cmpd="sng" algn="ctr">
+                      <a:solidFill>
+                        <a:schemeClr val="tx1"/>
+                      </a:solidFill>
+                      <a:prstDash val="solid"/>
+                      <a:round/>
+                      <a:headEnd type="none" w="med" len="med"/>
+                      <a:tailEnd type="none" w="med" len="med"/>
+                    </a:lnB>
+                  </a:tcPr>
+                </a:tc>
+                <a:tc>
+                  <a:txBody>
+                    <a:bodyPr/>
+                    <a:lstStyle/>
+                    <a:p>
+                      <a:pPr>
+                        <a:buNone/>
+                      </a:pPr>
+                      <a:r>
+                        <a:rPr lang="en-US" altLang="ja-JP" sz="2300" dirty="0"/>
+                        <a:t>4</a:t>
+                      </a:r>
+                      <a:r>
+                        <a:rPr lang="ja-JP" altLang="en-US" sz="2300" dirty="0"/>
+                        <a:t>文字 → ○</a:t>
+                      </a:r>
+                    </a:p>
+                  </a:txBody>
+                  <a:tcPr marL="76798" marR="76798" marT="38399" marB="38399" anchor="ctr">
+                    <a:lnL w="12700" cap="flat" cmpd="sng" algn="ctr">
+                      <a:solidFill>
+                        <a:schemeClr val="tx1"/>
+                      </a:solidFill>
+                      <a:prstDash val="solid"/>
+                      <a:round/>
+                      <a:headEnd type="none" w="med" len="med"/>
+                      <a:tailEnd type="none" w="med" len="med"/>
+                    </a:lnL>
+                    <a:lnR w="12700" cap="flat" cmpd="sng" algn="ctr">
+                      <a:solidFill>
+                        <a:schemeClr val="tx1"/>
+                      </a:solidFill>
+                      <a:prstDash val="solid"/>
+                      <a:round/>
+                      <a:headEnd type="none" w="med" len="med"/>
+                      <a:tailEnd type="none" w="med" len="med"/>
+                    </a:lnR>
+                    <a:lnT w="12700" cap="flat" cmpd="sng" algn="ctr">
+                      <a:solidFill>
+                        <a:schemeClr val="tx1"/>
+                      </a:solidFill>
+                      <a:prstDash val="solid"/>
+                      <a:round/>
+                      <a:headEnd type="none" w="med" len="med"/>
+                      <a:tailEnd type="none" w="med" len="med"/>
+                    </a:lnT>
+                    <a:lnB w="12700" cap="flat" cmpd="sng" algn="ctr">
+                      <a:solidFill>
+                        <a:schemeClr val="tx1"/>
+                      </a:solidFill>
+                      <a:prstDash val="solid"/>
+                      <a:round/>
+                      <a:headEnd type="none" w="med" len="med"/>
+                      <a:tailEnd type="none" w="med" len="med"/>
+                    </a:lnB>
+                  </a:tcPr>
+                </a:tc>
+                <a:tc>
+                  <a:txBody>
+                    <a:bodyPr/>
+                    <a:lstStyle/>
+                    <a:p>
+                      <a:pPr>
+                        <a:buNone/>
+                      </a:pPr>
+                      <a:r>
+                        <a:rPr lang="ja-JP" altLang="en-US" sz="2300" dirty="0"/>
+                        <a:t>先頭に </a:t>
+                      </a:r>
+                      <a:r>
+                        <a:rPr lang="en-US" altLang="ja-JP" sz="2300" dirty="0"/>
+                        <a:t>'</a:t>
+                      </a:r>
+                      <a:r>
+                        <a:rPr lang="en-US" sz="2300" dirty="0"/>
+                        <a:t>plum' </a:t>
+                      </a:r>
+                      <a:r>
+                        <a:rPr lang="ja-JP" altLang="en-US" sz="2300" dirty="0"/>
+                        <a:t>を追加 → </a:t>
+                      </a:r>
+                      <a:r>
+                        <a:rPr lang="en-US" altLang="ja-JP" sz="2300" dirty="0"/>
+                        <a:t>['</a:t>
+                      </a:r>
+                      <a:r>
+                        <a:rPr lang="en-US" sz="2300" dirty="0" err="1"/>
+                        <a:t>plum','kiwi','apple','kiwi</a:t>
+                      </a:r>
+                      <a:r>
+                        <a:rPr lang="en-US" sz="2300" dirty="0"/>
+                        <a:t>’]</a:t>
+                      </a:r>
+                    </a:p>
+                    <a:p>
+                      <a:pPr>
+                        <a:buNone/>
+                      </a:pPr>
+                      <a:endParaRPr lang="en-US" altLang="ja-JP" sz="2300" dirty="0"/>
+                    </a:p>
+                    <a:p>
+                      <a:pPr>
+                        <a:buNone/>
+                      </a:pPr>
+                      <a:r>
+                        <a:rPr lang="ja-JP" altLang="en-US" sz="2300" dirty="0"/>
+                        <a:t>末尾を削除 →</a:t>
+                      </a:r>
+                      <a:endParaRPr lang="en-US" altLang="ja-JP" sz="2300" dirty="0"/>
+                    </a:p>
+                    <a:p>
+                      <a:pPr>
+                        <a:buNone/>
+                      </a:pPr>
+                      <a:r>
+                        <a:rPr lang="ja-JP" altLang="en-US" sz="2300" dirty="0"/>
+                        <a:t> </a:t>
+                      </a:r>
+                      <a:r>
+                        <a:rPr lang="en-US" altLang="ja-JP" sz="2300" dirty="0"/>
+                        <a:t>['</a:t>
+                      </a:r>
+                      <a:r>
+                        <a:rPr lang="en-US" sz="2300" dirty="0" err="1"/>
+                        <a:t>plum','kiwi','apple</a:t>
+                      </a:r>
+                      <a:r>
+                        <a:rPr lang="en-US" sz="2300" dirty="0"/>
+                        <a:t>']</a:t>
+                      </a:r>
+                    </a:p>
+                  </a:txBody>
+                  <a:tcPr marL="76798" marR="76798" marT="38399" marB="38399" anchor="ctr">
+                    <a:lnL w="12700" cap="flat" cmpd="sng" algn="ctr">
+                      <a:solidFill>
+                        <a:schemeClr val="tx1"/>
+                      </a:solidFill>
+                      <a:prstDash val="solid"/>
+                      <a:round/>
+                      <a:headEnd type="none" w="med" len="med"/>
+                      <a:tailEnd type="none" w="med" len="med"/>
+                    </a:lnL>
+                    <a:lnR w="12700" cap="flat" cmpd="sng" algn="ctr">
+                      <a:solidFill>
+                        <a:schemeClr val="tx1"/>
+                      </a:solidFill>
+                      <a:prstDash val="solid"/>
+                      <a:round/>
+                      <a:headEnd type="none" w="med" len="med"/>
+                      <a:tailEnd type="none" w="med" len="med"/>
+                    </a:lnR>
+                    <a:lnT w="12700" cap="flat" cmpd="sng" algn="ctr">
+                      <a:solidFill>
+                        <a:schemeClr val="tx1"/>
+                      </a:solidFill>
+                      <a:prstDash val="solid"/>
+                      <a:round/>
+                      <a:headEnd type="none" w="med" len="med"/>
+                      <a:tailEnd type="none" w="med" len="med"/>
+                    </a:lnT>
+                    <a:lnB w="12700" cap="flat" cmpd="sng" algn="ctr">
+                      <a:solidFill>
+                        <a:schemeClr val="tx1"/>
+                      </a:solidFill>
+                      <a:prstDash val="solid"/>
+                      <a:round/>
+                      <a:headEnd type="none" w="med" len="med"/>
+                      <a:tailEnd type="none" w="med" len="med"/>
+                    </a:lnB>
+                  </a:tcPr>
+                </a:tc>
+                <a:tc>
+                  <a:txBody>
+                    <a:bodyPr/>
+                    <a:lstStyle/>
+                    <a:p>
+                      <a:pPr>
+                        <a:buNone/>
+                      </a:pPr>
+                      <a:r>
+                        <a:rPr lang="en-US" sz="2400" b="1" dirty="0"/>
+                        <a:t>['</a:t>
+                      </a:r>
+                      <a:r>
+                        <a:rPr lang="en-US" sz="2400" b="1" dirty="0" err="1"/>
+                        <a:t>plum','kiwi','apple</a:t>
+                      </a:r>
+                      <a:r>
+                        <a:rPr lang="en-US" sz="2400" b="1" dirty="0"/>
+                        <a:t>']</a:t>
+                      </a:r>
+                    </a:p>
+                  </a:txBody>
+                  <a:tcPr marL="76798" marR="76798" marT="38399" marB="38399" anchor="ctr">
+                    <a:lnL w="12700" cap="flat" cmpd="sng" algn="ctr">
+                      <a:solidFill>
+                        <a:schemeClr val="tx1"/>
+                      </a:solidFill>
+                      <a:prstDash val="solid"/>
+                      <a:round/>
+                      <a:headEnd type="none" w="med" len="med"/>
+                      <a:tailEnd type="none" w="med" len="med"/>
+                    </a:lnL>
+                    <a:lnR w="12700" cap="flat" cmpd="sng" algn="ctr">
+                      <a:solidFill>
+                        <a:schemeClr val="tx1"/>
+                      </a:solidFill>
+                      <a:prstDash val="solid"/>
+                      <a:round/>
+                      <a:headEnd type="none" w="med" len="med"/>
+                      <a:tailEnd type="none" w="med" len="med"/>
+                    </a:lnR>
+                    <a:lnT w="12700" cap="flat" cmpd="sng" algn="ctr">
+                      <a:solidFill>
+                        <a:schemeClr val="tx1"/>
+                      </a:solidFill>
+                      <a:prstDash val="solid"/>
+                      <a:round/>
+                      <a:headEnd type="none" w="med" len="med"/>
+                      <a:tailEnd type="none" w="med" len="med"/>
+                    </a:lnT>
+                    <a:lnB w="12700" cap="flat" cmpd="sng" algn="ctr">
+                      <a:solidFill>
+                        <a:schemeClr val="tx1"/>
+                      </a:solidFill>
+                      <a:prstDash val="solid"/>
+                      <a:round/>
+                      <a:headEnd type="none" w="med" len="med"/>
+                      <a:tailEnd type="none" w="med" len="med"/>
+                    </a:lnB>
+                  </a:tcPr>
+                </a:tc>
+                <a:extLst>
+                  <a:ext uri="{0D108BD9-81ED-4DB2-BD59-A6C34878D82A}">
+                    <a16:rowId xmlns:a16="http://schemas.microsoft.com/office/drawing/2014/main" val="2386449595"/>
+                  </a:ext>
+                </a:extLst>
+              </a:tr>
+            </a:tbl>
+          </a:graphicData>
+        </a:graphic>
+      </p:graphicFrame>
+    </p:spTree>
+    <p:extLst>
+      <p:ext uri="{BB962C8B-B14F-4D97-AF65-F5344CB8AC3E}">
+        <p14:creationId xmlns:p14="http://schemas.microsoft.com/office/powerpoint/2010/main" val="2291804817"/>
+      </p:ext>
+    </p:extLst>
+  </p:cSld>
+  <p:clrMapOvr>
+    <a:masterClrMapping/>
+  </p:clrMapOvr>
+</p:sld>
+</file>
+
+<file path=ppt/slides/slide5.xml><?xml version="1.0" encoding="utf-8"?>
+<p:sld xmlns:a="http://schemas.openxmlformats.org/drawingml/2006/main" xmlns:r="http://schemas.openxmlformats.org/officeDocument/2006/relationships" xmlns:p="http://schemas.openxmlformats.org/presentationml/2006/main">
+  <p:cSld>
+    <p:spTree>
+      <p:nvGrpSpPr>
+        <p:cNvPr id="1" name="">
+          <a:extLst>
+            <a:ext uri="{FF2B5EF4-FFF2-40B4-BE49-F238E27FC236}">
               <a16:creationId xmlns:a16="http://schemas.microsoft.com/office/drawing/2014/main" id="{9268F88E-2927-364E-1079-CA3634AFDAF1}"/>
             </a:ext>
           </a:extLst>
@@ -24964,7 +28937,7 @@
 </p:sld>
 </file>
 
-<file path=ppt/slides/slide4.xml><?xml version="1.0" encoding="utf-8"?>
+<file path=ppt/slides/slide6.xml><?xml version="1.0" encoding="utf-8"?>
 <p:sld xmlns:a="http://schemas.openxmlformats.org/drawingml/2006/main" xmlns:r="http://schemas.openxmlformats.org/officeDocument/2006/relationships" xmlns:p="http://schemas.openxmlformats.org/presentationml/2006/main">
   <p:cSld>
     <p:spTree>
@@ -25981,7 +29954,7 @@
 </p:sld>
 </file>
 
-<file path=ppt/slides/slide5.xml><?xml version="1.0" encoding="utf-8"?>
+<file path=ppt/slides/slide7.xml><?xml version="1.0" encoding="utf-8"?>
 <p:sld xmlns:a="http://schemas.openxmlformats.org/drawingml/2006/main" xmlns:r="http://schemas.openxmlformats.org/officeDocument/2006/relationships" xmlns:p="http://schemas.openxmlformats.org/presentationml/2006/main">
   <p:cSld>
     <p:spTree>
@@ -26922,7 +30895,7 @@
 </p:sld>
 </file>
 
-<file path=ppt/slides/slide6.xml><?xml version="1.0" encoding="utf-8"?>
+<file path=ppt/slides/slide8.xml><?xml version="1.0" encoding="utf-8"?>
 <p:sld xmlns:a="http://schemas.openxmlformats.org/drawingml/2006/main" xmlns:r="http://schemas.openxmlformats.org/officeDocument/2006/relationships" xmlns:p="http://schemas.openxmlformats.org/presentationml/2006/main">
   <p:cSld>
     <p:spTree>
@@ -27411,7 +31384,7 @@
 </p:sld>
 </file>
 
-<file path=ppt/slides/slide7.xml><?xml version="1.0" encoding="utf-8"?>
+<file path=ppt/slides/slide9.xml><?xml version="1.0" encoding="utf-8"?>
 <p:sld xmlns:a="http://schemas.openxmlformats.org/drawingml/2006/main" xmlns:r="http://schemas.openxmlformats.org/officeDocument/2006/relationships" xmlns:p="http://schemas.openxmlformats.org/presentationml/2006/main">
   <p:cSld>
     <p:spTree>
@@ -28083,2000 +32056,6 @@
   <p:clrMapOvr>
     <a:masterClrMapping/>
   </p:clrMapOvr>
-</p:sld>
-</file>
-
-<file path=ppt/slides/slide8.xml><?xml version="1.0" encoding="utf-8"?>
-<p:sld xmlns:a="http://schemas.openxmlformats.org/drawingml/2006/main" xmlns:r="http://schemas.openxmlformats.org/officeDocument/2006/relationships" xmlns:p="http://schemas.openxmlformats.org/presentationml/2006/main">
-  <p:cSld>
-    <p:spTree>
-      <p:nvGrpSpPr>
-        <p:cNvPr id="1" name="">
-          <a:extLst>
-            <a:ext uri="{FF2B5EF4-FFF2-40B4-BE49-F238E27FC236}">
-              <a16:creationId xmlns:a16="http://schemas.microsoft.com/office/drawing/2014/main" id="{F2D7DAA7-F449-7DAB-51BF-3A7A58998874}"/>
-            </a:ext>
-          </a:extLst>
-        </p:cNvPr>
-        <p:cNvGrpSpPr/>
-        <p:nvPr/>
-      </p:nvGrpSpPr>
-      <p:grpSpPr>
-        <a:xfrm>
-          <a:off x="0" y="0"/>
-          <a:ext cx="0" cy="0"/>
-          <a:chOff x="0" y="0"/>
-          <a:chExt cx="0" cy="0"/>
-        </a:xfrm>
-      </p:grpSpPr>
-      <p:pic>
-        <p:nvPicPr>
-          <p:cNvPr id="7" name="図 6">
-            <a:extLst>
-              <a:ext uri="{FF2B5EF4-FFF2-40B4-BE49-F238E27FC236}">
-                <a16:creationId xmlns:a16="http://schemas.microsoft.com/office/drawing/2014/main" id="{59DEEB4C-B2C6-B161-F80E-43724F03DBD5}"/>
-              </a:ext>
-            </a:extLst>
-          </p:cNvPr>
-          <p:cNvPicPr>
-            <a:picLocks noChangeAspect="1"/>
-          </p:cNvPicPr>
-          <p:nvPr/>
-        </p:nvPicPr>
-        <p:blipFill>
-          <a:blip r:embed="rId2"/>
-          <a:stretch>
-            <a:fillRect/>
-          </a:stretch>
-        </p:blipFill>
-        <p:spPr>
-          <a:xfrm>
-            <a:off x="522775" y="1646056"/>
-            <a:ext cx="14645647" cy="7701144"/>
-          </a:xfrm>
-          <a:prstGeom prst="rect">
-            <a:avLst/>
-          </a:prstGeom>
-        </p:spPr>
-      </p:pic>
-      <p:sp>
-        <p:nvSpPr>
-          <p:cNvPr id="8" name="タイトル 7">
-            <a:extLst>
-              <a:ext uri="{FF2B5EF4-FFF2-40B4-BE49-F238E27FC236}">
-                <a16:creationId xmlns:a16="http://schemas.microsoft.com/office/drawing/2014/main" id="{34EE9D9F-1B05-875A-CDE6-3900C7CFE692}"/>
-              </a:ext>
-            </a:extLst>
-          </p:cNvPr>
-          <p:cNvSpPr>
-            <a:spLocks noGrp="1"/>
-          </p:cNvSpPr>
-          <p:nvPr>
-            <p:ph type="title"/>
-          </p:nvPr>
-        </p:nvSpPr>
-        <p:spPr>
-          <a:xfrm>
-            <a:off x="522775" y="348253"/>
-            <a:ext cx="17646914" cy="770016"/>
-          </a:xfrm>
-        </p:spPr>
-        <p:txBody>
-          <a:bodyPr/>
-          <a:lstStyle/>
-          <a:p>
-            <a:r>
-              <a:rPr lang="en-US" altLang="ja-JP" dirty="0">
-                <a:solidFill>
-                  <a:schemeClr val="bg1"/>
-                </a:solidFill>
-                <a:latin typeface="Noto Sans JP" panose="020B0200000000000000" pitchFamily="50" charset="-128"/>
-                <a:ea typeface="Noto Sans JP" panose="020B0200000000000000" pitchFamily="50" charset="-128"/>
-              </a:rPr>
-              <a:t>19.zip</a:t>
-            </a:r>
-            <a:r>
-              <a:rPr lang="ja-JP" altLang="en-US" dirty="0">
-                <a:solidFill>
-                  <a:schemeClr val="bg1"/>
-                </a:solidFill>
-                <a:latin typeface="Noto Sans JP" panose="020B0200000000000000" pitchFamily="50" charset="-128"/>
-                <a:ea typeface="Noto Sans JP" panose="020B0200000000000000" pitchFamily="50" charset="-128"/>
-              </a:rPr>
-              <a:t>とアンパック</a:t>
-            </a:r>
-          </a:p>
-        </p:txBody>
-      </p:sp>
-      <p:sp>
-        <p:nvSpPr>
-          <p:cNvPr id="3" name="フッター プレースホルダー 2">
-            <a:extLst>
-              <a:ext uri="{FF2B5EF4-FFF2-40B4-BE49-F238E27FC236}">
-                <a16:creationId xmlns:a16="http://schemas.microsoft.com/office/drawing/2014/main" id="{4648C3B8-E8CE-66BA-7D60-55EB77F885C6}"/>
-              </a:ext>
-            </a:extLst>
-          </p:cNvPr>
-          <p:cNvSpPr>
-            <a:spLocks noGrp="1"/>
-          </p:cNvSpPr>
-          <p:nvPr>
-            <p:ph type="ftr" sz="quarter" idx="10"/>
-          </p:nvPr>
-        </p:nvSpPr>
-        <p:spPr/>
-        <p:txBody>
-          <a:bodyPr/>
-          <a:lstStyle/>
-          <a:p>
-            <a:r>
-              <a:rPr lang="en-US" altLang="ja-JP" sz="2400" dirty="0">
-                <a:latin typeface="Noto Sans JP" panose="020B0200000000000000" pitchFamily="50" charset="-128"/>
-                <a:ea typeface="Noto Sans JP" panose="020B0200000000000000" pitchFamily="50" charset="-128"/>
-              </a:rPr>
-              <a:t>Prime Study </a:t>
-            </a:r>
-            <a:r>
-              <a:rPr lang="ja-JP" altLang="en-US" sz="2400" dirty="0">
-                <a:latin typeface="Noto Sans JP" panose="020B0200000000000000" pitchFamily="50" charset="-128"/>
-                <a:ea typeface="Noto Sans JP" panose="020B0200000000000000" pitchFamily="50" charset="-128"/>
-              </a:rPr>
-              <a:t>第</a:t>
-            </a:r>
-            <a:r>
-              <a:rPr lang="en-US" altLang="ja-JP" sz="2400" dirty="0">
-                <a:latin typeface="Noto Sans JP" panose="020B0200000000000000" pitchFamily="50" charset="-128"/>
-                <a:ea typeface="Noto Sans JP" panose="020B0200000000000000" pitchFamily="50" charset="-128"/>
-              </a:rPr>
-              <a:t>2</a:t>
-            </a:r>
-            <a:r>
-              <a:rPr lang="ja-JP" altLang="en-US" sz="2400" dirty="0">
-                <a:latin typeface="Noto Sans JP" panose="020B0200000000000000" pitchFamily="50" charset="-128"/>
-                <a:ea typeface="Noto Sans JP" panose="020B0200000000000000" pitchFamily="50" charset="-128"/>
-              </a:rPr>
-              <a:t>回</a:t>
-            </a:r>
-            <a:endParaRPr lang="en-US" altLang="ja-JP" sz="2400" dirty="0">
-              <a:latin typeface="Noto Sans JP" panose="020B0200000000000000" pitchFamily="50" charset="-128"/>
-              <a:ea typeface="Noto Sans JP" panose="020B0200000000000000" pitchFamily="50" charset="-128"/>
-            </a:endParaRPr>
-          </a:p>
-        </p:txBody>
-      </p:sp>
-      <p:sp>
-        <p:nvSpPr>
-          <p:cNvPr id="5" name="楕円 4">
-            <a:extLst>
-              <a:ext uri="{FF2B5EF4-FFF2-40B4-BE49-F238E27FC236}">
-                <a16:creationId xmlns:a16="http://schemas.microsoft.com/office/drawing/2014/main" id="{7D92B4DC-01BA-ED89-225B-391BFEFADACF}"/>
-              </a:ext>
-            </a:extLst>
-          </p:cNvPr>
-          <p:cNvSpPr/>
-          <p:nvPr/>
-        </p:nvSpPr>
-        <p:spPr>
-          <a:xfrm>
-            <a:off x="764094" y="5210342"/>
-            <a:ext cx="419100" cy="419100"/>
-          </a:xfrm>
-          <a:prstGeom prst="ellipse">
-            <a:avLst/>
-          </a:prstGeom>
-          <a:noFill/>
-          <a:ln w="38100">
-            <a:solidFill>
-              <a:srgbClr val="FF0000"/>
-            </a:solidFill>
-          </a:ln>
-        </p:spPr>
-        <p:style>
-          <a:lnRef idx="2">
-            <a:schemeClr val="accent1">
-              <a:shade val="50000"/>
-            </a:schemeClr>
-          </a:lnRef>
-          <a:fillRef idx="1">
-            <a:schemeClr val="accent1"/>
-          </a:fillRef>
-          <a:effectRef idx="0">
-            <a:schemeClr val="accent1"/>
-          </a:effectRef>
-          <a:fontRef idx="minor">
-            <a:schemeClr val="lt1"/>
-          </a:fontRef>
-        </p:style>
-        <p:txBody>
-          <a:bodyPr rtlCol="0" anchor="ctr"/>
-          <a:lstStyle/>
-          <a:p>
-            <a:pPr algn="ctr"/>
-            <a:endParaRPr kumimoji="1" lang="ja-JP" altLang="en-US" sz="4050"/>
-          </a:p>
-        </p:txBody>
-      </p:sp>
-      <p:sp>
-        <p:nvSpPr>
-          <p:cNvPr id="14" name="テキスト ボックス 13">
-            <a:extLst>
-              <a:ext uri="{FF2B5EF4-FFF2-40B4-BE49-F238E27FC236}">
-                <a16:creationId xmlns:a16="http://schemas.microsoft.com/office/drawing/2014/main" id="{2A54B988-C855-EA8B-D217-992AF03D5F21}"/>
-              </a:ext>
-            </a:extLst>
-          </p:cNvPr>
-          <p:cNvSpPr txBox="1"/>
-          <p:nvPr/>
-        </p:nvSpPr>
-        <p:spPr>
-          <a:xfrm>
-            <a:off x="6299200" y="2956807"/>
-            <a:ext cx="11288668" cy="1433777"/>
-          </a:xfrm>
-          <a:prstGeom prst="rect">
-            <a:avLst/>
-          </a:prstGeom>
-          <a:solidFill>
-            <a:srgbClr val="1F1F1F"/>
-          </a:solidFill>
-        </p:spPr>
-        <p:txBody>
-          <a:bodyPr wrap="none" rtlCol="0" anchor="ctr">
-            <a:spAutoFit/>
-          </a:bodyPr>
-          <a:lstStyle/>
-          <a:p>
-            <a:r>
-              <a:rPr kumimoji="1" lang="ja-JP" altLang="en-US" sz="3200" b="1" dirty="0">
-                <a:solidFill>
-                  <a:schemeClr val="bg1"/>
-                </a:solidFill>
-                <a:latin typeface="+mj-lt"/>
-                <a:ea typeface="A-OTF Shin Go Pro L" panose="020B0300000000000000" pitchFamily="34" charset="-128"/>
-              </a:rPr>
-              <a:t>*</a:t>
-            </a:r>
-            <a:r>
-              <a:rPr kumimoji="1" lang="en-US" altLang="ja-JP" sz="3200" b="1" dirty="0">
-                <a:solidFill>
-                  <a:schemeClr val="bg1"/>
-                </a:solidFill>
-                <a:latin typeface="+mj-lt"/>
-                <a:ea typeface="A-OTF Shin Go Pro L" panose="020B0300000000000000" pitchFamily="34" charset="-128"/>
-              </a:rPr>
-              <a:t>matrix </a:t>
-            </a:r>
-            <a:r>
-              <a:rPr kumimoji="1" lang="ja-JP" altLang="en-US" sz="3200" b="1" dirty="0">
-                <a:solidFill>
-                  <a:schemeClr val="bg1"/>
-                </a:solidFill>
-                <a:latin typeface="+mj-lt"/>
-                <a:ea typeface="A-OTF Shin Go Pro L" panose="020B0300000000000000" pitchFamily="34" charset="-128"/>
-              </a:rPr>
-              <a:t>があると → 「列ごと」になる（転置の形）</a:t>
-            </a:r>
-          </a:p>
-          <a:p>
-            <a:r>
-              <a:rPr kumimoji="1" lang="ja-JP" altLang="en-US" sz="3200" b="1" dirty="0">
-                <a:solidFill>
-                  <a:schemeClr val="bg1"/>
-                </a:solidFill>
-                <a:latin typeface="+mj-lt"/>
-                <a:ea typeface="A-OTF Shin Go Pro L" panose="020B0300000000000000" pitchFamily="34" charset="-128"/>
-              </a:rPr>
-              <a:t> </a:t>
-            </a:r>
-            <a:r>
-              <a:rPr kumimoji="1" lang="en-US" altLang="ja-JP" sz="3200" b="1" dirty="0">
-                <a:solidFill>
-                  <a:schemeClr val="bg1"/>
-                </a:solidFill>
-                <a:latin typeface="+mj-lt"/>
-                <a:ea typeface="A-OTF Shin Go Pro L" panose="020B0300000000000000" pitchFamily="34" charset="-128"/>
-              </a:rPr>
-              <a:t>matrix </a:t>
-            </a:r>
-            <a:r>
-              <a:rPr kumimoji="1" lang="ja-JP" altLang="en-US" sz="3200" b="1" dirty="0">
-                <a:solidFill>
-                  <a:schemeClr val="bg1"/>
-                </a:solidFill>
-                <a:latin typeface="+mj-lt"/>
-                <a:ea typeface="A-OTF Shin Go Pro L" panose="020B0300000000000000" pitchFamily="34" charset="-128"/>
-              </a:rPr>
-              <a:t>のみだと → 「行ごと」になる（一要素タプル化）</a:t>
-            </a:r>
-          </a:p>
-        </p:txBody>
-      </p:sp>
-    </p:spTree>
-    <p:extLst>
-      <p:ext uri="{BB962C8B-B14F-4D97-AF65-F5344CB8AC3E}">
-        <p14:creationId xmlns:p14="http://schemas.microsoft.com/office/powerpoint/2010/main" val="3881868697"/>
-      </p:ext>
-    </p:extLst>
-  </p:cSld>
-  <p:clrMapOvr>
-    <a:masterClrMapping/>
-  </p:clrMapOvr>
-</p:sld>
-</file>
-
-<file path=ppt/slides/slide9.xml><?xml version="1.0" encoding="utf-8"?>
-<p:sld xmlns:a="http://schemas.openxmlformats.org/drawingml/2006/main" xmlns:r="http://schemas.openxmlformats.org/officeDocument/2006/relationships" xmlns:p="http://schemas.openxmlformats.org/presentationml/2006/main">
-  <p:cSld>
-    <p:spTree>
-      <p:nvGrpSpPr>
-        <p:cNvPr id="1" name="">
-          <a:extLst>
-            <a:ext uri="{FF2B5EF4-FFF2-40B4-BE49-F238E27FC236}">
-              <a16:creationId xmlns:a16="http://schemas.microsoft.com/office/drawing/2014/main" id="{269BBBCF-6B05-9D74-EC7C-5A575E57D714}"/>
-            </a:ext>
-          </a:extLst>
-        </p:cNvPr>
-        <p:cNvGrpSpPr/>
-        <p:nvPr/>
-      </p:nvGrpSpPr>
-      <p:grpSpPr>
-        <a:xfrm>
-          <a:off x="0" y="0"/>
-          <a:ext cx="0" cy="0"/>
-          <a:chOff x="0" y="0"/>
-          <a:chExt cx="0" cy="0"/>
-        </a:xfrm>
-      </p:grpSpPr>
-      <p:sp>
-        <p:nvSpPr>
-          <p:cNvPr id="8" name="タイトル 7">
-            <a:extLst>
-              <a:ext uri="{FF2B5EF4-FFF2-40B4-BE49-F238E27FC236}">
-                <a16:creationId xmlns:a16="http://schemas.microsoft.com/office/drawing/2014/main" id="{4EFC323A-7E68-8CC9-791B-3EBC2B1FF8C3}"/>
-              </a:ext>
-            </a:extLst>
-          </p:cNvPr>
-          <p:cNvSpPr>
-            <a:spLocks noGrp="1"/>
-          </p:cNvSpPr>
-          <p:nvPr>
-            <p:ph type="title"/>
-          </p:nvPr>
-        </p:nvSpPr>
-        <p:spPr>
-          <a:xfrm>
-            <a:off x="522775" y="348253"/>
-            <a:ext cx="17646914" cy="770016"/>
-          </a:xfrm>
-        </p:spPr>
-        <p:txBody>
-          <a:bodyPr/>
-          <a:lstStyle/>
-          <a:p>
-            <a:r>
-              <a:rPr lang="en-US" altLang="ja-JP" dirty="0">
-                <a:solidFill>
-                  <a:schemeClr val="bg1"/>
-                </a:solidFill>
-                <a:latin typeface="Noto Sans JP" panose="020B0200000000000000" pitchFamily="50" charset="-128"/>
-                <a:ea typeface="Noto Sans JP" panose="020B0200000000000000" pitchFamily="50" charset="-128"/>
-              </a:rPr>
-              <a:t>31.</a:t>
-            </a:r>
-            <a:r>
-              <a:rPr lang="ja-JP" altLang="en-US" dirty="0">
-                <a:solidFill>
-                  <a:schemeClr val="bg1"/>
-                </a:solidFill>
-                <a:latin typeface="Noto Sans JP" panose="020B0200000000000000" pitchFamily="50" charset="-128"/>
-                <a:ea typeface="Noto Sans JP" panose="020B0200000000000000" pitchFamily="50" charset="-128"/>
-              </a:rPr>
-              <a:t>例外送出</a:t>
-            </a:r>
-          </a:p>
-        </p:txBody>
-      </p:sp>
-      <p:sp>
-        <p:nvSpPr>
-          <p:cNvPr id="3" name="フッター プレースホルダー 2">
-            <a:extLst>
-              <a:ext uri="{FF2B5EF4-FFF2-40B4-BE49-F238E27FC236}">
-                <a16:creationId xmlns:a16="http://schemas.microsoft.com/office/drawing/2014/main" id="{577CACBC-0A10-F3A1-A881-430901C030CF}"/>
-              </a:ext>
-            </a:extLst>
-          </p:cNvPr>
-          <p:cNvSpPr>
-            <a:spLocks noGrp="1"/>
-          </p:cNvSpPr>
-          <p:nvPr>
-            <p:ph type="ftr" sz="quarter" idx="10"/>
-          </p:nvPr>
-        </p:nvSpPr>
-        <p:spPr/>
-        <p:txBody>
-          <a:bodyPr/>
-          <a:lstStyle/>
-          <a:p>
-            <a:r>
-              <a:rPr lang="en-US" altLang="ja-JP" sz="2400" dirty="0">
-                <a:latin typeface="Noto Sans JP" panose="020B0200000000000000" pitchFamily="50" charset="-128"/>
-                <a:ea typeface="Noto Sans JP" panose="020B0200000000000000" pitchFamily="50" charset="-128"/>
-              </a:rPr>
-              <a:t>Prime Study </a:t>
-            </a:r>
-            <a:r>
-              <a:rPr lang="ja-JP" altLang="en-US" sz="2400" dirty="0">
-                <a:latin typeface="Noto Sans JP" panose="020B0200000000000000" pitchFamily="50" charset="-128"/>
-                <a:ea typeface="Noto Sans JP" panose="020B0200000000000000" pitchFamily="50" charset="-128"/>
-              </a:rPr>
-              <a:t>第</a:t>
-            </a:r>
-            <a:r>
-              <a:rPr lang="en-US" altLang="ja-JP" sz="2400" dirty="0">
-                <a:latin typeface="Noto Sans JP" panose="020B0200000000000000" pitchFamily="50" charset="-128"/>
-                <a:ea typeface="Noto Sans JP" panose="020B0200000000000000" pitchFamily="50" charset="-128"/>
-              </a:rPr>
-              <a:t>2</a:t>
-            </a:r>
-            <a:r>
-              <a:rPr lang="ja-JP" altLang="en-US" sz="2400" dirty="0">
-                <a:latin typeface="Noto Sans JP" panose="020B0200000000000000" pitchFamily="50" charset="-128"/>
-                <a:ea typeface="Noto Sans JP" panose="020B0200000000000000" pitchFamily="50" charset="-128"/>
-              </a:rPr>
-              <a:t>回</a:t>
-            </a:r>
-            <a:endParaRPr lang="en-US" altLang="ja-JP" sz="2400" dirty="0">
-              <a:latin typeface="Noto Sans JP" panose="020B0200000000000000" pitchFamily="50" charset="-128"/>
-              <a:ea typeface="Noto Sans JP" panose="020B0200000000000000" pitchFamily="50" charset="-128"/>
-            </a:endParaRPr>
-          </a:p>
-        </p:txBody>
-      </p:sp>
-      <p:sp>
-        <p:nvSpPr>
-          <p:cNvPr id="5" name="楕円 4">
-            <a:extLst>
-              <a:ext uri="{FF2B5EF4-FFF2-40B4-BE49-F238E27FC236}">
-                <a16:creationId xmlns:a16="http://schemas.microsoft.com/office/drawing/2014/main" id="{B3D131AB-BC46-0BDC-3DB4-EF8156B8559F}"/>
-              </a:ext>
-            </a:extLst>
-          </p:cNvPr>
-          <p:cNvSpPr/>
-          <p:nvPr/>
-        </p:nvSpPr>
-        <p:spPr>
-          <a:xfrm>
-            <a:off x="764094" y="5210342"/>
-            <a:ext cx="419100" cy="419100"/>
-          </a:xfrm>
-          <a:prstGeom prst="ellipse">
-            <a:avLst/>
-          </a:prstGeom>
-          <a:noFill/>
-          <a:ln w="38100">
-            <a:solidFill>
-              <a:srgbClr val="FF0000"/>
-            </a:solidFill>
-          </a:ln>
-        </p:spPr>
-        <p:style>
-          <a:lnRef idx="2">
-            <a:schemeClr val="accent1">
-              <a:shade val="50000"/>
-            </a:schemeClr>
-          </a:lnRef>
-          <a:fillRef idx="1">
-            <a:schemeClr val="accent1"/>
-          </a:fillRef>
-          <a:effectRef idx="0">
-            <a:schemeClr val="accent1"/>
-          </a:effectRef>
-          <a:fontRef idx="minor">
-            <a:schemeClr val="lt1"/>
-          </a:fontRef>
-        </p:style>
-        <p:txBody>
-          <a:bodyPr rtlCol="0" anchor="ctr"/>
-          <a:lstStyle/>
-          <a:p>
-            <a:pPr algn="ctr"/>
-            <a:endParaRPr kumimoji="1" lang="ja-JP" altLang="en-US" sz="4050"/>
-          </a:p>
-        </p:txBody>
-      </p:sp>
-      <p:pic>
-        <p:nvPicPr>
-          <p:cNvPr id="17" name="図 16">
-            <a:extLst>
-              <a:ext uri="{FF2B5EF4-FFF2-40B4-BE49-F238E27FC236}">
-                <a16:creationId xmlns:a16="http://schemas.microsoft.com/office/drawing/2014/main" id="{047B9161-3EC1-C43E-77EF-D11431B796DA}"/>
-              </a:ext>
-            </a:extLst>
-          </p:cNvPr>
-          <p:cNvPicPr>
-            <a:picLocks noChangeAspect="1"/>
-          </p:cNvPicPr>
-          <p:nvPr/>
-        </p:nvPicPr>
-        <p:blipFill>
-          <a:blip r:embed="rId2"/>
-          <a:stretch>
-            <a:fillRect/>
-          </a:stretch>
-        </p:blipFill>
-        <p:spPr>
-          <a:xfrm>
-            <a:off x="522775" y="1562036"/>
-            <a:ext cx="15146864" cy="914528"/>
-          </a:xfrm>
-          <a:prstGeom prst="rect">
-            <a:avLst/>
-          </a:prstGeom>
-        </p:spPr>
-      </p:pic>
-      <p:pic>
-        <p:nvPicPr>
-          <p:cNvPr id="4" name="図 3">
-            <a:extLst>
-              <a:ext uri="{FF2B5EF4-FFF2-40B4-BE49-F238E27FC236}">
-                <a16:creationId xmlns:a16="http://schemas.microsoft.com/office/drawing/2014/main" id="{C3830470-C6EF-DC01-66B1-26020BDDB9E9}"/>
-              </a:ext>
-            </a:extLst>
-          </p:cNvPr>
-          <p:cNvPicPr>
-            <a:picLocks noChangeAspect="1"/>
-          </p:cNvPicPr>
-          <p:nvPr/>
-        </p:nvPicPr>
-        <p:blipFill>
-          <a:blip r:embed="rId3"/>
-          <a:stretch>
-            <a:fillRect/>
-          </a:stretch>
-        </p:blipFill>
-        <p:spPr>
-          <a:xfrm>
-            <a:off x="522775" y="2476564"/>
-            <a:ext cx="15146864" cy="7375351"/>
-          </a:xfrm>
-          <a:prstGeom prst="rect">
-            <a:avLst/>
-          </a:prstGeom>
-        </p:spPr>
-      </p:pic>
-      <p:pic>
-        <p:nvPicPr>
-          <p:cNvPr id="9" name="図 8">
-            <a:extLst>
-              <a:ext uri="{FF2B5EF4-FFF2-40B4-BE49-F238E27FC236}">
-                <a16:creationId xmlns:a16="http://schemas.microsoft.com/office/drawing/2014/main" id="{0F2CFC3D-7FC7-25B1-2DD1-DCC2CB7477AE}"/>
-              </a:ext>
-            </a:extLst>
-          </p:cNvPr>
-          <p:cNvPicPr>
-            <a:picLocks noChangeAspect="1"/>
-          </p:cNvPicPr>
-          <p:nvPr/>
-        </p:nvPicPr>
-        <p:blipFill>
-          <a:blip r:embed="rId4"/>
-          <a:stretch>
-            <a:fillRect/>
-          </a:stretch>
-        </p:blipFill>
-        <p:spPr>
-          <a:xfrm>
-            <a:off x="13030639" y="5596615"/>
-            <a:ext cx="4734586" cy="4124901"/>
-          </a:xfrm>
-          <a:prstGeom prst="rect">
-            <a:avLst/>
-          </a:prstGeom>
-          <a:ln w="38100">
-            <a:solidFill>
-              <a:srgbClr val="0066FF"/>
-            </a:solidFill>
-          </a:ln>
-        </p:spPr>
-      </p:pic>
-      <p:pic>
-        <p:nvPicPr>
-          <p:cNvPr id="11" name="図 10">
-            <a:extLst>
-              <a:ext uri="{FF2B5EF4-FFF2-40B4-BE49-F238E27FC236}">
-                <a16:creationId xmlns:a16="http://schemas.microsoft.com/office/drawing/2014/main" id="{40B8C608-A5C5-4C2E-7BC3-76876452D1AD}"/>
-              </a:ext>
-            </a:extLst>
-          </p:cNvPr>
-          <p:cNvPicPr>
-            <a:picLocks noChangeAspect="1"/>
-          </p:cNvPicPr>
-          <p:nvPr/>
-        </p:nvPicPr>
-        <p:blipFill>
-          <a:blip r:embed="rId5"/>
-          <a:stretch>
-            <a:fillRect/>
-          </a:stretch>
-        </p:blipFill>
-        <p:spPr>
-          <a:xfrm>
-            <a:off x="16564907" y="2476564"/>
-            <a:ext cx="1200318" cy="1267002"/>
-          </a:xfrm>
-          <a:prstGeom prst="rect">
-            <a:avLst/>
-          </a:prstGeom>
-          <a:ln w="28575">
-            <a:solidFill>
-              <a:schemeClr val="tx1"/>
-            </a:solidFill>
-          </a:ln>
-        </p:spPr>
-      </p:pic>
-      <p:sp>
-        <p:nvSpPr>
-          <p:cNvPr id="13" name="正方形/長方形 12">
-            <a:extLst>
-              <a:ext uri="{FF2B5EF4-FFF2-40B4-BE49-F238E27FC236}">
-                <a16:creationId xmlns:a16="http://schemas.microsoft.com/office/drawing/2014/main" id="{145A44A6-796F-79A1-E488-ADF7A0EFD8E1}"/>
-              </a:ext>
-            </a:extLst>
-          </p:cNvPr>
-          <p:cNvSpPr/>
-          <p:nvPr/>
-        </p:nvSpPr>
-        <p:spPr>
-          <a:xfrm>
-            <a:off x="948244" y="3200400"/>
-            <a:ext cx="512256" cy="330200"/>
-          </a:xfrm>
-          <a:prstGeom prst="rect">
-            <a:avLst/>
-          </a:prstGeom>
-          <a:noFill/>
-          <a:ln w="28575">
-            <a:solidFill>
-              <a:srgbClr val="FF0000"/>
-            </a:solidFill>
-          </a:ln>
-        </p:spPr>
-        <p:style>
-          <a:lnRef idx="2">
-            <a:schemeClr val="accent1">
-              <a:shade val="50000"/>
-            </a:schemeClr>
-          </a:lnRef>
-          <a:fillRef idx="1">
-            <a:schemeClr val="accent1"/>
-          </a:fillRef>
-          <a:effectRef idx="0">
-            <a:schemeClr val="accent1"/>
-          </a:effectRef>
-          <a:fontRef idx="minor">
-            <a:schemeClr val="lt1"/>
-          </a:fontRef>
-        </p:style>
-        <p:txBody>
-          <a:bodyPr rtlCol="0" anchor="ctr"/>
-          <a:lstStyle/>
-          <a:p>
-            <a:pPr algn="ctr"/>
-            <a:endParaRPr kumimoji="1" lang="ja-JP" altLang="en-US" sz="4050"/>
-          </a:p>
-        </p:txBody>
-      </p:sp>
-      <p:sp>
-        <p:nvSpPr>
-          <p:cNvPr id="16" name="正方形/長方形 15">
-            <a:extLst>
-              <a:ext uri="{FF2B5EF4-FFF2-40B4-BE49-F238E27FC236}">
-                <a16:creationId xmlns:a16="http://schemas.microsoft.com/office/drawing/2014/main" id="{0A220CB3-4358-F534-F820-53E03C6EB65C}"/>
-              </a:ext>
-            </a:extLst>
-          </p:cNvPr>
-          <p:cNvSpPr/>
-          <p:nvPr/>
-        </p:nvSpPr>
-        <p:spPr>
-          <a:xfrm>
-            <a:off x="1581552" y="4575645"/>
-            <a:ext cx="998241" cy="330200"/>
-          </a:xfrm>
-          <a:prstGeom prst="rect">
-            <a:avLst/>
-          </a:prstGeom>
-          <a:noFill/>
-          <a:ln w="28575">
-            <a:solidFill>
-              <a:srgbClr val="FF0000"/>
-            </a:solidFill>
-          </a:ln>
-        </p:spPr>
-        <p:style>
-          <a:lnRef idx="2">
-            <a:schemeClr val="accent1">
-              <a:shade val="50000"/>
-            </a:schemeClr>
-          </a:lnRef>
-          <a:fillRef idx="1">
-            <a:schemeClr val="accent1"/>
-          </a:fillRef>
-          <a:effectRef idx="0">
-            <a:schemeClr val="accent1"/>
-          </a:effectRef>
-          <a:fontRef idx="minor">
-            <a:schemeClr val="lt1"/>
-          </a:fontRef>
-        </p:style>
-        <p:txBody>
-          <a:bodyPr rtlCol="0" anchor="ctr"/>
-          <a:lstStyle/>
-          <a:p>
-            <a:pPr algn="ctr"/>
-            <a:endParaRPr kumimoji="1" lang="ja-JP" altLang="en-US" sz="4050"/>
-          </a:p>
-        </p:txBody>
-      </p:sp>
-      <p:sp>
-        <p:nvSpPr>
-          <p:cNvPr id="18" name="正方形/長方形 17">
-            <a:extLst>
-              <a:ext uri="{FF2B5EF4-FFF2-40B4-BE49-F238E27FC236}">
-                <a16:creationId xmlns:a16="http://schemas.microsoft.com/office/drawing/2014/main" id="{0DE282AB-F8FE-7BDE-A31F-237D03D3BEB9}"/>
-              </a:ext>
-            </a:extLst>
-          </p:cNvPr>
-          <p:cNvSpPr/>
-          <p:nvPr/>
-        </p:nvSpPr>
-        <p:spPr>
-          <a:xfrm>
-            <a:off x="1918056" y="2869531"/>
-            <a:ext cx="998241" cy="330200"/>
-          </a:xfrm>
-          <a:prstGeom prst="rect">
-            <a:avLst/>
-          </a:prstGeom>
-          <a:noFill/>
-          <a:ln w="28575">
-            <a:solidFill>
-              <a:srgbClr val="FF0000"/>
-            </a:solidFill>
-          </a:ln>
-        </p:spPr>
-        <p:style>
-          <a:lnRef idx="2">
-            <a:schemeClr val="accent1">
-              <a:shade val="50000"/>
-            </a:schemeClr>
-          </a:lnRef>
-          <a:fillRef idx="1">
-            <a:schemeClr val="accent1"/>
-          </a:fillRef>
-          <a:effectRef idx="0">
-            <a:schemeClr val="accent1"/>
-          </a:effectRef>
-          <a:fontRef idx="minor">
-            <a:schemeClr val="lt1"/>
-          </a:fontRef>
-        </p:style>
-        <p:txBody>
-          <a:bodyPr rtlCol="0" anchor="ctr"/>
-          <a:lstStyle/>
-          <a:p>
-            <a:pPr algn="ctr"/>
-            <a:endParaRPr kumimoji="1" lang="ja-JP" altLang="en-US" sz="4050"/>
-          </a:p>
-        </p:txBody>
-      </p:sp>
-      <p:sp>
-        <p:nvSpPr>
-          <p:cNvPr id="19" name="矢印: 右 18">
-            <a:extLst>
-              <a:ext uri="{FF2B5EF4-FFF2-40B4-BE49-F238E27FC236}">
-                <a16:creationId xmlns:a16="http://schemas.microsoft.com/office/drawing/2014/main" id="{38945112-408A-37AD-3768-7C8583FBF45F}"/>
-              </a:ext>
-            </a:extLst>
-          </p:cNvPr>
-          <p:cNvSpPr/>
-          <p:nvPr/>
-        </p:nvSpPr>
-        <p:spPr>
-          <a:xfrm>
-            <a:off x="3141224" y="2831431"/>
-            <a:ext cx="1645733" cy="217975"/>
-          </a:xfrm>
-          <a:prstGeom prst="rightArrow">
-            <a:avLst/>
-          </a:prstGeom>
-          <a:solidFill>
-            <a:srgbClr val="FF0000"/>
-          </a:solidFill>
-          <a:ln>
-            <a:noFill/>
-          </a:ln>
-        </p:spPr>
-        <p:style>
-          <a:lnRef idx="2">
-            <a:schemeClr val="accent1">
-              <a:shade val="50000"/>
-            </a:schemeClr>
-          </a:lnRef>
-          <a:fillRef idx="1">
-            <a:schemeClr val="accent1"/>
-          </a:fillRef>
-          <a:effectRef idx="0">
-            <a:schemeClr val="accent1"/>
-          </a:effectRef>
-          <a:fontRef idx="minor">
-            <a:schemeClr val="lt1"/>
-          </a:fontRef>
-        </p:style>
-        <p:txBody>
-          <a:bodyPr rtlCol="0" anchor="ctr"/>
-          <a:lstStyle/>
-          <a:p>
-            <a:pPr algn="ctr"/>
-            <a:endParaRPr kumimoji="1" lang="ja-JP" altLang="en-US" sz="4050"/>
-          </a:p>
-        </p:txBody>
-      </p:sp>
-      <p:sp>
-        <p:nvSpPr>
-          <p:cNvPr id="20" name="テキスト ボックス 19">
-            <a:extLst>
-              <a:ext uri="{FF2B5EF4-FFF2-40B4-BE49-F238E27FC236}">
-                <a16:creationId xmlns:a16="http://schemas.microsoft.com/office/drawing/2014/main" id="{177C6118-DE0B-4DEE-EC58-74343E1140FF}"/>
-              </a:ext>
-            </a:extLst>
-          </p:cNvPr>
-          <p:cNvSpPr txBox="1"/>
-          <p:nvPr/>
-        </p:nvSpPr>
-        <p:spPr>
-          <a:xfrm>
-            <a:off x="4870934" y="2627943"/>
-            <a:ext cx="9257663" cy="707886"/>
-          </a:xfrm>
-          <a:prstGeom prst="rect">
-            <a:avLst/>
-          </a:prstGeom>
-          <a:noFill/>
-          <a:ln>
-            <a:solidFill>
-              <a:srgbClr val="FF0000"/>
-            </a:solidFill>
-          </a:ln>
-        </p:spPr>
-        <p:txBody>
-          <a:bodyPr wrap="none" rtlCol="0">
-            <a:spAutoFit/>
-          </a:bodyPr>
-          <a:lstStyle/>
-          <a:p>
-            <a:r>
-              <a:rPr kumimoji="1" lang="ja-JP" altLang="en-US" sz="2000" dirty="0">
-                <a:solidFill>
-                  <a:schemeClr val="tx1">
-                    <a:lumMod val="85000"/>
-                    <a:lumOff val="15000"/>
-                  </a:schemeClr>
-                </a:solidFill>
-                <a:latin typeface="Noto Sans JP" panose="020B0200000000000000" pitchFamily="50" charset="-128"/>
-                <a:ea typeface="Noto Sans JP" panose="020B0200000000000000" pitchFamily="50" charset="-128"/>
-              </a:rPr>
-              <a:t>独自の例外クラス </a:t>
-            </a:r>
-            <a:r>
-              <a:rPr kumimoji="1" lang="en-US" altLang="ja-JP" sz="2000" dirty="0" err="1">
-                <a:solidFill>
-                  <a:schemeClr val="tx1">
-                    <a:lumMod val="85000"/>
-                    <a:lumOff val="15000"/>
-                  </a:schemeClr>
-                </a:solidFill>
-                <a:latin typeface="Noto Sans JP" panose="020B0200000000000000" pitchFamily="50" charset="-128"/>
-                <a:ea typeface="Noto Sans JP" panose="020B0200000000000000" pitchFamily="50" charset="-128"/>
-              </a:rPr>
-              <a:t>wexal</a:t>
-            </a:r>
-            <a:r>
-              <a:rPr kumimoji="1" lang="en-US" altLang="ja-JP" sz="2000" dirty="0">
-                <a:solidFill>
-                  <a:schemeClr val="tx1">
-                    <a:lumMod val="85000"/>
-                    <a:lumOff val="15000"/>
-                  </a:schemeClr>
-                </a:solidFill>
-                <a:latin typeface="Noto Sans JP" panose="020B0200000000000000" pitchFamily="50" charset="-128"/>
-                <a:ea typeface="Noto Sans JP" panose="020B0200000000000000" pitchFamily="50" charset="-128"/>
-              </a:rPr>
-              <a:t> </a:t>
-            </a:r>
-            <a:r>
-              <a:rPr kumimoji="1" lang="ja-JP" altLang="en-US" sz="2000" dirty="0">
-                <a:solidFill>
-                  <a:schemeClr val="tx1">
-                    <a:lumMod val="85000"/>
-                    <a:lumOff val="15000"/>
-                  </a:schemeClr>
-                </a:solidFill>
-                <a:latin typeface="Noto Sans JP" panose="020B0200000000000000" pitchFamily="50" charset="-128"/>
-                <a:ea typeface="Noto Sans JP" panose="020B0200000000000000" pitchFamily="50" charset="-128"/>
-              </a:rPr>
-              <a:t>を作るときに、</a:t>
-            </a:r>
-            <a:r>
-              <a:rPr kumimoji="1" lang="en-US" altLang="ja-JP" sz="2000" dirty="0">
-                <a:solidFill>
-                  <a:schemeClr val="tx1">
-                    <a:lumMod val="85000"/>
-                    <a:lumOff val="15000"/>
-                  </a:schemeClr>
-                </a:solidFill>
-                <a:latin typeface="Noto Sans JP" panose="020B0200000000000000" pitchFamily="50" charset="-128"/>
-                <a:ea typeface="Noto Sans JP" panose="020B0200000000000000" pitchFamily="50" charset="-128"/>
-              </a:rPr>
-              <a:t>Python</a:t>
-            </a:r>
-            <a:r>
-              <a:rPr kumimoji="1" lang="ja-JP" altLang="en-US" sz="2000" dirty="0">
-                <a:solidFill>
-                  <a:schemeClr val="tx1">
-                    <a:lumMod val="85000"/>
-                    <a:lumOff val="15000"/>
-                  </a:schemeClr>
-                </a:solidFill>
-                <a:latin typeface="Noto Sans JP" panose="020B0200000000000000" pitchFamily="50" charset="-128"/>
-                <a:ea typeface="Noto Sans JP" panose="020B0200000000000000" pitchFamily="50" charset="-128"/>
-              </a:rPr>
-              <a:t>の標準例外クラス </a:t>
-            </a:r>
-            <a:r>
-              <a:rPr kumimoji="1" lang="en-US" altLang="ja-JP" sz="2000" dirty="0">
-                <a:solidFill>
-                  <a:schemeClr val="tx1">
-                    <a:lumMod val="85000"/>
-                    <a:lumOff val="15000"/>
-                  </a:schemeClr>
-                </a:solidFill>
-                <a:latin typeface="Noto Sans JP" panose="020B0200000000000000" pitchFamily="50" charset="-128"/>
-                <a:ea typeface="Noto Sans JP" panose="020B0200000000000000" pitchFamily="50" charset="-128"/>
-              </a:rPr>
-              <a:t>Exception </a:t>
-            </a:r>
-            <a:r>
-              <a:rPr kumimoji="1" lang="ja-JP" altLang="en-US" sz="2000" dirty="0">
-                <a:solidFill>
-                  <a:schemeClr val="tx1">
-                    <a:lumMod val="85000"/>
-                    <a:lumOff val="15000"/>
-                  </a:schemeClr>
-                </a:solidFill>
-                <a:latin typeface="Noto Sans JP" panose="020B0200000000000000" pitchFamily="50" charset="-128"/>
-                <a:ea typeface="Noto Sans JP" panose="020B0200000000000000" pitchFamily="50" charset="-128"/>
-              </a:rPr>
-              <a:t>を</a:t>
-            </a:r>
-            <a:endParaRPr kumimoji="1" lang="en-US" altLang="ja-JP" sz="2000" dirty="0">
-              <a:solidFill>
-                <a:schemeClr val="tx1">
-                  <a:lumMod val="85000"/>
-                  <a:lumOff val="15000"/>
-                </a:schemeClr>
-              </a:solidFill>
-              <a:latin typeface="Noto Sans JP" panose="020B0200000000000000" pitchFamily="50" charset="-128"/>
-              <a:ea typeface="Noto Sans JP" panose="020B0200000000000000" pitchFamily="50" charset="-128"/>
-            </a:endParaRPr>
-          </a:p>
-          <a:p>
-            <a:r>
-              <a:rPr kumimoji="1" lang="ja-JP" altLang="en-US" sz="2000" dirty="0">
-                <a:solidFill>
-                  <a:schemeClr val="tx1">
-                    <a:lumMod val="85000"/>
-                    <a:lumOff val="15000"/>
-                  </a:schemeClr>
-                </a:solidFill>
-                <a:latin typeface="Noto Sans JP" panose="020B0200000000000000" pitchFamily="50" charset="-128"/>
-                <a:ea typeface="Noto Sans JP" panose="020B0200000000000000" pitchFamily="50" charset="-128"/>
-              </a:rPr>
-              <a:t>基にしているので </a:t>
-            </a:r>
-            <a:r>
-              <a:rPr kumimoji="1" lang="en-US" altLang="ja-JP" sz="2000" dirty="0" err="1">
-                <a:solidFill>
-                  <a:schemeClr val="tx1">
-                    <a:lumMod val="85000"/>
-                    <a:lumOff val="15000"/>
-                  </a:schemeClr>
-                </a:solidFill>
-                <a:latin typeface="Noto Sans JP" panose="020B0200000000000000" pitchFamily="50" charset="-128"/>
-                <a:ea typeface="Noto Sans JP" panose="020B0200000000000000" pitchFamily="50" charset="-128"/>
-              </a:rPr>
-              <a:t>wexal</a:t>
-            </a:r>
-            <a:r>
-              <a:rPr kumimoji="1" lang="en-US" altLang="ja-JP" sz="2000" dirty="0">
-                <a:solidFill>
-                  <a:schemeClr val="tx1">
-                    <a:lumMod val="85000"/>
-                    <a:lumOff val="15000"/>
-                  </a:schemeClr>
-                </a:solidFill>
-                <a:latin typeface="Noto Sans JP" panose="020B0200000000000000" pitchFamily="50" charset="-128"/>
-                <a:ea typeface="Noto Sans JP" panose="020B0200000000000000" pitchFamily="50" charset="-128"/>
-              </a:rPr>
-              <a:t> </a:t>
-            </a:r>
-            <a:r>
-              <a:rPr kumimoji="1" lang="ja-JP" altLang="en-US" sz="2000" dirty="0">
-                <a:solidFill>
-                  <a:schemeClr val="tx1">
-                    <a:lumMod val="85000"/>
-                    <a:lumOff val="15000"/>
-                  </a:schemeClr>
-                </a:solidFill>
-                <a:latin typeface="Noto Sans JP" panose="020B0200000000000000" pitchFamily="50" charset="-128"/>
-                <a:ea typeface="Noto Sans JP" panose="020B0200000000000000" pitchFamily="50" charset="-128"/>
-              </a:rPr>
-              <a:t>は </a:t>
-            </a:r>
-            <a:r>
-              <a:rPr kumimoji="1" lang="en-US" altLang="ja-JP" sz="2000" dirty="0">
-                <a:solidFill>
-                  <a:schemeClr val="tx1">
-                    <a:lumMod val="85000"/>
-                    <a:lumOff val="15000"/>
-                  </a:schemeClr>
-                </a:solidFill>
-                <a:latin typeface="Noto Sans JP" panose="020B0200000000000000" pitchFamily="50" charset="-128"/>
-                <a:ea typeface="Noto Sans JP" panose="020B0200000000000000" pitchFamily="50" charset="-128"/>
-              </a:rPr>
-              <a:t>Exception </a:t>
-            </a:r>
-            <a:r>
-              <a:rPr kumimoji="1" lang="ja-JP" altLang="en-US" sz="2000" dirty="0">
-                <a:solidFill>
-                  <a:schemeClr val="tx1">
-                    <a:lumMod val="85000"/>
-                    <a:lumOff val="15000"/>
-                  </a:schemeClr>
-                </a:solidFill>
-                <a:latin typeface="Noto Sans JP" panose="020B0200000000000000" pitchFamily="50" charset="-128"/>
-                <a:ea typeface="Noto Sans JP" panose="020B0200000000000000" pitchFamily="50" charset="-128"/>
-              </a:rPr>
-              <a:t>と同じように例外処理で使える</a:t>
-            </a:r>
-          </a:p>
-        </p:txBody>
-      </p:sp>
-      <p:sp>
-        <p:nvSpPr>
-          <p:cNvPr id="22" name="矢印: 右 21">
-            <a:extLst>
-              <a:ext uri="{FF2B5EF4-FFF2-40B4-BE49-F238E27FC236}">
-                <a16:creationId xmlns:a16="http://schemas.microsoft.com/office/drawing/2014/main" id="{477C3825-730C-B84C-72D5-B0E10650B95E}"/>
-              </a:ext>
-            </a:extLst>
-          </p:cNvPr>
-          <p:cNvSpPr/>
-          <p:nvPr/>
-        </p:nvSpPr>
-        <p:spPr>
-          <a:xfrm rot="444994">
-            <a:off x="1623006" y="3442938"/>
-            <a:ext cx="3205405" cy="216000"/>
-          </a:xfrm>
-          <a:prstGeom prst="rightArrow">
-            <a:avLst/>
-          </a:prstGeom>
-          <a:solidFill>
-            <a:srgbClr val="FF0000"/>
-          </a:solidFill>
-          <a:ln>
-            <a:noFill/>
-          </a:ln>
-        </p:spPr>
-        <p:style>
-          <a:lnRef idx="2">
-            <a:schemeClr val="accent1">
-              <a:shade val="50000"/>
-            </a:schemeClr>
-          </a:lnRef>
-          <a:fillRef idx="1">
-            <a:schemeClr val="accent1"/>
-          </a:fillRef>
-          <a:effectRef idx="0">
-            <a:schemeClr val="accent1"/>
-          </a:effectRef>
-          <a:fontRef idx="minor">
-            <a:schemeClr val="lt1"/>
-          </a:fontRef>
-        </p:style>
-        <p:txBody>
-          <a:bodyPr rtlCol="0" anchor="ctr"/>
-          <a:lstStyle/>
-          <a:p>
-            <a:pPr algn="ctr"/>
-            <a:endParaRPr kumimoji="1" lang="ja-JP" altLang="en-US" sz="4050"/>
-          </a:p>
-        </p:txBody>
-      </p:sp>
-      <p:sp>
-        <p:nvSpPr>
-          <p:cNvPr id="23" name="テキスト ボックス 22">
-            <a:extLst>
-              <a:ext uri="{FF2B5EF4-FFF2-40B4-BE49-F238E27FC236}">
-                <a16:creationId xmlns:a16="http://schemas.microsoft.com/office/drawing/2014/main" id="{181EE7CB-DE78-0F5A-4E64-175976A9E31C}"/>
-              </a:ext>
-            </a:extLst>
-          </p:cNvPr>
-          <p:cNvSpPr txBox="1"/>
-          <p:nvPr/>
-        </p:nvSpPr>
-        <p:spPr>
-          <a:xfrm>
-            <a:off x="4870935" y="3579288"/>
-            <a:ext cx="7943366" cy="2246769"/>
-          </a:xfrm>
-          <a:prstGeom prst="rect">
-            <a:avLst/>
-          </a:prstGeom>
-          <a:noFill/>
-          <a:ln>
-            <a:solidFill>
-              <a:srgbClr val="FF0000"/>
-            </a:solidFill>
-          </a:ln>
-        </p:spPr>
-        <p:txBody>
-          <a:bodyPr wrap="square" rtlCol="0">
-            <a:spAutoFit/>
-          </a:bodyPr>
-          <a:lstStyle/>
-          <a:p>
-            <a:r>
-              <a:rPr kumimoji="1" lang="en-US" altLang="ja-JP" sz="2000" dirty="0">
-                <a:solidFill>
-                  <a:schemeClr val="tx1">
-                    <a:lumMod val="85000"/>
-                    <a:lumOff val="15000"/>
-                  </a:schemeClr>
-                </a:solidFill>
-                <a:latin typeface="Noto Sans JP" panose="020B0200000000000000" pitchFamily="50" charset="-128"/>
-                <a:ea typeface="Noto Sans JP" panose="020B0200000000000000" pitchFamily="50" charset="-128"/>
-              </a:rPr>
-              <a:t>Python</a:t>
-            </a:r>
-            <a:r>
-              <a:rPr kumimoji="1" lang="ja-JP" altLang="en-US" sz="2000" dirty="0">
-                <a:solidFill>
-                  <a:schemeClr val="tx1">
-                    <a:lumMod val="85000"/>
-                    <a:lumOff val="15000"/>
-                  </a:schemeClr>
-                </a:solidFill>
-                <a:latin typeface="Noto Sans JP" panose="020B0200000000000000" pitchFamily="50" charset="-128"/>
-                <a:ea typeface="Noto Sans JP" panose="020B0200000000000000" pitchFamily="50" charset="-128"/>
-              </a:rPr>
-              <a:t>では、クラスや関数を定義したら必ずそのブロックの中に</a:t>
-            </a:r>
-            <a:endParaRPr kumimoji="1" lang="en-US" altLang="ja-JP" sz="2000" dirty="0">
-              <a:solidFill>
-                <a:schemeClr val="tx1">
-                  <a:lumMod val="85000"/>
-                  <a:lumOff val="15000"/>
-                </a:schemeClr>
-              </a:solidFill>
-              <a:latin typeface="Noto Sans JP" panose="020B0200000000000000" pitchFamily="50" charset="-128"/>
-              <a:ea typeface="Noto Sans JP" panose="020B0200000000000000" pitchFamily="50" charset="-128"/>
-            </a:endParaRPr>
-          </a:p>
-          <a:p>
-            <a:r>
-              <a:rPr kumimoji="1" lang="ja-JP" altLang="en-US" sz="2000" dirty="0">
-                <a:solidFill>
-                  <a:schemeClr val="tx1">
-                    <a:lumMod val="85000"/>
-                    <a:lumOff val="15000"/>
-                  </a:schemeClr>
-                </a:solidFill>
-                <a:latin typeface="Noto Sans JP" panose="020B0200000000000000" pitchFamily="50" charset="-128"/>
-                <a:ea typeface="Noto Sans JP" panose="020B0200000000000000" pitchFamily="50" charset="-128"/>
-              </a:rPr>
-              <a:t>何か</a:t>
-            </a:r>
-            <a:r>
-              <a:rPr kumimoji="1" lang="en-US" altLang="ja-JP" sz="2000" dirty="0">
-                <a:solidFill>
-                  <a:schemeClr val="tx1">
-                    <a:lumMod val="85000"/>
-                    <a:lumOff val="15000"/>
-                  </a:schemeClr>
-                </a:solidFill>
-                <a:latin typeface="Noto Sans JP" panose="020B0200000000000000" pitchFamily="50" charset="-128"/>
-                <a:ea typeface="Noto Sans JP" panose="020B0200000000000000" pitchFamily="50" charset="-128"/>
-              </a:rPr>
-              <a:t>1</a:t>
-            </a:r>
-            <a:r>
-              <a:rPr kumimoji="1" lang="ja-JP" altLang="en-US" sz="2000" dirty="0">
-                <a:solidFill>
-                  <a:schemeClr val="tx1">
-                    <a:lumMod val="85000"/>
-                    <a:lumOff val="15000"/>
-                  </a:schemeClr>
-                </a:solidFill>
-                <a:latin typeface="Noto Sans JP" panose="020B0200000000000000" pitchFamily="50" charset="-128"/>
-                <a:ea typeface="Noto Sans JP" panose="020B0200000000000000" pitchFamily="50" charset="-128"/>
-              </a:rPr>
-              <a:t>行以上書く必要があります。</a:t>
-            </a:r>
-          </a:p>
-          <a:p>
-            <a:endParaRPr kumimoji="1" lang="ja-JP" altLang="en-US" sz="2000" dirty="0">
-              <a:solidFill>
-                <a:schemeClr val="tx1">
-                  <a:lumMod val="85000"/>
-                  <a:lumOff val="15000"/>
-                </a:schemeClr>
-              </a:solidFill>
-              <a:latin typeface="Noto Sans JP" panose="020B0200000000000000" pitchFamily="50" charset="-128"/>
-              <a:ea typeface="Noto Sans JP" panose="020B0200000000000000" pitchFamily="50" charset="-128"/>
-            </a:endParaRPr>
-          </a:p>
-          <a:p>
-            <a:r>
-              <a:rPr kumimoji="1" lang="ja-JP" altLang="en-US" sz="2000" dirty="0">
-                <a:solidFill>
-                  <a:schemeClr val="tx1">
-                    <a:lumMod val="85000"/>
-                    <a:lumOff val="15000"/>
-                  </a:schemeClr>
-                </a:solidFill>
-                <a:latin typeface="Noto Sans JP" panose="020B0200000000000000" pitchFamily="50" charset="-128"/>
-                <a:ea typeface="Noto Sans JP" panose="020B0200000000000000" pitchFamily="50" charset="-128"/>
-              </a:rPr>
-              <a:t>でも、この場合は </a:t>
-            </a:r>
-            <a:r>
-              <a:rPr kumimoji="1" lang="en-US" altLang="ja-JP" sz="2000" dirty="0" err="1">
-                <a:solidFill>
-                  <a:schemeClr val="tx1">
-                    <a:lumMod val="85000"/>
-                    <a:lumOff val="15000"/>
-                  </a:schemeClr>
-                </a:solidFill>
-                <a:latin typeface="Noto Sans JP" panose="020B0200000000000000" pitchFamily="50" charset="-128"/>
-                <a:ea typeface="Noto Sans JP" panose="020B0200000000000000" pitchFamily="50" charset="-128"/>
-              </a:rPr>
-              <a:t>wexal</a:t>
-            </a:r>
-            <a:r>
-              <a:rPr kumimoji="1" lang="en-US" altLang="ja-JP" sz="2000" dirty="0">
-                <a:solidFill>
-                  <a:schemeClr val="tx1">
-                    <a:lumMod val="85000"/>
-                    <a:lumOff val="15000"/>
-                  </a:schemeClr>
-                </a:solidFill>
-                <a:latin typeface="Noto Sans JP" panose="020B0200000000000000" pitchFamily="50" charset="-128"/>
-                <a:ea typeface="Noto Sans JP" panose="020B0200000000000000" pitchFamily="50" charset="-128"/>
-              </a:rPr>
-              <a:t> </a:t>
-            </a:r>
-            <a:r>
-              <a:rPr kumimoji="1" lang="ja-JP" altLang="en-US" sz="2000" dirty="0">
-                <a:solidFill>
-                  <a:schemeClr val="tx1">
-                    <a:lumMod val="85000"/>
-                    <a:lumOff val="15000"/>
-                  </a:schemeClr>
-                </a:solidFill>
-                <a:latin typeface="Noto Sans JP" panose="020B0200000000000000" pitchFamily="50" charset="-128"/>
-                <a:ea typeface="Noto Sans JP" panose="020B0200000000000000" pitchFamily="50" charset="-128"/>
-              </a:rPr>
-              <a:t>クラスは </a:t>
-            </a:r>
-            <a:r>
-              <a:rPr kumimoji="1" lang="en-US" altLang="ja-JP" sz="2000" dirty="0">
-                <a:solidFill>
-                  <a:schemeClr val="tx1">
-                    <a:lumMod val="85000"/>
-                    <a:lumOff val="15000"/>
-                  </a:schemeClr>
-                </a:solidFill>
-                <a:latin typeface="Noto Sans JP" panose="020B0200000000000000" pitchFamily="50" charset="-128"/>
-                <a:ea typeface="Noto Sans JP" panose="020B0200000000000000" pitchFamily="50" charset="-128"/>
-              </a:rPr>
-              <a:t>Exception </a:t>
-            </a:r>
-            <a:r>
-              <a:rPr kumimoji="1" lang="ja-JP" altLang="en-US" sz="2000" dirty="0">
-                <a:solidFill>
-                  <a:schemeClr val="tx1">
-                    <a:lumMod val="85000"/>
-                    <a:lumOff val="15000"/>
-                  </a:schemeClr>
-                </a:solidFill>
-                <a:latin typeface="Noto Sans JP" panose="020B0200000000000000" pitchFamily="50" charset="-128"/>
-                <a:ea typeface="Noto Sans JP" panose="020B0200000000000000" pitchFamily="50" charset="-128"/>
-              </a:rPr>
-              <a:t>を継承するだけで、</a:t>
-            </a:r>
-            <a:endParaRPr kumimoji="1" lang="en-US" altLang="ja-JP" sz="2000" dirty="0">
-              <a:solidFill>
-                <a:schemeClr val="tx1">
-                  <a:lumMod val="85000"/>
-                  <a:lumOff val="15000"/>
-                </a:schemeClr>
-              </a:solidFill>
-              <a:latin typeface="Noto Sans JP" panose="020B0200000000000000" pitchFamily="50" charset="-128"/>
-              <a:ea typeface="Noto Sans JP" panose="020B0200000000000000" pitchFamily="50" charset="-128"/>
-            </a:endParaRPr>
-          </a:p>
-          <a:p>
-            <a:r>
-              <a:rPr kumimoji="1" lang="ja-JP" altLang="en-US" sz="2000" dirty="0">
-                <a:solidFill>
-                  <a:schemeClr val="tx1">
-                    <a:lumMod val="85000"/>
-                    <a:lumOff val="15000"/>
-                  </a:schemeClr>
-                </a:solidFill>
-                <a:latin typeface="Noto Sans JP" panose="020B0200000000000000" pitchFamily="50" charset="-128"/>
-                <a:ea typeface="Noto Sans JP" panose="020B0200000000000000" pitchFamily="50" charset="-128"/>
-              </a:rPr>
-              <a:t>新しいメソッドや変数を追加していません。</a:t>
-            </a:r>
-          </a:p>
-          <a:p>
-            <a:endParaRPr kumimoji="1" lang="ja-JP" altLang="en-US" sz="2000" dirty="0">
-              <a:solidFill>
-                <a:schemeClr val="tx1">
-                  <a:lumMod val="85000"/>
-                  <a:lumOff val="15000"/>
-                </a:schemeClr>
-              </a:solidFill>
-              <a:latin typeface="Noto Sans JP" panose="020B0200000000000000" pitchFamily="50" charset="-128"/>
-              <a:ea typeface="Noto Sans JP" panose="020B0200000000000000" pitchFamily="50" charset="-128"/>
-            </a:endParaRPr>
-          </a:p>
-          <a:p>
-            <a:r>
-              <a:rPr kumimoji="1" lang="ja-JP" altLang="en-US" sz="2000" dirty="0">
-                <a:solidFill>
-                  <a:schemeClr val="tx1">
-                    <a:lumMod val="85000"/>
-                    <a:lumOff val="15000"/>
-                  </a:schemeClr>
-                </a:solidFill>
-                <a:latin typeface="Noto Sans JP" panose="020B0200000000000000" pitchFamily="50" charset="-128"/>
-                <a:ea typeface="Noto Sans JP" panose="020B0200000000000000" pitchFamily="50" charset="-128"/>
-              </a:rPr>
-              <a:t>そこで何も処理しないことを明示するために </a:t>
-            </a:r>
-            <a:r>
-              <a:rPr kumimoji="1" lang="en-US" altLang="ja-JP" sz="2000" dirty="0">
-                <a:solidFill>
-                  <a:schemeClr val="tx1">
-                    <a:lumMod val="85000"/>
-                    <a:lumOff val="15000"/>
-                  </a:schemeClr>
-                </a:solidFill>
-                <a:latin typeface="Noto Sans JP" panose="020B0200000000000000" pitchFamily="50" charset="-128"/>
-                <a:ea typeface="Noto Sans JP" panose="020B0200000000000000" pitchFamily="50" charset="-128"/>
-              </a:rPr>
-              <a:t>pass </a:t>
-            </a:r>
-            <a:r>
-              <a:rPr kumimoji="1" lang="ja-JP" altLang="en-US" sz="2000" dirty="0">
-                <a:solidFill>
-                  <a:schemeClr val="tx1">
-                    <a:lumMod val="85000"/>
-                    <a:lumOff val="15000"/>
-                  </a:schemeClr>
-                </a:solidFill>
-                <a:latin typeface="Noto Sans JP" panose="020B0200000000000000" pitchFamily="50" charset="-128"/>
-                <a:ea typeface="Noto Sans JP" panose="020B0200000000000000" pitchFamily="50" charset="-128"/>
-              </a:rPr>
-              <a:t>を書いています。</a:t>
-            </a:r>
-          </a:p>
-        </p:txBody>
-      </p:sp>
-      <p:sp>
-        <p:nvSpPr>
-          <p:cNvPr id="12" name="正方形/長方形 11">
-            <a:extLst>
-              <a:ext uri="{FF2B5EF4-FFF2-40B4-BE49-F238E27FC236}">
-                <a16:creationId xmlns:a16="http://schemas.microsoft.com/office/drawing/2014/main" id="{D541DEF6-4CA8-A18D-227A-8430C197C5DF}"/>
-              </a:ext>
-            </a:extLst>
-          </p:cNvPr>
-          <p:cNvSpPr/>
-          <p:nvPr/>
-        </p:nvSpPr>
-        <p:spPr>
-          <a:xfrm>
-            <a:off x="12987835" y="5098381"/>
-            <a:ext cx="1406446" cy="498234"/>
-          </a:xfrm>
-          <a:prstGeom prst="rect">
-            <a:avLst/>
-          </a:prstGeom>
-          <a:solidFill>
-            <a:srgbClr val="0066FF"/>
-          </a:solidFill>
-          <a:ln>
-            <a:noFill/>
-          </a:ln>
-        </p:spPr>
-        <p:style>
-          <a:lnRef idx="2">
-            <a:schemeClr val="accent1">
-              <a:shade val="50000"/>
-            </a:schemeClr>
-          </a:lnRef>
-          <a:fillRef idx="1">
-            <a:schemeClr val="accent1"/>
-          </a:fillRef>
-          <a:effectRef idx="0">
-            <a:schemeClr val="accent1"/>
-          </a:effectRef>
-          <a:fontRef idx="minor">
-            <a:schemeClr val="lt1"/>
-          </a:fontRef>
-        </p:style>
-        <p:txBody>
-          <a:bodyPr rtlCol="0" anchor="ctr"/>
-          <a:lstStyle/>
-          <a:p>
-            <a:pPr algn="ctr"/>
-            <a:r>
-              <a:rPr kumimoji="1" lang="ja-JP" altLang="en-US" sz="2400" dirty="0">
-                <a:latin typeface="Noto Sans JP" panose="020B0200000000000000" pitchFamily="50" charset="-128"/>
-                <a:ea typeface="Noto Sans JP" panose="020B0200000000000000" pitchFamily="50" charset="-128"/>
-              </a:rPr>
-              <a:t>選択肢</a:t>
-            </a:r>
-          </a:p>
-        </p:txBody>
-      </p:sp>
-      <p:sp>
-        <p:nvSpPr>
-          <p:cNvPr id="24" name="矢印: 右 23">
-            <a:extLst>
-              <a:ext uri="{FF2B5EF4-FFF2-40B4-BE49-F238E27FC236}">
-                <a16:creationId xmlns:a16="http://schemas.microsoft.com/office/drawing/2014/main" id="{00AECF32-C14C-615C-DED7-C6A70C0F3667}"/>
-              </a:ext>
-            </a:extLst>
-          </p:cNvPr>
-          <p:cNvSpPr/>
-          <p:nvPr/>
-        </p:nvSpPr>
-        <p:spPr>
-          <a:xfrm rot="2566139">
-            <a:off x="2252603" y="5895948"/>
-            <a:ext cx="2832844" cy="216000"/>
-          </a:xfrm>
-          <a:prstGeom prst="rightArrow">
-            <a:avLst/>
-          </a:prstGeom>
-          <a:solidFill>
-            <a:srgbClr val="FF0000"/>
-          </a:solidFill>
-          <a:ln>
-            <a:noFill/>
-          </a:ln>
-        </p:spPr>
-        <p:style>
-          <a:lnRef idx="2">
-            <a:schemeClr val="accent1">
-              <a:shade val="50000"/>
-            </a:schemeClr>
-          </a:lnRef>
-          <a:fillRef idx="1">
-            <a:schemeClr val="accent1"/>
-          </a:fillRef>
-          <a:effectRef idx="0">
-            <a:schemeClr val="accent1"/>
-          </a:effectRef>
-          <a:fontRef idx="minor">
-            <a:schemeClr val="lt1"/>
-          </a:fontRef>
-        </p:style>
-        <p:txBody>
-          <a:bodyPr rtlCol="0" anchor="ctr"/>
-          <a:lstStyle/>
-          <a:p>
-            <a:pPr algn="ctr"/>
-            <a:endParaRPr kumimoji="1" lang="ja-JP" altLang="en-US" sz="4050"/>
-          </a:p>
-        </p:txBody>
-      </p:sp>
-      <p:sp>
-        <p:nvSpPr>
-          <p:cNvPr id="25" name="テキスト ボックス 24">
-            <a:extLst>
-              <a:ext uri="{FF2B5EF4-FFF2-40B4-BE49-F238E27FC236}">
-                <a16:creationId xmlns:a16="http://schemas.microsoft.com/office/drawing/2014/main" id="{4A94B202-D1EF-6D47-45D1-985F22E15A48}"/>
-              </a:ext>
-            </a:extLst>
-          </p:cNvPr>
-          <p:cNvSpPr txBox="1"/>
-          <p:nvPr/>
-        </p:nvSpPr>
-        <p:spPr>
-          <a:xfrm>
-            <a:off x="4870935" y="6380571"/>
-            <a:ext cx="7943366" cy="2246769"/>
-          </a:xfrm>
-          <a:prstGeom prst="rect">
-            <a:avLst/>
-          </a:prstGeom>
-          <a:noFill/>
-          <a:ln>
-            <a:solidFill>
-              <a:srgbClr val="FF0000"/>
-            </a:solidFill>
-          </a:ln>
-        </p:spPr>
-        <p:txBody>
-          <a:bodyPr wrap="square" rtlCol="0">
-            <a:spAutoFit/>
-          </a:bodyPr>
-          <a:lstStyle/>
-          <a:p>
-            <a:r>
-              <a:rPr kumimoji="1" lang="en-US" altLang="ja-JP" sz="2000" dirty="0">
-                <a:solidFill>
-                  <a:schemeClr val="bg1"/>
-                </a:solidFill>
-                <a:highlight>
-                  <a:srgbClr val="FF0000"/>
-                </a:highlight>
-                <a:latin typeface="Noto Sans JP" panose="020B0200000000000000" pitchFamily="50" charset="-128"/>
-                <a:ea typeface="Noto Sans JP" panose="020B0200000000000000" pitchFamily="50" charset="-128"/>
-              </a:rPr>
-              <a:t>name: int </a:t>
-            </a:r>
-            <a:r>
-              <a:rPr kumimoji="1" lang="ja-JP" altLang="en-US" sz="2000" dirty="0">
-                <a:solidFill>
-                  <a:schemeClr val="tx1">
-                    <a:lumMod val="85000"/>
-                    <a:lumOff val="15000"/>
-                  </a:schemeClr>
-                </a:solidFill>
-                <a:latin typeface="Noto Sans JP" panose="020B0200000000000000" pitchFamily="50" charset="-128"/>
-                <a:ea typeface="Noto Sans JP" panose="020B0200000000000000" pitchFamily="50" charset="-128"/>
-              </a:rPr>
-              <a:t>は 関数の引数の型アノテーション（型ヒント） です。</a:t>
-            </a:r>
-          </a:p>
-          <a:p>
-            <a:endParaRPr kumimoji="1" lang="ja-JP" altLang="en-US" sz="2000" dirty="0">
-              <a:solidFill>
-                <a:schemeClr val="tx1">
-                  <a:lumMod val="85000"/>
-                  <a:lumOff val="15000"/>
-                </a:schemeClr>
-              </a:solidFill>
-              <a:latin typeface="Noto Sans JP" panose="020B0200000000000000" pitchFamily="50" charset="-128"/>
-              <a:ea typeface="Noto Sans JP" panose="020B0200000000000000" pitchFamily="50" charset="-128"/>
-            </a:endParaRPr>
-          </a:p>
-          <a:p>
-            <a:r>
-              <a:rPr kumimoji="1" lang="ja-JP" altLang="en-US" sz="2000" dirty="0">
-                <a:solidFill>
-                  <a:schemeClr val="tx1">
-                    <a:lumMod val="85000"/>
-                    <a:lumOff val="15000"/>
-                  </a:schemeClr>
-                </a:solidFill>
-                <a:latin typeface="Noto Sans JP" panose="020B0200000000000000" pitchFamily="50" charset="-128"/>
-                <a:ea typeface="Noto Sans JP" panose="020B0200000000000000" pitchFamily="50" charset="-128"/>
-              </a:rPr>
-              <a:t>「</a:t>
-            </a:r>
-            <a:r>
-              <a:rPr kumimoji="1" lang="en-US" altLang="ja-JP" sz="2000" dirty="0">
-                <a:solidFill>
-                  <a:schemeClr val="tx1">
-                    <a:lumMod val="85000"/>
-                    <a:lumOff val="15000"/>
-                  </a:schemeClr>
-                </a:solidFill>
-                <a:latin typeface="Noto Sans JP" panose="020B0200000000000000" pitchFamily="50" charset="-128"/>
-                <a:ea typeface="Noto Sans JP" panose="020B0200000000000000" pitchFamily="50" charset="-128"/>
-              </a:rPr>
-              <a:t>name </a:t>
-            </a:r>
-            <a:r>
-              <a:rPr kumimoji="1" lang="ja-JP" altLang="en-US" sz="2000" dirty="0">
-                <a:solidFill>
-                  <a:schemeClr val="tx1">
-                    <a:lumMod val="85000"/>
-                    <a:lumOff val="15000"/>
-                  </a:schemeClr>
-                </a:solidFill>
-                <a:latin typeface="Noto Sans JP" panose="020B0200000000000000" pitchFamily="50" charset="-128"/>
-                <a:ea typeface="Noto Sans JP" panose="020B0200000000000000" pitchFamily="50" charset="-128"/>
-              </a:rPr>
-              <a:t>は </a:t>
-            </a:r>
-            <a:r>
-              <a:rPr kumimoji="1" lang="en-US" altLang="ja-JP" sz="2000" dirty="0">
-                <a:solidFill>
-                  <a:schemeClr val="tx1">
-                    <a:lumMod val="85000"/>
-                    <a:lumOff val="15000"/>
-                  </a:schemeClr>
-                </a:solidFill>
-                <a:latin typeface="Noto Sans JP" panose="020B0200000000000000" pitchFamily="50" charset="-128"/>
-                <a:ea typeface="Noto Sans JP" panose="020B0200000000000000" pitchFamily="50" charset="-128"/>
-              </a:rPr>
-              <a:t>int </a:t>
-            </a:r>
-            <a:r>
-              <a:rPr kumimoji="1" lang="ja-JP" altLang="en-US" sz="2000" dirty="0">
-                <a:solidFill>
-                  <a:schemeClr val="tx1">
-                    <a:lumMod val="85000"/>
-                    <a:lumOff val="15000"/>
-                  </a:schemeClr>
-                </a:solidFill>
-                <a:latin typeface="Noto Sans JP" panose="020B0200000000000000" pitchFamily="50" charset="-128"/>
-                <a:ea typeface="Noto Sans JP" panose="020B0200000000000000" pitchFamily="50" charset="-128"/>
-              </a:rPr>
-              <a:t>型（整数型）であるべき」という意味を示しています。</a:t>
-            </a:r>
-          </a:p>
-          <a:p>
-            <a:endParaRPr kumimoji="1" lang="ja-JP" altLang="en-US" sz="2000" dirty="0">
-              <a:solidFill>
-                <a:schemeClr val="tx1">
-                  <a:lumMod val="85000"/>
-                  <a:lumOff val="15000"/>
-                </a:schemeClr>
-              </a:solidFill>
-              <a:latin typeface="Noto Sans JP" panose="020B0200000000000000" pitchFamily="50" charset="-128"/>
-              <a:ea typeface="Noto Sans JP" panose="020B0200000000000000" pitchFamily="50" charset="-128"/>
-            </a:endParaRPr>
-          </a:p>
-          <a:p>
-            <a:r>
-              <a:rPr kumimoji="1" lang="ja-JP" altLang="en-US" sz="2000" dirty="0">
-                <a:solidFill>
-                  <a:schemeClr val="tx1">
-                    <a:lumMod val="85000"/>
-                    <a:lumOff val="15000"/>
-                  </a:schemeClr>
-                </a:solidFill>
-                <a:latin typeface="Noto Sans JP" panose="020B0200000000000000" pitchFamily="50" charset="-128"/>
-                <a:ea typeface="Noto Sans JP" panose="020B0200000000000000" pitchFamily="50" charset="-128"/>
-              </a:rPr>
-              <a:t>これは実行時に動作に影響を与えるわけではなく、あくまで読みやすさや静的解析のための情報です。</a:t>
-            </a:r>
-          </a:p>
-        </p:txBody>
-      </p:sp>
-    </p:spTree>
-    <p:extLst>
-      <p:ext uri="{BB962C8B-B14F-4D97-AF65-F5344CB8AC3E}">
-        <p14:creationId xmlns:p14="http://schemas.microsoft.com/office/powerpoint/2010/main" val="2993871398"/>
-      </p:ext>
-    </p:extLst>
-  </p:cSld>
-  <p:clrMapOvr>
-    <a:masterClrMapping/>
-  </p:clrMapOvr>
-  <p:timing>
-    <p:tnLst>
-      <p:par>
-        <p:cTn id="1" dur="indefinite" restart="never" nodeType="tmRoot">
-          <p:childTnLst>
-            <p:seq concurrent="1" nextAc="seek">
-              <p:cTn id="2" dur="indefinite" nodeType="mainSeq">
-                <p:childTnLst>
-                  <p:par>
-                    <p:cTn id="3" fill="hold">
-                      <p:stCondLst>
-                        <p:cond delay="indefinite"/>
-                      </p:stCondLst>
-                      <p:childTnLst>
-                        <p:par>
-                          <p:cTn id="4" fill="hold">
-                            <p:stCondLst>
-                              <p:cond delay="0"/>
-                            </p:stCondLst>
-                            <p:childTnLst>
-                              <p:par>
-                                <p:cTn id="5" presetID="1" presetClass="entr" presetSubtype="0" fill="hold" grpId="0" nodeType="clickEffect">
-                                  <p:stCondLst>
-                                    <p:cond delay="0"/>
-                                  </p:stCondLst>
-                                  <p:childTnLst>
-                                    <p:set>
-                                      <p:cBhvr>
-                                        <p:cTn id="6" dur="1" fill="hold">
-                                          <p:stCondLst>
-                                            <p:cond delay="0"/>
-                                          </p:stCondLst>
-                                        </p:cTn>
-                                        <p:tgtEl>
-                                          <p:spTgt spid="18"/>
-                                        </p:tgtEl>
-                                        <p:attrNameLst>
-                                          <p:attrName>style.visibility</p:attrName>
-                                        </p:attrNameLst>
-                                      </p:cBhvr>
-                                      <p:to>
-                                        <p:strVal val="visible"/>
-                                      </p:to>
-                                    </p:set>
-                                  </p:childTnLst>
-                                </p:cTn>
-                              </p:par>
-                              <p:par>
-                                <p:cTn id="7" presetID="1" presetClass="entr" presetSubtype="0" fill="hold" grpId="0" nodeType="withEffect">
-                                  <p:stCondLst>
-                                    <p:cond delay="0"/>
-                                  </p:stCondLst>
-                                  <p:childTnLst>
-                                    <p:set>
-                                      <p:cBhvr>
-                                        <p:cTn id="8" dur="1" fill="hold">
-                                          <p:stCondLst>
-                                            <p:cond delay="0"/>
-                                          </p:stCondLst>
-                                        </p:cTn>
-                                        <p:tgtEl>
-                                          <p:spTgt spid="19"/>
-                                        </p:tgtEl>
-                                        <p:attrNameLst>
-                                          <p:attrName>style.visibility</p:attrName>
-                                        </p:attrNameLst>
-                                      </p:cBhvr>
-                                      <p:to>
-                                        <p:strVal val="visible"/>
-                                      </p:to>
-                                    </p:set>
-                                  </p:childTnLst>
-                                </p:cTn>
-                              </p:par>
-                              <p:par>
-                                <p:cTn id="9" presetID="1" presetClass="entr" presetSubtype="0" fill="hold" grpId="0" nodeType="withEffect">
-                                  <p:stCondLst>
-                                    <p:cond delay="0"/>
-                                  </p:stCondLst>
-                                  <p:childTnLst>
-                                    <p:set>
-                                      <p:cBhvr>
-                                        <p:cTn id="10" dur="1" fill="hold">
-                                          <p:stCondLst>
-                                            <p:cond delay="0"/>
-                                          </p:stCondLst>
-                                        </p:cTn>
-                                        <p:tgtEl>
-                                          <p:spTgt spid="20"/>
-                                        </p:tgtEl>
-                                        <p:attrNameLst>
-                                          <p:attrName>style.visibility</p:attrName>
-                                        </p:attrNameLst>
-                                      </p:cBhvr>
-                                      <p:to>
-                                        <p:strVal val="visible"/>
-                                      </p:to>
-                                    </p:set>
-                                  </p:childTnLst>
-                                </p:cTn>
-                              </p:par>
-                              <p:par>
-                                <p:cTn id="11" presetID="1" presetClass="entr" presetSubtype="0" fill="hold" grpId="0" nodeType="withEffect">
-                                  <p:stCondLst>
-                                    <p:cond delay="0"/>
-                                  </p:stCondLst>
-                                  <p:childTnLst>
-                                    <p:set>
-                                      <p:cBhvr>
-                                        <p:cTn id="12" dur="1" fill="hold">
-                                          <p:stCondLst>
-                                            <p:cond delay="0"/>
-                                          </p:stCondLst>
-                                        </p:cTn>
-                                        <p:tgtEl>
-                                          <p:spTgt spid="13"/>
-                                        </p:tgtEl>
-                                        <p:attrNameLst>
-                                          <p:attrName>style.visibility</p:attrName>
-                                        </p:attrNameLst>
-                                      </p:cBhvr>
-                                      <p:to>
-                                        <p:strVal val="visible"/>
-                                      </p:to>
-                                    </p:set>
-                                  </p:childTnLst>
-                                </p:cTn>
-                              </p:par>
-                              <p:par>
-                                <p:cTn id="13" presetID="1" presetClass="entr" presetSubtype="0" fill="hold" grpId="0" nodeType="withEffect">
-                                  <p:stCondLst>
-                                    <p:cond delay="0"/>
-                                  </p:stCondLst>
-                                  <p:childTnLst>
-                                    <p:set>
-                                      <p:cBhvr>
-                                        <p:cTn id="14" dur="1" fill="hold">
-                                          <p:stCondLst>
-                                            <p:cond delay="0"/>
-                                          </p:stCondLst>
-                                        </p:cTn>
-                                        <p:tgtEl>
-                                          <p:spTgt spid="22"/>
-                                        </p:tgtEl>
-                                        <p:attrNameLst>
-                                          <p:attrName>style.visibility</p:attrName>
-                                        </p:attrNameLst>
-                                      </p:cBhvr>
-                                      <p:to>
-                                        <p:strVal val="visible"/>
-                                      </p:to>
-                                    </p:set>
-                                  </p:childTnLst>
-                                </p:cTn>
-                              </p:par>
-                              <p:par>
-                                <p:cTn id="15" presetID="1" presetClass="entr" presetSubtype="0" fill="hold" grpId="0" nodeType="withEffect">
-                                  <p:stCondLst>
-                                    <p:cond delay="0"/>
-                                  </p:stCondLst>
-                                  <p:childTnLst>
-                                    <p:set>
-                                      <p:cBhvr>
-                                        <p:cTn id="16" dur="1" fill="hold">
-                                          <p:stCondLst>
-                                            <p:cond delay="0"/>
-                                          </p:stCondLst>
-                                        </p:cTn>
-                                        <p:tgtEl>
-                                          <p:spTgt spid="23"/>
-                                        </p:tgtEl>
-                                        <p:attrNameLst>
-                                          <p:attrName>style.visibility</p:attrName>
-                                        </p:attrNameLst>
-                                      </p:cBhvr>
-                                      <p:to>
-                                        <p:strVal val="visible"/>
-                                      </p:to>
-                                    </p:set>
-                                  </p:childTnLst>
-                                </p:cTn>
-                              </p:par>
-                              <p:par>
-                                <p:cTn id="17" presetID="1" presetClass="entr" presetSubtype="0" fill="hold" grpId="0" nodeType="withEffect">
-                                  <p:stCondLst>
-                                    <p:cond delay="0"/>
-                                  </p:stCondLst>
-                                  <p:childTnLst>
-                                    <p:set>
-                                      <p:cBhvr>
-                                        <p:cTn id="18" dur="1" fill="hold">
-                                          <p:stCondLst>
-                                            <p:cond delay="0"/>
-                                          </p:stCondLst>
-                                        </p:cTn>
-                                        <p:tgtEl>
-                                          <p:spTgt spid="16"/>
-                                        </p:tgtEl>
-                                        <p:attrNameLst>
-                                          <p:attrName>style.visibility</p:attrName>
-                                        </p:attrNameLst>
-                                      </p:cBhvr>
-                                      <p:to>
-                                        <p:strVal val="visible"/>
-                                      </p:to>
-                                    </p:set>
-                                  </p:childTnLst>
-                                </p:cTn>
-                              </p:par>
-                              <p:par>
-                                <p:cTn id="19" presetID="1" presetClass="entr" presetSubtype="0" fill="hold" grpId="0" nodeType="withEffect">
-                                  <p:stCondLst>
-                                    <p:cond delay="0"/>
-                                  </p:stCondLst>
-                                  <p:childTnLst>
-                                    <p:set>
-                                      <p:cBhvr>
-                                        <p:cTn id="20" dur="1" fill="hold">
-                                          <p:stCondLst>
-                                            <p:cond delay="0"/>
-                                          </p:stCondLst>
-                                        </p:cTn>
-                                        <p:tgtEl>
-                                          <p:spTgt spid="24"/>
-                                        </p:tgtEl>
-                                        <p:attrNameLst>
-                                          <p:attrName>style.visibility</p:attrName>
-                                        </p:attrNameLst>
-                                      </p:cBhvr>
-                                      <p:to>
-                                        <p:strVal val="visible"/>
-                                      </p:to>
-                                    </p:set>
-                                  </p:childTnLst>
-                                </p:cTn>
-                              </p:par>
-                              <p:par>
-                                <p:cTn id="21" presetID="1" presetClass="entr" presetSubtype="0" fill="hold" grpId="0" nodeType="withEffect">
-                                  <p:stCondLst>
-                                    <p:cond delay="0"/>
-                                  </p:stCondLst>
-                                  <p:childTnLst>
-                                    <p:set>
-                                      <p:cBhvr>
-                                        <p:cTn id="22" dur="1" fill="hold">
-                                          <p:stCondLst>
-                                            <p:cond delay="0"/>
-                                          </p:stCondLst>
-                                        </p:cTn>
-                                        <p:tgtEl>
-                                          <p:spTgt spid="25"/>
-                                        </p:tgtEl>
-                                        <p:attrNameLst>
-                                          <p:attrName>style.visibility</p:attrName>
-                                        </p:attrNameLst>
-                                      </p:cBhvr>
-                                      <p:to>
-                                        <p:strVal val="visible"/>
-                                      </p:to>
-                                    </p:set>
-                                  </p:childTnLst>
-                                </p:cTn>
-                              </p:par>
-                            </p:childTnLst>
-                          </p:cTn>
-                        </p:par>
-                      </p:childTnLst>
-                    </p:cTn>
-                  </p:par>
-                </p:childTnLst>
-              </p:cTn>
-              <p:prevCondLst>
-                <p:cond evt="onPrev" delay="0">
-                  <p:tgtEl>
-                    <p:sldTgt/>
-                  </p:tgtEl>
-                </p:cond>
-              </p:prevCondLst>
-              <p:nextCondLst>
-                <p:cond evt="onNext" delay="0">
-                  <p:tgtEl>
-                    <p:sldTgt/>
-                  </p:tgtEl>
-                </p:cond>
-              </p:nextCondLst>
-            </p:seq>
-          </p:childTnLst>
-        </p:cTn>
-      </p:par>
-    </p:tnLst>
-    <p:bldLst>
-      <p:bldP spid="13" grpId="0" animBg="1"/>
-      <p:bldP spid="16" grpId="0" animBg="1"/>
-      <p:bldP spid="18" grpId="0" animBg="1"/>
-      <p:bldP spid="19" grpId="0" animBg="1"/>
-      <p:bldP spid="20" grpId="0" animBg="1"/>
-      <p:bldP spid="22" grpId="0" animBg="1"/>
-      <p:bldP spid="23" grpId="0" animBg="1"/>
-      <p:bldP spid="24" grpId="0" animBg="1"/>
-      <p:bldP spid="25" grpId="0" animBg="1"/>
-    </p:bldLst>
-  </p:timing>
 </p:sld>
 </file>
 
